--- a/授業資料/演習課題：vector.pptx
+++ b/授業資料/演習課題：vector.pptx
@@ -21,6 +21,7 @@
     <p:sldId id="388" r:id="rId15"/>
     <p:sldId id="395" r:id="rId16"/>
     <p:sldId id="396" r:id="rId17"/>
+    <p:sldId id="397" r:id="rId18"/>
   </p:sldIdLst>
   <p:sldSz cx="12192000" cy="6858000"/>
   <p:notesSz cx="6858000" cy="9144000"/>
@@ -7971,6 +7972,773 @@
 </p:sld>
 </file>
 
+<file path=ppt/slides/slide17.xml><?xml version="1.0" encoding="utf-8"?>
+<p:sld xmlns:a="http://schemas.openxmlformats.org/drawingml/2006/main" xmlns:r="http://schemas.openxmlformats.org/officeDocument/2006/relationships" xmlns:p="http://schemas.openxmlformats.org/presentationml/2006/main">
+  <p:cSld>
+    <p:spTree>
+      <p:nvGrpSpPr>
+        <p:cNvPr id="1" name=""/>
+        <p:cNvGrpSpPr/>
+        <p:nvPr/>
+      </p:nvGrpSpPr>
+      <p:grpSpPr>
+        <a:xfrm>
+          <a:off x="0" y="0"/>
+          <a:ext cx="0" cy="0"/>
+          <a:chOff x="0" y="0"/>
+          <a:chExt cx="0" cy="0"/>
+        </a:xfrm>
+      </p:grpSpPr>
+      <p:sp>
+        <p:nvSpPr>
+          <p:cNvPr id="2" name="タイトル 1">
+            <a:extLst>
+              <a:ext uri="{FF2B5EF4-FFF2-40B4-BE49-F238E27FC236}">
+                <a16:creationId xmlns:a16="http://schemas.microsoft.com/office/drawing/2014/main" id="{9F789731-37C4-49DD-AEE8-78E5514E279E}"/>
+              </a:ext>
+            </a:extLst>
+          </p:cNvPr>
+          <p:cNvSpPr>
+            <a:spLocks noGrp="1"/>
+          </p:cNvSpPr>
+          <p:nvPr>
+            <p:ph type="title"/>
+          </p:nvPr>
+        </p:nvSpPr>
+        <p:spPr/>
+        <p:txBody>
+          <a:bodyPr/>
+          <a:lstStyle/>
+          <a:p>
+            <a:r>
+              <a:rPr kumimoji="1" lang="ja-JP" altLang="en-US" dirty="0"/>
+              <a:t>演習：</a:t>
+            </a:r>
+            <a:r>
+              <a:rPr kumimoji="1" lang="en-US" altLang="ja-JP" dirty="0"/>
+              <a:t>vector</a:t>
+            </a:r>
+            <a:r>
+              <a:rPr kumimoji="1" lang="ja-JP" altLang="en-US" dirty="0"/>
+              <a:t>（おまけ）</a:t>
+            </a:r>
+          </a:p>
+        </p:txBody>
+      </p:sp>
+      <p:sp>
+        <p:nvSpPr>
+          <p:cNvPr id="7" name="コンテンツ プレースホルダー 2">
+            <a:extLst>
+              <a:ext uri="{FF2B5EF4-FFF2-40B4-BE49-F238E27FC236}">
+                <a16:creationId xmlns:a16="http://schemas.microsoft.com/office/drawing/2014/main" id="{A0A91DBA-07A3-8412-C833-6E69F85C1811}"/>
+              </a:ext>
+            </a:extLst>
+          </p:cNvPr>
+          <p:cNvSpPr txBox="1">
+            <a:spLocks/>
+          </p:cNvSpPr>
+          <p:nvPr/>
+        </p:nvSpPr>
+        <p:spPr>
+          <a:xfrm>
+            <a:off x="470169" y="4549301"/>
+            <a:ext cx="11468911" cy="1627763"/>
+          </a:xfrm>
+          <a:prstGeom prst="rect">
+            <a:avLst/>
+          </a:prstGeom>
+          <a:solidFill>
+            <a:schemeClr val="bg1"/>
+          </a:solidFill>
+          <a:ln>
+            <a:solidFill>
+              <a:schemeClr val="tx1"/>
+            </a:solidFill>
+          </a:ln>
+        </p:spPr>
+        <p:txBody>
+          <a:bodyPr vert="horz" lIns="91440" tIns="45720" rIns="91440" bIns="45720" rtlCol="0">
+            <a:noAutofit/>
+          </a:bodyPr>
+          <a:lstStyle>
+            <a:lvl1pPr marL="228600" indent="-228600" algn="l" defTabSz="914400" rtl="0" eaLnBrk="1" latinLnBrk="0" hangingPunct="1">
+              <a:lnSpc>
+                <a:spcPct val="90000"/>
+              </a:lnSpc>
+              <a:spcBef>
+                <a:spcPts val="1000"/>
+              </a:spcBef>
+              <a:buFont typeface="Arial" panose="020B0604020202020204" pitchFamily="34" charset="0"/>
+              <a:buChar char="•"/>
+              <a:defRPr kumimoji="1" sz="3600" kern="1200">
+                <a:solidFill>
+                  <a:schemeClr val="tx1"/>
+                </a:solidFill>
+                <a:latin typeface="+mn-lt"/>
+                <a:ea typeface="+mn-ea"/>
+                <a:cs typeface="+mn-cs"/>
+              </a:defRPr>
+            </a:lvl1pPr>
+            <a:lvl2pPr marL="685800" indent="-228600" algn="l" defTabSz="914400" rtl="0" eaLnBrk="1" latinLnBrk="0" hangingPunct="1">
+              <a:lnSpc>
+                <a:spcPct val="90000"/>
+              </a:lnSpc>
+              <a:spcBef>
+                <a:spcPts val="500"/>
+              </a:spcBef>
+              <a:buFont typeface="Arial" panose="020B0604020202020204" pitchFamily="34" charset="0"/>
+              <a:buChar char="•"/>
+              <a:defRPr kumimoji="1" sz="3200" kern="1200">
+                <a:solidFill>
+                  <a:schemeClr val="tx1"/>
+                </a:solidFill>
+                <a:latin typeface="+mn-lt"/>
+                <a:ea typeface="+mn-ea"/>
+                <a:cs typeface="+mn-cs"/>
+              </a:defRPr>
+            </a:lvl2pPr>
+            <a:lvl3pPr marL="1143000" indent="-228600" algn="l" defTabSz="914400" rtl="0" eaLnBrk="1" latinLnBrk="0" hangingPunct="1">
+              <a:lnSpc>
+                <a:spcPct val="90000"/>
+              </a:lnSpc>
+              <a:spcBef>
+                <a:spcPts val="500"/>
+              </a:spcBef>
+              <a:buFont typeface="Arial" panose="020B0604020202020204" pitchFamily="34" charset="0"/>
+              <a:buChar char="•"/>
+              <a:defRPr kumimoji="1" sz="2800" kern="1200">
+                <a:solidFill>
+                  <a:schemeClr val="tx1"/>
+                </a:solidFill>
+                <a:latin typeface="+mn-lt"/>
+                <a:ea typeface="+mn-ea"/>
+                <a:cs typeface="+mn-cs"/>
+              </a:defRPr>
+            </a:lvl3pPr>
+            <a:lvl4pPr marL="1600200" indent="-228600" algn="l" defTabSz="914400" rtl="0" eaLnBrk="1" latinLnBrk="0" hangingPunct="1">
+              <a:lnSpc>
+                <a:spcPct val="90000"/>
+              </a:lnSpc>
+              <a:spcBef>
+                <a:spcPts val="500"/>
+              </a:spcBef>
+              <a:buFont typeface="Arial" panose="020B0604020202020204" pitchFamily="34" charset="0"/>
+              <a:buChar char="•"/>
+              <a:defRPr kumimoji="1" sz="2400" kern="1200">
+                <a:solidFill>
+                  <a:schemeClr val="tx1"/>
+                </a:solidFill>
+                <a:latin typeface="+mn-lt"/>
+                <a:ea typeface="+mn-ea"/>
+                <a:cs typeface="+mn-cs"/>
+              </a:defRPr>
+            </a:lvl4pPr>
+            <a:lvl5pPr marL="2057400" indent="-228600" algn="l" defTabSz="914400" rtl="0" eaLnBrk="1" latinLnBrk="0" hangingPunct="1">
+              <a:lnSpc>
+                <a:spcPct val="90000"/>
+              </a:lnSpc>
+              <a:spcBef>
+                <a:spcPts val="500"/>
+              </a:spcBef>
+              <a:buFont typeface="Arial" panose="020B0604020202020204" pitchFamily="34" charset="0"/>
+              <a:buChar char="•"/>
+              <a:defRPr kumimoji="1" sz="2400" kern="1200">
+                <a:solidFill>
+                  <a:schemeClr val="tx1"/>
+                </a:solidFill>
+                <a:latin typeface="+mn-lt"/>
+                <a:ea typeface="+mn-ea"/>
+                <a:cs typeface="+mn-cs"/>
+              </a:defRPr>
+            </a:lvl5pPr>
+            <a:lvl6pPr marL="2514600" indent="-228600" algn="l" defTabSz="914400" rtl="0" eaLnBrk="1" latinLnBrk="0" hangingPunct="1">
+              <a:lnSpc>
+                <a:spcPct val="90000"/>
+              </a:lnSpc>
+              <a:spcBef>
+                <a:spcPts val="500"/>
+              </a:spcBef>
+              <a:buFont typeface="Arial" panose="020B0604020202020204" pitchFamily="34" charset="0"/>
+              <a:buChar char="•"/>
+              <a:defRPr kumimoji="1" sz="1800" kern="1200">
+                <a:solidFill>
+                  <a:schemeClr val="tx1"/>
+                </a:solidFill>
+                <a:latin typeface="+mn-lt"/>
+                <a:ea typeface="+mn-ea"/>
+                <a:cs typeface="+mn-cs"/>
+              </a:defRPr>
+            </a:lvl6pPr>
+            <a:lvl7pPr marL="2971800" indent="-228600" algn="l" defTabSz="914400" rtl="0" eaLnBrk="1" latinLnBrk="0" hangingPunct="1">
+              <a:lnSpc>
+                <a:spcPct val="90000"/>
+              </a:lnSpc>
+              <a:spcBef>
+                <a:spcPts val="500"/>
+              </a:spcBef>
+              <a:buFont typeface="Arial" panose="020B0604020202020204" pitchFamily="34" charset="0"/>
+              <a:buChar char="•"/>
+              <a:defRPr kumimoji="1" sz="1800" kern="1200">
+                <a:solidFill>
+                  <a:schemeClr val="tx1"/>
+                </a:solidFill>
+                <a:latin typeface="+mn-lt"/>
+                <a:ea typeface="+mn-ea"/>
+                <a:cs typeface="+mn-cs"/>
+              </a:defRPr>
+            </a:lvl7pPr>
+            <a:lvl8pPr marL="3429000" indent="-228600" algn="l" defTabSz="914400" rtl="0" eaLnBrk="1" latinLnBrk="0" hangingPunct="1">
+              <a:lnSpc>
+                <a:spcPct val="90000"/>
+              </a:lnSpc>
+              <a:spcBef>
+                <a:spcPts val="500"/>
+              </a:spcBef>
+              <a:buFont typeface="Arial" panose="020B0604020202020204" pitchFamily="34" charset="0"/>
+              <a:buChar char="•"/>
+              <a:defRPr kumimoji="1" sz="1800" kern="1200">
+                <a:solidFill>
+                  <a:schemeClr val="tx1"/>
+                </a:solidFill>
+                <a:latin typeface="+mn-lt"/>
+                <a:ea typeface="+mn-ea"/>
+                <a:cs typeface="+mn-cs"/>
+              </a:defRPr>
+            </a:lvl8pPr>
+            <a:lvl9pPr marL="3886200" indent="-228600" algn="l" defTabSz="914400" rtl="0" eaLnBrk="1" latinLnBrk="0" hangingPunct="1">
+              <a:lnSpc>
+                <a:spcPct val="90000"/>
+              </a:lnSpc>
+              <a:spcBef>
+                <a:spcPts val="500"/>
+              </a:spcBef>
+              <a:buFont typeface="Arial" panose="020B0604020202020204" pitchFamily="34" charset="0"/>
+              <a:buChar char="•"/>
+              <a:defRPr kumimoji="1" sz="1800" kern="1200">
+                <a:solidFill>
+                  <a:schemeClr val="tx1"/>
+                </a:solidFill>
+                <a:latin typeface="+mn-lt"/>
+                <a:ea typeface="+mn-ea"/>
+                <a:cs typeface="+mn-cs"/>
+              </a:defRPr>
+            </a:lvl9pPr>
+          </a:lstStyle>
+          <a:p>
+            <a:pPr marL="0" indent="0">
+              <a:buFont typeface="Arial" panose="020B0604020202020204" pitchFamily="34" charset="0"/>
+              <a:buNone/>
+            </a:pPr>
+            <a:r>
+              <a:rPr lang="en-US" altLang="ja-JP" sz="2800" dirty="0">
+                <a:solidFill>
+                  <a:srgbClr val="000000"/>
+                </a:solidFill>
+                <a:ea typeface="ＭＳ ゴシック" panose="020B0609070205080204" pitchFamily="49" charset="-128"/>
+              </a:rPr>
+              <a:t>max = *</a:t>
+            </a:r>
+            <a:r>
+              <a:rPr lang="en-US" altLang="ja-JP" sz="2800" dirty="0" err="1">
+                <a:solidFill>
+                  <a:srgbClr val="FF0000"/>
+                </a:solidFill>
+                <a:ea typeface="ＭＳ ゴシック" panose="020B0609070205080204" pitchFamily="49" charset="-128"/>
+              </a:rPr>
+              <a:t>max_element</a:t>
+            </a:r>
+            <a:r>
+              <a:rPr lang="en-US" altLang="ja-JP" sz="2800" dirty="0">
+                <a:solidFill>
+                  <a:srgbClr val="000000"/>
+                </a:solidFill>
+                <a:ea typeface="ＭＳ ゴシック" panose="020B0609070205080204" pitchFamily="49" charset="-128"/>
+              </a:rPr>
+              <a:t>(</a:t>
+            </a:r>
+            <a:r>
+              <a:rPr lang="en-US" altLang="ja-JP" sz="2800" dirty="0" err="1">
+                <a:solidFill>
+                  <a:srgbClr val="000000"/>
+                </a:solidFill>
+                <a:ea typeface="ＭＳ ゴシック" panose="020B0609070205080204" pitchFamily="49" charset="-128"/>
+              </a:rPr>
+              <a:t>vec.begin</a:t>
+            </a:r>
+            <a:r>
+              <a:rPr lang="en-US" altLang="ja-JP" sz="2800" dirty="0">
+                <a:solidFill>
+                  <a:srgbClr val="000000"/>
+                </a:solidFill>
+                <a:ea typeface="ＭＳ ゴシック" panose="020B0609070205080204" pitchFamily="49" charset="-128"/>
+              </a:rPr>
+              <a:t>(), </a:t>
+            </a:r>
+            <a:r>
+              <a:rPr lang="en-US" altLang="ja-JP" sz="2800" dirty="0" err="1">
+                <a:solidFill>
+                  <a:srgbClr val="000000"/>
+                </a:solidFill>
+                <a:ea typeface="ＭＳ ゴシック" panose="020B0609070205080204" pitchFamily="49" charset="-128"/>
+              </a:rPr>
+              <a:t>vec.end</a:t>
+            </a:r>
+            <a:r>
+              <a:rPr lang="en-US" altLang="ja-JP" sz="2800" dirty="0">
+                <a:solidFill>
+                  <a:srgbClr val="000000"/>
+                </a:solidFill>
+                <a:ea typeface="ＭＳ ゴシック" panose="020B0609070205080204" pitchFamily="49" charset="-128"/>
+              </a:rPr>
+              <a:t>());</a:t>
+            </a:r>
+          </a:p>
+          <a:p>
+            <a:pPr marL="0" indent="0">
+              <a:buNone/>
+            </a:pPr>
+            <a:r>
+              <a:rPr lang="en-US" altLang="ja-JP" sz="2800" dirty="0">
+                <a:solidFill>
+                  <a:srgbClr val="000000"/>
+                </a:solidFill>
+                <a:ea typeface="ＭＳ ゴシック" panose="020B0609070205080204" pitchFamily="49" charset="-128"/>
+              </a:rPr>
+              <a:t>min = *</a:t>
+            </a:r>
+            <a:r>
+              <a:rPr lang="en-US" altLang="ja-JP" sz="2800" dirty="0" err="1">
+                <a:solidFill>
+                  <a:srgbClr val="0070C0"/>
+                </a:solidFill>
+                <a:ea typeface="ＭＳ ゴシック" panose="020B0609070205080204" pitchFamily="49" charset="-128"/>
+              </a:rPr>
+              <a:t>min_element</a:t>
+            </a:r>
+            <a:r>
+              <a:rPr lang="en-US" altLang="ja-JP" sz="2800" dirty="0">
+                <a:solidFill>
+                  <a:srgbClr val="000000"/>
+                </a:solidFill>
+                <a:ea typeface="ＭＳ ゴシック" panose="020B0609070205080204" pitchFamily="49" charset="-128"/>
+              </a:rPr>
+              <a:t>(</a:t>
+            </a:r>
+            <a:r>
+              <a:rPr lang="en-US" altLang="ja-JP" sz="2800" dirty="0" err="1">
+                <a:solidFill>
+                  <a:srgbClr val="000000"/>
+                </a:solidFill>
+                <a:ea typeface="ＭＳ ゴシック" panose="020B0609070205080204" pitchFamily="49" charset="-128"/>
+              </a:rPr>
+              <a:t>vec.begin</a:t>
+            </a:r>
+            <a:r>
+              <a:rPr lang="en-US" altLang="ja-JP" sz="2800" dirty="0">
+                <a:solidFill>
+                  <a:srgbClr val="000000"/>
+                </a:solidFill>
+                <a:ea typeface="ＭＳ ゴシック" panose="020B0609070205080204" pitchFamily="49" charset="-128"/>
+              </a:rPr>
+              <a:t>(), </a:t>
+            </a:r>
+            <a:r>
+              <a:rPr lang="en-US" altLang="ja-JP" sz="2800" dirty="0" err="1">
+                <a:solidFill>
+                  <a:srgbClr val="000000"/>
+                </a:solidFill>
+                <a:ea typeface="ＭＳ ゴシック" panose="020B0609070205080204" pitchFamily="49" charset="-128"/>
+              </a:rPr>
+              <a:t>vec.end</a:t>
+            </a:r>
+            <a:r>
+              <a:rPr lang="en-US" altLang="ja-JP" sz="2800" dirty="0">
+                <a:solidFill>
+                  <a:srgbClr val="000000"/>
+                </a:solidFill>
+                <a:ea typeface="ＭＳ ゴシック" panose="020B0609070205080204" pitchFamily="49" charset="-128"/>
+              </a:rPr>
+              <a:t>());</a:t>
+            </a:r>
+          </a:p>
+          <a:p>
+            <a:pPr marL="0" indent="0">
+              <a:buNone/>
+            </a:pPr>
+            <a:r>
+              <a:rPr lang="en-US" altLang="ja-JP" sz="2800" dirty="0" err="1">
+                <a:solidFill>
+                  <a:srgbClr val="000000"/>
+                </a:solidFill>
+                <a:ea typeface="ＭＳ ゴシック" panose="020B0609070205080204" pitchFamily="49" charset="-128"/>
+              </a:rPr>
+              <a:t>cout</a:t>
+            </a:r>
+            <a:r>
+              <a:rPr lang="en-US" altLang="ja-JP" sz="2800" dirty="0">
+                <a:solidFill>
+                  <a:srgbClr val="000000"/>
+                </a:solidFill>
+                <a:ea typeface="ＭＳ ゴシック" panose="020B0609070205080204" pitchFamily="49" charset="-128"/>
+              </a:rPr>
+              <a:t> &lt;&lt; </a:t>
+            </a:r>
+            <a:r>
+              <a:rPr lang="en-US" altLang="ja-JP" sz="2800" dirty="0">
+                <a:solidFill>
+                  <a:srgbClr val="A31515"/>
+                </a:solidFill>
+                <a:ea typeface="ＭＳ ゴシック" panose="020B0609070205080204" pitchFamily="49" charset="-128"/>
+              </a:rPr>
+              <a:t>"</a:t>
+            </a:r>
+            <a:r>
+              <a:rPr lang="ja-JP" altLang="en-US" sz="2800" dirty="0">
+                <a:solidFill>
+                  <a:srgbClr val="A31515"/>
+                </a:solidFill>
+                <a:latin typeface="+mn-ea"/>
+              </a:rPr>
+              <a:t>最大値</a:t>
+            </a:r>
+            <a:r>
+              <a:rPr lang="en-US" altLang="ja-JP" sz="2800" dirty="0">
+                <a:solidFill>
+                  <a:srgbClr val="A31515"/>
+                </a:solidFill>
+                <a:latin typeface="+mn-ea"/>
+              </a:rPr>
+              <a:t>:</a:t>
+            </a:r>
+            <a:r>
+              <a:rPr lang="en-US" altLang="ja-JP" sz="2800" dirty="0">
+                <a:solidFill>
+                  <a:srgbClr val="A31515"/>
+                </a:solidFill>
+                <a:ea typeface="ＭＳ ゴシック" panose="020B0609070205080204" pitchFamily="49" charset="-128"/>
+              </a:rPr>
+              <a:t>"</a:t>
+            </a:r>
+            <a:r>
+              <a:rPr lang="ja-JP" altLang="en-US" sz="2800" dirty="0">
+                <a:solidFill>
+                  <a:srgbClr val="000000"/>
+                </a:solidFill>
+                <a:ea typeface="ＭＳ ゴシック" panose="020B0609070205080204" pitchFamily="49" charset="-128"/>
+              </a:rPr>
+              <a:t> </a:t>
+            </a:r>
+            <a:r>
+              <a:rPr lang="en-US" altLang="ja-JP" sz="2800" dirty="0">
+                <a:solidFill>
+                  <a:srgbClr val="008080"/>
+                </a:solidFill>
+                <a:ea typeface="ＭＳ ゴシック" panose="020B0609070205080204" pitchFamily="49" charset="-128"/>
+              </a:rPr>
+              <a:t>&lt;&lt;</a:t>
+            </a:r>
+            <a:r>
+              <a:rPr lang="ja-JP" altLang="en-US" sz="2800" dirty="0">
+                <a:solidFill>
+                  <a:srgbClr val="000000"/>
+                </a:solidFill>
+                <a:ea typeface="ＭＳ ゴシック" panose="020B0609070205080204" pitchFamily="49" charset="-128"/>
+              </a:rPr>
+              <a:t> </a:t>
+            </a:r>
+            <a:r>
+              <a:rPr lang="en-US" altLang="ja-JP" sz="2800" dirty="0">
+                <a:solidFill>
+                  <a:srgbClr val="000000"/>
+                </a:solidFill>
+                <a:ea typeface="ＭＳ ゴシック" panose="020B0609070205080204" pitchFamily="49" charset="-128"/>
+              </a:rPr>
+              <a:t>max </a:t>
+            </a:r>
+            <a:r>
+              <a:rPr lang="en-US" altLang="ja-JP" sz="2800" dirty="0">
+                <a:solidFill>
+                  <a:srgbClr val="008080"/>
+                </a:solidFill>
+                <a:ea typeface="ＭＳ ゴシック" panose="020B0609070205080204" pitchFamily="49" charset="-128"/>
+              </a:rPr>
+              <a:t>&lt;&lt;</a:t>
+            </a:r>
+            <a:r>
+              <a:rPr lang="en-US" altLang="ja-JP" sz="2800" dirty="0">
+                <a:solidFill>
+                  <a:srgbClr val="000000"/>
+                </a:solidFill>
+                <a:ea typeface="ＭＳ ゴシック" panose="020B0609070205080204" pitchFamily="49" charset="-128"/>
+              </a:rPr>
+              <a:t> </a:t>
+            </a:r>
+            <a:r>
+              <a:rPr lang="en-US" altLang="ja-JP" sz="2800" dirty="0">
+                <a:solidFill>
+                  <a:srgbClr val="A31515"/>
+                </a:solidFill>
+                <a:ea typeface="ＭＳ ゴシック" panose="020B0609070205080204" pitchFamily="49" charset="-128"/>
+              </a:rPr>
+              <a:t>" </a:t>
+            </a:r>
+            <a:r>
+              <a:rPr lang="ja-JP" altLang="en-US" sz="2800" dirty="0">
+                <a:solidFill>
+                  <a:srgbClr val="A31515"/>
+                </a:solidFill>
+                <a:latin typeface="+mn-ea"/>
+              </a:rPr>
+              <a:t>最小値</a:t>
+            </a:r>
+            <a:r>
+              <a:rPr lang="en-US" altLang="ja-JP" sz="2800" dirty="0">
+                <a:solidFill>
+                  <a:srgbClr val="A31515"/>
+                </a:solidFill>
+                <a:latin typeface="+mn-ea"/>
+              </a:rPr>
+              <a:t>:</a:t>
+            </a:r>
+            <a:r>
+              <a:rPr lang="en-US" altLang="ja-JP" sz="2800" dirty="0">
+                <a:solidFill>
+                  <a:srgbClr val="A31515"/>
+                </a:solidFill>
+                <a:ea typeface="ＭＳ ゴシック" panose="020B0609070205080204" pitchFamily="49" charset="-128"/>
+              </a:rPr>
+              <a:t>"</a:t>
+            </a:r>
+            <a:r>
+              <a:rPr lang="ja-JP" altLang="en-US" sz="2800" dirty="0">
+                <a:solidFill>
+                  <a:srgbClr val="000000"/>
+                </a:solidFill>
+                <a:ea typeface="ＭＳ ゴシック" panose="020B0609070205080204" pitchFamily="49" charset="-128"/>
+              </a:rPr>
+              <a:t> </a:t>
+            </a:r>
+            <a:r>
+              <a:rPr lang="en-US" altLang="ja-JP" sz="2800" dirty="0">
+                <a:solidFill>
+                  <a:srgbClr val="008080"/>
+                </a:solidFill>
+                <a:ea typeface="ＭＳ ゴシック" panose="020B0609070205080204" pitchFamily="49" charset="-128"/>
+              </a:rPr>
+              <a:t>&lt;&lt;</a:t>
+            </a:r>
+            <a:r>
+              <a:rPr lang="ja-JP" altLang="en-US" sz="2800" dirty="0">
+                <a:solidFill>
+                  <a:srgbClr val="000000"/>
+                </a:solidFill>
+                <a:ea typeface="ＭＳ ゴシック" panose="020B0609070205080204" pitchFamily="49" charset="-128"/>
+              </a:rPr>
+              <a:t> </a:t>
+            </a:r>
+            <a:r>
+              <a:rPr lang="en-US" altLang="ja-JP" sz="2800" dirty="0">
+                <a:solidFill>
+                  <a:srgbClr val="000000"/>
+                </a:solidFill>
+                <a:ea typeface="ＭＳ ゴシック" panose="020B0609070205080204" pitchFamily="49" charset="-128"/>
+              </a:rPr>
+              <a:t>min </a:t>
+            </a:r>
+            <a:r>
+              <a:rPr lang="en-US" altLang="ja-JP" sz="2800" dirty="0">
+                <a:solidFill>
+                  <a:srgbClr val="008080"/>
+                </a:solidFill>
+                <a:ea typeface="ＭＳ ゴシック" panose="020B0609070205080204" pitchFamily="49" charset="-128"/>
+              </a:rPr>
+              <a:t>&lt;&lt;</a:t>
+            </a:r>
+            <a:r>
+              <a:rPr lang="en-US" altLang="ja-JP" sz="2800" dirty="0">
+                <a:solidFill>
+                  <a:srgbClr val="000000"/>
+                </a:solidFill>
+                <a:ea typeface="ＭＳ ゴシック" panose="020B0609070205080204" pitchFamily="49" charset="-128"/>
+              </a:rPr>
+              <a:t> </a:t>
+            </a:r>
+            <a:r>
+              <a:rPr lang="en-US" altLang="ja-JP" sz="2800" dirty="0" err="1">
+                <a:solidFill>
+                  <a:srgbClr val="000000"/>
+                </a:solidFill>
+                <a:ea typeface="ＭＳ ゴシック" panose="020B0609070205080204" pitchFamily="49" charset="-128"/>
+              </a:rPr>
+              <a:t>endl</a:t>
+            </a:r>
+            <a:r>
+              <a:rPr lang="en-US" altLang="ja-JP" sz="2800" dirty="0">
+                <a:solidFill>
+                  <a:srgbClr val="000000"/>
+                </a:solidFill>
+                <a:ea typeface="ＭＳ ゴシック" panose="020B0609070205080204" pitchFamily="49" charset="-128"/>
+              </a:rPr>
+              <a:t>;</a:t>
+            </a:r>
+          </a:p>
+          <a:p>
+            <a:pPr marL="0" indent="0">
+              <a:buNone/>
+            </a:pPr>
+            <a:endParaRPr lang="en-US" altLang="ja-JP" sz="2000" dirty="0">
+              <a:solidFill>
+                <a:srgbClr val="00B050"/>
+              </a:solidFill>
+              <a:latin typeface="+mn-ea"/>
+            </a:endParaRPr>
+          </a:p>
+        </p:txBody>
+      </p:sp>
+      <p:sp>
+        <p:nvSpPr>
+          <p:cNvPr id="6" name="コンテンツ プレースホルダー 5">
+            <a:extLst>
+              <a:ext uri="{FF2B5EF4-FFF2-40B4-BE49-F238E27FC236}">
+                <a16:creationId xmlns:a16="http://schemas.microsoft.com/office/drawing/2014/main" id="{C764F9E6-101D-EE26-D2D0-2CDBB54C848B}"/>
+              </a:ext>
+            </a:extLst>
+          </p:cNvPr>
+          <p:cNvSpPr>
+            <a:spLocks noGrp="1"/>
+          </p:cNvSpPr>
+          <p:nvPr>
+            <p:ph idx="1"/>
+          </p:nvPr>
+        </p:nvSpPr>
+        <p:spPr/>
+        <p:txBody>
+          <a:bodyPr/>
+          <a:lstStyle/>
+          <a:p>
+            <a:r>
+              <a:rPr lang="ja-JP" altLang="en-US" dirty="0"/>
+              <a:t>ｓｔｄ：：</a:t>
+            </a:r>
+            <a:r>
+              <a:rPr lang="en-US" altLang="ja-JP" dirty="0" err="1">
+                <a:solidFill>
+                  <a:srgbClr val="FF0000"/>
+                </a:solidFill>
+              </a:rPr>
+              <a:t>max_element</a:t>
+            </a:r>
+            <a:r>
+              <a:rPr lang="en-US" altLang="ja-JP" dirty="0"/>
+              <a:t>(</a:t>
+            </a:r>
+            <a:r>
+              <a:rPr lang="ja-JP" altLang="en-US" dirty="0"/>
+              <a:t>イテレータ</a:t>
+            </a:r>
+            <a:r>
+              <a:rPr lang="en-US" altLang="ja-JP" dirty="0"/>
+              <a:t>1,</a:t>
+            </a:r>
+            <a:r>
+              <a:rPr lang="ja-JP" altLang="en-US" dirty="0"/>
+              <a:t>イテレータ</a:t>
+            </a:r>
+            <a:r>
+              <a:rPr lang="en-US" altLang="ja-JP" dirty="0"/>
+              <a:t>2)</a:t>
+            </a:r>
+            <a:br>
+              <a:rPr lang="en-US" altLang="ja-JP" dirty="0"/>
+            </a:br>
+            <a:r>
+              <a:rPr lang="ja-JP" altLang="en-US" dirty="0"/>
+              <a:t>ｓｔｄ：：</a:t>
+            </a:r>
+            <a:r>
+              <a:rPr lang="en-US" altLang="ja-JP" dirty="0" err="1">
+                <a:solidFill>
+                  <a:srgbClr val="0070C0"/>
+                </a:solidFill>
+              </a:rPr>
+              <a:t>min_element</a:t>
+            </a:r>
+            <a:r>
+              <a:rPr lang="en-US" altLang="ja-JP" dirty="0"/>
+              <a:t>(</a:t>
+            </a:r>
+            <a:r>
+              <a:rPr lang="ja-JP" altLang="en-US" dirty="0"/>
+              <a:t>イテレータ</a:t>
+            </a:r>
+            <a:r>
+              <a:rPr lang="en-US" altLang="ja-JP" dirty="0"/>
+              <a:t>1,</a:t>
+            </a:r>
+            <a:r>
+              <a:rPr lang="ja-JP" altLang="en-US" dirty="0"/>
+              <a:t>イテレータ</a:t>
+            </a:r>
+            <a:r>
+              <a:rPr lang="en-US" altLang="ja-JP" dirty="0"/>
+              <a:t>2)</a:t>
+            </a:r>
+            <a:br>
+              <a:rPr lang="en-US" altLang="ja-JP" dirty="0"/>
+            </a:br>
+            <a:br>
+              <a:rPr lang="en-US" altLang="ja-JP" dirty="0"/>
+            </a:br>
+            <a:r>
+              <a:rPr lang="ja-JP" altLang="en-US" dirty="0"/>
+              <a:t>イテレータ</a:t>
+            </a:r>
+            <a:r>
+              <a:rPr lang="en-US" altLang="ja-JP" dirty="0"/>
+              <a:t>1</a:t>
+            </a:r>
+            <a:r>
+              <a:rPr lang="ja-JP" altLang="en-US" dirty="0"/>
+              <a:t>～イテレータ</a:t>
+            </a:r>
+            <a:r>
+              <a:rPr lang="en-US" altLang="ja-JP" dirty="0"/>
+              <a:t>2</a:t>
+            </a:r>
+            <a:r>
+              <a:rPr lang="ja-JP" altLang="en-US" dirty="0"/>
+              <a:t>までの範囲で最大値・</a:t>
+            </a:r>
+            <a:br>
+              <a:rPr lang="en-US" altLang="ja-JP" dirty="0"/>
+            </a:br>
+            <a:r>
+              <a:rPr lang="ja-JP" altLang="en-US" dirty="0"/>
+              <a:t>最小値のイテレータを返す標準関数が存在する</a:t>
+            </a:r>
+            <a:br>
+              <a:rPr lang="en-US" altLang="ja-JP" dirty="0"/>
+            </a:br>
+            <a:r>
+              <a:rPr lang="ja-JP" altLang="en-US" dirty="0"/>
+              <a:t>これを使用するとループ処理が不要になる</a:t>
+            </a:r>
+          </a:p>
+        </p:txBody>
+      </p:sp>
+    </p:spTree>
+    <p:extLst>
+      <p:ext uri="{BB962C8B-B14F-4D97-AF65-F5344CB8AC3E}">
+        <p14:creationId xmlns:p14="http://schemas.microsoft.com/office/powerpoint/2010/main" val="3329301852"/>
+      </p:ext>
+    </p:extLst>
+  </p:cSld>
+  <p:clrMapOvr>
+    <a:masterClrMapping/>
+  </p:clrMapOvr>
+</p:sld>
+</file>
+
 <file path=ppt/slides/slide2.xml><?xml version="1.0" encoding="utf-8"?>
 <p:sld xmlns:a="http://schemas.openxmlformats.org/drawingml/2006/main" xmlns:r="http://schemas.openxmlformats.org/officeDocument/2006/relationships" xmlns:p="http://schemas.openxmlformats.org/presentationml/2006/main">
   <p:cSld>
@@ -8420,7 +9188,7 @@
               <a:buNone/>
             </a:pPr>
             <a:r>
-              <a:rPr lang="en-US" altLang="ja-JP" sz="2000" dirty="0">
+              <a:rPr lang="en-US" altLang="ja-JP" sz="2400" dirty="0">
                 <a:solidFill>
                   <a:srgbClr val="808080"/>
                 </a:solidFill>
@@ -8429,7 +9197,7 @@
               <a:t>#include</a:t>
             </a:r>
             <a:r>
-              <a:rPr lang="en-US" altLang="ja-JP" sz="2000" dirty="0">
+              <a:rPr lang="en-US" altLang="ja-JP" sz="2400" dirty="0">
                 <a:solidFill>
                   <a:srgbClr val="000000"/>
                 </a:solidFill>
@@ -8438,7 +9206,7 @@
               <a:t> </a:t>
             </a:r>
             <a:r>
-              <a:rPr lang="en-US" altLang="ja-JP" sz="2000" dirty="0">
+              <a:rPr lang="en-US" altLang="ja-JP" sz="2400" dirty="0">
                 <a:solidFill>
                   <a:srgbClr val="A31515"/>
                 </a:solidFill>
@@ -8446,90 +9214,387 @@
               </a:rPr>
               <a:t>&lt;iostream&gt;</a:t>
             </a:r>
-            <a:endParaRPr lang="en-US" altLang="ja-JP" sz="2000" dirty="0">
-              <a:solidFill>
-                <a:srgbClr val="000000"/>
-              </a:solidFill>
-              <a:ea typeface="ＭＳ ゴシック" panose="020B0609070205080204" pitchFamily="49" charset="-128"/>
-            </a:endParaRPr>
+            <a:br>
+              <a:rPr lang="en-US" altLang="ja-JP" sz="2400" dirty="0">
+                <a:solidFill>
+                  <a:srgbClr val="000000"/>
+                </a:solidFill>
+                <a:ea typeface="ＭＳ ゴシック" panose="020B0609070205080204" pitchFamily="49" charset="-128"/>
+              </a:rPr>
+            </a:br>
+            <a:r>
+              <a:rPr lang="en-US" altLang="ja-JP" sz="2400" dirty="0">
+                <a:solidFill>
+                  <a:srgbClr val="808080"/>
+                </a:solidFill>
+                <a:ea typeface="ＭＳ ゴシック" panose="020B0609070205080204" pitchFamily="49" charset="-128"/>
+              </a:rPr>
+              <a:t>#include</a:t>
+            </a:r>
+            <a:r>
+              <a:rPr lang="en-US" altLang="ja-JP" sz="2400" dirty="0">
+                <a:solidFill>
+                  <a:srgbClr val="000000"/>
+                </a:solidFill>
+                <a:ea typeface="ＭＳ ゴシック" panose="020B0609070205080204" pitchFamily="49" charset="-128"/>
+              </a:rPr>
+              <a:t> </a:t>
+            </a:r>
+            <a:r>
+              <a:rPr lang="en-US" altLang="ja-JP" sz="2400" dirty="0">
+                <a:solidFill>
+                  <a:srgbClr val="A31515"/>
+                </a:solidFill>
+                <a:ea typeface="ＭＳ ゴシック" panose="020B0609070205080204" pitchFamily="49" charset="-128"/>
+              </a:rPr>
+              <a:t>&lt;vector&gt;</a:t>
+            </a:r>
+            <a:br>
+              <a:rPr lang="en-US" altLang="ja-JP" sz="2400" dirty="0">
+                <a:solidFill>
+                  <a:srgbClr val="000000"/>
+                </a:solidFill>
+                <a:ea typeface="ＭＳ ゴシック" panose="020B0609070205080204" pitchFamily="49" charset="-128"/>
+              </a:rPr>
+            </a:br>
+            <a:r>
+              <a:rPr lang="en-US" altLang="ja-JP" sz="2400" dirty="0">
+                <a:solidFill>
+                  <a:srgbClr val="0000FF"/>
+                </a:solidFill>
+                <a:ea typeface="ＭＳ ゴシック" panose="020B0609070205080204" pitchFamily="49" charset="-128"/>
+              </a:rPr>
+              <a:t>using</a:t>
+            </a:r>
+            <a:r>
+              <a:rPr lang="en-US" altLang="ja-JP" sz="2400" dirty="0">
+                <a:solidFill>
+                  <a:srgbClr val="000000"/>
+                </a:solidFill>
+                <a:ea typeface="ＭＳ ゴシック" panose="020B0609070205080204" pitchFamily="49" charset="-128"/>
+              </a:rPr>
+              <a:t> </a:t>
+            </a:r>
+            <a:r>
+              <a:rPr lang="en-US" altLang="ja-JP" sz="2400" dirty="0">
+                <a:solidFill>
+                  <a:srgbClr val="0000FF"/>
+                </a:solidFill>
+                <a:ea typeface="ＭＳ ゴシック" panose="020B0609070205080204" pitchFamily="49" charset="-128"/>
+              </a:rPr>
+              <a:t>namespace</a:t>
+            </a:r>
+            <a:r>
+              <a:rPr lang="en-US" altLang="ja-JP" sz="2400" dirty="0">
+                <a:solidFill>
+                  <a:srgbClr val="000000"/>
+                </a:solidFill>
+                <a:ea typeface="ＭＳ ゴシック" panose="020B0609070205080204" pitchFamily="49" charset="-128"/>
+              </a:rPr>
+              <a:t> std;</a:t>
+            </a:r>
+            <a:br>
+              <a:rPr lang="en-US" altLang="ja-JP" sz="2400" dirty="0">
+                <a:solidFill>
+                  <a:srgbClr val="000000"/>
+                </a:solidFill>
+                <a:ea typeface="ＭＳ ゴシック" panose="020B0609070205080204" pitchFamily="49" charset="-128"/>
+              </a:rPr>
+            </a:br>
+            <a:r>
+              <a:rPr lang="en-US" altLang="ja-JP" sz="2400" dirty="0">
+                <a:solidFill>
+                  <a:srgbClr val="0000FF"/>
+                </a:solidFill>
+                <a:ea typeface="ＭＳ ゴシック" panose="020B0609070205080204" pitchFamily="49" charset="-128"/>
+              </a:rPr>
+              <a:t>int</a:t>
+            </a:r>
+            <a:r>
+              <a:rPr lang="en-US" altLang="ja-JP" sz="2400" dirty="0">
+                <a:solidFill>
+                  <a:srgbClr val="000000"/>
+                </a:solidFill>
+                <a:ea typeface="ＭＳ ゴシック" panose="020B0609070205080204" pitchFamily="49" charset="-128"/>
+              </a:rPr>
+              <a:t> main() {</a:t>
+            </a:r>
+            <a:br>
+              <a:rPr lang="en-US" altLang="ja-JP" sz="2400" dirty="0">
+                <a:solidFill>
+                  <a:srgbClr val="000000"/>
+                </a:solidFill>
+                <a:ea typeface="ＭＳ ゴシック" panose="020B0609070205080204" pitchFamily="49" charset="-128"/>
+              </a:rPr>
+            </a:br>
+            <a:r>
+              <a:rPr lang="ja-JP" altLang="en-US" sz="2400" dirty="0">
+                <a:solidFill>
+                  <a:srgbClr val="000000"/>
+                </a:solidFill>
+                <a:ea typeface="ＭＳ ゴシック" panose="020B0609070205080204" pitchFamily="49" charset="-128"/>
+              </a:rPr>
+              <a:t>    </a:t>
+            </a:r>
+            <a:r>
+              <a:rPr lang="en-US" altLang="ja-JP" sz="2400" dirty="0">
+                <a:solidFill>
+                  <a:srgbClr val="2B91AF"/>
+                </a:solidFill>
+                <a:ea typeface="ＭＳ ゴシック" panose="020B0609070205080204" pitchFamily="49" charset="-128"/>
+              </a:rPr>
+              <a:t>vector</a:t>
+            </a:r>
+            <a:r>
+              <a:rPr lang="en-US" altLang="ja-JP" sz="2400" dirty="0">
+                <a:solidFill>
+                  <a:srgbClr val="000000"/>
+                </a:solidFill>
+                <a:ea typeface="ＭＳ ゴシック" panose="020B0609070205080204" pitchFamily="49" charset="-128"/>
+              </a:rPr>
+              <a:t>&lt;</a:t>
+            </a:r>
+            <a:r>
+              <a:rPr lang="en-US" altLang="ja-JP" sz="2400" dirty="0">
+                <a:solidFill>
+                  <a:srgbClr val="0000FF"/>
+                </a:solidFill>
+                <a:ea typeface="ＭＳ ゴシック" panose="020B0609070205080204" pitchFamily="49" charset="-128"/>
+              </a:rPr>
+              <a:t>int</a:t>
+            </a:r>
+            <a:r>
+              <a:rPr lang="en-US" altLang="ja-JP" sz="2400" dirty="0">
+                <a:solidFill>
+                  <a:srgbClr val="000000"/>
+                </a:solidFill>
+                <a:ea typeface="ＭＳ ゴシック" panose="020B0609070205080204" pitchFamily="49" charset="-128"/>
+              </a:rPr>
+              <a:t>&gt; </a:t>
+            </a:r>
+            <a:r>
+              <a:rPr lang="en-US" altLang="ja-JP" sz="2400" dirty="0" err="1">
+                <a:solidFill>
+                  <a:srgbClr val="000000"/>
+                </a:solidFill>
+                <a:ea typeface="ＭＳ ゴシック" panose="020B0609070205080204" pitchFamily="49" charset="-128"/>
+              </a:rPr>
+              <a:t>vec</a:t>
+            </a:r>
+            <a:r>
+              <a:rPr lang="en-US" altLang="ja-JP" sz="2400" dirty="0">
+                <a:solidFill>
+                  <a:srgbClr val="000000"/>
+                </a:solidFill>
+                <a:ea typeface="ＭＳ ゴシック" panose="020B0609070205080204" pitchFamily="49" charset="-128"/>
+              </a:rPr>
+              <a:t>{ 20,11,9,33,40,25 }; </a:t>
+            </a:r>
+            <a:br>
+              <a:rPr lang="en-US" altLang="ja-JP" sz="2400" dirty="0">
+                <a:solidFill>
+                  <a:srgbClr val="00B050"/>
+                </a:solidFill>
+                <a:latin typeface="+mn-ea"/>
+              </a:rPr>
+            </a:br>
+            <a:r>
+              <a:rPr lang="en-US" altLang="ja-JP" sz="2400" dirty="0">
+                <a:solidFill>
+                  <a:srgbClr val="00B050"/>
+                </a:solidFill>
+                <a:latin typeface="+mn-ea"/>
+              </a:rPr>
+              <a:t>       </a:t>
+            </a:r>
+            <a:r>
+              <a:rPr lang="en-US" altLang="ja-JP" sz="2400" dirty="0">
+                <a:solidFill>
+                  <a:srgbClr val="0000FF"/>
+                </a:solidFill>
+                <a:ea typeface="ＭＳ ゴシック" panose="020B0609070205080204" pitchFamily="49" charset="-128"/>
+              </a:rPr>
+              <a:t>int</a:t>
+            </a:r>
+            <a:r>
+              <a:rPr lang="en-US" altLang="ja-JP" sz="2400" dirty="0">
+                <a:solidFill>
+                  <a:srgbClr val="000000"/>
+                </a:solidFill>
+                <a:ea typeface="ＭＳ ゴシック" panose="020B0609070205080204" pitchFamily="49" charset="-128"/>
+              </a:rPr>
+              <a:t> max, min;</a:t>
+            </a:r>
           </a:p>
           <a:p>
             <a:pPr marL="0" indent="0">
               <a:buNone/>
             </a:pPr>
             <a:r>
-              <a:rPr lang="en-US" altLang="ja-JP" sz="2000" dirty="0">
-                <a:solidFill>
-                  <a:srgbClr val="808080"/>
-                </a:solidFill>
-                <a:ea typeface="ＭＳ ゴシック" panose="020B0609070205080204" pitchFamily="49" charset="-128"/>
-              </a:rPr>
-              <a:t>#include</a:t>
-            </a:r>
-            <a:r>
-              <a:rPr lang="en-US" altLang="ja-JP" sz="2000" dirty="0">
-                <a:solidFill>
-                  <a:srgbClr val="000000"/>
-                </a:solidFill>
-                <a:ea typeface="ＭＳ ゴシック" panose="020B0609070205080204" pitchFamily="49" charset="-128"/>
-              </a:rPr>
-              <a:t> </a:t>
-            </a:r>
-            <a:r>
-              <a:rPr lang="en-US" altLang="ja-JP" sz="2000" dirty="0">
-                <a:solidFill>
-                  <a:srgbClr val="A31515"/>
-                </a:solidFill>
-                <a:ea typeface="ＭＳ ゴシック" panose="020B0609070205080204" pitchFamily="49" charset="-128"/>
-              </a:rPr>
-              <a:t>&lt;vector&gt;</a:t>
-            </a:r>
-            <a:endParaRPr lang="en-US" altLang="ja-JP" sz="2000" dirty="0">
-              <a:solidFill>
-                <a:srgbClr val="000000"/>
-              </a:solidFill>
-              <a:ea typeface="ＭＳ ゴシック" panose="020B0609070205080204" pitchFamily="49" charset="-128"/>
-            </a:endParaRPr>
+              <a:rPr lang="en-US" altLang="ja-JP" sz="2400" dirty="0">
+                <a:solidFill>
+                  <a:srgbClr val="008000"/>
+                </a:solidFill>
+                <a:ea typeface="ＭＳ ゴシック" panose="020B0609070205080204" pitchFamily="49" charset="-128"/>
+              </a:rPr>
+              <a:t>    </a:t>
+            </a:r>
+            <a:r>
+              <a:rPr lang="en-US" altLang="ja-JP" sz="2400" dirty="0">
+                <a:solidFill>
+                  <a:srgbClr val="00B050"/>
+                </a:solidFill>
+                <a:latin typeface="+mn-ea"/>
+              </a:rPr>
+              <a:t>//***  </a:t>
+            </a:r>
+            <a:r>
+              <a:rPr lang="ja-JP" altLang="en-US" sz="2400" dirty="0">
+                <a:solidFill>
+                  <a:srgbClr val="00B050"/>
+                </a:solidFill>
+                <a:latin typeface="+mn-ea"/>
+              </a:rPr>
+              <a:t>添え字を使ったループ </a:t>
+            </a:r>
+            <a:r>
+              <a:rPr lang="en-US" altLang="ja-JP" sz="2400" dirty="0">
+                <a:solidFill>
+                  <a:srgbClr val="00B050"/>
+                </a:solidFill>
+                <a:latin typeface="+mn-ea"/>
+              </a:rPr>
+              <a:t>***</a:t>
+            </a:r>
+            <a:br>
+              <a:rPr lang="en-US" altLang="ja-JP" sz="2400" dirty="0">
+                <a:solidFill>
+                  <a:srgbClr val="00B050"/>
+                </a:solidFill>
+                <a:latin typeface="+mn-ea"/>
+              </a:rPr>
+            </a:br>
+            <a:r>
+              <a:rPr lang="ja-JP" altLang="en-US" sz="2400" dirty="0">
+                <a:solidFill>
+                  <a:srgbClr val="00B050"/>
+                </a:solidFill>
+                <a:latin typeface="+mn-ea"/>
+              </a:rPr>
+              <a:t>       </a:t>
+            </a:r>
+            <a:r>
+              <a:rPr lang="en-US" altLang="ja-JP" sz="2400" dirty="0">
+                <a:solidFill>
+                  <a:srgbClr val="000000"/>
+                </a:solidFill>
+                <a:ea typeface="ＭＳ ゴシック" panose="020B0609070205080204" pitchFamily="49" charset="-128"/>
+              </a:rPr>
+              <a:t>max = min = </a:t>
+            </a:r>
+            <a:r>
+              <a:rPr lang="en-US" altLang="ja-JP" sz="2400" dirty="0" err="1">
+                <a:solidFill>
+                  <a:srgbClr val="000000"/>
+                </a:solidFill>
+                <a:ea typeface="ＭＳ ゴシック" panose="020B0609070205080204" pitchFamily="49" charset="-128"/>
+              </a:rPr>
+              <a:t>vec</a:t>
+            </a:r>
+            <a:r>
+              <a:rPr lang="en-US" altLang="ja-JP" sz="2400" dirty="0">
+                <a:solidFill>
+                  <a:srgbClr val="008080"/>
+                </a:solidFill>
+                <a:ea typeface="ＭＳ ゴシック" panose="020B0609070205080204" pitchFamily="49" charset="-128"/>
+              </a:rPr>
+              <a:t>[</a:t>
+            </a:r>
+            <a:r>
+              <a:rPr lang="en-US" altLang="ja-JP" sz="2400" dirty="0">
+                <a:solidFill>
+                  <a:srgbClr val="000000"/>
+                </a:solidFill>
+                <a:ea typeface="ＭＳ ゴシック" panose="020B0609070205080204" pitchFamily="49" charset="-128"/>
+              </a:rPr>
+              <a:t>0</a:t>
+            </a:r>
+            <a:r>
+              <a:rPr lang="en-US" altLang="ja-JP" sz="2400" dirty="0">
+                <a:solidFill>
+                  <a:srgbClr val="008080"/>
+                </a:solidFill>
+                <a:latin typeface="+mn-ea"/>
+              </a:rPr>
+              <a:t>]</a:t>
+            </a:r>
+            <a:r>
+              <a:rPr lang="en-US" altLang="ja-JP" sz="2400" dirty="0">
+                <a:solidFill>
+                  <a:srgbClr val="000000"/>
+                </a:solidFill>
+                <a:latin typeface="+mn-ea"/>
+              </a:rPr>
+              <a:t>;  </a:t>
+            </a:r>
+            <a:r>
+              <a:rPr lang="en-US" altLang="ja-JP" sz="2400" dirty="0">
+                <a:solidFill>
+                  <a:srgbClr val="00B050"/>
+                </a:solidFill>
+                <a:latin typeface="+mn-ea"/>
+              </a:rPr>
+              <a:t>//</a:t>
+            </a:r>
+            <a:r>
+              <a:rPr lang="ja-JP" altLang="en-US" sz="2400" dirty="0">
+                <a:solidFill>
+                  <a:srgbClr val="00B050"/>
+                </a:solidFill>
+                <a:latin typeface="+mn-ea"/>
+              </a:rPr>
+              <a:t>仮の最大値最小値</a:t>
+            </a:r>
           </a:p>
           <a:p>
             <a:pPr marL="0" indent="0">
               <a:buNone/>
             </a:pPr>
             <a:r>
-              <a:rPr lang="en-US" altLang="ja-JP" sz="2000" dirty="0">
+              <a:rPr lang="nn-NO" altLang="ja-JP" sz="2400" dirty="0">
                 <a:solidFill>
                   <a:srgbClr val="0000FF"/>
                 </a:solidFill>
                 <a:ea typeface="ＭＳ ゴシック" panose="020B0609070205080204" pitchFamily="49" charset="-128"/>
               </a:rPr>
-              <a:t>using</a:t>
-            </a:r>
-            <a:r>
-              <a:rPr lang="en-US" altLang="ja-JP" sz="2000" dirty="0">
-                <a:solidFill>
-                  <a:srgbClr val="000000"/>
-                </a:solidFill>
-                <a:ea typeface="ＭＳ ゴシック" panose="020B0609070205080204" pitchFamily="49" charset="-128"/>
-              </a:rPr>
-              <a:t> </a:t>
-            </a:r>
-            <a:r>
-              <a:rPr lang="en-US" altLang="ja-JP" sz="2000" dirty="0">
+              <a:t>    for</a:t>
+            </a:r>
+            <a:r>
+              <a:rPr lang="nn-NO" altLang="ja-JP" sz="2400" dirty="0">
+                <a:solidFill>
+                  <a:srgbClr val="000000"/>
+                </a:solidFill>
+                <a:ea typeface="ＭＳ ゴシック" panose="020B0609070205080204" pitchFamily="49" charset="-128"/>
+              </a:rPr>
+              <a:t> (</a:t>
+            </a:r>
+            <a:r>
+              <a:rPr lang="nn-NO" altLang="ja-JP" sz="2400" dirty="0">
                 <a:solidFill>
                   <a:srgbClr val="0000FF"/>
                 </a:solidFill>
                 <a:ea typeface="ＭＳ ゴシック" panose="020B0609070205080204" pitchFamily="49" charset="-128"/>
               </a:rPr>
-              <a:t>namespace</a:t>
-            </a:r>
-            <a:r>
-              <a:rPr lang="en-US" altLang="ja-JP" sz="2000" dirty="0">
-                <a:solidFill>
-                  <a:srgbClr val="000000"/>
-                </a:solidFill>
-                <a:ea typeface="ＭＳ ゴシック" panose="020B0609070205080204" pitchFamily="49" charset="-128"/>
-              </a:rPr>
-              <a:t> std;</a:t>
+              <a:t>int</a:t>
+            </a:r>
+            <a:r>
+              <a:rPr lang="nn-NO" altLang="ja-JP" sz="2400" dirty="0">
+                <a:solidFill>
+                  <a:srgbClr val="000000"/>
+                </a:solidFill>
+                <a:ea typeface="ＭＳ ゴシック" panose="020B0609070205080204" pitchFamily="49" charset="-128"/>
+              </a:rPr>
+              <a:t> i = 1; i &lt; vec.size(); i++) {</a:t>
             </a:r>
           </a:p>
           <a:p>
@@ -8537,22 +9602,148 @@
               <a:buNone/>
             </a:pPr>
             <a:r>
-              <a:rPr lang="en-US" altLang="ja-JP" sz="2000" dirty="0">
+              <a:rPr lang="en-US" altLang="ja-JP" sz="2400" dirty="0">
                 <a:solidFill>
                   <a:srgbClr val="0000FF"/>
                 </a:solidFill>
                 <a:ea typeface="ＭＳ ゴシック" panose="020B0609070205080204" pitchFamily="49" charset="-128"/>
               </a:rPr>
-              <a:t>int</a:t>
-            </a:r>
-            <a:r>
-              <a:rPr lang="en-US" altLang="ja-JP" sz="2000" dirty="0">
-                <a:solidFill>
-                  <a:srgbClr val="000000"/>
-                </a:solidFill>
-                <a:ea typeface="ＭＳ ゴシック" panose="020B0609070205080204" pitchFamily="49" charset="-128"/>
-              </a:rPr>
-              <a:t> main() {</a:t>
+              <a:t>        if</a:t>
+            </a:r>
+            <a:r>
+              <a:rPr lang="en-US" altLang="ja-JP" sz="2400" dirty="0">
+                <a:solidFill>
+                  <a:srgbClr val="000000"/>
+                </a:solidFill>
+                <a:ea typeface="ＭＳ ゴシック" panose="020B0609070205080204" pitchFamily="49" charset="-128"/>
+              </a:rPr>
+              <a:t> (max &lt; </a:t>
+            </a:r>
+            <a:r>
+              <a:rPr lang="en-US" altLang="ja-JP" sz="2400" dirty="0" err="1">
+                <a:solidFill>
+                  <a:srgbClr val="000000"/>
+                </a:solidFill>
+                <a:ea typeface="ＭＳ ゴシック" panose="020B0609070205080204" pitchFamily="49" charset="-128"/>
+              </a:rPr>
+              <a:t>vec</a:t>
+            </a:r>
+            <a:r>
+              <a:rPr lang="en-US" altLang="ja-JP" sz="2400" dirty="0">
+                <a:solidFill>
+                  <a:srgbClr val="008080"/>
+                </a:solidFill>
+                <a:ea typeface="ＭＳ ゴシック" panose="020B0609070205080204" pitchFamily="49" charset="-128"/>
+              </a:rPr>
+              <a:t>[</a:t>
+            </a:r>
+            <a:r>
+              <a:rPr lang="en-US" altLang="ja-JP" sz="2400" dirty="0" err="1">
+                <a:solidFill>
+                  <a:srgbClr val="000000"/>
+                </a:solidFill>
+                <a:ea typeface="ＭＳ ゴシック" panose="020B0609070205080204" pitchFamily="49" charset="-128"/>
+              </a:rPr>
+              <a:t>i</a:t>
+            </a:r>
+            <a:r>
+              <a:rPr lang="en-US" altLang="ja-JP" sz="2400" dirty="0">
+                <a:solidFill>
+                  <a:srgbClr val="008080"/>
+                </a:solidFill>
+                <a:ea typeface="ＭＳ ゴシック" panose="020B0609070205080204" pitchFamily="49" charset="-128"/>
+              </a:rPr>
+              <a:t>]</a:t>
+            </a:r>
+            <a:r>
+              <a:rPr lang="en-US" altLang="ja-JP" sz="2400" dirty="0">
+                <a:solidFill>
+                  <a:srgbClr val="000000"/>
+                </a:solidFill>
+                <a:ea typeface="ＭＳ ゴシック" panose="020B0609070205080204" pitchFamily="49" charset="-128"/>
+              </a:rPr>
+              <a:t>) {</a:t>
+            </a:r>
+            <a:r>
+              <a:rPr lang="ja-JP" altLang="en-US" sz="2400" dirty="0">
+                <a:solidFill>
+                  <a:srgbClr val="000000"/>
+                </a:solidFill>
+                <a:ea typeface="ＭＳ ゴシック" panose="020B0609070205080204" pitchFamily="49" charset="-128"/>
+              </a:rPr>
+              <a:t> </a:t>
+            </a:r>
+            <a:r>
+              <a:rPr lang="en-US" altLang="ja-JP" sz="2400" dirty="0">
+                <a:solidFill>
+                  <a:srgbClr val="000000"/>
+                </a:solidFill>
+                <a:ea typeface="ＭＳ ゴシック" panose="020B0609070205080204" pitchFamily="49" charset="-128"/>
+              </a:rPr>
+              <a:t>max = </a:t>
+            </a:r>
+            <a:r>
+              <a:rPr lang="en-US" altLang="ja-JP" sz="2400" dirty="0" err="1">
+                <a:solidFill>
+                  <a:srgbClr val="000000"/>
+                </a:solidFill>
+                <a:ea typeface="ＭＳ ゴシック" panose="020B0609070205080204" pitchFamily="49" charset="-128"/>
+              </a:rPr>
+              <a:t>vec</a:t>
+            </a:r>
+            <a:r>
+              <a:rPr lang="en-US" altLang="ja-JP" sz="2400" dirty="0">
+                <a:solidFill>
+                  <a:srgbClr val="008080"/>
+                </a:solidFill>
+                <a:ea typeface="ＭＳ ゴシック" panose="020B0609070205080204" pitchFamily="49" charset="-128"/>
+              </a:rPr>
+              <a:t>[</a:t>
+            </a:r>
+            <a:r>
+              <a:rPr lang="en-US" altLang="ja-JP" sz="2400" dirty="0" err="1">
+                <a:solidFill>
+                  <a:srgbClr val="000000"/>
+                </a:solidFill>
+                <a:ea typeface="ＭＳ ゴシック" panose="020B0609070205080204" pitchFamily="49" charset="-128"/>
+              </a:rPr>
+              <a:t>i</a:t>
+            </a:r>
+            <a:r>
+              <a:rPr lang="en-US" altLang="ja-JP" sz="2400" dirty="0">
+                <a:solidFill>
+                  <a:srgbClr val="008080"/>
+                </a:solidFill>
+                <a:ea typeface="ＭＳ ゴシック" panose="020B0609070205080204" pitchFamily="49" charset="-128"/>
+              </a:rPr>
+              <a:t>]</a:t>
+            </a:r>
+            <a:r>
+              <a:rPr lang="en-US" altLang="ja-JP" sz="2400" dirty="0">
+                <a:solidFill>
+                  <a:srgbClr val="000000"/>
+                </a:solidFill>
+                <a:ea typeface="ＭＳ ゴシック" panose="020B0609070205080204" pitchFamily="49" charset="-128"/>
+              </a:rPr>
+              <a:t>;</a:t>
+            </a:r>
+            <a:r>
+              <a:rPr lang="ja-JP" altLang="en-US" sz="2400" dirty="0">
+                <a:solidFill>
+                  <a:srgbClr val="000000"/>
+                </a:solidFill>
+                <a:ea typeface="ＭＳ ゴシック" panose="020B0609070205080204" pitchFamily="49" charset="-128"/>
+              </a:rPr>
+              <a:t> </a:t>
+            </a:r>
+            <a:r>
+              <a:rPr lang="en-US" altLang="ja-JP" sz="2400" dirty="0">
+                <a:solidFill>
+                  <a:srgbClr val="000000"/>
+                </a:solidFill>
+                <a:ea typeface="ＭＳ ゴシック" panose="020B0609070205080204" pitchFamily="49" charset="-128"/>
+              </a:rPr>
+              <a:t>}</a:t>
             </a:r>
           </a:p>
           <a:p>
@@ -8560,43 +9751,25 @@
               <a:buNone/>
             </a:pPr>
             <a:r>
-              <a:rPr lang="en-US" altLang="ja-JP" sz="2000" dirty="0">
-                <a:solidFill>
-                  <a:srgbClr val="2B91AF"/>
-                </a:solidFill>
-                <a:ea typeface="ＭＳ ゴシック" panose="020B0609070205080204" pitchFamily="49" charset="-128"/>
-              </a:rPr>
-              <a:t>    vector</a:t>
-            </a:r>
-            <a:r>
-              <a:rPr lang="en-US" altLang="ja-JP" sz="2000" dirty="0">
-                <a:solidFill>
-                  <a:srgbClr val="000000"/>
-                </a:solidFill>
-                <a:ea typeface="ＭＳ ゴシック" panose="020B0609070205080204" pitchFamily="49" charset="-128"/>
-              </a:rPr>
-              <a:t>&lt;</a:t>
-            </a:r>
-            <a:r>
-              <a:rPr lang="en-US" altLang="ja-JP" sz="2000" dirty="0">
+              <a:rPr lang="en-US" altLang="ja-JP" sz="2400" dirty="0">
                 <a:solidFill>
                   <a:srgbClr val="0000FF"/>
                 </a:solidFill>
                 <a:ea typeface="ＭＳ ゴシック" panose="020B0609070205080204" pitchFamily="49" charset="-128"/>
               </a:rPr>
-              <a:t>int</a:t>
-            </a:r>
-            <a:r>
-              <a:rPr lang="en-US" altLang="ja-JP" sz="2000" dirty="0">
-                <a:solidFill>
-                  <a:srgbClr val="000000"/>
-                </a:solidFill>
-                <a:ea typeface="ＭＳ ゴシック" panose="020B0609070205080204" pitchFamily="49" charset="-128"/>
-              </a:rPr>
-              <a:t>&gt; </a:t>
-            </a:r>
-            <a:r>
-              <a:rPr lang="en-US" altLang="ja-JP" sz="2000" dirty="0" err="1">
+              <a:t>        if</a:t>
+            </a:r>
+            <a:r>
+              <a:rPr lang="en-US" altLang="ja-JP" sz="2400" dirty="0">
+                <a:solidFill>
+                  <a:srgbClr val="000000"/>
+                </a:solidFill>
+                <a:ea typeface="ＭＳ ゴシック" panose="020B0609070205080204" pitchFamily="49" charset="-128"/>
+              </a:rPr>
+              <a:t> (min &gt; </a:t>
+            </a:r>
+            <a:r>
+              <a:rPr lang="en-US" altLang="ja-JP" sz="2400" dirty="0" err="1">
                 <a:solidFill>
                   <a:srgbClr val="000000"/>
                 </a:solidFill>
@@ -8605,296 +9778,326 @@
               <a:t>vec</a:t>
             </a:r>
             <a:r>
-              <a:rPr lang="en-US" altLang="ja-JP" sz="2000" dirty="0">
-                <a:solidFill>
-                  <a:srgbClr val="000000"/>
-                </a:solidFill>
-                <a:ea typeface="ＭＳ ゴシック" panose="020B0609070205080204" pitchFamily="49" charset="-128"/>
-              </a:rPr>
-              <a:t>{ 20,11,9,33,40,25 }; </a:t>
-            </a:r>
-            <a:r>
-              <a:rPr lang="en-US" altLang="ja-JP" sz="2000" dirty="0">
-                <a:solidFill>
-                  <a:srgbClr val="00B050"/>
-                </a:solidFill>
-                <a:latin typeface="+mn-ea"/>
-              </a:rPr>
-              <a:t>//vector</a:t>
-            </a:r>
-            <a:r>
-              <a:rPr lang="ja-JP" altLang="en-US" sz="2000" dirty="0">
-                <a:solidFill>
-                  <a:srgbClr val="00B050"/>
-                </a:solidFill>
-                <a:latin typeface="+mn-ea"/>
-              </a:rPr>
-              <a:t>配列の初期値</a:t>
-            </a:r>
-            <a:endParaRPr lang="en-US" altLang="ja-JP" sz="2000" dirty="0">
-              <a:solidFill>
-                <a:srgbClr val="00B050"/>
-              </a:solidFill>
-              <a:latin typeface="+mn-ea"/>
-            </a:endParaRPr>
+              <a:rPr lang="en-US" altLang="ja-JP" sz="2400" dirty="0">
+                <a:solidFill>
+                  <a:srgbClr val="008080"/>
+                </a:solidFill>
+                <a:ea typeface="ＭＳ ゴシック" panose="020B0609070205080204" pitchFamily="49" charset="-128"/>
+              </a:rPr>
+              <a:t>[</a:t>
+            </a:r>
+            <a:r>
+              <a:rPr lang="en-US" altLang="ja-JP" sz="2400" dirty="0" err="1">
+                <a:solidFill>
+                  <a:srgbClr val="000000"/>
+                </a:solidFill>
+                <a:ea typeface="ＭＳ ゴシック" panose="020B0609070205080204" pitchFamily="49" charset="-128"/>
+              </a:rPr>
+              <a:t>i</a:t>
+            </a:r>
+            <a:r>
+              <a:rPr lang="en-US" altLang="ja-JP" sz="2400" dirty="0">
+                <a:solidFill>
+                  <a:srgbClr val="008080"/>
+                </a:solidFill>
+                <a:ea typeface="ＭＳ ゴシック" panose="020B0609070205080204" pitchFamily="49" charset="-128"/>
+              </a:rPr>
+              <a:t>]</a:t>
+            </a:r>
+            <a:r>
+              <a:rPr lang="en-US" altLang="ja-JP" sz="2400" dirty="0">
+                <a:solidFill>
+                  <a:srgbClr val="000000"/>
+                </a:solidFill>
+                <a:ea typeface="ＭＳ ゴシック" panose="020B0609070205080204" pitchFamily="49" charset="-128"/>
+              </a:rPr>
+              <a:t>) { min = </a:t>
+            </a:r>
+            <a:r>
+              <a:rPr lang="en-US" altLang="ja-JP" sz="2400" dirty="0" err="1">
+                <a:solidFill>
+                  <a:srgbClr val="000000"/>
+                </a:solidFill>
+                <a:ea typeface="ＭＳ ゴシック" panose="020B0609070205080204" pitchFamily="49" charset="-128"/>
+              </a:rPr>
+              <a:t>vec</a:t>
+            </a:r>
+            <a:r>
+              <a:rPr lang="en-US" altLang="ja-JP" sz="2400" dirty="0">
+                <a:solidFill>
+                  <a:srgbClr val="008080"/>
+                </a:solidFill>
+                <a:ea typeface="ＭＳ ゴシック" panose="020B0609070205080204" pitchFamily="49" charset="-128"/>
+              </a:rPr>
+              <a:t>[</a:t>
+            </a:r>
+            <a:r>
+              <a:rPr lang="en-US" altLang="ja-JP" sz="2400" dirty="0" err="1">
+                <a:solidFill>
+                  <a:srgbClr val="000000"/>
+                </a:solidFill>
+                <a:ea typeface="ＭＳ ゴシック" panose="020B0609070205080204" pitchFamily="49" charset="-128"/>
+              </a:rPr>
+              <a:t>i</a:t>
+            </a:r>
+            <a:r>
+              <a:rPr lang="en-US" altLang="ja-JP" sz="2400" dirty="0">
+                <a:solidFill>
+                  <a:srgbClr val="008080"/>
+                </a:solidFill>
+                <a:ea typeface="ＭＳ ゴシック" panose="020B0609070205080204" pitchFamily="49" charset="-128"/>
+              </a:rPr>
+              <a:t>]</a:t>
+            </a:r>
+            <a:r>
+              <a:rPr lang="en-US" altLang="ja-JP" sz="2400" dirty="0">
+                <a:solidFill>
+                  <a:srgbClr val="000000"/>
+                </a:solidFill>
+                <a:ea typeface="ＭＳ ゴシック" panose="020B0609070205080204" pitchFamily="49" charset="-128"/>
+              </a:rPr>
+              <a:t>; }</a:t>
+            </a:r>
           </a:p>
           <a:p>
             <a:pPr marL="0" indent="0">
               <a:buNone/>
             </a:pPr>
             <a:r>
-              <a:rPr lang="en-US" altLang="ja-JP" sz="2000" dirty="0">
-                <a:solidFill>
-                  <a:srgbClr val="0000FF"/>
-                </a:solidFill>
-                <a:ea typeface="ＭＳ ゴシック" panose="020B0609070205080204" pitchFamily="49" charset="-128"/>
-              </a:rPr>
-              <a:t>    int</a:t>
-            </a:r>
-            <a:r>
-              <a:rPr lang="en-US" altLang="ja-JP" sz="2000" dirty="0">
-                <a:solidFill>
-                  <a:srgbClr val="000000"/>
-                </a:solidFill>
-                <a:ea typeface="ＭＳ ゴシック" panose="020B0609070205080204" pitchFamily="49" charset="-128"/>
-              </a:rPr>
-              <a:t> max, min;</a:t>
-            </a:r>
-          </a:p>
-          <a:p>
-            <a:pPr marL="0" indent="0">
-              <a:buNone/>
-            </a:pPr>
-            <a:r>
-              <a:rPr lang="en-US" altLang="ja-JP" sz="2000" dirty="0">
-                <a:solidFill>
-                  <a:srgbClr val="008000"/>
+              <a:rPr lang="en-US" altLang="ja-JP" sz="2400" dirty="0">
+                <a:solidFill>
+                  <a:srgbClr val="000000"/>
+                </a:solidFill>
+                <a:ea typeface="ＭＳ ゴシック" panose="020B0609070205080204" pitchFamily="49" charset="-128"/>
+              </a:rPr>
+              <a:t>    }</a:t>
+            </a:r>
+            <a:br>
+              <a:rPr lang="en-US" altLang="ja-JP" sz="2400" dirty="0">
+                <a:solidFill>
+                  <a:srgbClr val="000000"/>
+                </a:solidFill>
+                <a:ea typeface="ＭＳ ゴシック" panose="020B0609070205080204" pitchFamily="49" charset="-128"/>
+              </a:rPr>
+            </a:br>
+            <a:r>
+              <a:rPr lang="en-US" altLang="ja-JP" sz="2400" dirty="0">
+                <a:solidFill>
+                  <a:srgbClr val="000000"/>
                 </a:solidFill>
                 <a:ea typeface="ＭＳ ゴシック" panose="020B0609070205080204" pitchFamily="49" charset="-128"/>
               </a:rPr>
               <a:t>    </a:t>
             </a:r>
             <a:r>
-              <a:rPr lang="en-US" altLang="ja-JP" sz="2000" dirty="0">
-                <a:solidFill>
-                  <a:srgbClr val="00B050"/>
+              <a:rPr lang="en-US" altLang="ja-JP" sz="2400" dirty="0" err="1">
+                <a:solidFill>
+                  <a:srgbClr val="000000"/>
+                </a:solidFill>
+                <a:ea typeface="ＭＳ ゴシック" panose="020B0609070205080204" pitchFamily="49" charset="-128"/>
+              </a:rPr>
+              <a:t>cout</a:t>
+            </a:r>
+            <a:r>
+              <a:rPr lang="en-US" altLang="ja-JP" sz="2400" dirty="0">
+                <a:solidFill>
+                  <a:srgbClr val="000000"/>
+                </a:solidFill>
+                <a:ea typeface="ＭＳ ゴシック" panose="020B0609070205080204" pitchFamily="49" charset="-128"/>
+              </a:rPr>
+              <a:t> </a:t>
+            </a:r>
+            <a:r>
+              <a:rPr lang="en-US" altLang="ja-JP" sz="2400" dirty="0">
+                <a:solidFill>
+                  <a:srgbClr val="008080"/>
+                </a:solidFill>
+                <a:ea typeface="ＭＳ ゴシック" panose="020B0609070205080204" pitchFamily="49" charset="-128"/>
+              </a:rPr>
+              <a:t>&lt;&lt;</a:t>
+            </a:r>
+            <a:r>
+              <a:rPr lang="en-US" altLang="ja-JP" sz="2400" dirty="0">
+                <a:solidFill>
+                  <a:srgbClr val="000000"/>
+                </a:solidFill>
+                <a:ea typeface="ＭＳ ゴシック" panose="020B0609070205080204" pitchFamily="49" charset="-128"/>
+              </a:rPr>
+              <a:t> </a:t>
+            </a:r>
+            <a:r>
+              <a:rPr lang="en-US" altLang="ja-JP" sz="2400" dirty="0">
+                <a:solidFill>
+                  <a:srgbClr val="A31515"/>
+                </a:solidFill>
+                <a:ea typeface="ＭＳ ゴシック" panose="020B0609070205080204" pitchFamily="49" charset="-128"/>
+              </a:rPr>
+              <a:t>"</a:t>
+            </a:r>
+            <a:r>
+              <a:rPr lang="ja-JP" altLang="en-US" sz="2400" dirty="0">
+                <a:solidFill>
+                  <a:srgbClr val="A31515"/>
                 </a:solidFill>
                 <a:latin typeface="+mn-ea"/>
               </a:rPr>
-              <a:t>//***  </a:t>
-            </a:r>
-            <a:r>
-              <a:rPr lang="ja-JP" altLang="en-US" sz="2000" dirty="0">
-                <a:solidFill>
-                  <a:srgbClr val="00B050"/>
+              <a:t>最大値</a:t>
+            </a:r>
+            <a:r>
+              <a:rPr lang="en-US" altLang="ja-JP" sz="2400" dirty="0">
+                <a:solidFill>
+                  <a:srgbClr val="A31515"/>
                 </a:solidFill>
                 <a:latin typeface="+mn-ea"/>
               </a:rPr>
-              <a:t>添え字を使ったループ </a:t>
-            </a:r>
-            <a:r>
-              <a:rPr lang="en-US" altLang="ja-JP" sz="2000" dirty="0">
-                <a:solidFill>
-                  <a:srgbClr val="00B050"/>
+              <a:t>:</a:t>
+            </a:r>
+            <a:r>
+              <a:rPr lang="en-US" altLang="ja-JP" sz="2400" dirty="0">
+                <a:solidFill>
+                  <a:srgbClr val="A31515"/>
+                </a:solidFill>
+                <a:ea typeface="ＭＳ ゴシック" panose="020B0609070205080204" pitchFamily="49" charset="-128"/>
+              </a:rPr>
+              <a:t>"</a:t>
+            </a:r>
+            <a:r>
+              <a:rPr lang="ja-JP" altLang="en-US" sz="2400" dirty="0">
+                <a:solidFill>
+                  <a:srgbClr val="000000"/>
+                </a:solidFill>
+                <a:ea typeface="ＭＳ ゴシック" panose="020B0609070205080204" pitchFamily="49" charset="-128"/>
+              </a:rPr>
+              <a:t> </a:t>
+            </a:r>
+            <a:r>
+              <a:rPr lang="en-US" altLang="ja-JP" sz="2400" dirty="0">
+                <a:solidFill>
+                  <a:srgbClr val="008080"/>
+                </a:solidFill>
+                <a:ea typeface="ＭＳ ゴシック" panose="020B0609070205080204" pitchFamily="49" charset="-128"/>
+              </a:rPr>
+              <a:t>&lt;&lt;</a:t>
+            </a:r>
+            <a:r>
+              <a:rPr lang="ja-JP" altLang="en-US" sz="2400" dirty="0">
+                <a:solidFill>
+                  <a:srgbClr val="000000"/>
+                </a:solidFill>
+                <a:ea typeface="ＭＳ ゴシック" panose="020B0609070205080204" pitchFamily="49" charset="-128"/>
+              </a:rPr>
+              <a:t> </a:t>
+            </a:r>
+            <a:r>
+              <a:rPr lang="en-US" altLang="ja-JP" sz="2400" dirty="0">
+                <a:solidFill>
+                  <a:srgbClr val="000000"/>
+                </a:solidFill>
+                <a:ea typeface="ＭＳ ゴシック" panose="020B0609070205080204" pitchFamily="49" charset="-128"/>
+              </a:rPr>
+              <a:t>max </a:t>
+            </a:r>
+            <a:r>
+              <a:rPr lang="en-US" altLang="ja-JP" sz="2400" dirty="0">
+                <a:solidFill>
+                  <a:srgbClr val="008080"/>
+                </a:solidFill>
+                <a:ea typeface="ＭＳ ゴシック" panose="020B0609070205080204" pitchFamily="49" charset="-128"/>
+              </a:rPr>
+              <a:t>&lt;&lt;</a:t>
+            </a:r>
+            <a:r>
+              <a:rPr lang="en-US" altLang="ja-JP" sz="2400" dirty="0">
+                <a:solidFill>
+                  <a:srgbClr val="000000"/>
+                </a:solidFill>
+                <a:ea typeface="ＭＳ ゴシック" panose="020B0609070205080204" pitchFamily="49" charset="-128"/>
+              </a:rPr>
+              <a:t> </a:t>
+            </a:r>
+            <a:r>
+              <a:rPr lang="en-US" altLang="ja-JP" sz="2400" dirty="0">
+                <a:solidFill>
+                  <a:srgbClr val="A31515"/>
+                </a:solidFill>
+                <a:ea typeface="ＭＳ ゴシック" panose="020B0609070205080204" pitchFamily="49" charset="-128"/>
+              </a:rPr>
+              <a:t>" </a:t>
+            </a:r>
+            <a:r>
+              <a:rPr lang="ja-JP" altLang="en-US" sz="2400" dirty="0">
+                <a:solidFill>
+                  <a:srgbClr val="A31515"/>
                 </a:solidFill>
                 <a:latin typeface="+mn-ea"/>
               </a:rPr>
-              <a:t>***</a:t>
-            </a:r>
-            <a:endParaRPr lang="ja-JP" altLang="en-US" sz="2000" dirty="0">
-              <a:solidFill>
-                <a:srgbClr val="00B050"/>
-              </a:solidFill>
-              <a:latin typeface="+mn-ea"/>
-            </a:endParaRPr>
-          </a:p>
-          <a:p>
-            <a:pPr marL="0" indent="0">
-              <a:buNone/>
-            </a:pPr>
-            <a:r>
-              <a:rPr lang="en-US" altLang="ja-JP" sz="2000" dirty="0">
-                <a:solidFill>
-                  <a:srgbClr val="000000"/>
-                </a:solidFill>
-                <a:ea typeface="ＭＳ ゴシック" panose="020B0609070205080204" pitchFamily="49" charset="-128"/>
-              </a:rPr>
-              <a:t>    max = min = </a:t>
-            </a:r>
-            <a:r>
-              <a:rPr lang="en-US" altLang="ja-JP" sz="2000" dirty="0" err="1">
-                <a:solidFill>
-                  <a:srgbClr val="000000"/>
-                </a:solidFill>
-                <a:ea typeface="ＭＳ ゴシック" panose="020B0609070205080204" pitchFamily="49" charset="-128"/>
-              </a:rPr>
-              <a:t>vec</a:t>
-            </a:r>
-            <a:r>
-              <a:rPr lang="en-US" altLang="ja-JP" sz="2000" dirty="0">
+              <a:t>最小値</a:t>
+            </a:r>
+            <a:r>
+              <a:rPr lang="en-US" altLang="ja-JP" sz="2400" dirty="0">
+                <a:solidFill>
+                  <a:srgbClr val="A31515"/>
+                </a:solidFill>
+                <a:latin typeface="+mn-ea"/>
+              </a:rPr>
+              <a:t>:</a:t>
+            </a:r>
+            <a:r>
+              <a:rPr lang="en-US" altLang="ja-JP" sz="2400" dirty="0">
+                <a:solidFill>
+                  <a:srgbClr val="A31515"/>
+                </a:solidFill>
+                <a:ea typeface="ＭＳ ゴシック" panose="020B0609070205080204" pitchFamily="49" charset="-128"/>
+              </a:rPr>
+              <a:t>"</a:t>
+            </a:r>
+            <a:r>
+              <a:rPr lang="ja-JP" altLang="en-US" sz="2400" dirty="0">
+                <a:solidFill>
+                  <a:srgbClr val="000000"/>
+                </a:solidFill>
+                <a:ea typeface="ＭＳ ゴシック" panose="020B0609070205080204" pitchFamily="49" charset="-128"/>
+              </a:rPr>
+              <a:t> </a:t>
+            </a:r>
+            <a:r>
+              <a:rPr lang="en-US" altLang="ja-JP" sz="2400" dirty="0">
                 <a:solidFill>
                   <a:srgbClr val="008080"/>
                 </a:solidFill>
                 <a:ea typeface="ＭＳ ゴシック" panose="020B0609070205080204" pitchFamily="49" charset="-128"/>
               </a:rPr>
-              <a:t>[</a:t>
-            </a:r>
-            <a:r>
-              <a:rPr lang="en-US" altLang="ja-JP" sz="2000" dirty="0">
-                <a:solidFill>
-                  <a:srgbClr val="000000"/>
-                </a:solidFill>
-                <a:ea typeface="ＭＳ ゴシック" panose="020B0609070205080204" pitchFamily="49" charset="-128"/>
-              </a:rPr>
-              <a:t>0</a:t>
-            </a:r>
-            <a:r>
-              <a:rPr lang="en-US" altLang="ja-JP" sz="2000" dirty="0">
+              <a:t>&lt;&lt;</a:t>
+            </a:r>
+            <a:r>
+              <a:rPr lang="ja-JP" altLang="en-US" sz="2400" dirty="0">
+                <a:solidFill>
+                  <a:srgbClr val="000000"/>
+                </a:solidFill>
+                <a:ea typeface="ＭＳ ゴシック" panose="020B0609070205080204" pitchFamily="49" charset="-128"/>
+              </a:rPr>
+              <a:t> </a:t>
+            </a:r>
+            <a:r>
+              <a:rPr lang="en-US" altLang="ja-JP" sz="2400" dirty="0">
+                <a:solidFill>
+                  <a:srgbClr val="000000"/>
+                </a:solidFill>
+                <a:ea typeface="ＭＳ ゴシック" panose="020B0609070205080204" pitchFamily="49" charset="-128"/>
+              </a:rPr>
+              <a:t>min </a:t>
+            </a:r>
+            <a:r>
+              <a:rPr lang="en-US" altLang="ja-JP" sz="2400" dirty="0">
                 <a:solidFill>
                   <a:srgbClr val="008080"/>
                 </a:solidFill>
-                <a:latin typeface="+mn-ea"/>
-              </a:rPr>
-              <a:t>]</a:t>
-            </a:r>
-            <a:r>
-              <a:rPr lang="en-US" altLang="ja-JP" sz="2000" dirty="0">
-                <a:solidFill>
-                  <a:srgbClr val="000000"/>
-                </a:solidFill>
-                <a:latin typeface="+mn-ea"/>
-              </a:rPr>
-              <a:t>;  </a:t>
-            </a:r>
-            <a:r>
-              <a:rPr lang="en-US" altLang="ja-JP" sz="2000" dirty="0">
-                <a:solidFill>
-                  <a:srgbClr val="00B050"/>
-                </a:solidFill>
-                <a:latin typeface="+mn-ea"/>
-              </a:rPr>
-              <a:t>//</a:t>
-            </a:r>
-            <a:r>
-              <a:rPr lang="ja-JP" altLang="en-US" sz="2000" dirty="0">
-                <a:solidFill>
-                  <a:srgbClr val="00B050"/>
-                </a:solidFill>
-                <a:latin typeface="+mn-ea"/>
-              </a:rPr>
-              <a:t>仮の最大値最小値</a:t>
-            </a:r>
-          </a:p>
-          <a:p>
-            <a:pPr marL="0" indent="0">
-              <a:buNone/>
-            </a:pPr>
-            <a:r>
-              <a:rPr lang="nn-NO" altLang="ja-JP" sz="2000" dirty="0">
-                <a:solidFill>
-                  <a:srgbClr val="0000FF"/>
-                </a:solidFill>
-                <a:ea typeface="ＭＳ ゴシック" panose="020B0609070205080204" pitchFamily="49" charset="-128"/>
-              </a:rPr>
-              <a:t>    for</a:t>
-            </a:r>
-            <a:r>
-              <a:rPr lang="nn-NO" altLang="ja-JP" sz="2000" dirty="0">
-                <a:solidFill>
-                  <a:srgbClr val="000000"/>
-                </a:solidFill>
-                <a:ea typeface="ＭＳ ゴシック" panose="020B0609070205080204" pitchFamily="49" charset="-128"/>
-              </a:rPr>
-              <a:t> (</a:t>
-            </a:r>
-            <a:r>
-              <a:rPr lang="nn-NO" altLang="ja-JP" sz="2000" dirty="0">
-                <a:solidFill>
-                  <a:srgbClr val="0000FF"/>
-                </a:solidFill>
-                <a:ea typeface="ＭＳ ゴシック" panose="020B0609070205080204" pitchFamily="49" charset="-128"/>
-              </a:rPr>
-              <a:t>int</a:t>
-            </a:r>
-            <a:r>
-              <a:rPr lang="nn-NO" altLang="ja-JP" sz="2000" dirty="0">
-                <a:solidFill>
-                  <a:srgbClr val="000000"/>
-                </a:solidFill>
-                <a:ea typeface="ＭＳ ゴシック" panose="020B0609070205080204" pitchFamily="49" charset="-128"/>
-              </a:rPr>
-              <a:t> i = 1; i &lt; vec.size(); i++) {</a:t>
-            </a:r>
-          </a:p>
-          <a:p>
-            <a:pPr marL="0" indent="0">
-              <a:buNone/>
-            </a:pPr>
-            <a:r>
-              <a:rPr lang="en-US" altLang="ja-JP" sz="2000" dirty="0">
-                <a:solidFill>
-                  <a:srgbClr val="0000FF"/>
-                </a:solidFill>
-                <a:ea typeface="ＭＳ ゴシック" panose="020B0609070205080204" pitchFamily="49" charset="-128"/>
-              </a:rPr>
-              <a:t>        if</a:t>
-            </a:r>
-            <a:r>
-              <a:rPr lang="en-US" altLang="ja-JP" sz="2000" dirty="0">
-                <a:solidFill>
-                  <a:srgbClr val="000000"/>
-                </a:solidFill>
-                <a:ea typeface="ＭＳ ゴシック" panose="020B0609070205080204" pitchFamily="49" charset="-128"/>
-              </a:rPr>
-              <a:t> (max &lt; </a:t>
-            </a:r>
-            <a:r>
-              <a:rPr lang="en-US" altLang="ja-JP" sz="2000" dirty="0" err="1">
-                <a:solidFill>
-                  <a:srgbClr val="000000"/>
-                </a:solidFill>
-                <a:ea typeface="ＭＳ ゴシック" panose="020B0609070205080204" pitchFamily="49" charset="-128"/>
-              </a:rPr>
-              <a:t>vec</a:t>
-            </a:r>
-            <a:r>
-              <a:rPr lang="en-US" altLang="ja-JP" sz="2000" dirty="0">
-                <a:solidFill>
-                  <a:srgbClr val="008080"/>
-                </a:solidFill>
-                <a:ea typeface="ＭＳ ゴシック" panose="020B0609070205080204" pitchFamily="49" charset="-128"/>
-              </a:rPr>
-              <a:t>[</a:t>
-            </a:r>
-            <a:r>
-              <a:rPr lang="en-US" altLang="ja-JP" sz="2000" dirty="0" err="1">
-                <a:solidFill>
-                  <a:srgbClr val="000000"/>
-                </a:solidFill>
-                <a:ea typeface="ＭＳ ゴシック" panose="020B0609070205080204" pitchFamily="49" charset="-128"/>
-              </a:rPr>
-              <a:t>i</a:t>
-            </a:r>
-            <a:r>
-              <a:rPr lang="en-US" altLang="ja-JP" sz="2000" dirty="0">
-                <a:solidFill>
-                  <a:srgbClr val="008080"/>
-                </a:solidFill>
-                <a:ea typeface="ＭＳ ゴシック" panose="020B0609070205080204" pitchFamily="49" charset="-128"/>
-              </a:rPr>
-              <a:t>]</a:t>
-            </a:r>
-            <a:r>
-              <a:rPr lang="en-US" altLang="ja-JP" sz="2000" dirty="0">
-                <a:solidFill>
-                  <a:srgbClr val="000000"/>
-                </a:solidFill>
-                <a:ea typeface="ＭＳ ゴシック" panose="020B0609070205080204" pitchFamily="49" charset="-128"/>
-              </a:rPr>
-              <a:t>) {</a:t>
-            </a:r>
-            <a:r>
-              <a:rPr lang="ja-JP" altLang="en-US" sz="2000" dirty="0">
+                <a:ea typeface="ＭＳ ゴシック" panose="020B0609070205080204" pitchFamily="49" charset="-128"/>
+              </a:rPr>
+              <a:t>&lt;&lt;</a:t>
+            </a:r>
+            <a:r>
+              <a:rPr lang="en-US" altLang="ja-JP" sz="2400" dirty="0">
                 <a:solidFill>
                   <a:srgbClr val="000000"/>
                 </a:solidFill>
@@ -8903,52 +10106,16 @@
               <a:t> </a:t>
             </a:r>
             <a:r>
-              <a:rPr lang="en-US" altLang="ja-JP" sz="2000" dirty="0">
-                <a:solidFill>
-                  <a:srgbClr val="000000"/>
-                </a:solidFill>
-                <a:ea typeface="ＭＳ ゴシック" panose="020B0609070205080204" pitchFamily="49" charset="-128"/>
-              </a:rPr>
-              <a:t>max = </a:t>
-            </a:r>
-            <a:r>
-              <a:rPr lang="en-US" altLang="ja-JP" sz="2000" dirty="0" err="1">
-                <a:solidFill>
-                  <a:srgbClr val="000000"/>
-                </a:solidFill>
-                <a:ea typeface="ＭＳ ゴシック" panose="020B0609070205080204" pitchFamily="49" charset="-128"/>
-              </a:rPr>
-              <a:t>vec</a:t>
-            </a:r>
-            <a:r>
-              <a:rPr lang="en-US" altLang="ja-JP" sz="2000" dirty="0">
-                <a:solidFill>
-                  <a:srgbClr val="008080"/>
-                </a:solidFill>
-                <a:ea typeface="ＭＳ ゴシック" panose="020B0609070205080204" pitchFamily="49" charset="-128"/>
-              </a:rPr>
-              <a:t>[</a:t>
-            </a:r>
-            <a:r>
-              <a:rPr lang="en-US" altLang="ja-JP" sz="2000" dirty="0" err="1">
-                <a:solidFill>
-                  <a:srgbClr val="000000"/>
-                </a:solidFill>
-                <a:ea typeface="ＭＳ ゴシック" panose="020B0609070205080204" pitchFamily="49" charset="-128"/>
-              </a:rPr>
-              <a:t>i</a:t>
-            </a:r>
-            <a:r>
-              <a:rPr lang="en-US" altLang="ja-JP" sz="2000" dirty="0">
-                <a:solidFill>
-                  <a:srgbClr val="008080"/>
-                </a:solidFill>
-                <a:ea typeface="ＭＳ ゴシック" panose="020B0609070205080204" pitchFamily="49" charset="-128"/>
-              </a:rPr>
-              <a:t>]</a:t>
-            </a:r>
-            <a:r>
-              <a:rPr lang="en-US" altLang="ja-JP" sz="2000" dirty="0">
+              <a:rPr lang="en-US" altLang="ja-JP" sz="2400" dirty="0" err="1">
+                <a:solidFill>
+                  <a:srgbClr val="000000"/>
+                </a:solidFill>
+                <a:ea typeface="ＭＳ ゴシック" panose="020B0609070205080204" pitchFamily="49" charset="-128"/>
+              </a:rPr>
+              <a:t>endl</a:t>
+            </a:r>
+            <a:r>
+              <a:rPr lang="en-US" altLang="ja-JP" sz="2400" dirty="0">
                 <a:solidFill>
                   <a:srgbClr val="000000"/>
                 </a:solidFill>
@@ -8956,400 +10123,7 @@
               </a:rPr>
               <a:t>;</a:t>
             </a:r>
-            <a:r>
-              <a:rPr lang="ja-JP" altLang="en-US" sz="2000" dirty="0">
-                <a:solidFill>
-                  <a:srgbClr val="000000"/>
-                </a:solidFill>
-                <a:ea typeface="ＭＳ ゴシック" panose="020B0609070205080204" pitchFamily="49" charset="-128"/>
-              </a:rPr>
-              <a:t> </a:t>
-            </a:r>
-            <a:r>
-              <a:rPr lang="en-US" altLang="ja-JP" sz="2000" dirty="0">
-                <a:solidFill>
-                  <a:srgbClr val="000000"/>
-                </a:solidFill>
-                <a:ea typeface="ＭＳ ゴシック" panose="020B0609070205080204" pitchFamily="49" charset="-128"/>
-              </a:rPr>
-              <a:t>}</a:t>
-            </a:r>
-          </a:p>
-          <a:p>
-            <a:pPr marL="0" indent="0">
-              <a:buNone/>
-            </a:pPr>
-            <a:r>
-              <a:rPr lang="en-US" altLang="ja-JP" sz="2000" dirty="0">
-                <a:solidFill>
-                  <a:srgbClr val="0000FF"/>
-                </a:solidFill>
-                <a:ea typeface="ＭＳ ゴシック" panose="020B0609070205080204" pitchFamily="49" charset="-128"/>
-              </a:rPr>
-              <a:t>        if</a:t>
-            </a:r>
-            <a:r>
-              <a:rPr lang="en-US" altLang="ja-JP" sz="2000" dirty="0">
-                <a:solidFill>
-                  <a:srgbClr val="000000"/>
-                </a:solidFill>
-                <a:ea typeface="ＭＳ ゴシック" panose="020B0609070205080204" pitchFamily="49" charset="-128"/>
-              </a:rPr>
-              <a:t> (min &gt; </a:t>
-            </a:r>
-            <a:r>
-              <a:rPr lang="en-US" altLang="ja-JP" sz="2000" dirty="0" err="1">
-                <a:solidFill>
-                  <a:srgbClr val="000000"/>
-                </a:solidFill>
-                <a:ea typeface="ＭＳ ゴシック" panose="020B0609070205080204" pitchFamily="49" charset="-128"/>
-              </a:rPr>
-              <a:t>vec</a:t>
-            </a:r>
-            <a:r>
-              <a:rPr lang="en-US" altLang="ja-JP" sz="2000" dirty="0">
-                <a:solidFill>
-                  <a:srgbClr val="008080"/>
-                </a:solidFill>
-                <a:ea typeface="ＭＳ ゴシック" panose="020B0609070205080204" pitchFamily="49" charset="-128"/>
-              </a:rPr>
-              <a:t>[</a:t>
-            </a:r>
-            <a:r>
-              <a:rPr lang="en-US" altLang="ja-JP" sz="2000" dirty="0" err="1">
-                <a:solidFill>
-                  <a:srgbClr val="000000"/>
-                </a:solidFill>
-                <a:ea typeface="ＭＳ ゴシック" panose="020B0609070205080204" pitchFamily="49" charset="-128"/>
-              </a:rPr>
-              <a:t>i</a:t>
-            </a:r>
-            <a:r>
-              <a:rPr lang="en-US" altLang="ja-JP" sz="2000" dirty="0">
-                <a:solidFill>
-                  <a:srgbClr val="008080"/>
-                </a:solidFill>
-                <a:ea typeface="ＭＳ ゴシック" panose="020B0609070205080204" pitchFamily="49" charset="-128"/>
-              </a:rPr>
-              <a:t>]</a:t>
-            </a:r>
-            <a:r>
-              <a:rPr lang="en-US" altLang="ja-JP" sz="2000" dirty="0">
-                <a:solidFill>
-                  <a:srgbClr val="000000"/>
-                </a:solidFill>
-                <a:ea typeface="ＭＳ ゴシック" panose="020B0609070205080204" pitchFamily="49" charset="-128"/>
-              </a:rPr>
-              <a:t>) { min = </a:t>
-            </a:r>
-            <a:r>
-              <a:rPr lang="en-US" altLang="ja-JP" sz="2000" dirty="0" err="1">
-                <a:solidFill>
-                  <a:srgbClr val="000000"/>
-                </a:solidFill>
-                <a:ea typeface="ＭＳ ゴシック" panose="020B0609070205080204" pitchFamily="49" charset="-128"/>
-              </a:rPr>
-              <a:t>vec</a:t>
-            </a:r>
-            <a:r>
-              <a:rPr lang="en-US" altLang="ja-JP" sz="2000" dirty="0">
-                <a:solidFill>
-                  <a:srgbClr val="008080"/>
-                </a:solidFill>
-                <a:ea typeface="ＭＳ ゴシック" panose="020B0609070205080204" pitchFamily="49" charset="-128"/>
-              </a:rPr>
-              <a:t>[</a:t>
-            </a:r>
-            <a:r>
-              <a:rPr lang="en-US" altLang="ja-JP" sz="2000" dirty="0" err="1">
-                <a:solidFill>
-                  <a:srgbClr val="000000"/>
-                </a:solidFill>
-                <a:ea typeface="ＭＳ ゴシック" panose="020B0609070205080204" pitchFamily="49" charset="-128"/>
-              </a:rPr>
-              <a:t>i</a:t>
-            </a:r>
-            <a:r>
-              <a:rPr lang="en-US" altLang="ja-JP" sz="2000" dirty="0">
-                <a:solidFill>
-                  <a:srgbClr val="008080"/>
-                </a:solidFill>
-                <a:ea typeface="ＭＳ ゴシック" panose="020B0609070205080204" pitchFamily="49" charset="-128"/>
-              </a:rPr>
-              <a:t>]</a:t>
-            </a:r>
-            <a:r>
-              <a:rPr lang="en-US" altLang="ja-JP" sz="2000" dirty="0">
-                <a:solidFill>
-                  <a:srgbClr val="000000"/>
-                </a:solidFill>
-                <a:ea typeface="ＭＳ ゴシック" panose="020B0609070205080204" pitchFamily="49" charset="-128"/>
-              </a:rPr>
-              <a:t>; }</a:t>
-            </a:r>
-          </a:p>
-          <a:p>
-            <a:pPr marL="0" indent="0">
-              <a:buNone/>
-            </a:pPr>
-            <a:r>
-              <a:rPr lang="en-US" altLang="ja-JP" sz="2000" dirty="0">
-                <a:solidFill>
-                  <a:srgbClr val="000000"/>
-                </a:solidFill>
-                <a:ea typeface="ＭＳ ゴシック" panose="020B0609070205080204" pitchFamily="49" charset="-128"/>
-              </a:rPr>
-              <a:t>    }</a:t>
-            </a:r>
-          </a:p>
-          <a:p>
-            <a:pPr marL="0" indent="0">
-              <a:buNone/>
-            </a:pPr>
-            <a:r>
-              <a:rPr lang="en-US" altLang="ja-JP" sz="2000" dirty="0">
-                <a:solidFill>
-                  <a:srgbClr val="000000"/>
-                </a:solidFill>
-                <a:ea typeface="ＭＳ ゴシック" panose="020B0609070205080204" pitchFamily="49" charset="-128"/>
-              </a:rPr>
-              <a:t>    </a:t>
-            </a:r>
-            <a:r>
-              <a:rPr lang="en-US" altLang="ja-JP" sz="2000" dirty="0" err="1">
-                <a:solidFill>
-                  <a:srgbClr val="000000"/>
-                </a:solidFill>
-                <a:ea typeface="ＭＳ ゴシック" panose="020B0609070205080204" pitchFamily="49" charset="-128"/>
-              </a:rPr>
-              <a:t>cout</a:t>
-            </a:r>
-            <a:r>
-              <a:rPr lang="en-US" altLang="ja-JP" sz="2000" dirty="0">
-                <a:solidFill>
-                  <a:srgbClr val="000000"/>
-                </a:solidFill>
-                <a:ea typeface="ＭＳ ゴシック" panose="020B0609070205080204" pitchFamily="49" charset="-128"/>
-              </a:rPr>
-              <a:t> </a:t>
-            </a:r>
-            <a:r>
-              <a:rPr lang="en-US" altLang="ja-JP" sz="2000" dirty="0">
-                <a:solidFill>
-                  <a:srgbClr val="008080"/>
-                </a:solidFill>
-                <a:ea typeface="ＭＳ ゴシック" panose="020B0609070205080204" pitchFamily="49" charset="-128"/>
-              </a:rPr>
-              <a:t>&lt;&lt;</a:t>
-            </a:r>
-            <a:r>
-              <a:rPr lang="en-US" altLang="ja-JP" sz="2000" dirty="0">
-                <a:solidFill>
-                  <a:srgbClr val="000000"/>
-                </a:solidFill>
-                <a:ea typeface="ＭＳ ゴシック" panose="020B0609070205080204" pitchFamily="49" charset="-128"/>
-              </a:rPr>
-              <a:t> </a:t>
-            </a:r>
-            <a:r>
-              <a:rPr lang="en-US" altLang="ja-JP" sz="2000" dirty="0">
-                <a:solidFill>
-                  <a:srgbClr val="A31515"/>
-                </a:solidFill>
-                <a:ea typeface="ＭＳ ゴシック" panose="020B0609070205080204" pitchFamily="49" charset="-128"/>
-              </a:rPr>
-              <a:t>"</a:t>
-            </a:r>
-            <a:r>
-              <a:rPr lang="ja-JP" altLang="en-US" sz="2000" dirty="0">
-                <a:solidFill>
-                  <a:srgbClr val="A31515"/>
-                </a:solidFill>
-                <a:latin typeface="+mn-ea"/>
-              </a:rPr>
-              <a:t>最大値</a:t>
-            </a:r>
-            <a:r>
-              <a:rPr lang="en-US" altLang="ja-JP" sz="2000" dirty="0">
-                <a:solidFill>
-                  <a:srgbClr val="A31515"/>
-                </a:solidFill>
-                <a:latin typeface="+mn-ea"/>
-              </a:rPr>
-              <a:t>:</a:t>
-            </a:r>
-            <a:r>
-              <a:rPr lang="en-US" altLang="ja-JP" sz="2000" dirty="0">
-                <a:solidFill>
-                  <a:srgbClr val="A31515"/>
-                </a:solidFill>
-                <a:ea typeface="ＭＳ ゴシック" panose="020B0609070205080204" pitchFamily="49" charset="-128"/>
-              </a:rPr>
-              <a:t>"</a:t>
-            </a:r>
-            <a:r>
-              <a:rPr lang="ja-JP" altLang="en-US" sz="2000" dirty="0">
-                <a:solidFill>
-                  <a:srgbClr val="000000"/>
-                </a:solidFill>
-                <a:ea typeface="ＭＳ ゴシック" panose="020B0609070205080204" pitchFamily="49" charset="-128"/>
-              </a:rPr>
-              <a:t> </a:t>
-            </a:r>
-            <a:r>
-              <a:rPr lang="en-US" altLang="ja-JP" sz="2000" dirty="0">
-                <a:solidFill>
-                  <a:srgbClr val="008080"/>
-                </a:solidFill>
-                <a:ea typeface="ＭＳ ゴシック" panose="020B0609070205080204" pitchFamily="49" charset="-128"/>
-              </a:rPr>
-              <a:t>&lt;&lt;</a:t>
-            </a:r>
-            <a:r>
-              <a:rPr lang="ja-JP" altLang="en-US" sz="2000" dirty="0">
-                <a:solidFill>
-                  <a:srgbClr val="000000"/>
-                </a:solidFill>
-                <a:ea typeface="ＭＳ ゴシック" panose="020B0609070205080204" pitchFamily="49" charset="-128"/>
-              </a:rPr>
-              <a:t> </a:t>
-            </a:r>
-            <a:r>
-              <a:rPr lang="en-US" altLang="ja-JP" sz="2000" dirty="0">
-                <a:solidFill>
-                  <a:srgbClr val="000000"/>
-                </a:solidFill>
-                <a:ea typeface="ＭＳ ゴシック" panose="020B0609070205080204" pitchFamily="49" charset="-128"/>
-              </a:rPr>
-              <a:t>max </a:t>
-            </a:r>
-            <a:r>
-              <a:rPr lang="en-US" altLang="ja-JP" sz="2000" dirty="0">
-                <a:solidFill>
-                  <a:srgbClr val="008080"/>
-                </a:solidFill>
-                <a:ea typeface="ＭＳ ゴシック" panose="020B0609070205080204" pitchFamily="49" charset="-128"/>
-              </a:rPr>
-              <a:t>&lt;&lt;</a:t>
-            </a:r>
-            <a:r>
-              <a:rPr lang="en-US" altLang="ja-JP" sz="2000" dirty="0">
-                <a:solidFill>
-                  <a:srgbClr val="000000"/>
-                </a:solidFill>
-                <a:ea typeface="ＭＳ ゴシック" panose="020B0609070205080204" pitchFamily="49" charset="-128"/>
-              </a:rPr>
-              <a:t> </a:t>
-            </a:r>
-            <a:r>
-              <a:rPr lang="en-US" altLang="ja-JP" sz="2000" dirty="0">
-                <a:solidFill>
-                  <a:srgbClr val="A31515"/>
-                </a:solidFill>
-                <a:ea typeface="ＭＳ ゴシック" panose="020B0609070205080204" pitchFamily="49" charset="-128"/>
-              </a:rPr>
-              <a:t>" </a:t>
-            </a:r>
-            <a:r>
-              <a:rPr lang="ja-JP" altLang="en-US" sz="2000" dirty="0">
-                <a:solidFill>
-                  <a:srgbClr val="A31515"/>
-                </a:solidFill>
-                <a:latin typeface="+mn-ea"/>
-              </a:rPr>
-              <a:t>最小値</a:t>
-            </a:r>
-            <a:r>
-              <a:rPr lang="en-US" altLang="ja-JP" sz="2000" dirty="0">
-                <a:solidFill>
-                  <a:srgbClr val="A31515"/>
-                </a:solidFill>
-                <a:latin typeface="+mn-ea"/>
-              </a:rPr>
-              <a:t>:</a:t>
-            </a:r>
-            <a:r>
-              <a:rPr lang="en-US" altLang="ja-JP" sz="2000" dirty="0">
-                <a:solidFill>
-                  <a:srgbClr val="A31515"/>
-                </a:solidFill>
-                <a:ea typeface="ＭＳ ゴシック" panose="020B0609070205080204" pitchFamily="49" charset="-128"/>
-              </a:rPr>
-              <a:t>"</a:t>
-            </a:r>
-            <a:r>
-              <a:rPr lang="ja-JP" altLang="en-US" sz="2000" dirty="0">
-                <a:solidFill>
-                  <a:srgbClr val="000000"/>
-                </a:solidFill>
-                <a:ea typeface="ＭＳ ゴシック" panose="020B0609070205080204" pitchFamily="49" charset="-128"/>
-              </a:rPr>
-              <a:t> </a:t>
-            </a:r>
-            <a:r>
-              <a:rPr lang="en-US" altLang="ja-JP" sz="2000" dirty="0">
-                <a:solidFill>
-                  <a:srgbClr val="008080"/>
-                </a:solidFill>
-                <a:ea typeface="ＭＳ ゴシック" panose="020B0609070205080204" pitchFamily="49" charset="-128"/>
-              </a:rPr>
-              <a:t>&lt;&lt;</a:t>
-            </a:r>
-            <a:r>
-              <a:rPr lang="ja-JP" altLang="en-US" sz="2000" dirty="0">
-                <a:solidFill>
-                  <a:srgbClr val="000000"/>
-                </a:solidFill>
-                <a:ea typeface="ＭＳ ゴシック" panose="020B0609070205080204" pitchFamily="49" charset="-128"/>
-              </a:rPr>
-              <a:t> </a:t>
-            </a:r>
-            <a:r>
-              <a:rPr lang="en-US" altLang="ja-JP" sz="2000" dirty="0">
-                <a:solidFill>
-                  <a:srgbClr val="000000"/>
-                </a:solidFill>
-                <a:ea typeface="ＭＳ ゴシック" panose="020B0609070205080204" pitchFamily="49" charset="-128"/>
-              </a:rPr>
-              <a:t>min </a:t>
-            </a:r>
-            <a:r>
-              <a:rPr lang="en-US" altLang="ja-JP" sz="2000" dirty="0">
-                <a:solidFill>
-                  <a:srgbClr val="008080"/>
-                </a:solidFill>
-                <a:ea typeface="ＭＳ ゴシック" panose="020B0609070205080204" pitchFamily="49" charset="-128"/>
-              </a:rPr>
-              <a:t>&lt;&lt;</a:t>
-            </a:r>
-            <a:r>
-              <a:rPr lang="en-US" altLang="ja-JP" sz="2000" dirty="0">
-                <a:solidFill>
-                  <a:srgbClr val="000000"/>
-                </a:solidFill>
-                <a:ea typeface="ＭＳ ゴシック" panose="020B0609070205080204" pitchFamily="49" charset="-128"/>
-              </a:rPr>
-              <a:t> </a:t>
-            </a:r>
-            <a:r>
-              <a:rPr lang="en-US" altLang="ja-JP" sz="2000" dirty="0" err="1">
-                <a:solidFill>
-                  <a:srgbClr val="000000"/>
-                </a:solidFill>
-                <a:ea typeface="ＭＳ ゴシック" panose="020B0609070205080204" pitchFamily="49" charset="-128"/>
-              </a:rPr>
-              <a:t>endl</a:t>
-            </a:r>
-            <a:r>
-              <a:rPr lang="en-US" altLang="ja-JP" sz="2000" dirty="0">
-                <a:solidFill>
-                  <a:srgbClr val="000000"/>
-                </a:solidFill>
-                <a:ea typeface="ＭＳ ゴシック" panose="020B0609070205080204" pitchFamily="49" charset="-128"/>
-              </a:rPr>
-              <a:t>;</a:t>
-            </a:r>
-            <a:endParaRPr lang="en-US" altLang="ja-JP" sz="2000" dirty="0"/>
+            <a:endParaRPr lang="en-US" altLang="ja-JP" sz="2400" dirty="0"/>
           </a:p>
         </p:txBody>
       </p:sp>
@@ -9474,8 +10248,8 @@
         </p:nvSpPr>
         <p:spPr>
           <a:xfrm>
-            <a:off x="731196" y="1809344"/>
-            <a:ext cx="10515600" cy="4416358"/>
+            <a:off x="624191" y="1809344"/>
+            <a:ext cx="11370013" cy="4416358"/>
           </a:xfrm>
           <a:solidFill>
             <a:schemeClr val="bg1"/>
@@ -9496,25 +10270,16 @@
               <a:buNone/>
             </a:pPr>
             <a:r>
-              <a:rPr lang="en-US" altLang="ja-JP" sz="2000" dirty="0">
-                <a:solidFill>
-                  <a:srgbClr val="008000"/>
-                </a:solidFill>
-                <a:ea typeface="ＭＳ ゴシック" panose="020B0609070205080204" pitchFamily="49" charset="-128"/>
-              </a:rPr>
-              <a:t>    </a:t>
-            </a:r>
-            <a:r>
-              <a:rPr lang="en-US" altLang="ja-JP" sz="2000" dirty="0">
+              <a:rPr lang="en-US" altLang="ja-JP" sz="2400" dirty="0">
                 <a:solidFill>
                   <a:srgbClr val="00B050"/>
                 </a:solidFill>
                 <a:latin typeface="+mn-ea"/>
               </a:rPr>
-              <a:t>//***  </a:t>
-            </a:r>
-            <a:r>
-              <a:rPr lang="ja-JP" altLang="en-US" sz="2000" dirty="0">
+              <a:t>    //***  </a:t>
+            </a:r>
+            <a:r>
+              <a:rPr lang="ja-JP" altLang="en-US" sz="2400" dirty="0">
                 <a:solidFill>
                   <a:srgbClr val="00B050"/>
                 </a:solidFill>
@@ -9523,7 +10288,7 @@
               <a:t>イテレータを使ったループ </a:t>
             </a:r>
             <a:r>
-              <a:rPr lang="en-US" altLang="ja-JP" sz="2000" dirty="0">
+              <a:rPr lang="en-US" altLang="ja-JP" sz="2400" dirty="0">
                 <a:solidFill>
                   <a:srgbClr val="00B050"/>
                 </a:solidFill>
@@ -9531,7 +10296,7 @@
               </a:rPr>
               <a:t>***</a:t>
             </a:r>
-            <a:endParaRPr lang="ja-JP" altLang="en-US" sz="2000" dirty="0">
+            <a:endParaRPr lang="ja-JP" altLang="en-US" sz="2400" dirty="0">
               <a:solidFill>
                 <a:srgbClr val="00B050"/>
               </a:solidFill>
@@ -9543,70 +10308,51 @@
               <a:buNone/>
             </a:pPr>
             <a:r>
-              <a:rPr lang="en-US" altLang="ja-JP" sz="2000" dirty="0">
-                <a:solidFill>
-                  <a:srgbClr val="000000"/>
-                </a:solidFill>
-                <a:ea typeface="ＭＳ ゴシック" panose="020B0609070205080204" pitchFamily="49" charset="-128"/>
-              </a:rPr>
-              <a:t>    max = min = </a:t>
-            </a:r>
-            <a:r>
-              <a:rPr lang="en-US" altLang="ja-JP" sz="2000" dirty="0" err="1">
-                <a:solidFill>
-                  <a:srgbClr val="000000"/>
-                </a:solidFill>
-                <a:ea typeface="ＭＳ ゴシック" panose="020B0609070205080204" pitchFamily="49" charset="-128"/>
-              </a:rPr>
-              <a:t>vec</a:t>
-            </a:r>
-            <a:r>
-              <a:rPr lang="en-US" altLang="ja-JP" sz="2000" dirty="0">
-                <a:solidFill>
-                  <a:srgbClr val="008080"/>
-                </a:solidFill>
-                <a:ea typeface="ＭＳ ゴシック" panose="020B0609070205080204" pitchFamily="49" charset="-128"/>
-              </a:rPr>
-              <a:t>[</a:t>
-            </a:r>
-            <a:r>
-              <a:rPr lang="en-US" altLang="ja-JP" sz="2000" dirty="0">
-                <a:solidFill>
-                  <a:srgbClr val="000000"/>
-                </a:solidFill>
-                <a:ea typeface="ＭＳ ゴシック" panose="020B0609070205080204" pitchFamily="49" charset="-128"/>
-              </a:rPr>
-              <a:t>0</a:t>
-            </a:r>
-            <a:r>
-              <a:rPr lang="en-US" altLang="ja-JP" sz="2000" dirty="0">
-                <a:solidFill>
-                  <a:srgbClr val="008080"/>
+              <a:rPr lang="en-US" altLang="ja-JP" sz="2400" dirty="0">
+                <a:solidFill>
+                  <a:srgbClr val="000000"/>
+                </a:solidFill>
+                <a:ea typeface="ＭＳ ゴシック" panose="020B0609070205080204" pitchFamily="49" charset="-128"/>
+              </a:rPr>
+              <a:t>  max = min = vec</a:t>
+            </a:r>
+            <a:r>
+              <a:rPr lang="en-US" altLang="ja-JP" sz="2400" dirty="0">
+                <a:solidFill>
+                  <a:srgbClr val="FF0000"/>
+                </a:solidFill>
+                <a:ea typeface="ＭＳ ゴシック" panose="020B0609070205080204" pitchFamily="49" charset="-128"/>
+              </a:rPr>
+              <a:t>.at(0</a:t>
+            </a:r>
+            <a:r>
+              <a:rPr lang="en-US" altLang="ja-JP" sz="2400" dirty="0">
+                <a:solidFill>
+                  <a:srgbClr val="FF0000"/>
+                </a:solidFill>
+              </a:rPr>
+              <a:t>)</a:t>
+            </a:r>
+            <a:r>
+              <a:rPr lang="en-US" altLang="ja-JP" sz="2400" dirty="0">
+                <a:solidFill>
+                  <a:srgbClr val="000000"/>
                 </a:solidFill>
                 <a:latin typeface="+mn-ea"/>
               </a:rPr>
-              <a:t>]</a:t>
-            </a:r>
-            <a:r>
-              <a:rPr lang="en-US" altLang="ja-JP" sz="2000" dirty="0">
-                <a:solidFill>
-                  <a:srgbClr val="000000"/>
+              <a:t>;  </a:t>
+            </a:r>
+            <a:r>
+              <a:rPr lang="en-US" altLang="ja-JP" sz="2400" dirty="0">
+                <a:solidFill>
+                  <a:srgbClr val="00B050"/>
                 </a:solidFill>
                 <a:latin typeface="+mn-ea"/>
               </a:rPr>
-              <a:t>;  </a:t>
-            </a:r>
-            <a:r>
-              <a:rPr lang="en-US" altLang="ja-JP" sz="2000" dirty="0">
-                <a:solidFill>
-                  <a:srgbClr val="00B050"/>
-                </a:solidFill>
-                <a:latin typeface="+mn-ea"/>
-              </a:rPr>
               <a:t>//</a:t>
             </a:r>
             <a:r>
-              <a:rPr lang="ja-JP" altLang="en-US" sz="2000" dirty="0">
+              <a:rPr lang="ja-JP" altLang="en-US" sz="2400" dirty="0">
                 <a:solidFill>
                   <a:srgbClr val="00B050"/>
                 </a:solidFill>
@@ -9620,16 +10366,16 @@
               <a:buNone/>
             </a:pPr>
             <a:r>
-              <a:rPr lang="nn-NO" altLang="ja-JP" sz="2000" dirty="0">
+              <a:rPr lang="nn-NO" altLang="ja-JP" sz="2400" dirty="0">
                 <a:solidFill>
                   <a:srgbClr val="0000FF"/>
                 </a:solidFill>
                 <a:ea typeface="ＭＳ ゴシック" panose="020B0609070205080204" pitchFamily="49" charset="-128"/>
               </a:rPr>
-              <a:t>    for</a:t>
-            </a:r>
-            <a:r>
-              <a:rPr lang="nn-NO" altLang="ja-JP" sz="2000" dirty="0">
+              <a:t>  for</a:t>
+            </a:r>
+            <a:r>
+              <a:rPr lang="nn-NO" altLang="ja-JP" sz="2400" dirty="0">
                 <a:solidFill>
                   <a:srgbClr val="000000"/>
                 </a:solidFill>
@@ -9638,7 +10384,7 @@
               <a:t> (</a:t>
             </a:r>
             <a:r>
-              <a:rPr lang="nn-NO" altLang="ja-JP" sz="2000" dirty="0">
+              <a:rPr lang="nn-NO" altLang="ja-JP" sz="2400" dirty="0">
                 <a:solidFill>
                   <a:srgbClr val="0000FF"/>
                 </a:solidFill>
@@ -9647,30 +10393,42 @@
               <a:t>auto</a:t>
             </a:r>
             <a:r>
-              <a:rPr lang="nn-NO" altLang="ja-JP" sz="2000" dirty="0">
-                <a:solidFill>
-                  <a:srgbClr val="000000"/>
-                </a:solidFill>
-                <a:ea typeface="ＭＳ ゴシック" panose="020B0609070205080204" pitchFamily="49" charset="-128"/>
-              </a:rPr>
-              <a:t> itr = vec.begin() + 1; itr != vec.end(); ++itr) {</a:t>
-            </a:r>
-          </a:p>
-          <a:p>
-            <a:pPr marL="0" indent="0">
-              <a:buNone/>
-            </a:pPr>
-            <a:r>
-              <a:rPr lang="en-US" altLang="ja-JP" sz="2000" dirty="0">
+              <a:rPr lang="nn-NO" altLang="ja-JP" sz="2400" dirty="0">
+                <a:solidFill>
+                  <a:srgbClr val="000000"/>
+                </a:solidFill>
+                <a:ea typeface="ＭＳ ゴシック" panose="020B0609070205080204" pitchFamily="49" charset="-128"/>
+              </a:rPr>
+              <a:t> itr = vec.begin()+1; itr != vec.end(); ++itr) {</a:t>
+            </a:r>
+            <a:br>
+              <a:rPr lang="nn-NO" altLang="ja-JP" sz="2400" dirty="0">
+                <a:solidFill>
+                  <a:srgbClr val="000000"/>
+                </a:solidFill>
+                <a:ea typeface="ＭＳ ゴシック" panose="020B0609070205080204" pitchFamily="49" charset="-128"/>
+              </a:rPr>
+            </a:br>
+            <a:r>
+              <a:rPr lang="nn-NO" altLang="ja-JP" sz="2400" dirty="0">
+                <a:solidFill>
+                  <a:srgbClr val="000000"/>
+                </a:solidFill>
+                <a:ea typeface="ＭＳ ゴシック" panose="020B0609070205080204" pitchFamily="49" charset="-128"/>
+              </a:rPr>
+              <a:t>    </a:t>
+            </a:r>
+            <a:r>
+              <a:rPr lang="en-US" altLang="ja-JP" sz="2400" dirty="0">
                 <a:solidFill>
                   <a:srgbClr val="0000FF"/>
                 </a:solidFill>
                 <a:ea typeface="ＭＳ ゴシック" panose="020B0609070205080204" pitchFamily="49" charset="-128"/>
               </a:rPr>
-              <a:t>        if</a:t>
-            </a:r>
-            <a:r>
-              <a:rPr lang="en-US" altLang="ja-JP" sz="2000" dirty="0">
+              <a:t>if</a:t>
+            </a:r>
+            <a:r>
+              <a:rPr lang="en-US" altLang="ja-JP" sz="2400" dirty="0">
                 <a:solidFill>
                   <a:srgbClr val="000000"/>
                 </a:solidFill>
@@ -9679,7 +10437,7 @@
               <a:t> (max &lt; *</a:t>
             </a:r>
             <a:r>
-              <a:rPr lang="en-US" altLang="ja-JP" sz="2000" dirty="0" err="1">
+              <a:rPr lang="en-US" altLang="ja-JP" sz="2400" dirty="0" err="1">
                 <a:solidFill>
                   <a:srgbClr val="000000"/>
                 </a:solidFill>
@@ -9688,7 +10446,7 @@
               <a:t>itr</a:t>
             </a:r>
             <a:r>
-              <a:rPr lang="en-US" altLang="ja-JP" sz="2000" dirty="0">
+              <a:rPr lang="en-US" altLang="ja-JP" sz="2400" dirty="0">
                 <a:solidFill>
                   <a:srgbClr val="000000"/>
                 </a:solidFill>
@@ -9697,7 +10455,7 @@
               <a:t>) {</a:t>
             </a:r>
             <a:r>
-              <a:rPr lang="ja-JP" altLang="en-US" sz="2000" dirty="0">
+              <a:rPr lang="ja-JP" altLang="en-US" sz="2400" dirty="0">
                 <a:solidFill>
                   <a:srgbClr val="000000"/>
                 </a:solidFill>
@@ -9706,7 +10464,7 @@
               <a:t> </a:t>
             </a:r>
             <a:br>
-              <a:rPr lang="en-US" altLang="ja-JP" sz="2000" dirty="0">
+              <a:rPr lang="en-US" altLang="ja-JP" sz="2400" dirty="0">
                 <a:solidFill>
                   <a:srgbClr val="000000"/>
                 </a:solidFill>
@@ -9714,16 +10472,16 @@
               </a:rPr>
             </a:br>
             <a:r>
-              <a:rPr lang="en-US" altLang="ja-JP" sz="2000" dirty="0">
-                <a:solidFill>
-                  <a:srgbClr val="000000"/>
-                </a:solidFill>
-                <a:ea typeface="ＭＳ ゴシック" panose="020B0609070205080204" pitchFamily="49" charset="-128"/>
-              </a:rPr>
-              <a:t>            max = *</a:t>
-            </a:r>
-            <a:r>
-              <a:rPr lang="en-US" altLang="ja-JP" sz="2000" dirty="0" err="1">
+              <a:rPr lang="en-US" altLang="ja-JP" sz="2400" dirty="0">
+                <a:solidFill>
+                  <a:srgbClr val="000000"/>
+                </a:solidFill>
+                <a:ea typeface="ＭＳ ゴシック" panose="020B0609070205080204" pitchFamily="49" charset="-128"/>
+              </a:rPr>
+              <a:t>        max = *</a:t>
+            </a:r>
+            <a:r>
+              <a:rPr lang="en-US" altLang="ja-JP" sz="2400" dirty="0" err="1">
                 <a:solidFill>
                   <a:srgbClr val="000000"/>
                 </a:solidFill>
@@ -9732,7 +10490,7 @@
               <a:t>itr</a:t>
             </a:r>
             <a:r>
-              <a:rPr lang="en-US" altLang="ja-JP" sz="2000" dirty="0">
+              <a:rPr lang="en-US" altLang="ja-JP" sz="2400" dirty="0">
                 <a:solidFill>
                   <a:srgbClr val="000000"/>
                 </a:solidFill>
@@ -9741,7 +10499,7 @@
               <a:t>;</a:t>
             </a:r>
             <a:r>
-              <a:rPr lang="ja-JP" altLang="en-US" sz="2000" dirty="0">
+              <a:rPr lang="ja-JP" altLang="en-US" sz="2400" dirty="0">
                 <a:solidFill>
                   <a:srgbClr val="000000"/>
                 </a:solidFill>
@@ -9749,42 +10507,51 @@
               </a:rPr>
               <a:t> </a:t>
             </a:r>
-            <a:endParaRPr lang="en-US" altLang="ja-JP" sz="2000" dirty="0">
-              <a:solidFill>
-                <a:srgbClr val="000000"/>
-              </a:solidFill>
-              <a:ea typeface="ＭＳ ゴシック" panose="020B0609070205080204" pitchFamily="49" charset="-128"/>
-            </a:endParaRPr>
-          </a:p>
-          <a:p>
-            <a:pPr marL="0" indent="0">
-              <a:buNone/>
-            </a:pPr>
-            <a:r>
-              <a:rPr lang="en-US" altLang="ja-JP" sz="2000" dirty="0">
-                <a:solidFill>
-                  <a:srgbClr val="000000"/>
-                </a:solidFill>
-                <a:ea typeface="ＭＳ ゴシック" panose="020B0609070205080204" pitchFamily="49" charset="-128"/>
-              </a:rPr>
-              <a:t>        }</a:t>
-            </a:r>
-          </a:p>
-          <a:p>
-            <a:pPr marL="0" indent="0">
-              <a:buNone/>
-            </a:pPr>
-            <a:r>
-              <a:rPr lang="en-US" altLang="ja-JP" sz="2000" dirty="0">
+            <a:br>
+              <a:rPr lang="en-US" altLang="ja-JP" sz="2400" dirty="0">
+                <a:solidFill>
+                  <a:srgbClr val="000000"/>
+                </a:solidFill>
+                <a:ea typeface="ＭＳ ゴシック" panose="020B0609070205080204" pitchFamily="49" charset="-128"/>
+              </a:rPr>
+            </a:br>
+            <a:r>
+              <a:rPr lang="en-US" altLang="ja-JP" sz="2400" dirty="0">
+                <a:solidFill>
+                  <a:srgbClr val="000000"/>
+                </a:solidFill>
+                <a:ea typeface="ＭＳ ゴシック" panose="020B0609070205080204" pitchFamily="49" charset="-128"/>
+              </a:rPr>
+              <a:t>    }</a:t>
+            </a:r>
+            <a:br>
+              <a:rPr lang="en-US" altLang="ja-JP" sz="2400" dirty="0">
+                <a:solidFill>
+                  <a:srgbClr val="000000"/>
+                </a:solidFill>
+                <a:ea typeface="ＭＳ ゴシック" panose="020B0609070205080204" pitchFamily="49" charset="-128"/>
+              </a:rPr>
+            </a:br>
+            <a:r>
+              <a:rPr lang="en-US" altLang="ja-JP" sz="2400" dirty="0">
+                <a:solidFill>
+                  <a:srgbClr val="000000"/>
+                </a:solidFill>
+                <a:ea typeface="ＭＳ ゴシック" panose="020B0609070205080204" pitchFamily="49" charset="-128"/>
+              </a:rPr>
+              <a:t>    </a:t>
+            </a:r>
+            <a:r>
+              <a:rPr lang="en-US" altLang="ja-JP" sz="2400" dirty="0">
                 <a:solidFill>
                   <a:srgbClr val="0000FF"/>
                 </a:solidFill>
                 <a:ea typeface="ＭＳ ゴシック" panose="020B0609070205080204" pitchFamily="49" charset="-128"/>
               </a:rPr>
-              <a:t>        if</a:t>
-            </a:r>
-            <a:r>
-              <a:rPr lang="en-US" altLang="ja-JP" sz="2000" dirty="0">
+              <a:t>if</a:t>
+            </a:r>
+            <a:r>
+              <a:rPr lang="en-US" altLang="ja-JP" sz="2400" dirty="0">
                 <a:solidFill>
                   <a:srgbClr val="000000"/>
                 </a:solidFill>
@@ -9793,7 +10560,7 @@
               <a:t> (min &gt; *</a:t>
             </a:r>
             <a:r>
-              <a:rPr lang="en-US" altLang="ja-JP" sz="2000" dirty="0" err="1">
+              <a:rPr lang="en-US" altLang="ja-JP" sz="2400" dirty="0" err="1">
                 <a:solidFill>
                   <a:srgbClr val="000000"/>
                 </a:solidFill>
@@ -9802,7 +10569,7 @@
               <a:t>itr</a:t>
             </a:r>
             <a:r>
-              <a:rPr lang="en-US" altLang="ja-JP" sz="2000" dirty="0">
+              <a:rPr lang="en-US" altLang="ja-JP" sz="2400" dirty="0">
                 <a:solidFill>
                   <a:srgbClr val="000000"/>
                 </a:solidFill>
@@ -9811,7 +10578,7 @@
               <a:t>) { </a:t>
             </a:r>
             <a:br>
-              <a:rPr lang="en-US" altLang="ja-JP" sz="2000" dirty="0">
+              <a:rPr lang="en-US" altLang="ja-JP" sz="2400" dirty="0">
                 <a:solidFill>
                   <a:srgbClr val="000000"/>
                 </a:solidFill>
@@ -9819,16 +10586,16 @@
               </a:rPr>
             </a:br>
             <a:r>
-              <a:rPr lang="en-US" altLang="ja-JP" sz="2000" dirty="0">
-                <a:solidFill>
-                  <a:srgbClr val="000000"/>
-                </a:solidFill>
-                <a:ea typeface="ＭＳ ゴシック" panose="020B0609070205080204" pitchFamily="49" charset="-128"/>
-              </a:rPr>
-              <a:t>            min = *</a:t>
-            </a:r>
-            <a:r>
-              <a:rPr lang="en-US" altLang="ja-JP" sz="2000" dirty="0" err="1">
+              <a:rPr lang="en-US" altLang="ja-JP" sz="2400" dirty="0">
+                <a:solidFill>
+                  <a:srgbClr val="000000"/>
+                </a:solidFill>
+                <a:ea typeface="ＭＳ ゴシック" panose="020B0609070205080204" pitchFamily="49" charset="-128"/>
+              </a:rPr>
+              <a:t>        min = *</a:t>
+            </a:r>
+            <a:r>
+              <a:rPr lang="en-US" altLang="ja-JP" sz="2400" dirty="0" err="1">
                 <a:solidFill>
                   <a:srgbClr val="000000"/>
                 </a:solidFill>
@@ -9837,7 +10604,7 @@
               <a:t>itr</a:t>
             </a:r>
             <a:r>
-              <a:rPr lang="en-US" altLang="ja-JP" sz="2000" dirty="0">
+              <a:rPr lang="en-US" altLang="ja-JP" sz="2400" dirty="0">
                 <a:solidFill>
                   <a:srgbClr val="000000"/>
                 </a:solidFill>
@@ -9846,7 +10613,7 @@
               <a:t>; </a:t>
             </a:r>
             <a:br>
-              <a:rPr lang="en-US" altLang="ja-JP" sz="2000" dirty="0">
+              <a:rPr lang="en-US" altLang="ja-JP" sz="2400" dirty="0">
                 <a:solidFill>
                   <a:srgbClr val="000000"/>
                 </a:solidFill>
@@ -9854,21 +10621,7 @@
               </a:rPr>
             </a:br>
             <a:r>
-              <a:rPr lang="en-US" altLang="ja-JP" sz="2000" dirty="0">
-                <a:solidFill>
-                  <a:srgbClr val="000000"/>
-                </a:solidFill>
-                <a:ea typeface="ＭＳ ゴシック" panose="020B0609070205080204" pitchFamily="49" charset="-128"/>
-              </a:rPr>
-              <a:t>        }</a:t>
-            </a:r>
-          </a:p>
-          <a:p>
-            <a:pPr marL="0" indent="0">
-              <a:buNone/>
-            </a:pPr>
-            <a:r>
-              <a:rPr lang="en-US" altLang="ja-JP" sz="2000" dirty="0">
+              <a:rPr lang="en-US" altLang="ja-JP" sz="2400" dirty="0">
                 <a:solidFill>
                   <a:srgbClr val="000000"/>
                 </a:solidFill>
@@ -9876,22 +10629,42 @@
               </a:rPr>
               <a:t>    }</a:t>
             </a:r>
-          </a:p>
-          <a:p>
-            <a:pPr marL="0" indent="0">
-              <a:buNone/>
-            </a:pPr>
-            <a:r>
-              <a:rPr lang="en-US" altLang="ja-JP" sz="2000" dirty="0">
-                <a:solidFill>
-                  <a:srgbClr val="000000"/>
-                </a:solidFill>
-                <a:ea typeface="ＭＳ ゴシック" panose="020B0609070205080204" pitchFamily="49" charset="-128"/>
-              </a:rPr>
-              <a:t>    </a:t>
-            </a:r>
-            <a:r>
-              <a:rPr lang="en-US" altLang="ja-JP" sz="2000" dirty="0" err="1">
+            <a:br>
+              <a:rPr lang="en-US" altLang="ja-JP" sz="2400" dirty="0">
+                <a:solidFill>
+                  <a:srgbClr val="000000"/>
+                </a:solidFill>
+                <a:ea typeface="ＭＳ ゴシック" panose="020B0609070205080204" pitchFamily="49" charset="-128"/>
+              </a:rPr>
+            </a:br>
+            <a:r>
+              <a:rPr lang="en-US" altLang="ja-JP" sz="2400" dirty="0">
+                <a:solidFill>
+                  <a:srgbClr val="000000"/>
+                </a:solidFill>
+                <a:ea typeface="ＭＳ ゴシック" panose="020B0609070205080204" pitchFamily="49" charset="-128"/>
+              </a:rPr>
+              <a:t>  }</a:t>
+            </a:r>
+            <a:br>
+              <a:rPr lang="en-US" altLang="ja-JP" sz="2400" dirty="0">
+                <a:solidFill>
+                  <a:srgbClr val="000000"/>
+                </a:solidFill>
+                <a:ea typeface="ＭＳ ゴシック" panose="020B0609070205080204" pitchFamily="49" charset="-128"/>
+              </a:rPr>
+            </a:br>
+            <a:r>
+              <a:rPr lang="en-US" altLang="ja-JP" sz="2400" dirty="0">
+                <a:solidFill>
+                  <a:srgbClr val="000000"/>
+                </a:solidFill>
+                <a:ea typeface="ＭＳ ゴシック" panose="020B0609070205080204" pitchFamily="49" charset="-128"/>
+              </a:rPr>
+              <a:t>  </a:t>
+            </a:r>
+            <a:r>
+              <a:rPr lang="en-US" altLang="ja-JP" sz="2400" dirty="0" err="1">
                 <a:solidFill>
                   <a:srgbClr val="000000"/>
                 </a:solidFill>
@@ -9900,7 +10673,7 @@
               <a:t>cout</a:t>
             </a:r>
             <a:r>
-              <a:rPr lang="en-US" altLang="ja-JP" sz="2000" dirty="0">
+              <a:rPr lang="en-US" altLang="ja-JP" sz="2400" dirty="0">
                 <a:solidFill>
                   <a:srgbClr val="000000"/>
                 </a:solidFill>
@@ -9909,7 +10682,7 @@
               <a:t> </a:t>
             </a:r>
             <a:r>
-              <a:rPr lang="en-US" altLang="ja-JP" sz="2000" dirty="0">
+              <a:rPr lang="en-US" altLang="ja-JP" sz="2400" dirty="0">
                 <a:solidFill>
                   <a:srgbClr val="008080"/>
                 </a:solidFill>
@@ -9918,7 +10691,7 @@
               <a:t>&lt;&lt;</a:t>
             </a:r>
             <a:r>
-              <a:rPr lang="en-US" altLang="ja-JP" sz="2000" dirty="0">
+              <a:rPr lang="en-US" altLang="ja-JP" sz="2400" dirty="0">
                 <a:solidFill>
                   <a:srgbClr val="000000"/>
                 </a:solidFill>
@@ -9927,7 +10700,7 @@
               <a:t> </a:t>
             </a:r>
             <a:r>
-              <a:rPr lang="en-US" altLang="ja-JP" sz="2000" dirty="0">
+              <a:rPr lang="en-US" altLang="ja-JP" sz="2400" dirty="0">
                 <a:solidFill>
                   <a:srgbClr val="A31515"/>
                 </a:solidFill>
@@ -9936,7 +10709,7 @@
               <a:t>"</a:t>
             </a:r>
             <a:r>
-              <a:rPr lang="ja-JP" altLang="en-US" sz="2000" dirty="0">
+              <a:rPr lang="ja-JP" altLang="en-US" sz="2400" dirty="0">
                 <a:solidFill>
                   <a:srgbClr val="A31515"/>
                 </a:solidFill>
@@ -9945,7 +10718,7 @@
               <a:t>最大値</a:t>
             </a:r>
             <a:r>
-              <a:rPr lang="en-US" altLang="ja-JP" sz="2000" dirty="0">
+              <a:rPr lang="en-US" altLang="ja-JP" sz="2400" dirty="0">
                 <a:solidFill>
                   <a:srgbClr val="A31515"/>
                 </a:solidFill>
@@ -9954,7 +10727,7 @@
               <a:t>:</a:t>
             </a:r>
             <a:r>
-              <a:rPr lang="en-US" altLang="ja-JP" sz="2000" dirty="0">
+              <a:rPr lang="en-US" altLang="ja-JP" sz="2400" dirty="0">
                 <a:solidFill>
                   <a:srgbClr val="A31515"/>
                 </a:solidFill>
@@ -9963,7 +10736,7 @@
               <a:t>"</a:t>
             </a:r>
             <a:r>
-              <a:rPr lang="ja-JP" altLang="en-US" sz="2000" dirty="0">
+              <a:rPr lang="ja-JP" altLang="en-US" sz="2400" dirty="0">
                 <a:solidFill>
                   <a:srgbClr val="000000"/>
                 </a:solidFill>
@@ -9972,7 +10745,7 @@
               <a:t> </a:t>
             </a:r>
             <a:r>
-              <a:rPr lang="en-US" altLang="ja-JP" sz="2000" dirty="0">
+              <a:rPr lang="en-US" altLang="ja-JP" sz="2400" dirty="0">
                 <a:solidFill>
                   <a:srgbClr val="008080"/>
                 </a:solidFill>
@@ -9981,7 +10754,7 @@
               <a:t>&lt;&lt;</a:t>
             </a:r>
             <a:r>
-              <a:rPr lang="ja-JP" altLang="en-US" sz="2000" dirty="0">
+              <a:rPr lang="ja-JP" altLang="en-US" sz="2400" dirty="0">
                 <a:solidFill>
                   <a:srgbClr val="000000"/>
                 </a:solidFill>
@@ -9990,7 +10763,7 @@
               <a:t> </a:t>
             </a:r>
             <a:r>
-              <a:rPr lang="en-US" altLang="ja-JP" sz="2000" dirty="0">
+              <a:rPr lang="en-US" altLang="ja-JP" sz="2400" dirty="0">
                 <a:solidFill>
                   <a:srgbClr val="000000"/>
                 </a:solidFill>
@@ -9999,7 +10772,7 @@
               <a:t>max </a:t>
             </a:r>
             <a:r>
-              <a:rPr lang="en-US" altLang="ja-JP" sz="2000" dirty="0">
+              <a:rPr lang="en-US" altLang="ja-JP" sz="2400" dirty="0">
                 <a:solidFill>
                   <a:srgbClr val="008080"/>
                 </a:solidFill>
@@ -10008,7 +10781,7 @@
               <a:t>&lt;&lt;</a:t>
             </a:r>
             <a:r>
-              <a:rPr lang="en-US" altLang="ja-JP" sz="2000" dirty="0">
+              <a:rPr lang="en-US" altLang="ja-JP" sz="2400" dirty="0">
                 <a:solidFill>
                   <a:srgbClr val="000000"/>
                 </a:solidFill>
@@ -10017,7 +10790,7 @@
               <a:t> </a:t>
             </a:r>
             <a:r>
-              <a:rPr lang="en-US" altLang="ja-JP" sz="2000" dirty="0">
+              <a:rPr lang="en-US" altLang="ja-JP" sz="2400" dirty="0">
                 <a:solidFill>
                   <a:srgbClr val="A31515"/>
                 </a:solidFill>
@@ -10026,7 +10799,7 @@
               <a:t>" </a:t>
             </a:r>
             <a:r>
-              <a:rPr lang="ja-JP" altLang="en-US" sz="2000" dirty="0">
+              <a:rPr lang="ja-JP" altLang="en-US" sz="2400" dirty="0">
                 <a:solidFill>
                   <a:srgbClr val="A31515"/>
                 </a:solidFill>
@@ -10035,7 +10808,7 @@
               <a:t>最小値</a:t>
             </a:r>
             <a:r>
-              <a:rPr lang="en-US" altLang="ja-JP" sz="2000" dirty="0">
+              <a:rPr lang="en-US" altLang="ja-JP" sz="2400" dirty="0">
                 <a:solidFill>
                   <a:srgbClr val="A31515"/>
                 </a:solidFill>
@@ -10044,7 +10817,7 @@
               <a:t>:</a:t>
             </a:r>
             <a:r>
-              <a:rPr lang="en-US" altLang="ja-JP" sz="2000" dirty="0">
+              <a:rPr lang="en-US" altLang="ja-JP" sz="2400" dirty="0">
                 <a:solidFill>
                   <a:srgbClr val="A31515"/>
                 </a:solidFill>
@@ -10053,7 +10826,7 @@
               <a:t>"</a:t>
             </a:r>
             <a:r>
-              <a:rPr lang="ja-JP" altLang="en-US" sz="2000" dirty="0">
+              <a:rPr lang="ja-JP" altLang="en-US" sz="2400" dirty="0">
                 <a:solidFill>
                   <a:srgbClr val="000000"/>
                 </a:solidFill>
@@ -10062,7 +10835,7 @@
               <a:t> </a:t>
             </a:r>
             <a:r>
-              <a:rPr lang="en-US" altLang="ja-JP" sz="2000" dirty="0">
+              <a:rPr lang="en-US" altLang="ja-JP" sz="2400" dirty="0">
                 <a:solidFill>
                   <a:srgbClr val="008080"/>
                 </a:solidFill>
@@ -10071,7 +10844,7 @@
               <a:t>&lt;&lt;</a:t>
             </a:r>
             <a:r>
-              <a:rPr lang="ja-JP" altLang="en-US" sz="2000" dirty="0">
+              <a:rPr lang="ja-JP" altLang="en-US" sz="2400" dirty="0">
                 <a:solidFill>
                   <a:srgbClr val="000000"/>
                 </a:solidFill>
@@ -10080,7 +10853,7 @@
               <a:t> </a:t>
             </a:r>
             <a:r>
-              <a:rPr lang="en-US" altLang="ja-JP" sz="2000" dirty="0">
+              <a:rPr lang="en-US" altLang="ja-JP" sz="2400" dirty="0">
                 <a:solidFill>
                   <a:srgbClr val="000000"/>
                 </a:solidFill>
@@ -10089,7 +10862,7 @@
               <a:t>min </a:t>
             </a:r>
             <a:r>
-              <a:rPr lang="en-US" altLang="ja-JP" sz="2000" dirty="0">
+              <a:rPr lang="en-US" altLang="ja-JP" sz="2400" dirty="0">
                 <a:solidFill>
                   <a:srgbClr val="008080"/>
                 </a:solidFill>
@@ -10098,7 +10871,7 @@
               <a:t>&lt;&lt;</a:t>
             </a:r>
             <a:r>
-              <a:rPr lang="en-US" altLang="ja-JP" sz="2000" dirty="0">
+              <a:rPr lang="en-US" altLang="ja-JP" sz="2400" dirty="0">
                 <a:solidFill>
                   <a:srgbClr val="000000"/>
                 </a:solidFill>
@@ -10107,7 +10880,7 @@
               <a:t> </a:t>
             </a:r>
             <a:r>
-              <a:rPr lang="en-US" altLang="ja-JP" sz="2000" dirty="0" err="1">
+              <a:rPr lang="en-US" altLang="ja-JP" sz="2400" dirty="0" err="1">
                 <a:solidFill>
                   <a:srgbClr val="000000"/>
                 </a:solidFill>
@@ -10116,7 +10889,7 @@
               <a:t>endl</a:t>
             </a:r>
             <a:r>
-              <a:rPr lang="en-US" altLang="ja-JP" sz="2000" dirty="0">
+              <a:rPr lang="en-US" altLang="ja-JP" sz="2400" dirty="0">
                 <a:solidFill>
                   <a:srgbClr val="000000"/>
                 </a:solidFill>
@@ -10124,7 +10897,7 @@
               </a:rPr>
               <a:t>;</a:t>
             </a:r>
-            <a:endParaRPr lang="en-US" altLang="ja-JP" sz="2000" dirty="0"/>
+            <a:endParaRPr lang="en-US" altLang="ja-JP" sz="2400" dirty="0"/>
           </a:p>
         </p:txBody>
       </p:sp>
@@ -10271,7 +11044,7 @@
               <a:buNone/>
             </a:pPr>
             <a:r>
-              <a:rPr lang="en-US" altLang="ja-JP" sz="2000" dirty="0">
+              <a:rPr lang="en-US" altLang="ja-JP" sz="2400" dirty="0">
                 <a:solidFill>
                   <a:srgbClr val="008000"/>
                 </a:solidFill>
@@ -10280,7 +11053,7 @@
               <a:t>    </a:t>
             </a:r>
             <a:r>
-              <a:rPr lang="en-US" altLang="ja-JP" sz="2000" dirty="0">
+              <a:rPr lang="en-US" altLang="ja-JP" sz="2400" dirty="0">
                 <a:solidFill>
                   <a:srgbClr val="00B050"/>
                 </a:solidFill>
@@ -10289,7 +11062,7 @@
               <a:t>//***  </a:t>
             </a:r>
             <a:r>
-              <a:rPr lang="ja-JP" altLang="en-US" sz="2000" dirty="0">
+              <a:rPr lang="ja-JP" altLang="en-US" sz="2400" dirty="0">
                 <a:solidFill>
                   <a:srgbClr val="00B050"/>
                 </a:solidFill>
@@ -10298,7 +11071,7 @@
               <a:t>範囲</a:t>
             </a:r>
             <a:r>
-              <a:rPr lang="en-US" altLang="ja-JP" sz="2000" dirty="0">
+              <a:rPr lang="en-US" altLang="ja-JP" sz="2400" dirty="0">
                 <a:solidFill>
                   <a:srgbClr val="00B050"/>
                 </a:solidFill>
@@ -10307,7 +11080,7 @@
               <a:t>for</a:t>
             </a:r>
             <a:r>
-              <a:rPr lang="ja-JP" altLang="en-US" sz="2000" dirty="0">
+              <a:rPr lang="ja-JP" altLang="en-US" sz="2400" dirty="0">
                 <a:solidFill>
                   <a:srgbClr val="00B050"/>
                 </a:solidFill>
@@ -10316,7 +11089,7 @@
               <a:t>を使ったループ </a:t>
             </a:r>
             <a:r>
-              <a:rPr lang="en-US" altLang="ja-JP" sz="2000" dirty="0">
+              <a:rPr lang="en-US" altLang="ja-JP" sz="2400" dirty="0">
                 <a:solidFill>
                   <a:srgbClr val="00B050"/>
                 </a:solidFill>
@@ -10324,7 +11097,7 @@
               </a:rPr>
               <a:t>***</a:t>
             </a:r>
-            <a:endParaRPr lang="ja-JP" altLang="en-US" sz="2000" dirty="0">
+            <a:endParaRPr lang="ja-JP" altLang="en-US" sz="2400" dirty="0">
               <a:solidFill>
                 <a:srgbClr val="00B050"/>
               </a:solidFill>
@@ -10336,7 +11109,7 @@
               <a:buNone/>
             </a:pPr>
             <a:r>
-              <a:rPr lang="en-US" altLang="ja-JP" sz="2000" dirty="0">
+              <a:rPr lang="en-US" altLang="ja-JP" sz="2400" dirty="0">
                 <a:solidFill>
                   <a:srgbClr val="000000"/>
                 </a:solidFill>
@@ -10345,7 +11118,7 @@
               <a:t>    max = min = </a:t>
             </a:r>
             <a:r>
-              <a:rPr lang="en-US" altLang="ja-JP" sz="2000" dirty="0" err="1">
+              <a:rPr lang="en-US" altLang="ja-JP" sz="2400" dirty="0" err="1">
                 <a:solidFill>
                   <a:srgbClr val="000000"/>
                 </a:solidFill>
@@ -10354,52 +11127,43 @@
               <a:t>vec</a:t>
             </a:r>
             <a:r>
-              <a:rPr lang="en-US" altLang="ja-JP" sz="2000" dirty="0">
-                <a:solidFill>
-                  <a:srgbClr val="008080"/>
-                </a:solidFill>
-                <a:ea typeface="ＭＳ ゴシック" panose="020B0609070205080204" pitchFamily="49" charset="-128"/>
-              </a:rPr>
-              <a:t>[</a:t>
-            </a:r>
-            <a:r>
-              <a:rPr lang="en-US" altLang="ja-JP" sz="2000" dirty="0">
-                <a:solidFill>
-                  <a:srgbClr val="000000"/>
-                </a:solidFill>
-                <a:ea typeface="ＭＳ ゴシック" panose="020B0609070205080204" pitchFamily="49" charset="-128"/>
-              </a:rPr>
-              <a:t>0</a:t>
-            </a:r>
-            <a:r>
-              <a:rPr lang="en-US" altLang="ja-JP" sz="2000" dirty="0">
-                <a:solidFill>
-                  <a:srgbClr val="008080"/>
+              <a:rPr lang="en-US" altLang="ja-JP" sz="2400" dirty="0" err="1">
+                <a:solidFill>
+                  <a:srgbClr val="FF0000"/>
+                </a:solidFill>
+                <a:ea typeface="ＭＳ ゴシック" panose="020B0609070205080204" pitchFamily="49" charset="-128"/>
+              </a:rPr>
+              <a:t>.front</a:t>
+            </a:r>
+            <a:r>
+              <a:rPr lang="en-US" altLang="ja-JP" sz="2400" dirty="0">
+                <a:solidFill>
+                  <a:srgbClr val="FF0000"/>
+                </a:solidFill>
+                <a:ea typeface="ＭＳ ゴシック" panose="020B0609070205080204" pitchFamily="49" charset="-128"/>
+              </a:rPr>
+              <a:t>()</a:t>
+            </a:r>
+            <a:r>
+              <a:rPr lang="en-US" altLang="ja-JP" sz="2400" dirty="0">
+                <a:solidFill>
+                  <a:srgbClr val="000000"/>
                 </a:solidFill>
                 <a:latin typeface="+mn-ea"/>
               </a:rPr>
-              <a:t>]</a:t>
-            </a:r>
-            <a:r>
-              <a:rPr lang="en-US" altLang="ja-JP" sz="2000" dirty="0">
-                <a:solidFill>
-                  <a:srgbClr val="000000"/>
+              <a:t>;  </a:t>
+            </a:r>
+            <a:r>
+              <a:rPr lang="en-US" altLang="ja-JP" sz="2400" dirty="0">
+                <a:solidFill>
+                  <a:srgbClr val="00B050"/>
                 </a:solidFill>
                 <a:latin typeface="+mn-ea"/>
               </a:rPr>
-              <a:t>;  </a:t>
-            </a:r>
-            <a:r>
-              <a:rPr lang="en-US" altLang="ja-JP" sz="2000" dirty="0">
-                <a:solidFill>
-                  <a:srgbClr val="00B050"/>
-                </a:solidFill>
-                <a:latin typeface="+mn-ea"/>
-              </a:rPr>
               <a:t>//</a:t>
             </a:r>
             <a:r>
-              <a:rPr lang="ja-JP" altLang="en-US" sz="2000" dirty="0">
+              <a:rPr lang="ja-JP" altLang="en-US" sz="2400" dirty="0">
                 <a:solidFill>
                   <a:srgbClr val="00B050"/>
                 </a:solidFill>
@@ -10413,7 +11177,7 @@
               <a:buNone/>
             </a:pPr>
             <a:r>
-              <a:rPr lang="nn-NO" altLang="ja-JP" sz="2000" dirty="0">
+              <a:rPr lang="nn-NO" altLang="ja-JP" sz="2400" dirty="0">
                 <a:solidFill>
                   <a:srgbClr val="0000FF"/>
                 </a:solidFill>
@@ -10422,7 +11186,7 @@
               <a:t>    for</a:t>
             </a:r>
             <a:r>
-              <a:rPr lang="nn-NO" altLang="ja-JP" sz="2000" dirty="0">
+              <a:rPr lang="nn-NO" altLang="ja-JP" sz="2400" dirty="0">
                 <a:solidFill>
                   <a:srgbClr val="000000"/>
                 </a:solidFill>
@@ -10431,7 +11195,7 @@
               <a:t> (</a:t>
             </a:r>
             <a:r>
-              <a:rPr lang="nn-NO" altLang="ja-JP" sz="2000" dirty="0">
+              <a:rPr lang="nn-NO" altLang="ja-JP" sz="2400" dirty="0">
                 <a:solidFill>
                   <a:srgbClr val="0000FF"/>
                 </a:solidFill>
@@ -10440,7 +11204,7 @@
               <a:t>auto</a:t>
             </a:r>
             <a:r>
-              <a:rPr lang="nn-NO" altLang="ja-JP" sz="2000" dirty="0">
+              <a:rPr lang="nn-NO" altLang="ja-JP" sz="2400" dirty="0">
                 <a:solidFill>
                   <a:srgbClr val="000000"/>
                 </a:solidFill>
@@ -10454,7 +11218,7 @@
               <a:buNone/>
             </a:pPr>
             <a:r>
-              <a:rPr lang="en-US" altLang="ja-JP" sz="2000" dirty="0">
+              <a:rPr lang="en-US" altLang="ja-JP" sz="2400" dirty="0">
                 <a:solidFill>
                   <a:srgbClr val="0000FF"/>
                 </a:solidFill>
@@ -10463,7 +11227,7 @@
               <a:t>        if</a:t>
             </a:r>
             <a:r>
-              <a:rPr lang="en-US" altLang="ja-JP" sz="2000" dirty="0">
+              <a:rPr lang="en-US" altLang="ja-JP" sz="2400" dirty="0">
                 <a:solidFill>
                   <a:srgbClr val="000000"/>
                 </a:solidFill>
@@ -10472,7 +11236,7 @@
               <a:t> (max &lt; </a:t>
             </a:r>
             <a:r>
-              <a:rPr lang="en-US" altLang="ja-JP" sz="2000" dirty="0" err="1">
+              <a:rPr lang="en-US" altLang="ja-JP" sz="2400" dirty="0" err="1">
                 <a:solidFill>
                   <a:srgbClr val="000000"/>
                 </a:solidFill>
@@ -10481,7 +11245,7 @@
               <a:t>itr</a:t>
             </a:r>
             <a:r>
-              <a:rPr lang="en-US" altLang="ja-JP" sz="2000" dirty="0">
+              <a:rPr lang="en-US" altLang="ja-JP" sz="2400" dirty="0">
                 <a:solidFill>
                   <a:srgbClr val="000000"/>
                 </a:solidFill>
@@ -10490,7 +11254,7 @@
               <a:t>) {</a:t>
             </a:r>
             <a:r>
-              <a:rPr lang="ja-JP" altLang="en-US" sz="2000" dirty="0">
+              <a:rPr lang="ja-JP" altLang="en-US" sz="2400" dirty="0">
                 <a:solidFill>
                   <a:srgbClr val="000000"/>
                 </a:solidFill>
@@ -10499,7 +11263,7 @@
               <a:t> </a:t>
             </a:r>
             <a:br>
-              <a:rPr lang="en-US" altLang="ja-JP" sz="2000" dirty="0">
+              <a:rPr lang="en-US" altLang="ja-JP" sz="2400" dirty="0">
                 <a:solidFill>
                   <a:srgbClr val="000000"/>
                 </a:solidFill>
@@ -10507,7 +11271,7 @@
               </a:rPr>
             </a:br>
             <a:r>
-              <a:rPr lang="en-US" altLang="ja-JP" sz="2000" dirty="0">
+              <a:rPr lang="en-US" altLang="ja-JP" sz="2400" dirty="0">
                 <a:solidFill>
                   <a:srgbClr val="000000"/>
                 </a:solidFill>
@@ -10516,7 +11280,7 @@
               <a:t>            max = </a:t>
             </a:r>
             <a:r>
-              <a:rPr lang="en-US" altLang="ja-JP" sz="2000" dirty="0" err="1">
+              <a:rPr lang="en-US" altLang="ja-JP" sz="2400" dirty="0" err="1">
                 <a:solidFill>
                   <a:srgbClr val="000000"/>
                 </a:solidFill>
@@ -10525,7 +11289,7 @@
               <a:t>itr</a:t>
             </a:r>
             <a:r>
-              <a:rPr lang="en-US" altLang="ja-JP" sz="2000" dirty="0">
+              <a:rPr lang="en-US" altLang="ja-JP" sz="2400" dirty="0">
                 <a:solidFill>
                   <a:srgbClr val="000000"/>
                 </a:solidFill>
@@ -10534,7 +11298,7 @@
               <a:t>;</a:t>
             </a:r>
             <a:r>
-              <a:rPr lang="ja-JP" altLang="en-US" sz="2000" dirty="0">
+              <a:rPr lang="ja-JP" altLang="en-US" sz="2400" dirty="0">
                 <a:solidFill>
                   <a:srgbClr val="000000"/>
                 </a:solidFill>
@@ -10542,19 +11306,118 @@
               </a:rPr>
               <a:t> </a:t>
             </a:r>
-            <a:endParaRPr lang="en-US" altLang="ja-JP" sz="2000" dirty="0">
-              <a:solidFill>
-                <a:srgbClr val="000000"/>
-              </a:solidFill>
-              <a:ea typeface="ＭＳ ゴシック" panose="020B0609070205080204" pitchFamily="49" charset="-128"/>
-            </a:endParaRPr>
+            <a:br>
+              <a:rPr lang="en-US" altLang="ja-JP" sz="2400" dirty="0">
+                <a:solidFill>
+                  <a:srgbClr val="000000"/>
+                </a:solidFill>
+                <a:ea typeface="ＭＳ ゴシック" panose="020B0609070205080204" pitchFamily="49" charset="-128"/>
+              </a:rPr>
+            </a:br>
+            <a:r>
+              <a:rPr lang="en-US" altLang="ja-JP" sz="2400" dirty="0">
+                <a:solidFill>
+                  <a:srgbClr val="000000"/>
+                </a:solidFill>
+                <a:ea typeface="ＭＳ ゴシック" panose="020B0609070205080204" pitchFamily="49" charset="-128"/>
+              </a:rPr>
+              <a:t>        }</a:t>
+            </a:r>
+            <a:br>
+              <a:rPr lang="en-US" altLang="ja-JP" sz="2400" dirty="0">
+                <a:solidFill>
+                  <a:srgbClr val="000000"/>
+                </a:solidFill>
+                <a:ea typeface="ＭＳ ゴシック" panose="020B0609070205080204" pitchFamily="49" charset="-128"/>
+              </a:rPr>
+            </a:br>
+            <a:r>
+              <a:rPr lang="en-US" altLang="ja-JP" sz="2400" dirty="0">
+                <a:solidFill>
+                  <a:srgbClr val="000000"/>
+                </a:solidFill>
+                <a:ea typeface="ＭＳ ゴシック" panose="020B0609070205080204" pitchFamily="49" charset="-128"/>
+              </a:rPr>
+              <a:t>        </a:t>
+            </a:r>
+            <a:r>
+              <a:rPr lang="en-US" altLang="ja-JP" sz="2400" dirty="0">
+                <a:solidFill>
+                  <a:srgbClr val="0000FF"/>
+                </a:solidFill>
+                <a:ea typeface="ＭＳ ゴシック" panose="020B0609070205080204" pitchFamily="49" charset="-128"/>
+              </a:rPr>
+              <a:t>if</a:t>
+            </a:r>
+            <a:r>
+              <a:rPr lang="en-US" altLang="ja-JP" sz="2400" dirty="0">
+                <a:solidFill>
+                  <a:srgbClr val="000000"/>
+                </a:solidFill>
+                <a:ea typeface="ＭＳ ゴシック" panose="020B0609070205080204" pitchFamily="49" charset="-128"/>
+              </a:rPr>
+              <a:t> (min &gt; </a:t>
+            </a:r>
+            <a:r>
+              <a:rPr lang="en-US" altLang="ja-JP" sz="2400" dirty="0" err="1">
+                <a:solidFill>
+                  <a:srgbClr val="000000"/>
+                </a:solidFill>
+                <a:ea typeface="ＭＳ ゴシック" panose="020B0609070205080204" pitchFamily="49" charset="-128"/>
+              </a:rPr>
+              <a:t>itr</a:t>
+            </a:r>
+            <a:r>
+              <a:rPr lang="en-US" altLang="ja-JP" sz="2400" dirty="0">
+                <a:solidFill>
+                  <a:srgbClr val="000000"/>
+                </a:solidFill>
+                <a:ea typeface="ＭＳ ゴシック" panose="020B0609070205080204" pitchFamily="49" charset="-128"/>
+              </a:rPr>
+              <a:t>) { </a:t>
+            </a:r>
           </a:p>
           <a:p>
             <a:pPr marL="0" indent="0">
               <a:buNone/>
             </a:pPr>
             <a:r>
-              <a:rPr lang="en-US" altLang="ja-JP" sz="2000" dirty="0">
+              <a:rPr lang="en-US" altLang="ja-JP" sz="2400" dirty="0">
+                <a:solidFill>
+                  <a:srgbClr val="000000"/>
+                </a:solidFill>
+                <a:ea typeface="ＭＳ ゴシック" panose="020B0609070205080204" pitchFamily="49" charset="-128"/>
+              </a:rPr>
+              <a:t>            min = </a:t>
+            </a:r>
+            <a:r>
+              <a:rPr lang="en-US" altLang="ja-JP" sz="2400" dirty="0" err="1">
+                <a:solidFill>
+                  <a:srgbClr val="000000"/>
+                </a:solidFill>
+                <a:ea typeface="ＭＳ ゴシック" panose="020B0609070205080204" pitchFamily="49" charset="-128"/>
+              </a:rPr>
+              <a:t>itr</a:t>
+            </a:r>
+            <a:r>
+              <a:rPr lang="en-US" altLang="ja-JP" sz="2400" dirty="0">
+                <a:solidFill>
+                  <a:srgbClr val="000000"/>
+                </a:solidFill>
+                <a:ea typeface="ＭＳ ゴシック" panose="020B0609070205080204" pitchFamily="49" charset="-128"/>
+              </a:rPr>
+              <a:t>; </a:t>
+            </a:r>
+            <a:br>
+              <a:rPr lang="en-US" altLang="ja-JP" sz="2400" dirty="0">
+                <a:solidFill>
+                  <a:srgbClr val="000000"/>
+                </a:solidFill>
+                <a:ea typeface="ＭＳ ゴシック" panose="020B0609070205080204" pitchFamily="49" charset="-128"/>
+              </a:rPr>
+            </a:br>
+            <a:r>
+              <a:rPr lang="en-US" altLang="ja-JP" sz="2400" dirty="0">
                 <a:solidFill>
                   <a:srgbClr val="000000"/>
                 </a:solidFill>
@@ -10562,100 +11425,16 @@
               </a:rPr>
               <a:t>        }</a:t>
             </a:r>
-          </a:p>
-          <a:p>
-            <a:pPr marL="0" indent="0">
-              <a:buNone/>
-            </a:pPr>
-            <a:r>
-              <a:rPr lang="en-US" altLang="ja-JP" sz="2000" dirty="0">
-                <a:solidFill>
-                  <a:srgbClr val="0000FF"/>
-                </a:solidFill>
-                <a:ea typeface="ＭＳ ゴシック" panose="020B0609070205080204" pitchFamily="49" charset="-128"/>
-              </a:rPr>
-              <a:t>        if</a:t>
-            </a:r>
-            <a:r>
-              <a:rPr lang="en-US" altLang="ja-JP" sz="2000" dirty="0">
-                <a:solidFill>
-                  <a:srgbClr val="000000"/>
-                </a:solidFill>
-                <a:ea typeface="ＭＳ ゴシック" panose="020B0609070205080204" pitchFamily="49" charset="-128"/>
-              </a:rPr>
-              <a:t> (min &gt; </a:t>
-            </a:r>
-            <a:r>
-              <a:rPr lang="en-US" altLang="ja-JP" sz="2000" dirty="0" err="1">
-                <a:solidFill>
-                  <a:srgbClr val="000000"/>
-                </a:solidFill>
-                <a:ea typeface="ＭＳ ゴシック" panose="020B0609070205080204" pitchFamily="49" charset="-128"/>
-              </a:rPr>
-              <a:t>itr</a:t>
-            </a:r>
-            <a:r>
-              <a:rPr lang="en-US" altLang="ja-JP" sz="2000" dirty="0">
-                <a:solidFill>
-                  <a:srgbClr val="000000"/>
-                </a:solidFill>
-                <a:ea typeface="ＭＳ ゴシック" panose="020B0609070205080204" pitchFamily="49" charset="-128"/>
-              </a:rPr>
-              <a:t>) { </a:t>
-            </a:r>
-          </a:p>
-          <a:p>
-            <a:pPr marL="0" indent="0">
-              <a:buNone/>
-            </a:pPr>
-            <a:r>
-              <a:rPr lang="en-US" altLang="ja-JP" sz="2000" dirty="0">
-                <a:solidFill>
-                  <a:srgbClr val="000000"/>
-                </a:solidFill>
-                <a:ea typeface="ＭＳ ゴシック" panose="020B0609070205080204" pitchFamily="49" charset="-128"/>
-              </a:rPr>
-              <a:t>            min = </a:t>
-            </a:r>
-            <a:r>
-              <a:rPr lang="en-US" altLang="ja-JP" sz="2000" dirty="0" err="1">
-                <a:solidFill>
-                  <a:srgbClr val="000000"/>
-                </a:solidFill>
-                <a:ea typeface="ＭＳ ゴシック" panose="020B0609070205080204" pitchFamily="49" charset="-128"/>
-              </a:rPr>
-              <a:t>itr</a:t>
-            </a:r>
-            <a:r>
-              <a:rPr lang="en-US" altLang="ja-JP" sz="2000" dirty="0">
-                <a:solidFill>
-                  <a:srgbClr val="000000"/>
-                </a:solidFill>
-                <a:ea typeface="ＭＳ ゴシック" panose="020B0609070205080204" pitchFamily="49" charset="-128"/>
-              </a:rPr>
-              <a:t>; </a:t>
-            </a:r>
-          </a:p>
-          <a:p>
-            <a:pPr marL="0" indent="0">
-              <a:buNone/>
-            </a:pPr>
-            <a:r>
-              <a:rPr lang="en-US" altLang="ja-JP" sz="2000" dirty="0">
-                <a:solidFill>
-                  <a:srgbClr val="000000"/>
-                </a:solidFill>
-                <a:ea typeface="ＭＳ ゴシック" panose="020B0609070205080204" pitchFamily="49" charset="-128"/>
-              </a:rPr>
-              <a:t>        }</a:t>
-            </a:r>
-          </a:p>
-          <a:p>
-            <a:pPr marL="0" indent="0">
-              <a:buNone/>
-            </a:pPr>
-            <a:r>
-              <a:rPr lang="en-US" altLang="ja-JP" sz="2000" dirty="0">
+            <a:br>
+              <a:rPr lang="en-US" altLang="ja-JP" sz="2400" dirty="0">
+                <a:solidFill>
+                  <a:srgbClr val="000000"/>
+                </a:solidFill>
+                <a:ea typeface="ＭＳ ゴシック" panose="020B0609070205080204" pitchFamily="49" charset="-128"/>
+              </a:rPr>
+            </a:br>
+            <a:r>
+              <a:rPr lang="en-US" altLang="ja-JP" sz="2400" dirty="0">
                 <a:solidFill>
                   <a:srgbClr val="000000"/>
                 </a:solidFill>
@@ -10663,13 +11442,16 @@
               </a:rPr>
               <a:t>    }</a:t>
             </a:r>
-          </a:p>
-          <a:p>
-            <a:pPr marL="0" indent="0">
-              <a:buNone/>
-            </a:pPr>
-            <a:r>
-              <a:rPr lang="en-US" altLang="ja-JP" sz="2000" dirty="0">
+            <a:br>
+              <a:rPr lang="en-US" altLang="ja-JP" sz="2400" dirty="0">
+                <a:solidFill>
+                  <a:srgbClr val="000000"/>
+                </a:solidFill>
+                <a:ea typeface="ＭＳ ゴシック" panose="020B0609070205080204" pitchFamily="49" charset="-128"/>
+              </a:rPr>
+            </a:br>
+            <a:r>
+              <a:rPr lang="en-US" altLang="ja-JP" sz="2400" dirty="0">
                 <a:solidFill>
                   <a:srgbClr val="000000"/>
                 </a:solidFill>
@@ -10678,7 +11460,7 @@
               <a:t>    </a:t>
             </a:r>
             <a:r>
-              <a:rPr lang="en-US" altLang="ja-JP" sz="2000" dirty="0" err="1">
+              <a:rPr lang="en-US" altLang="ja-JP" sz="2400" dirty="0" err="1">
                 <a:solidFill>
                   <a:srgbClr val="000000"/>
                 </a:solidFill>
@@ -10687,7 +11469,7 @@
               <a:t>cout</a:t>
             </a:r>
             <a:r>
-              <a:rPr lang="en-US" altLang="ja-JP" sz="2000" dirty="0">
+              <a:rPr lang="en-US" altLang="ja-JP" sz="2400" dirty="0">
                 <a:solidFill>
                   <a:srgbClr val="000000"/>
                 </a:solidFill>
@@ -10696,7 +11478,7 @@
               <a:t> </a:t>
             </a:r>
             <a:r>
-              <a:rPr lang="en-US" altLang="ja-JP" sz="2000" dirty="0">
+              <a:rPr lang="en-US" altLang="ja-JP" sz="2400" dirty="0">
                 <a:solidFill>
                   <a:srgbClr val="008080"/>
                 </a:solidFill>
@@ -10705,7 +11487,7 @@
               <a:t>&lt;&lt;</a:t>
             </a:r>
             <a:r>
-              <a:rPr lang="en-US" altLang="ja-JP" sz="2000" dirty="0">
+              <a:rPr lang="en-US" altLang="ja-JP" sz="2400" dirty="0">
                 <a:solidFill>
                   <a:srgbClr val="000000"/>
                 </a:solidFill>
@@ -10714,7 +11496,7 @@
               <a:t> </a:t>
             </a:r>
             <a:r>
-              <a:rPr lang="en-US" altLang="ja-JP" sz="2000" dirty="0">
+              <a:rPr lang="en-US" altLang="ja-JP" sz="2400" dirty="0">
                 <a:solidFill>
                   <a:srgbClr val="A31515"/>
                 </a:solidFill>
@@ -10723,7 +11505,7 @@
               <a:t>"</a:t>
             </a:r>
             <a:r>
-              <a:rPr lang="ja-JP" altLang="en-US" sz="2000" dirty="0">
+              <a:rPr lang="ja-JP" altLang="en-US" sz="2400" dirty="0">
                 <a:solidFill>
                   <a:srgbClr val="A31515"/>
                 </a:solidFill>
@@ -10732,7 +11514,7 @@
               <a:t>最大値</a:t>
             </a:r>
             <a:r>
-              <a:rPr lang="en-US" altLang="ja-JP" sz="2000" dirty="0">
+              <a:rPr lang="en-US" altLang="ja-JP" sz="2400" dirty="0">
                 <a:solidFill>
                   <a:srgbClr val="A31515"/>
                 </a:solidFill>
@@ -10741,7 +11523,7 @@
               <a:t>:</a:t>
             </a:r>
             <a:r>
-              <a:rPr lang="en-US" altLang="ja-JP" sz="2000" dirty="0">
+              <a:rPr lang="en-US" altLang="ja-JP" sz="2400" dirty="0">
                 <a:solidFill>
                   <a:srgbClr val="A31515"/>
                 </a:solidFill>
@@ -10750,7 +11532,7 @@
               <a:t>"</a:t>
             </a:r>
             <a:r>
-              <a:rPr lang="ja-JP" altLang="en-US" sz="2000" dirty="0">
+              <a:rPr lang="ja-JP" altLang="en-US" sz="2400" dirty="0">
                 <a:solidFill>
                   <a:srgbClr val="000000"/>
                 </a:solidFill>
@@ -10759,7 +11541,7 @@
               <a:t> </a:t>
             </a:r>
             <a:r>
-              <a:rPr lang="en-US" altLang="ja-JP" sz="2000" dirty="0">
+              <a:rPr lang="en-US" altLang="ja-JP" sz="2400" dirty="0">
                 <a:solidFill>
                   <a:srgbClr val="008080"/>
                 </a:solidFill>
@@ -10768,7 +11550,7 @@
               <a:t>&lt;&lt;</a:t>
             </a:r>
             <a:r>
-              <a:rPr lang="ja-JP" altLang="en-US" sz="2000" dirty="0">
+              <a:rPr lang="ja-JP" altLang="en-US" sz="2400" dirty="0">
                 <a:solidFill>
                   <a:srgbClr val="000000"/>
                 </a:solidFill>
@@ -10777,7 +11559,7 @@
               <a:t> </a:t>
             </a:r>
             <a:r>
-              <a:rPr lang="en-US" altLang="ja-JP" sz="2000" dirty="0">
+              <a:rPr lang="en-US" altLang="ja-JP" sz="2400" dirty="0">
                 <a:solidFill>
                   <a:srgbClr val="000000"/>
                 </a:solidFill>
@@ -10786,7 +11568,7 @@
               <a:t>max </a:t>
             </a:r>
             <a:r>
-              <a:rPr lang="en-US" altLang="ja-JP" sz="2000" dirty="0">
+              <a:rPr lang="en-US" altLang="ja-JP" sz="2400" dirty="0">
                 <a:solidFill>
                   <a:srgbClr val="008080"/>
                 </a:solidFill>
@@ -10795,7 +11577,7 @@
               <a:t>&lt;&lt;</a:t>
             </a:r>
             <a:r>
-              <a:rPr lang="en-US" altLang="ja-JP" sz="2000" dirty="0">
+              <a:rPr lang="en-US" altLang="ja-JP" sz="2400" dirty="0">
                 <a:solidFill>
                   <a:srgbClr val="000000"/>
                 </a:solidFill>
@@ -10804,7 +11586,7 @@
               <a:t> </a:t>
             </a:r>
             <a:r>
-              <a:rPr lang="en-US" altLang="ja-JP" sz="2000" dirty="0">
+              <a:rPr lang="en-US" altLang="ja-JP" sz="2400" dirty="0">
                 <a:solidFill>
                   <a:srgbClr val="A31515"/>
                 </a:solidFill>
@@ -10813,7 +11595,7 @@
               <a:t>" </a:t>
             </a:r>
             <a:r>
-              <a:rPr lang="ja-JP" altLang="en-US" sz="2000" dirty="0">
+              <a:rPr lang="ja-JP" altLang="en-US" sz="2400" dirty="0">
                 <a:solidFill>
                   <a:srgbClr val="A31515"/>
                 </a:solidFill>
@@ -10822,7 +11604,7 @@
               <a:t>最小値</a:t>
             </a:r>
             <a:r>
-              <a:rPr lang="en-US" altLang="ja-JP" sz="2000" dirty="0">
+              <a:rPr lang="en-US" altLang="ja-JP" sz="2400" dirty="0">
                 <a:solidFill>
                   <a:srgbClr val="A31515"/>
                 </a:solidFill>
@@ -10831,7 +11613,7 @@
               <a:t>:</a:t>
             </a:r>
             <a:r>
-              <a:rPr lang="en-US" altLang="ja-JP" sz="2000" dirty="0">
+              <a:rPr lang="en-US" altLang="ja-JP" sz="2400" dirty="0">
                 <a:solidFill>
                   <a:srgbClr val="A31515"/>
                 </a:solidFill>
@@ -10840,7 +11622,7 @@
               <a:t>"</a:t>
             </a:r>
             <a:r>
-              <a:rPr lang="ja-JP" altLang="en-US" sz="2000" dirty="0">
+              <a:rPr lang="ja-JP" altLang="en-US" sz="2400" dirty="0">
                 <a:solidFill>
                   <a:srgbClr val="000000"/>
                 </a:solidFill>
@@ -10849,7 +11631,7 @@
               <a:t> </a:t>
             </a:r>
             <a:r>
-              <a:rPr lang="en-US" altLang="ja-JP" sz="2000" dirty="0">
+              <a:rPr lang="en-US" altLang="ja-JP" sz="2400" dirty="0">
                 <a:solidFill>
                   <a:srgbClr val="008080"/>
                 </a:solidFill>
@@ -10858,7 +11640,7 @@
               <a:t>&lt;&lt;</a:t>
             </a:r>
             <a:r>
-              <a:rPr lang="ja-JP" altLang="en-US" sz="2000" dirty="0">
+              <a:rPr lang="ja-JP" altLang="en-US" sz="2400" dirty="0">
                 <a:solidFill>
                   <a:srgbClr val="000000"/>
                 </a:solidFill>
@@ -10867,7 +11649,7 @@
               <a:t> </a:t>
             </a:r>
             <a:r>
-              <a:rPr lang="en-US" altLang="ja-JP" sz="2000" dirty="0">
+              <a:rPr lang="en-US" altLang="ja-JP" sz="2400" dirty="0">
                 <a:solidFill>
                   <a:srgbClr val="000000"/>
                 </a:solidFill>
@@ -10876,7 +11658,7 @@
               <a:t>min </a:t>
             </a:r>
             <a:r>
-              <a:rPr lang="en-US" altLang="ja-JP" sz="2000" dirty="0">
+              <a:rPr lang="en-US" altLang="ja-JP" sz="2400" dirty="0">
                 <a:solidFill>
                   <a:srgbClr val="008080"/>
                 </a:solidFill>
@@ -10885,7 +11667,7 @@
               <a:t>&lt;&lt;</a:t>
             </a:r>
             <a:r>
-              <a:rPr lang="en-US" altLang="ja-JP" sz="2000" dirty="0">
+              <a:rPr lang="en-US" altLang="ja-JP" sz="2400" dirty="0">
                 <a:solidFill>
                   <a:srgbClr val="000000"/>
                 </a:solidFill>
@@ -10894,7 +11676,7 @@
               <a:t> </a:t>
             </a:r>
             <a:r>
-              <a:rPr lang="en-US" altLang="ja-JP" sz="2000" dirty="0" err="1">
+              <a:rPr lang="en-US" altLang="ja-JP" sz="2400" dirty="0" err="1">
                 <a:solidFill>
                   <a:srgbClr val="000000"/>
                 </a:solidFill>
@@ -10903,7 +11685,7 @@
               <a:t>endl</a:t>
             </a:r>
             <a:r>
-              <a:rPr lang="en-US" altLang="ja-JP" sz="2000" dirty="0">
+              <a:rPr lang="en-US" altLang="ja-JP" sz="2400" dirty="0">
                 <a:solidFill>
                   <a:srgbClr val="000000"/>
                 </a:solidFill>
@@ -10911,7 +11693,7 @@
               </a:rPr>
               <a:t>;</a:t>
             </a:r>
-            <a:endParaRPr lang="en-US" altLang="ja-JP" sz="2000" dirty="0"/>
+            <a:endParaRPr lang="en-US" altLang="ja-JP" sz="2400" dirty="0"/>
           </a:p>
         </p:txBody>
       </p:sp>
@@ -11808,7 +12590,7 @@
         </p:nvSpPr>
         <p:spPr>
           <a:xfrm>
-            <a:off x="5961433" y="3138765"/>
+            <a:off x="5669603" y="2947481"/>
             <a:ext cx="5145961" cy="1815882"/>
           </a:xfrm>
           <a:prstGeom prst="rect">
@@ -11845,7 +12627,7 @@
             </a:br>
             <a:r>
               <a:rPr kumimoji="1" lang="ja-JP" altLang="en-US" sz="2800" dirty="0"/>
-              <a:t>ため関数化する</a:t>
+              <a:t>ため、ここを関数化する</a:t>
             </a:r>
           </a:p>
         </p:txBody>
@@ -12764,7 +13546,43 @@
                 </a:solidFill>
                 <a:ea typeface="ＭＳ ゴシック" panose="020B0609070205080204" pitchFamily="49" charset="-128"/>
               </a:rPr>
-              <a:t>void compare(int&amp; max, int&amp; min, int data ){</a:t>
+              <a:t>void compare(int</a:t>
+            </a:r>
+            <a:r>
+              <a:rPr lang="en-US" altLang="ja-JP" sz="2400" b="1" dirty="0">
+                <a:solidFill>
+                  <a:srgbClr val="FF0000"/>
+                </a:solidFill>
+                <a:ea typeface="ＭＳ ゴシック" panose="020B0609070205080204" pitchFamily="49" charset="-128"/>
+              </a:rPr>
+              <a:t>&amp;</a:t>
+            </a:r>
+            <a:r>
+              <a:rPr lang="en-US" altLang="ja-JP" sz="2400" dirty="0">
+                <a:solidFill>
+                  <a:srgbClr val="FF0000"/>
+                </a:solidFill>
+                <a:ea typeface="ＭＳ ゴシック" panose="020B0609070205080204" pitchFamily="49" charset="-128"/>
+              </a:rPr>
+              <a:t> max, int</a:t>
+            </a:r>
+            <a:r>
+              <a:rPr lang="en-US" altLang="ja-JP" sz="2400" b="1" dirty="0">
+                <a:solidFill>
+                  <a:srgbClr val="FF0000"/>
+                </a:solidFill>
+                <a:ea typeface="ＭＳ ゴシック" panose="020B0609070205080204" pitchFamily="49" charset="-128"/>
+              </a:rPr>
+              <a:t>&amp;</a:t>
+            </a:r>
+            <a:r>
+              <a:rPr lang="en-US" altLang="ja-JP" sz="2400" dirty="0">
+                <a:solidFill>
+                  <a:srgbClr val="FF0000"/>
+                </a:solidFill>
+                <a:ea typeface="ＭＳ ゴシック" panose="020B0609070205080204" pitchFamily="49" charset="-128"/>
+              </a:rPr>
+              <a:t> min, int data ){</a:t>
             </a:r>
           </a:p>
           <a:p>
@@ -12911,6 +13729,65 @@
               <a:t>}</a:t>
             </a:r>
             <a:endParaRPr lang="en-US" altLang="ja-JP" sz="1800" dirty="0"/>
+          </a:p>
+        </p:txBody>
+      </p:sp>
+      <p:sp>
+        <p:nvSpPr>
+          <p:cNvPr id="5" name="テキスト ボックス 4">
+            <a:extLst>
+              <a:ext uri="{FF2B5EF4-FFF2-40B4-BE49-F238E27FC236}">
+                <a16:creationId xmlns:a16="http://schemas.microsoft.com/office/drawing/2014/main" id="{3BF826CE-751E-AFD4-C573-11566CD1C2F6}"/>
+              </a:ext>
+            </a:extLst>
+          </p:cNvPr>
+          <p:cNvSpPr txBox="1"/>
+          <p:nvPr/>
+        </p:nvSpPr>
+        <p:spPr>
+          <a:xfrm>
+            <a:off x="8531158" y="4203731"/>
+            <a:ext cx="3398687" cy="1077218"/>
+          </a:xfrm>
+          <a:prstGeom prst="rect">
+            <a:avLst/>
+          </a:prstGeom>
+          <a:noFill/>
+        </p:spPr>
+        <p:txBody>
+          <a:bodyPr wrap="none" rtlCol="0">
+            <a:spAutoFit/>
+          </a:bodyPr>
+          <a:lstStyle/>
+          <a:p>
+            <a:r>
+              <a:rPr lang="ja-JP" altLang="en-US" sz="3200" dirty="0">
+                <a:solidFill>
+                  <a:srgbClr val="0070C0"/>
+                </a:solidFill>
+              </a:rPr>
+              <a:t>引数の参照渡しを</a:t>
+            </a:r>
+            <a:br>
+              <a:rPr lang="en-US" altLang="ja-JP" sz="3200" dirty="0">
+                <a:solidFill>
+                  <a:srgbClr val="0070C0"/>
+                </a:solidFill>
+              </a:rPr>
+            </a:br>
+            <a:r>
+              <a:rPr lang="ja-JP" altLang="en-US" sz="3200" dirty="0">
+                <a:solidFill>
+                  <a:srgbClr val="0070C0"/>
+                </a:solidFill>
+              </a:rPr>
+              <a:t>用いた関数</a:t>
+            </a:r>
+            <a:endParaRPr kumimoji="1" lang="ja-JP" altLang="en-US" sz="3200" dirty="0">
+              <a:solidFill>
+                <a:srgbClr val="0070C0"/>
+              </a:solidFill>
+            </a:endParaRPr>
           </a:p>
         </p:txBody>
       </p:sp>
@@ -13002,7 +13879,15 @@
           <a:p>
             <a:r>
               <a:rPr lang="ja-JP" altLang="en-US" dirty="0"/>
-              <a:t>関数の参照渡し</a:t>
+              <a:t>関数への引数の</a:t>
+            </a:r>
+            <a:r>
+              <a:rPr lang="ja-JP" altLang="en-US" dirty="0">
+                <a:solidFill>
+                  <a:srgbClr val="0070C0"/>
+                </a:solidFill>
+              </a:rPr>
+              <a:t>参照渡し</a:t>
             </a:r>
             <a:br>
               <a:rPr lang="en-US" altLang="ja-JP" dirty="0"/>

--- a/授業資料/演習課題：vector.pptx
+++ b/授業資料/演習課題：vector.pptx
@@ -259,7 +259,7 @@
           <a:p>
             <a:fld id="{5B96D3F8-CD2E-4A0D-AC38-517181EABB18}" type="datetimeFigureOut">
               <a:rPr kumimoji="1" lang="ja-JP" altLang="en-US" smtClean="0"/>
-              <a:t>2024/10/10</a:t>
+              <a:t>2024/10/11</a:t>
             </a:fld>
             <a:endParaRPr kumimoji="1" lang="ja-JP" altLang="en-US"/>
           </a:p>
@@ -461,7 +461,7 @@
           <a:p>
             <a:fld id="{5B96D3F8-CD2E-4A0D-AC38-517181EABB18}" type="datetimeFigureOut">
               <a:rPr kumimoji="1" lang="ja-JP" altLang="en-US" smtClean="0"/>
-              <a:t>2024/10/10</a:t>
+              <a:t>2024/10/11</a:t>
             </a:fld>
             <a:endParaRPr kumimoji="1" lang="ja-JP" altLang="en-US"/>
           </a:p>
@@ -673,7 +673,7 @@
           <a:p>
             <a:fld id="{5B96D3F8-CD2E-4A0D-AC38-517181EABB18}" type="datetimeFigureOut">
               <a:rPr kumimoji="1" lang="ja-JP" altLang="en-US" smtClean="0"/>
-              <a:t>2024/10/10</a:t>
+              <a:t>2024/10/11</a:t>
             </a:fld>
             <a:endParaRPr kumimoji="1" lang="ja-JP" altLang="en-US"/>
           </a:p>
@@ -875,7 +875,7 @@
           <a:p>
             <a:fld id="{5B96D3F8-CD2E-4A0D-AC38-517181EABB18}" type="datetimeFigureOut">
               <a:rPr kumimoji="1" lang="ja-JP" altLang="en-US" smtClean="0"/>
-              <a:t>2024/10/10</a:t>
+              <a:t>2024/10/11</a:t>
             </a:fld>
             <a:endParaRPr kumimoji="1" lang="ja-JP" altLang="en-US"/>
           </a:p>
@@ -1121,7 +1121,7 @@
           <a:p>
             <a:fld id="{5B96D3F8-CD2E-4A0D-AC38-517181EABB18}" type="datetimeFigureOut">
               <a:rPr kumimoji="1" lang="ja-JP" altLang="en-US" smtClean="0"/>
-              <a:t>2024/10/10</a:t>
+              <a:t>2024/10/11</a:t>
             </a:fld>
             <a:endParaRPr kumimoji="1" lang="ja-JP" altLang="en-US"/>
           </a:p>
@@ -1417,7 +1417,7 @@
           <a:p>
             <a:fld id="{5B96D3F8-CD2E-4A0D-AC38-517181EABB18}" type="datetimeFigureOut">
               <a:rPr kumimoji="1" lang="ja-JP" altLang="en-US" smtClean="0"/>
-              <a:t>2024/10/10</a:t>
+              <a:t>2024/10/11</a:t>
             </a:fld>
             <a:endParaRPr kumimoji="1" lang="ja-JP" altLang="en-US"/>
           </a:p>
@@ -1848,7 +1848,7 @@
           <a:p>
             <a:fld id="{5B96D3F8-CD2E-4A0D-AC38-517181EABB18}" type="datetimeFigureOut">
               <a:rPr kumimoji="1" lang="ja-JP" altLang="en-US" smtClean="0"/>
-              <a:t>2024/10/10</a:t>
+              <a:t>2024/10/11</a:t>
             </a:fld>
             <a:endParaRPr kumimoji="1" lang="ja-JP" altLang="en-US"/>
           </a:p>
@@ -1966,7 +1966,7 @@
           <a:p>
             <a:fld id="{5B96D3F8-CD2E-4A0D-AC38-517181EABB18}" type="datetimeFigureOut">
               <a:rPr kumimoji="1" lang="ja-JP" altLang="en-US" smtClean="0"/>
-              <a:t>2024/10/10</a:t>
+              <a:t>2024/10/11</a:t>
             </a:fld>
             <a:endParaRPr kumimoji="1" lang="ja-JP" altLang="en-US"/>
           </a:p>
@@ -2061,7 +2061,7 @@
           <a:p>
             <a:fld id="{5B96D3F8-CD2E-4A0D-AC38-517181EABB18}" type="datetimeFigureOut">
               <a:rPr kumimoji="1" lang="ja-JP" altLang="en-US" smtClean="0"/>
-              <a:t>2024/10/10</a:t>
+              <a:t>2024/10/11</a:t>
             </a:fld>
             <a:endParaRPr kumimoji="1" lang="ja-JP" altLang="en-US"/>
           </a:p>
@@ -2370,7 +2370,7 @@
           <a:p>
             <a:fld id="{5B96D3F8-CD2E-4A0D-AC38-517181EABB18}" type="datetimeFigureOut">
               <a:rPr kumimoji="1" lang="ja-JP" altLang="en-US" smtClean="0"/>
-              <a:t>2024/10/10</a:t>
+              <a:t>2024/10/11</a:t>
             </a:fld>
             <a:endParaRPr kumimoji="1" lang="ja-JP" altLang="en-US"/>
           </a:p>
@@ -2627,7 +2627,7 @@
           <a:p>
             <a:fld id="{5B96D3F8-CD2E-4A0D-AC38-517181EABB18}" type="datetimeFigureOut">
               <a:rPr kumimoji="1" lang="ja-JP" altLang="en-US" smtClean="0"/>
-              <a:t>2024/10/10</a:t>
+              <a:t>2024/10/11</a:t>
             </a:fld>
             <a:endParaRPr kumimoji="1" lang="ja-JP" altLang="en-US"/>
           </a:p>
@@ -2872,7 +2872,7 @@
           <a:p>
             <a:fld id="{5B96D3F8-CD2E-4A0D-AC38-517181EABB18}" type="datetimeFigureOut">
               <a:rPr kumimoji="1" lang="ja-JP" altLang="en-US" smtClean="0"/>
-              <a:t>2024/10/10</a:t>
+              <a:t>2024/10/11</a:t>
             </a:fld>
             <a:endParaRPr kumimoji="1" lang="ja-JP" altLang="en-US"/>
           </a:p>
@@ -9167,7 +9167,7 @@
         <p:spPr>
           <a:xfrm>
             <a:off x="731196" y="1162976"/>
-            <a:ext cx="10515600" cy="5329898"/>
+            <a:ext cx="10515600" cy="5626930"/>
           </a:xfrm>
           <a:solidFill>
             <a:schemeClr val="bg1"/>
@@ -9188,7 +9188,7 @@
               <a:buNone/>
             </a:pPr>
             <a:r>
-              <a:rPr lang="en-US" altLang="ja-JP" sz="2400" dirty="0">
+              <a:rPr lang="en-US" altLang="ja-JP" sz="2000" dirty="0">
                 <a:solidFill>
                   <a:srgbClr val="808080"/>
                 </a:solidFill>
@@ -9197,7 +9197,7 @@
               <a:t>#include</a:t>
             </a:r>
             <a:r>
-              <a:rPr lang="en-US" altLang="ja-JP" sz="2400" dirty="0">
+              <a:rPr lang="en-US" altLang="ja-JP" sz="2000" dirty="0">
                 <a:solidFill>
                   <a:srgbClr val="000000"/>
                 </a:solidFill>
@@ -9206,7 +9206,7 @@
               <a:t> </a:t>
             </a:r>
             <a:r>
-              <a:rPr lang="en-US" altLang="ja-JP" sz="2400" dirty="0">
+              <a:rPr lang="en-US" altLang="ja-JP" sz="2000" dirty="0">
                 <a:solidFill>
                   <a:srgbClr val="A31515"/>
                 </a:solidFill>
@@ -9215,7 +9215,7 @@
               <a:t>&lt;iostream&gt;</a:t>
             </a:r>
             <a:br>
-              <a:rPr lang="en-US" altLang="ja-JP" sz="2400" dirty="0">
+              <a:rPr lang="en-US" altLang="ja-JP" sz="2000" dirty="0">
                 <a:solidFill>
                   <a:srgbClr val="000000"/>
                 </a:solidFill>
@@ -9223,7 +9223,7 @@
               </a:rPr>
             </a:br>
             <a:r>
-              <a:rPr lang="en-US" altLang="ja-JP" sz="2400" dirty="0">
+              <a:rPr lang="en-US" altLang="ja-JP" sz="2000" dirty="0">
                 <a:solidFill>
                   <a:srgbClr val="808080"/>
                 </a:solidFill>
@@ -9232,7 +9232,7 @@
               <a:t>#include</a:t>
             </a:r>
             <a:r>
-              <a:rPr lang="en-US" altLang="ja-JP" sz="2400" dirty="0">
+              <a:rPr lang="en-US" altLang="ja-JP" sz="2000" dirty="0">
                 <a:solidFill>
                   <a:srgbClr val="000000"/>
                 </a:solidFill>
@@ -9241,7 +9241,7 @@
               <a:t> </a:t>
             </a:r>
             <a:r>
-              <a:rPr lang="en-US" altLang="ja-JP" sz="2400" dirty="0">
+              <a:rPr lang="en-US" altLang="ja-JP" sz="2000" dirty="0">
                 <a:solidFill>
                   <a:srgbClr val="A31515"/>
                 </a:solidFill>
@@ -9250,7 +9250,7 @@
               <a:t>&lt;vector&gt;</a:t>
             </a:r>
             <a:br>
-              <a:rPr lang="en-US" altLang="ja-JP" sz="2400" dirty="0">
+              <a:rPr lang="en-US" altLang="ja-JP" sz="2000" dirty="0">
                 <a:solidFill>
                   <a:srgbClr val="000000"/>
                 </a:solidFill>
@@ -9258,7 +9258,7 @@
               </a:rPr>
             </a:br>
             <a:r>
-              <a:rPr lang="en-US" altLang="ja-JP" sz="2400" dirty="0">
+              <a:rPr lang="en-US" altLang="ja-JP" sz="2000" dirty="0">
                 <a:solidFill>
                   <a:srgbClr val="0000FF"/>
                 </a:solidFill>
@@ -9267,7 +9267,7 @@
               <a:t>using</a:t>
             </a:r>
             <a:r>
-              <a:rPr lang="en-US" altLang="ja-JP" sz="2400" dirty="0">
+              <a:rPr lang="en-US" altLang="ja-JP" sz="2000" dirty="0">
                 <a:solidFill>
                   <a:srgbClr val="000000"/>
                 </a:solidFill>
@@ -9276,7 +9276,7 @@
               <a:t> </a:t>
             </a:r>
             <a:r>
-              <a:rPr lang="en-US" altLang="ja-JP" sz="2400" dirty="0">
+              <a:rPr lang="en-US" altLang="ja-JP" sz="2000" dirty="0">
                 <a:solidFill>
                   <a:srgbClr val="0000FF"/>
                 </a:solidFill>
@@ -9285,7 +9285,7 @@
               <a:t>namespace</a:t>
             </a:r>
             <a:r>
-              <a:rPr lang="en-US" altLang="ja-JP" sz="2400" dirty="0">
+              <a:rPr lang="en-US" altLang="ja-JP" sz="2000" dirty="0">
                 <a:solidFill>
                   <a:srgbClr val="000000"/>
                 </a:solidFill>
@@ -9294,7 +9294,7 @@
               <a:t> std;</a:t>
             </a:r>
             <a:br>
-              <a:rPr lang="en-US" altLang="ja-JP" sz="2400" dirty="0">
+              <a:rPr lang="en-US" altLang="ja-JP" sz="2000" dirty="0">
                 <a:solidFill>
                   <a:srgbClr val="000000"/>
                 </a:solidFill>
@@ -9302,7 +9302,7 @@
               </a:rPr>
             </a:br>
             <a:r>
-              <a:rPr lang="en-US" altLang="ja-JP" sz="2400" dirty="0">
+              <a:rPr lang="en-US" altLang="ja-JP" sz="2000" dirty="0">
                 <a:solidFill>
                   <a:srgbClr val="0000FF"/>
                 </a:solidFill>
@@ -9311,7 +9311,7 @@
               <a:t>int</a:t>
             </a:r>
             <a:r>
-              <a:rPr lang="en-US" altLang="ja-JP" sz="2400" dirty="0">
+              <a:rPr lang="en-US" altLang="ja-JP" sz="2000" dirty="0">
                 <a:solidFill>
                   <a:srgbClr val="000000"/>
                 </a:solidFill>
@@ -9425,15 +9425,18 @@
               </a:rPr>
               <a:t> max, min;</a:t>
             </a:r>
-          </a:p>
-          <a:p>
-            <a:pPr marL="0" indent="0">
-              <a:buNone/>
-            </a:pPr>
-            <a:r>
-              <a:rPr lang="en-US" altLang="ja-JP" sz="2400" dirty="0">
-                <a:solidFill>
-                  <a:srgbClr val="008000"/>
+            <a:br>
+              <a:rPr lang="en-US" altLang="ja-JP" sz="2400" dirty="0">
+                <a:solidFill>
+                  <a:srgbClr val="000000"/>
+                </a:solidFill>
+                <a:ea typeface="ＭＳ ゴシック" panose="020B0609070205080204" pitchFamily="49" charset="-128"/>
+              </a:rPr>
+            </a:br>
+            <a:r>
+              <a:rPr lang="ja-JP" altLang="en-US" sz="2400" dirty="0">
+                <a:solidFill>
+                  <a:srgbClr val="000000"/>
                 </a:solidFill>
                 <a:ea typeface="ＭＳ ゴシック" panose="020B0609070205080204" pitchFamily="49" charset="-128"/>
               </a:rPr>
@@ -9475,22 +9478,173 @@
               </a:rPr>
             </a:br>
             <a:r>
+              <a:rPr lang="en-US" altLang="ja-JP" sz="2400" dirty="0">
+                <a:solidFill>
+                  <a:srgbClr val="00B050"/>
+                </a:solidFill>
+                <a:latin typeface="+mn-ea"/>
+              </a:rPr>
+              <a:t>       </a:t>
+            </a:r>
+            <a:r>
+              <a:rPr lang="en-US" altLang="ja-JP" sz="2400" dirty="0">
+                <a:solidFill>
+                  <a:srgbClr val="000000"/>
+                </a:solidFill>
+                <a:ea typeface="ＭＳ ゴシック" panose="020B0609070205080204" pitchFamily="49" charset="-128"/>
+              </a:rPr>
+              <a:t>max = min = </a:t>
+            </a:r>
+            <a:r>
+              <a:rPr lang="en-US" altLang="ja-JP" sz="2400" dirty="0" err="1">
+                <a:solidFill>
+                  <a:srgbClr val="000000"/>
+                </a:solidFill>
+                <a:ea typeface="ＭＳ ゴシック" panose="020B0609070205080204" pitchFamily="49" charset="-128"/>
+              </a:rPr>
+              <a:t>vec</a:t>
+            </a:r>
+            <a:r>
+              <a:rPr lang="en-US" altLang="ja-JP" sz="2400" dirty="0">
+                <a:solidFill>
+                  <a:srgbClr val="008080"/>
+                </a:solidFill>
+                <a:ea typeface="ＭＳ ゴシック" panose="020B0609070205080204" pitchFamily="49" charset="-128"/>
+              </a:rPr>
+              <a:t>[</a:t>
+            </a:r>
+            <a:r>
+              <a:rPr lang="en-US" altLang="ja-JP" sz="2400" dirty="0">
+                <a:solidFill>
+                  <a:srgbClr val="000000"/>
+                </a:solidFill>
+                <a:ea typeface="ＭＳ ゴシック" panose="020B0609070205080204" pitchFamily="49" charset="-128"/>
+              </a:rPr>
+              <a:t>0</a:t>
+            </a:r>
+            <a:r>
+              <a:rPr lang="en-US" altLang="ja-JP" sz="2400" dirty="0">
+                <a:solidFill>
+                  <a:srgbClr val="008080"/>
+                </a:solidFill>
+                <a:latin typeface="+mn-ea"/>
+              </a:rPr>
+              <a:t>]</a:t>
+            </a:r>
+            <a:r>
+              <a:rPr lang="en-US" altLang="ja-JP" sz="2400" dirty="0">
+                <a:solidFill>
+                  <a:srgbClr val="000000"/>
+                </a:solidFill>
+                <a:latin typeface="+mn-ea"/>
+              </a:rPr>
+              <a:t>;  </a:t>
+            </a:r>
+            <a:r>
+              <a:rPr lang="en-US" altLang="ja-JP" sz="2400" dirty="0">
+                <a:solidFill>
+                  <a:srgbClr val="00B050"/>
+                </a:solidFill>
+                <a:latin typeface="+mn-ea"/>
+              </a:rPr>
+              <a:t>//</a:t>
+            </a:r>
+            <a:r>
               <a:rPr lang="ja-JP" altLang="en-US" sz="2400" dirty="0">
                 <a:solidFill>
                   <a:srgbClr val="00B050"/>
                 </a:solidFill>
                 <a:latin typeface="+mn-ea"/>
               </a:rPr>
+              <a:t>仮の最大値最小値</a:t>
+            </a:r>
+            <a:br>
+              <a:rPr lang="en-US" altLang="ja-JP" sz="2400" dirty="0">
+                <a:solidFill>
+                  <a:srgbClr val="00B050"/>
+                </a:solidFill>
+                <a:latin typeface="+mn-ea"/>
+              </a:rPr>
+            </a:br>
+            <a:r>
+              <a:rPr lang="en-US" altLang="ja-JP" sz="2400" dirty="0">
+                <a:solidFill>
+                  <a:srgbClr val="00B050"/>
+                </a:solidFill>
+                <a:latin typeface="+mn-ea"/>
+              </a:rPr>
               <a:t>       </a:t>
             </a:r>
             <a:r>
-              <a:rPr lang="en-US" altLang="ja-JP" sz="2400" dirty="0">
-                <a:solidFill>
-                  <a:srgbClr val="000000"/>
-                </a:solidFill>
-                <a:ea typeface="ＭＳ ゴシック" panose="020B0609070205080204" pitchFamily="49" charset="-128"/>
-              </a:rPr>
-              <a:t>max = min = </a:t>
+              <a:rPr lang="nn-NO" altLang="ja-JP" sz="2400" dirty="0">
+                <a:solidFill>
+                  <a:srgbClr val="0000FF"/>
+                </a:solidFill>
+                <a:ea typeface="ＭＳ ゴシック" panose="020B0609070205080204" pitchFamily="49" charset="-128"/>
+              </a:rPr>
+              <a:t>for</a:t>
+            </a:r>
+            <a:r>
+              <a:rPr lang="nn-NO" altLang="ja-JP" sz="2400" dirty="0">
+                <a:solidFill>
+                  <a:srgbClr val="000000"/>
+                </a:solidFill>
+                <a:ea typeface="ＭＳ ゴシック" panose="020B0609070205080204" pitchFamily="49" charset="-128"/>
+              </a:rPr>
+              <a:t> (</a:t>
+            </a:r>
+            <a:r>
+              <a:rPr lang="nn-NO" altLang="ja-JP" sz="2400" dirty="0">
+                <a:solidFill>
+                  <a:srgbClr val="0000FF"/>
+                </a:solidFill>
+                <a:ea typeface="ＭＳ ゴシック" panose="020B0609070205080204" pitchFamily="49" charset="-128"/>
+              </a:rPr>
+              <a:t>int</a:t>
+            </a:r>
+            <a:r>
+              <a:rPr lang="nn-NO" altLang="ja-JP" sz="2400" dirty="0">
+                <a:solidFill>
+                  <a:srgbClr val="000000"/>
+                </a:solidFill>
+                <a:ea typeface="ＭＳ ゴシック" panose="020B0609070205080204" pitchFamily="49" charset="-128"/>
+              </a:rPr>
+              <a:t> i = 1; i &lt; vec.size(); i++) {</a:t>
+            </a:r>
+            <a:br>
+              <a:rPr lang="nn-NO" altLang="ja-JP" sz="2400" dirty="0">
+                <a:solidFill>
+                  <a:srgbClr val="000000"/>
+                </a:solidFill>
+                <a:ea typeface="ＭＳ ゴシック" panose="020B0609070205080204" pitchFamily="49" charset="-128"/>
+              </a:rPr>
+            </a:br>
+            <a:r>
+              <a:rPr lang="nn-NO" altLang="ja-JP" sz="2400" dirty="0">
+                <a:solidFill>
+                  <a:srgbClr val="000000"/>
+                </a:solidFill>
+                <a:ea typeface="ＭＳ ゴシック" panose="020B0609070205080204" pitchFamily="49" charset="-128"/>
+              </a:rPr>
+              <a:t>        </a:t>
+            </a:r>
+            <a:r>
+              <a:rPr lang="en-US" altLang="ja-JP" sz="2400" dirty="0">
+                <a:solidFill>
+                  <a:srgbClr val="0000FF"/>
+                </a:solidFill>
+                <a:ea typeface="ＭＳ ゴシック" panose="020B0609070205080204" pitchFamily="49" charset="-128"/>
+              </a:rPr>
+              <a:t>if</a:t>
+            </a:r>
+            <a:r>
+              <a:rPr lang="en-US" altLang="ja-JP" sz="2400" dirty="0">
+                <a:solidFill>
+                  <a:srgbClr val="000000"/>
+                </a:solidFill>
+                <a:ea typeface="ＭＳ ゴシック" panose="020B0609070205080204" pitchFamily="49" charset="-128"/>
+              </a:rPr>
+              <a:t> (max &lt; </a:t>
             </a:r>
             <a:r>
               <a:rPr lang="en-US" altLang="ja-JP" sz="2400" dirty="0" err="1">
@@ -9511,20 +9665,20 @@
               <a:t>[</a:t>
             </a:r>
             <a:r>
-              <a:rPr lang="en-US" altLang="ja-JP" sz="2400" dirty="0">
-                <a:solidFill>
-                  <a:srgbClr val="000000"/>
-                </a:solidFill>
-                <a:ea typeface="ＭＳ ゴシック" panose="020B0609070205080204" pitchFamily="49" charset="-128"/>
-              </a:rPr>
-              <a:t>0</a:t>
+              <a:rPr lang="en-US" altLang="ja-JP" sz="2400" dirty="0" err="1">
+                <a:solidFill>
+                  <a:srgbClr val="000000"/>
+                </a:solidFill>
+                <a:ea typeface="ＭＳ ゴシック" panose="020B0609070205080204" pitchFamily="49" charset="-128"/>
+              </a:rPr>
+              <a:t>i</a:t>
             </a:r>
             <a:r>
               <a:rPr lang="en-US" altLang="ja-JP" sz="2400" dirty="0">
                 <a:solidFill>
                   <a:srgbClr val="008080"/>
                 </a:solidFill>
-                <a:latin typeface="+mn-ea"/>
+                <a:ea typeface="ＭＳ ゴシック" panose="020B0609070205080204" pitchFamily="49" charset="-128"/>
               </a:rPr>
               <a:t>]</a:t>
             </a:r>
@@ -9533,91 +9687,141 @@
                 <a:solidFill>
                   <a:srgbClr val="000000"/>
                 </a:solidFill>
-                <a:latin typeface="+mn-ea"/>
-              </a:rPr>
-              <a:t>;  </a:t>
-            </a:r>
-            <a:r>
-              <a:rPr lang="en-US" altLang="ja-JP" sz="2400" dirty="0">
-                <a:solidFill>
-                  <a:srgbClr val="00B050"/>
-                </a:solidFill>
-                <a:latin typeface="+mn-ea"/>
-              </a:rPr>
-              <a:t>//</a:t>
+                <a:ea typeface="ＭＳ ゴシック" panose="020B0609070205080204" pitchFamily="49" charset="-128"/>
+              </a:rPr>
+              <a:t>) {</a:t>
             </a:r>
             <a:r>
               <a:rPr lang="ja-JP" altLang="en-US" sz="2400" dirty="0">
                 <a:solidFill>
-                  <a:srgbClr val="00B050"/>
-                </a:solidFill>
-                <a:latin typeface="+mn-ea"/>
-              </a:rPr>
-              <a:t>仮の最大値最小値</a:t>
-            </a:r>
-          </a:p>
-          <a:p>
-            <a:pPr marL="0" indent="0">
-              <a:buNone/>
-            </a:pPr>
-            <a:r>
-              <a:rPr lang="nn-NO" altLang="ja-JP" sz="2400" dirty="0">
+                  <a:srgbClr val="000000"/>
+                </a:solidFill>
+                <a:ea typeface="ＭＳ ゴシック" panose="020B0609070205080204" pitchFamily="49" charset="-128"/>
+              </a:rPr>
+              <a:t> </a:t>
+            </a:r>
+            <a:br>
+              <a:rPr lang="en-US" altLang="ja-JP" sz="2400" dirty="0">
+                <a:solidFill>
+                  <a:srgbClr val="000000"/>
+                </a:solidFill>
+                <a:ea typeface="ＭＳ ゴシック" panose="020B0609070205080204" pitchFamily="49" charset="-128"/>
+              </a:rPr>
+            </a:br>
+            <a:r>
+              <a:rPr lang="en-US" altLang="ja-JP" sz="2400" dirty="0">
+                <a:solidFill>
+                  <a:srgbClr val="000000"/>
+                </a:solidFill>
+                <a:ea typeface="ＭＳ ゴシック" panose="020B0609070205080204" pitchFamily="49" charset="-128"/>
+              </a:rPr>
+              <a:t>            max = </a:t>
+            </a:r>
+            <a:r>
+              <a:rPr lang="en-US" altLang="ja-JP" sz="2400" dirty="0" err="1">
+                <a:solidFill>
+                  <a:srgbClr val="000000"/>
+                </a:solidFill>
+                <a:ea typeface="ＭＳ ゴシック" panose="020B0609070205080204" pitchFamily="49" charset="-128"/>
+              </a:rPr>
+              <a:t>vec</a:t>
+            </a:r>
+            <a:r>
+              <a:rPr lang="en-US" altLang="ja-JP" sz="2400" dirty="0">
+                <a:solidFill>
+                  <a:srgbClr val="008080"/>
+                </a:solidFill>
+                <a:ea typeface="ＭＳ ゴシック" panose="020B0609070205080204" pitchFamily="49" charset="-128"/>
+              </a:rPr>
+              <a:t>[</a:t>
+            </a:r>
+            <a:r>
+              <a:rPr lang="en-US" altLang="ja-JP" sz="2400" dirty="0" err="1">
+                <a:solidFill>
+                  <a:srgbClr val="000000"/>
+                </a:solidFill>
+                <a:ea typeface="ＭＳ ゴシック" panose="020B0609070205080204" pitchFamily="49" charset="-128"/>
+              </a:rPr>
+              <a:t>i</a:t>
+            </a:r>
+            <a:r>
+              <a:rPr lang="en-US" altLang="ja-JP" sz="2400" dirty="0">
+                <a:solidFill>
+                  <a:srgbClr val="008080"/>
+                </a:solidFill>
+                <a:ea typeface="ＭＳ ゴシック" panose="020B0609070205080204" pitchFamily="49" charset="-128"/>
+              </a:rPr>
+              <a:t>]</a:t>
+            </a:r>
+            <a:r>
+              <a:rPr lang="en-US" altLang="ja-JP" sz="2400" dirty="0">
+                <a:solidFill>
+                  <a:srgbClr val="000000"/>
+                </a:solidFill>
+                <a:ea typeface="ＭＳ ゴシック" panose="020B0609070205080204" pitchFamily="49" charset="-128"/>
+              </a:rPr>
+              <a:t>;</a:t>
+            </a:r>
+            <a:r>
+              <a:rPr lang="ja-JP" altLang="en-US" sz="2400" dirty="0">
+                <a:solidFill>
+                  <a:srgbClr val="000000"/>
+                </a:solidFill>
+                <a:ea typeface="ＭＳ ゴシック" panose="020B0609070205080204" pitchFamily="49" charset="-128"/>
+              </a:rPr>
+              <a:t> </a:t>
+            </a:r>
+            <a:br>
+              <a:rPr lang="en-US" altLang="ja-JP" sz="2400" dirty="0">
+                <a:solidFill>
+                  <a:srgbClr val="000000"/>
+                </a:solidFill>
+                <a:ea typeface="ＭＳ ゴシック" panose="020B0609070205080204" pitchFamily="49" charset="-128"/>
+              </a:rPr>
+            </a:br>
+            <a:r>
+              <a:rPr lang="en-US" altLang="ja-JP" sz="2400" dirty="0">
+                <a:solidFill>
+                  <a:srgbClr val="000000"/>
+                </a:solidFill>
+                <a:ea typeface="ＭＳ ゴシック" panose="020B0609070205080204" pitchFamily="49" charset="-128"/>
+              </a:rPr>
+              <a:t>        }</a:t>
+            </a:r>
+            <a:br>
+              <a:rPr lang="en-US" altLang="ja-JP" sz="2400" dirty="0">
+                <a:solidFill>
+                  <a:srgbClr val="000000"/>
+                </a:solidFill>
+                <a:ea typeface="ＭＳ ゴシック" panose="020B0609070205080204" pitchFamily="49" charset="-128"/>
+              </a:rPr>
+            </a:br>
+            <a:r>
+              <a:rPr lang="en-US" altLang="ja-JP" sz="2400" dirty="0">
+                <a:solidFill>
+                  <a:srgbClr val="000000"/>
+                </a:solidFill>
+                <a:ea typeface="ＭＳ ゴシック" panose="020B0609070205080204" pitchFamily="49" charset="-128"/>
+              </a:rPr>
+              <a:t>        </a:t>
+            </a:r>
+            <a:r>
+              <a:rPr lang="en-US" altLang="ja-JP" sz="2400" dirty="0">
                 <a:solidFill>
                   <a:srgbClr val="0000FF"/>
                 </a:solidFill>
                 <a:ea typeface="ＭＳ ゴシック" panose="020B0609070205080204" pitchFamily="49" charset="-128"/>
               </a:rPr>
-              <a:t>    for</a:t>
-            </a:r>
-            <a:r>
-              <a:rPr lang="nn-NO" altLang="ja-JP" sz="2400" dirty="0">
-                <a:solidFill>
-                  <a:srgbClr val="000000"/>
-                </a:solidFill>
-                <a:ea typeface="ＭＳ ゴシック" panose="020B0609070205080204" pitchFamily="49" charset="-128"/>
-              </a:rPr>
-              <a:t> (</a:t>
-            </a:r>
-            <a:r>
-              <a:rPr lang="nn-NO" altLang="ja-JP" sz="2400" dirty="0">
-                <a:solidFill>
-                  <a:srgbClr val="0000FF"/>
-                </a:solidFill>
-                <a:ea typeface="ＭＳ ゴシック" panose="020B0609070205080204" pitchFamily="49" charset="-128"/>
-              </a:rPr>
-              <a:t>int</a:t>
-            </a:r>
-            <a:r>
-              <a:rPr lang="nn-NO" altLang="ja-JP" sz="2400" dirty="0">
-                <a:solidFill>
-                  <a:srgbClr val="000000"/>
-                </a:solidFill>
-                <a:ea typeface="ＭＳ ゴシック" panose="020B0609070205080204" pitchFamily="49" charset="-128"/>
-              </a:rPr>
-              <a:t> i = 1; i &lt; vec.size(); i++) {</a:t>
-            </a:r>
-          </a:p>
-          <a:p>
-            <a:pPr marL="0" indent="0">
-              <a:buNone/>
-            </a:pPr>
-            <a:r>
-              <a:rPr lang="en-US" altLang="ja-JP" sz="2400" dirty="0">
-                <a:solidFill>
-                  <a:srgbClr val="0000FF"/>
-                </a:solidFill>
-                <a:ea typeface="ＭＳ ゴシック" panose="020B0609070205080204" pitchFamily="49" charset="-128"/>
-              </a:rPr>
-              <a:t>        if</a:t>
-            </a:r>
-            <a:r>
-              <a:rPr lang="en-US" altLang="ja-JP" sz="2400" dirty="0">
-                <a:solidFill>
-                  <a:srgbClr val="000000"/>
-                </a:solidFill>
-                <a:ea typeface="ＭＳ ゴシック" panose="020B0609070205080204" pitchFamily="49" charset="-128"/>
-              </a:rPr>
-              <a:t> (max &lt; </a:t>
+              <a:t>if</a:t>
+            </a:r>
+            <a:r>
+              <a:rPr lang="en-US" altLang="ja-JP" sz="2400" dirty="0">
+                <a:solidFill>
+                  <a:srgbClr val="000000"/>
+                </a:solidFill>
+                <a:ea typeface="ＭＳ ゴシック" panose="020B0609070205080204" pitchFamily="49" charset="-128"/>
+              </a:rPr>
+              <a:t> (min &gt; </a:t>
             </a:r>
             <a:r>
               <a:rPr lang="en-US" altLang="ja-JP" sz="2400" dirty="0" err="1">
@@ -9662,25 +9866,24 @@
                 </a:solidFill>
                 <a:ea typeface="ＭＳ ゴシック" panose="020B0609070205080204" pitchFamily="49" charset="-128"/>
               </a:rPr>
-              <a:t>) {</a:t>
-            </a:r>
-            <a:r>
-              <a:rPr lang="ja-JP" altLang="en-US" sz="2400" dirty="0">
-                <a:solidFill>
-                  <a:srgbClr val="000000"/>
-                </a:solidFill>
-                <a:ea typeface="ＭＳ ゴシック" panose="020B0609070205080204" pitchFamily="49" charset="-128"/>
-              </a:rPr>
-              <a:t> </a:t>
-            </a:r>
-            <a:r>
-              <a:rPr lang="en-US" altLang="ja-JP" sz="2400" dirty="0">
-                <a:solidFill>
-                  <a:srgbClr val="000000"/>
-                </a:solidFill>
-                <a:ea typeface="ＭＳ ゴシック" panose="020B0609070205080204" pitchFamily="49" charset="-128"/>
-              </a:rPr>
-              <a:t>max = </a:t>
+              <a:t>) { </a:t>
+            </a:r>
+            <a:br>
+              <a:rPr lang="en-US" altLang="ja-JP" sz="2400" dirty="0">
+                <a:solidFill>
+                  <a:srgbClr val="000000"/>
+                </a:solidFill>
+                <a:ea typeface="ＭＳ ゴシック" panose="020B0609070205080204" pitchFamily="49" charset="-128"/>
+              </a:rPr>
+            </a:br>
+            <a:r>
+              <a:rPr lang="en-US" altLang="ja-JP" sz="2400" dirty="0">
+                <a:solidFill>
+                  <a:srgbClr val="000000"/>
+                </a:solidFill>
+                <a:ea typeface="ＭＳ ゴシック" panose="020B0609070205080204" pitchFamily="49" charset="-128"/>
+              </a:rPr>
+              <a:t>            min = </a:t>
             </a:r>
             <a:r>
               <a:rPr lang="en-US" altLang="ja-JP" sz="2400" dirty="0" err="1">
@@ -9725,138 +9928,24 @@
                 </a:solidFill>
                 <a:ea typeface="ＭＳ ゴシック" panose="020B0609070205080204" pitchFamily="49" charset="-128"/>
               </a:rPr>
-              <a:t>;</a:t>
-            </a:r>
-            <a:r>
-              <a:rPr lang="ja-JP" altLang="en-US" sz="2400" dirty="0">
-                <a:solidFill>
-                  <a:srgbClr val="000000"/>
-                </a:solidFill>
-                <a:ea typeface="ＭＳ ゴシック" panose="020B0609070205080204" pitchFamily="49" charset="-128"/>
-              </a:rPr>
-              <a:t> </a:t>
-            </a:r>
-            <a:r>
-              <a:rPr lang="en-US" altLang="ja-JP" sz="2400" dirty="0">
-                <a:solidFill>
-                  <a:srgbClr val="000000"/>
-                </a:solidFill>
-                <a:ea typeface="ＭＳ ゴシック" panose="020B0609070205080204" pitchFamily="49" charset="-128"/>
-              </a:rPr>
-              <a:t>}</a:t>
-            </a:r>
-          </a:p>
-          <a:p>
-            <a:pPr marL="0" indent="0">
-              <a:buNone/>
-            </a:pPr>
-            <a:r>
-              <a:rPr lang="en-US" altLang="ja-JP" sz="2400" dirty="0">
-                <a:solidFill>
-                  <a:srgbClr val="0000FF"/>
-                </a:solidFill>
-                <a:ea typeface="ＭＳ ゴシック" panose="020B0609070205080204" pitchFamily="49" charset="-128"/>
-              </a:rPr>
-              <a:t>        if</a:t>
-            </a:r>
-            <a:r>
-              <a:rPr lang="en-US" altLang="ja-JP" sz="2400" dirty="0">
-                <a:solidFill>
-                  <a:srgbClr val="000000"/>
-                </a:solidFill>
-                <a:ea typeface="ＭＳ ゴシック" panose="020B0609070205080204" pitchFamily="49" charset="-128"/>
-              </a:rPr>
-              <a:t> (min &gt; </a:t>
-            </a:r>
-            <a:r>
-              <a:rPr lang="en-US" altLang="ja-JP" sz="2400" dirty="0" err="1">
-                <a:solidFill>
-                  <a:srgbClr val="000000"/>
-                </a:solidFill>
-                <a:ea typeface="ＭＳ ゴシック" panose="020B0609070205080204" pitchFamily="49" charset="-128"/>
-              </a:rPr>
-              <a:t>vec</a:t>
-            </a:r>
-            <a:r>
-              <a:rPr lang="en-US" altLang="ja-JP" sz="2400" dirty="0">
-                <a:solidFill>
-                  <a:srgbClr val="008080"/>
-                </a:solidFill>
-                <a:ea typeface="ＭＳ ゴシック" panose="020B0609070205080204" pitchFamily="49" charset="-128"/>
-              </a:rPr>
-              <a:t>[</a:t>
-            </a:r>
-            <a:r>
-              <a:rPr lang="en-US" altLang="ja-JP" sz="2400" dirty="0" err="1">
-                <a:solidFill>
-                  <a:srgbClr val="000000"/>
-                </a:solidFill>
-                <a:ea typeface="ＭＳ ゴシック" panose="020B0609070205080204" pitchFamily="49" charset="-128"/>
-              </a:rPr>
-              <a:t>i</a:t>
-            </a:r>
-            <a:r>
-              <a:rPr lang="en-US" altLang="ja-JP" sz="2400" dirty="0">
-                <a:solidFill>
-                  <a:srgbClr val="008080"/>
-                </a:solidFill>
-                <a:ea typeface="ＭＳ ゴシック" panose="020B0609070205080204" pitchFamily="49" charset="-128"/>
-              </a:rPr>
-              <a:t>]</a:t>
-            </a:r>
-            <a:r>
-              <a:rPr lang="en-US" altLang="ja-JP" sz="2400" dirty="0">
-                <a:solidFill>
-                  <a:srgbClr val="000000"/>
-                </a:solidFill>
-                <a:ea typeface="ＭＳ ゴシック" panose="020B0609070205080204" pitchFamily="49" charset="-128"/>
-              </a:rPr>
-              <a:t>) { min = </a:t>
-            </a:r>
-            <a:r>
-              <a:rPr lang="en-US" altLang="ja-JP" sz="2400" dirty="0" err="1">
-                <a:solidFill>
-                  <a:srgbClr val="000000"/>
-                </a:solidFill>
-                <a:ea typeface="ＭＳ ゴシック" panose="020B0609070205080204" pitchFamily="49" charset="-128"/>
-              </a:rPr>
-              <a:t>vec</a:t>
-            </a:r>
-            <a:r>
-              <a:rPr lang="en-US" altLang="ja-JP" sz="2400" dirty="0">
-                <a:solidFill>
-                  <a:srgbClr val="008080"/>
-                </a:solidFill>
-                <a:ea typeface="ＭＳ ゴシック" panose="020B0609070205080204" pitchFamily="49" charset="-128"/>
-              </a:rPr>
-              <a:t>[</a:t>
-            </a:r>
-            <a:r>
-              <a:rPr lang="en-US" altLang="ja-JP" sz="2400" dirty="0" err="1">
-                <a:solidFill>
-                  <a:srgbClr val="000000"/>
-                </a:solidFill>
-                <a:ea typeface="ＭＳ ゴシック" panose="020B0609070205080204" pitchFamily="49" charset="-128"/>
-              </a:rPr>
-              <a:t>i</a:t>
-            </a:r>
-            <a:r>
-              <a:rPr lang="en-US" altLang="ja-JP" sz="2400" dirty="0">
-                <a:solidFill>
-                  <a:srgbClr val="008080"/>
-                </a:solidFill>
-                <a:ea typeface="ＭＳ ゴシック" panose="020B0609070205080204" pitchFamily="49" charset="-128"/>
-              </a:rPr>
-              <a:t>]</a:t>
-            </a:r>
-            <a:r>
-              <a:rPr lang="en-US" altLang="ja-JP" sz="2400" dirty="0">
-                <a:solidFill>
-                  <a:srgbClr val="000000"/>
-                </a:solidFill>
-                <a:ea typeface="ＭＳ ゴシック" panose="020B0609070205080204" pitchFamily="49" charset="-128"/>
-              </a:rPr>
-              <a:t>; }</a:t>
+              <a:t>; </a:t>
+            </a:r>
+            <a:br>
+              <a:rPr lang="en-US" altLang="ja-JP" sz="2400" dirty="0">
+                <a:solidFill>
+                  <a:srgbClr val="000000"/>
+                </a:solidFill>
+                <a:ea typeface="ＭＳ ゴシック" panose="020B0609070205080204" pitchFamily="49" charset="-128"/>
+              </a:rPr>
+            </a:br>
+            <a:r>
+              <a:rPr lang="en-US" altLang="ja-JP" sz="2400" dirty="0">
+                <a:solidFill>
+                  <a:srgbClr val="000000"/>
+                </a:solidFill>
+                <a:ea typeface="ＭＳ ゴシック" panose="020B0609070205080204" pitchFamily="49" charset="-128"/>
+              </a:rPr>
+              <a:t>        }</a:t>
             </a:r>
           </a:p>
           <a:p>
@@ -10352,13 +10441,46 @@
               <a:t>//</a:t>
             </a:r>
             <a:r>
+              <a:rPr lang="en-US" altLang="ja-JP" sz="2400" dirty="0" err="1">
+                <a:solidFill>
+                  <a:srgbClr val="00B050"/>
+                </a:solidFill>
+              </a:rPr>
+              <a:t>vec</a:t>
+            </a:r>
+            <a:r>
+              <a:rPr lang="en-US" altLang="ja-JP" sz="2400" dirty="0">
+                <a:solidFill>
+                  <a:srgbClr val="00B050"/>
+                </a:solidFill>
+              </a:rPr>
+              <a:t>[0]</a:t>
+            </a:r>
+            <a:r>
               <a:rPr lang="ja-JP" altLang="en-US" sz="2400" dirty="0">
                 <a:solidFill>
                   <a:srgbClr val="00B050"/>
                 </a:solidFill>
                 <a:latin typeface="+mn-ea"/>
               </a:rPr>
-              <a:t>仮の最大値最小値</a:t>
+              <a:t>と</a:t>
+            </a:r>
+            <a:r>
+              <a:rPr lang="en-US" altLang="ja-JP" sz="2400" dirty="0">
+                <a:solidFill>
+                  <a:srgbClr val="00B050"/>
+                </a:solidFill>
+              </a:rPr>
+              <a:t>vec.at(0)</a:t>
+            </a:r>
+            <a:r>
+              <a:rPr lang="ja-JP" altLang="en-US" sz="2400" dirty="0">
+                <a:solidFill>
+                  <a:srgbClr val="00B050"/>
+                </a:solidFill>
+                <a:latin typeface="+mn-ea"/>
+              </a:rPr>
+              <a:t>は同じ動作</a:t>
             </a:r>
           </a:p>
           <a:p>
@@ -11022,8 +11144,8 @@
         </p:nvSpPr>
         <p:spPr>
           <a:xfrm>
-            <a:off x="731196" y="1809344"/>
-            <a:ext cx="10515600" cy="4474724"/>
+            <a:off x="731195" y="1809344"/>
+            <a:ext cx="10737715" cy="4474724"/>
           </a:xfrm>
           <a:solidFill>
             <a:schemeClr val="bg1"/>
@@ -11163,13 +11285,21 @@
               <a:t>//</a:t>
             </a:r>
             <a:r>
+              <a:rPr lang="en-US" altLang="ja-JP" sz="2400" dirty="0">
+                <a:solidFill>
+                  <a:srgbClr val="00B050"/>
+                </a:solidFill>
+              </a:rPr>
+              <a:t>front()</a:t>
+            </a:r>
+            <a:r>
               <a:rPr lang="ja-JP" altLang="en-US" sz="2400" dirty="0">
                 <a:solidFill>
                   <a:srgbClr val="00B050"/>
                 </a:solidFill>
                 <a:latin typeface="+mn-ea"/>
               </a:rPr>
-              <a:t>仮の最大値最小値</a:t>
+              <a:t>関数は先頭要素を取得可</a:t>
             </a:r>
           </a:p>
           <a:p>
@@ -12045,6 +12175,9 @@
                 <a:solidFill>
                   <a:srgbClr val="000000"/>
                 </a:solidFill>
+                <a:highlight>
+                  <a:srgbClr val="00FFFF"/>
+                </a:highlight>
                 <a:ea typeface="ＭＳ ゴシック" panose="020B0609070205080204" pitchFamily="49" charset="-128"/>
               </a:rPr>
               <a:t>itr</a:t>
@@ -12089,6 +12222,9 @@
                 <a:solidFill>
                   <a:srgbClr val="000000"/>
                 </a:solidFill>
+                <a:highlight>
+                  <a:srgbClr val="00FFFF"/>
+                </a:highlight>
                 <a:ea typeface="ＭＳ ゴシック" panose="020B0609070205080204" pitchFamily="49" charset="-128"/>
               </a:rPr>
               <a:t>itr</a:t>
@@ -12159,6 +12295,9 @@
                 <a:solidFill>
                   <a:srgbClr val="000000"/>
                 </a:solidFill>
+                <a:highlight>
+                  <a:srgbClr val="00FFFF"/>
+                </a:highlight>
                 <a:ea typeface="ＭＳ ゴシック" panose="020B0609070205080204" pitchFamily="49" charset="-128"/>
               </a:rPr>
               <a:t>itr</a:t>
@@ -12191,6 +12330,9 @@
                 <a:solidFill>
                   <a:srgbClr val="000000"/>
                 </a:solidFill>
+                <a:highlight>
+                  <a:srgbClr val="00FFFF"/>
+                </a:highlight>
                 <a:ea typeface="ＭＳ ゴシック" panose="020B0609070205080204" pitchFamily="49" charset="-128"/>
               </a:rPr>
               <a:t>itr</a:t>
@@ -13309,7 +13451,7 @@
         </p:nvSpPr>
         <p:spPr>
           <a:xfrm>
-            <a:off x="6659284" y="1162976"/>
+            <a:off x="6827897" y="649483"/>
             <a:ext cx="4641014" cy="523220"/>
           </a:xfrm>
           <a:prstGeom prst="rect">

--- a/授業資料/演習課題：vector.pptx
+++ b/授業資料/演習課題：vector.pptx
@@ -8846,7 +8846,11 @@
               <a:t>インスタンスを </a:t>
             </a:r>
             <a:r>
-              <a:rPr lang="en-US" altLang="ja-JP" dirty="0" err="1"/>
+              <a:rPr lang="en-US" altLang="ja-JP" dirty="0" err="1">
+                <a:solidFill>
+                  <a:srgbClr val="00B0F0"/>
+                </a:solidFill>
+              </a:rPr>
               <a:t>vec</a:t>
             </a:r>
             <a:r>
@@ -8886,7 +8890,31 @@
             </a:br>
             <a:r>
               <a:rPr lang="ja-JP" altLang="en-US" dirty="0"/>
-              <a:t>これらの数値の中から最大値と最小値をみつけて画面上に表示したい</a:t>
+              <a:t>これらの数値の中から最大値</a:t>
+            </a:r>
+            <a:r>
+              <a:rPr lang="en-US" altLang="ja-JP" dirty="0">
+                <a:solidFill>
+                  <a:srgbClr val="00B0F0"/>
+                </a:solidFill>
+              </a:rPr>
+              <a:t>max</a:t>
+            </a:r>
+            <a:r>
+              <a:rPr lang="ja-JP" altLang="en-US" dirty="0"/>
+              <a:t>と最小値</a:t>
+            </a:r>
+            <a:r>
+              <a:rPr lang="en-US" altLang="ja-JP" dirty="0">
+                <a:solidFill>
+                  <a:srgbClr val="00B0F0"/>
+                </a:solidFill>
+              </a:rPr>
+              <a:t>min</a:t>
+            </a:r>
+            <a:r>
+              <a:rPr lang="ja-JP" altLang="en-US" dirty="0"/>
+              <a:t>をみつけて画面上に表示したい</a:t>
             </a:r>
             <a:endParaRPr lang="en-US" altLang="ja-JP" dirty="0"/>
           </a:p>

--- a/授業資料/演習課題：vector.pptx
+++ b/授業資料/演習課題：vector.pptx
@@ -5253,18 +5253,34 @@
           <a:lstStyle/>
           <a:p>
             <a:r>
-              <a:rPr kumimoji="1" lang="en-US" altLang="ja-JP" sz="2000" dirty="0"/>
+              <a:rPr kumimoji="1" lang="en-US" altLang="ja-JP" sz="2000" dirty="0">
+                <a:solidFill>
+                  <a:srgbClr val="FF0000"/>
+                </a:solidFill>
+              </a:rPr>
               <a:t>0</a:t>
             </a:r>
             <a:r>
-              <a:rPr kumimoji="1" lang="ja-JP" altLang="en-US" sz="2000" dirty="0"/>
+              <a:rPr kumimoji="1" lang="ja-JP" altLang="en-US" sz="2000" dirty="0">
+                <a:solidFill>
+                  <a:srgbClr val="FF0000"/>
+                </a:solidFill>
+              </a:rPr>
               <a:t>ｘ</a:t>
             </a:r>
             <a:r>
-              <a:rPr kumimoji="1" lang="en-US" altLang="ja-JP" sz="2000" dirty="0"/>
+              <a:rPr kumimoji="1" lang="en-US" altLang="ja-JP" sz="2000" dirty="0">
+                <a:solidFill>
+                  <a:srgbClr val="FF0000"/>
+                </a:solidFill>
+              </a:rPr>
               <a:t>01A304</a:t>
             </a:r>
-            <a:endParaRPr kumimoji="1" lang="ja-JP" altLang="en-US" sz="2000" dirty="0"/>
+            <a:endParaRPr kumimoji="1" lang="ja-JP" altLang="en-US" sz="2000" dirty="0">
+              <a:solidFill>
+                <a:srgbClr val="FF0000"/>
+              </a:solidFill>
+            </a:endParaRPr>
           </a:p>
         </p:txBody>
       </p:sp>
@@ -5874,6 +5890,66 @@
           </a:p>
         </p:txBody>
       </p:sp>
+      <p:sp>
+        <p:nvSpPr>
+          <p:cNvPr id="7" name="テキスト ボックス 6">
+            <a:extLst>
+              <a:ext uri="{FF2B5EF4-FFF2-40B4-BE49-F238E27FC236}">
+                <a16:creationId xmlns:a16="http://schemas.microsoft.com/office/drawing/2014/main" id="{A4C156CB-91DE-100C-23E6-7E6266F4D947}"/>
+              </a:ext>
+            </a:extLst>
+          </p:cNvPr>
+          <p:cNvSpPr txBox="1"/>
+          <p:nvPr/>
+        </p:nvSpPr>
+        <p:spPr>
+          <a:xfrm>
+            <a:off x="5920554" y="4180343"/>
+            <a:ext cx="1704313" cy="461665"/>
+          </a:xfrm>
+          <a:prstGeom prst="rect">
+            <a:avLst/>
+          </a:prstGeom>
+          <a:noFill/>
+        </p:spPr>
+        <p:txBody>
+          <a:bodyPr wrap="none" rtlCol="0">
+            <a:spAutoFit/>
+          </a:bodyPr>
+          <a:lstStyle/>
+          <a:p>
+            <a:r>
+              <a:rPr kumimoji="1" lang="en-US" altLang="ja-JP" sz="2400" dirty="0">
+                <a:solidFill>
+                  <a:srgbClr val="FF0000"/>
+                </a:solidFill>
+              </a:rPr>
+              <a:t>0</a:t>
+            </a:r>
+            <a:r>
+              <a:rPr kumimoji="1" lang="ja-JP" altLang="en-US" sz="2400" dirty="0">
+                <a:solidFill>
+                  <a:srgbClr val="FF0000"/>
+                </a:solidFill>
+              </a:rPr>
+              <a:t>ｘ</a:t>
+            </a:r>
+            <a:r>
+              <a:rPr kumimoji="1" lang="en-US" altLang="ja-JP" sz="2400" dirty="0">
+                <a:solidFill>
+                  <a:srgbClr val="FF0000"/>
+                </a:solidFill>
+              </a:rPr>
+              <a:t>01A304</a:t>
+            </a:r>
+            <a:endParaRPr kumimoji="1" lang="ja-JP" altLang="en-US" sz="2400" dirty="0">
+              <a:solidFill>
+                <a:srgbClr val="FF0000"/>
+              </a:solidFill>
+            </a:endParaRPr>
+          </a:p>
+        </p:txBody>
+      </p:sp>
     </p:spTree>
     <p:extLst>
       <p:ext uri="{BB962C8B-B14F-4D97-AF65-F5344CB8AC3E}">
@@ -5973,7 +6049,7 @@
             </a:br>
             <a:r>
               <a:rPr lang="ja-JP" altLang="en-US" dirty="0"/>
-              <a:t>値のコピー渡しを行う際に、巨大な構造体データを引数に使用すると</a:t>
+              <a:t>値のコピー渡しを行う際、巨大な構造体データを引数に使用すると</a:t>
             </a:r>
             <a:r>
               <a:rPr lang="ja-JP" altLang="en-US" dirty="0">
@@ -5995,7 +6071,7 @@
             </a:br>
             <a:r>
               <a:rPr lang="ja-JP" altLang="en-US" dirty="0"/>
-              <a:t>そのため、参照渡しでデータの実体がある</a:t>
+              <a:t>そのため、参照渡しでデータが格納されている</a:t>
             </a:r>
             <a:r>
               <a:rPr lang="ja-JP" altLang="en-US" dirty="0">
@@ -6036,7 +6112,7 @@
             </a:br>
             <a:r>
               <a:rPr lang="ja-JP" altLang="en-US" dirty="0"/>
-              <a:t>禁止されるため、値渡しと同様に使用が可能</a:t>
+              <a:t>禁止されるため、値渡しと等価な使用が可能</a:t>
             </a:r>
             <a:endParaRPr lang="en-US" altLang="ja-JP" dirty="0"/>
           </a:p>
@@ -7631,7 +7707,7 @@
         </p:nvSpPr>
         <p:spPr>
           <a:xfrm>
-            <a:off x="6659284" y="1162976"/>
+            <a:off x="6712786" y="639756"/>
             <a:ext cx="4641014" cy="523220"/>
           </a:xfrm>
           <a:prstGeom prst="rect">
@@ -11368,7 +11444,7 @@
                 </a:solidFill>
                 <a:ea typeface="ＭＳ ゴシック" panose="020B0609070205080204" pitchFamily="49" charset="-128"/>
               </a:rPr>
-              <a:t> itr : vec) {</a:t>
+              <a:t> d : vec) {</a:t>
             </a:r>
           </a:p>
           <a:p>
@@ -11391,25 +11467,7 @@
                 </a:solidFill>
                 <a:ea typeface="ＭＳ ゴシック" panose="020B0609070205080204" pitchFamily="49" charset="-128"/>
               </a:rPr>
-              <a:t> (max &lt; </a:t>
-            </a:r>
-            <a:r>
-              <a:rPr lang="en-US" altLang="ja-JP" sz="2400" dirty="0" err="1">
-                <a:solidFill>
-                  <a:srgbClr val="000000"/>
-                </a:solidFill>
-                <a:ea typeface="ＭＳ ゴシック" panose="020B0609070205080204" pitchFamily="49" charset="-128"/>
-              </a:rPr>
-              <a:t>itr</a:t>
-            </a:r>
-            <a:r>
-              <a:rPr lang="en-US" altLang="ja-JP" sz="2400" dirty="0">
-                <a:solidFill>
-                  <a:srgbClr val="000000"/>
-                </a:solidFill>
-                <a:ea typeface="ＭＳ ゴシック" panose="020B0609070205080204" pitchFamily="49" charset="-128"/>
-              </a:rPr>
-              <a:t>) {</a:t>
+              <a:t> (max &lt; d) {</a:t>
             </a:r>
             <a:r>
               <a:rPr lang="ja-JP" altLang="en-US" sz="2400" dirty="0">
@@ -11435,25 +11493,7 @@
                 </a:solidFill>
                 <a:ea typeface="ＭＳ ゴシック" panose="020B0609070205080204" pitchFamily="49" charset="-128"/>
               </a:rPr>
-              <a:t>            max = </a:t>
-            </a:r>
-            <a:r>
-              <a:rPr lang="en-US" altLang="ja-JP" sz="2400" dirty="0" err="1">
-                <a:solidFill>
-                  <a:srgbClr val="000000"/>
-                </a:solidFill>
-                <a:ea typeface="ＭＳ ゴシック" panose="020B0609070205080204" pitchFamily="49" charset="-128"/>
-              </a:rPr>
-              <a:t>itr</a:t>
-            </a:r>
-            <a:r>
-              <a:rPr lang="en-US" altLang="ja-JP" sz="2400" dirty="0">
-                <a:solidFill>
-                  <a:srgbClr val="000000"/>
-                </a:solidFill>
-                <a:ea typeface="ＭＳ ゴシック" panose="020B0609070205080204" pitchFamily="49" charset="-128"/>
-              </a:rPr>
-              <a:t>;</a:t>
+              <a:t>            max = d;</a:t>
             </a:r>
             <a:r>
               <a:rPr lang="ja-JP" altLang="en-US" sz="2400" dirty="0">
@@ -11514,25 +11554,7 @@
                 </a:solidFill>
                 <a:ea typeface="ＭＳ ゴシック" panose="020B0609070205080204" pitchFamily="49" charset="-128"/>
               </a:rPr>
-              <a:t> (min &gt; </a:t>
-            </a:r>
-            <a:r>
-              <a:rPr lang="en-US" altLang="ja-JP" sz="2400" dirty="0" err="1">
-                <a:solidFill>
-                  <a:srgbClr val="000000"/>
-                </a:solidFill>
-                <a:ea typeface="ＭＳ ゴシック" panose="020B0609070205080204" pitchFamily="49" charset="-128"/>
-              </a:rPr>
-              <a:t>itr</a:t>
-            </a:r>
-            <a:r>
-              <a:rPr lang="en-US" altLang="ja-JP" sz="2400" dirty="0">
-                <a:solidFill>
-                  <a:srgbClr val="000000"/>
-                </a:solidFill>
-                <a:ea typeface="ＭＳ ゴシック" panose="020B0609070205080204" pitchFamily="49" charset="-128"/>
-              </a:rPr>
-              <a:t>) { </a:t>
+              <a:t> (min &gt; d) { </a:t>
             </a:r>
           </a:p>
           <a:p>
@@ -11546,25 +11568,7 @@
                 </a:solidFill>
                 <a:ea typeface="ＭＳ ゴシック" panose="020B0609070205080204" pitchFamily="49" charset="-128"/>
               </a:rPr>
-              <a:t>            min = </a:t>
-            </a:r>
-            <a:r>
-              <a:rPr lang="en-US" altLang="ja-JP" sz="2400" dirty="0" err="1">
-                <a:solidFill>
-                  <a:srgbClr val="000000"/>
-                </a:solidFill>
-                <a:ea typeface="ＭＳ ゴシック" panose="020B0609070205080204" pitchFamily="49" charset="-128"/>
-              </a:rPr>
-              <a:t>itr</a:t>
-            </a:r>
-            <a:r>
-              <a:rPr lang="en-US" altLang="ja-JP" sz="2400" dirty="0">
-                <a:solidFill>
-                  <a:srgbClr val="000000"/>
-                </a:solidFill>
-                <a:ea typeface="ＭＳ ゴシック" panose="020B0609070205080204" pitchFamily="49" charset="-128"/>
-              </a:rPr>
-              <a:t>; </a:t>
+              <a:t>            min = d; </a:t>
             </a:r>
             <a:br>
               <a:rPr lang="en-US" altLang="ja-JP" sz="2400" dirty="0">
@@ -12173,7 +12177,7 @@
                 </a:solidFill>
                 <a:ea typeface="ＭＳ ゴシック" panose="020B0609070205080204" pitchFamily="49" charset="-128"/>
               </a:rPr>
-              <a:t> itr : vec) {</a:t>
+              <a:t> d : vec) {</a:t>
             </a:r>
           </a:p>
           <a:p>
@@ -12199,7 +12203,7 @@
               <a:t> (max &lt; </a:t>
             </a:r>
             <a:r>
-              <a:rPr lang="en-US" altLang="ja-JP" sz="2000" dirty="0" err="1">
+              <a:rPr lang="en-US" altLang="ja-JP" sz="2000" dirty="0">
                 <a:solidFill>
                   <a:srgbClr val="000000"/>
                 </a:solidFill>
@@ -12208,7 +12212,7 @@
                 </a:highlight>
                 <a:ea typeface="ＭＳ ゴシック" panose="020B0609070205080204" pitchFamily="49" charset="-128"/>
               </a:rPr>
-              <a:t>itr</a:t>
+              <a:t>d</a:t>
             </a:r>
             <a:r>
               <a:rPr lang="en-US" altLang="ja-JP" sz="2000" dirty="0">
@@ -12246,7 +12250,7 @@
               <a:t>            max = </a:t>
             </a:r>
             <a:r>
-              <a:rPr lang="en-US" altLang="ja-JP" sz="2000" dirty="0" err="1">
+              <a:rPr lang="en-US" altLang="ja-JP" sz="2000" dirty="0">
                 <a:solidFill>
                   <a:srgbClr val="000000"/>
                 </a:solidFill>
@@ -12255,7 +12259,7 @@
                 </a:highlight>
                 <a:ea typeface="ＭＳ ゴシック" panose="020B0609070205080204" pitchFamily="49" charset="-128"/>
               </a:rPr>
-              <a:t>itr</a:t>
+              <a:t>d</a:t>
             </a:r>
             <a:r>
               <a:rPr lang="en-US" altLang="ja-JP" sz="2000" dirty="0">
@@ -12319,7 +12323,7 @@
               <a:t> (min &gt; </a:t>
             </a:r>
             <a:r>
-              <a:rPr lang="en-US" altLang="ja-JP" sz="2000" dirty="0" err="1">
+              <a:rPr lang="en-US" altLang="ja-JP" sz="2000" dirty="0">
                 <a:solidFill>
                   <a:srgbClr val="000000"/>
                 </a:solidFill>
@@ -12328,7 +12332,7 @@
                 </a:highlight>
                 <a:ea typeface="ＭＳ ゴシック" panose="020B0609070205080204" pitchFamily="49" charset="-128"/>
               </a:rPr>
-              <a:t>itr</a:t>
+              <a:t>d</a:t>
             </a:r>
             <a:r>
               <a:rPr lang="en-US" altLang="ja-JP" sz="2000" dirty="0">
@@ -12354,7 +12358,7 @@
               <a:t>            min = </a:t>
             </a:r>
             <a:r>
-              <a:rPr lang="en-US" altLang="ja-JP" sz="2000" dirty="0" err="1">
+              <a:rPr lang="en-US" altLang="ja-JP" sz="2000" dirty="0">
                 <a:solidFill>
                   <a:srgbClr val="000000"/>
                 </a:solidFill>
@@ -12363,16 +12367,16 @@
                 </a:highlight>
                 <a:ea typeface="ＭＳ ゴシック" panose="020B0609070205080204" pitchFamily="49" charset="-128"/>
               </a:rPr>
-              <a:t>itr</a:t>
-            </a:r>
-            <a:r>
-              <a:rPr lang="en-US" altLang="ja-JP" sz="2000" dirty="0">
-                <a:solidFill>
-                  <a:srgbClr val="000000"/>
-                </a:solidFill>
-                <a:ea typeface="ＭＳ ゴシック" panose="020B0609070205080204" pitchFamily="49" charset="-128"/>
-              </a:rPr>
-              <a:t>; </a:t>
+              <a:t>d</a:t>
+            </a:r>
+            <a:r>
+              <a:rPr lang="en-US" altLang="ja-JP" sz="2000" dirty="0">
+                <a:solidFill>
+                  <a:srgbClr val="000000"/>
+                </a:solidFill>
+                <a:ea typeface="ＭＳ ゴシック" panose="020B0609070205080204" pitchFamily="49" charset="-128"/>
+              </a:rPr>
+              <a:t> </a:t>
             </a:r>
           </a:p>
           <a:p>

--- a/授業資料/演習課題：vector.pptx
+++ b/授業資料/演習課題：vector.pptx
@@ -16,12 +16,14 @@
     <p:sldId id="383" r:id="rId10"/>
     <p:sldId id="384" r:id="rId11"/>
     <p:sldId id="385" r:id="rId12"/>
-    <p:sldId id="386" r:id="rId13"/>
-    <p:sldId id="387" r:id="rId14"/>
-    <p:sldId id="388" r:id="rId15"/>
-    <p:sldId id="395" r:id="rId16"/>
-    <p:sldId id="396" r:id="rId17"/>
-    <p:sldId id="397" r:id="rId18"/>
+    <p:sldId id="398" r:id="rId13"/>
+    <p:sldId id="386" r:id="rId14"/>
+    <p:sldId id="387" r:id="rId15"/>
+    <p:sldId id="388" r:id="rId16"/>
+    <p:sldId id="399" r:id="rId17"/>
+    <p:sldId id="395" r:id="rId18"/>
+    <p:sldId id="396" r:id="rId19"/>
+    <p:sldId id="397" r:id="rId20"/>
   </p:sldIdLst>
   <p:sldSz cx="12192000" cy="6858000"/>
   <p:notesSz cx="6858000" cy="9144000"/>
@@ -259,7 +261,7 @@
           <a:p>
             <a:fld id="{5B96D3F8-CD2E-4A0D-AC38-517181EABB18}" type="datetimeFigureOut">
               <a:rPr kumimoji="1" lang="ja-JP" altLang="en-US" smtClean="0"/>
-              <a:t>2024/10/11</a:t>
+              <a:t>2024/10/15</a:t>
             </a:fld>
             <a:endParaRPr kumimoji="1" lang="ja-JP" altLang="en-US"/>
           </a:p>
@@ -461,7 +463,7 @@
           <a:p>
             <a:fld id="{5B96D3F8-CD2E-4A0D-AC38-517181EABB18}" type="datetimeFigureOut">
               <a:rPr kumimoji="1" lang="ja-JP" altLang="en-US" smtClean="0"/>
-              <a:t>2024/10/11</a:t>
+              <a:t>2024/10/15</a:t>
             </a:fld>
             <a:endParaRPr kumimoji="1" lang="ja-JP" altLang="en-US"/>
           </a:p>
@@ -673,7 +675,7 @@
           <a:p>
             <a:fld id="{5B96D3F8-CD2E-4A0D-AC38-517181EABB18}" type="datetimeFigureOut">
               <a:rPr kumimoji="1" lang="ja-JP" altLang="en-US" smtClean="0"/>
-              <a:t>2024/10/11</a:t>
+              <a:t>2024/10/15</a:t>
             </a:fld>
             <a:endParaRPr kumimoji="1" lang="ja-JP" altLang="en-US"/>
           </a:p>
@@ -875,7 +877,7 @@
           <a:p>
             <a:fld id="{5B96D3F8-CD2E-4A0D-AC38-517181EABB18}" type="datetimeFigureOut">
               <a:rPr kumimoji="1" lang="ja-JP" altLang="en-US" smtClean="0"/>
-              <a:t>2024/10/11</a:t>
+              <a:t>2024/10/15</a:t>
             </a:fld>
             <a:endParaRPr kumimoji="1" lang="ja-JP" altLang="en-US"/>
           </a:p>
@@ -1121,7 +1123,7 @@
           <a:p>
             <a:fld id="{5B96D3F8-CD2E-4A0D-AC38-517181EABB18}" type="datetimeFigureOut">
               <a:rPr kumimoji="1" lang="ja-JP" altLang="en-US" smtClean="0"/>
-              <a:t>2024/10/11</a:t>
+              <a:t>2024/10/15</a:t>
             </a:fld>
             <a:endParaRPr kumimoji="1" lang="ja-JP" altLang="en-US"/>
           </a:p>
@@ -1417,7 +1419,7 @@
           <a:p>
             <a:fld id="{5B96D3F8-CD2E-4A0D-AC38-517181EABB18}" type="datetimeFigureOut">
               <a:rPr kumimoji="1" lang="ja-JP" altLang="en-US" smtClean="0"/>
-              <a:t>2024/10/11</a:t>
+              <a:t>2024/10/15</a:t>
             </a:fld>
             <a:endParaRPr kumimoji="1" lang="ja-JP" altLang="en-US"/>
           </a:p>
@@ -1848,7 +1850,7 @@
           <a:p>
             <a:fld id="{5B96D3F8-CD2E-4A0D-AC38-517181EABB18}" type="datetimeFigureOut">
               <a:rPr kumimoji="1" lang="ja-JP" altLang="en-US" smtClean="0"/>
-              <a:t>2024/10/11</a:t>
+              <a:t>2024/10/15</a:t>
             </a:fld>
             <a:endParaRPr kumimoji="1" lang="ja-JP" altLang="en-US"/>
           </a:p>
@@ -1966,7 +1968,7 @@
           <a:p>
             <a:fld id="{5B96D3F8-CD2E-4A0D-AC38-517181EABB18}" type="datetimeFigureOut">
               <a:rPr kumimoji="1" lang="ja-JP" altLang="en-US" smtClean="0"/>
-              <a:t>2024/10/11</a:t>
+              <a:t>2024/10/15</a:t>
             </a:fld>
             <a:endParaRPr kumimoji="1" lang="ja-JP" altLang="en-US"/>
           </a:p>
@@ -2061,7 +2063,7 @@
           <a:p>
             <a:fld id="{5B96D3F8-CD2E-4A0D-AC38-517181EABB18}" type="datetimeFigureOut">
               <a:rPr kumimoji="1" lang="ja-JP" altLang="en-US" smtClean="0"/>
-              <a:t>2024/10/11</a:t>
+              <a:t>2024/10/15</a:t>
             </a:fld>
             <a:endParaRPr kumimoji="1" lang="ja-JP" altLang="en-US"/>
           </a:p>
@@ -2370,7 +2372,7 @@
           <a:p>
             <a:fld id="{5B96D3F8-CD2E-4A0D-AC38-517181EABB18}" type="datetimeFigureOut">
               <a:rPr kumimoji="1" lang="ja-JP" altLang="en-US" smtClean="0"/>
-              <a:t>2024/10/11</a:t>
+              <a:t>2024/10/15</a:t>
             </a:fld>
             <a:endParaRPr kumimoji="1" lang="ja-JP" altLang="en-US"/>
           </a:p>
@@ -2627,7 +2629,7 @@
           <a:p>
             <a:fld id="{5B96D3F8-CD2E-4A0D-AC38-517181EABB18}" type="datetimeFigureOut">
               <a:rPr kumimoji="1" lang="ja-JP" altLang="en-US" smtClean="0"/>
-              <a:t>2024/10/11</a:t>
+              <a:t>2024/10/15</a:t>
             </a:fld>
             <a:endParaRPr kumimoji="1" lang="ja-JP" altLang="en-US"/>
           </a:p>
@@ -2872,7 +2874,7 @@
           <a:p>
             <a:fld id="{5B96D3F8-CD2E-4A0D-AC38-517181EABB18}" type="datetimeFigureOut">
               <a:rPr kumimoji="1" lang="ja-JP" altLang="en-US" smtClean="0"/>
-              <a:t>2024/10/11</a:t>
+              <a:t>2024/10/15</a:t>
             </a:fld>
             <a:endParaRPr kumimoji="1" lang="ja-JP" altLang="en-US"/>
           </a:p>
@@ -3704,12 +3706,28 @@
           <a:p>
             <a:r>
               <a:rPr lang="ja-JP" altLang="en-US" dirty="0"/>
-              <a:t>関数の参照渡し</a:t>
+              <a:t>関数の</a:t>
+            </a:r>
+            <a:r>
+              <a:rPr lang="ja-JP" altLang="en-US" b="1" dirty="0">
+                <a:solidFill>
+                  <a:srgbClr val="0070C0"/>
+                </a:solidFill>
+              </a:rPr>
+              <a:t>参照渡し</a:t>
             </a:r>
             <a:br>
-              <a:rPr lang="en-US" altLang="ja-JP" dirty="0"/>
+              <a:rPr lang="en-US" altLang="ja-JP" b="1" dirty="0">
+                <a:solidFill>
+                  <a:srgbClr val="0070C0"/>
+                </a:solidFill>
+              </a:rPr>
             </a:br>
-            <a:endParaRPr lang="en-US" altLang="ja-JP" dirty="0"/>
+            <a:endParaRPr lang="en-US" altLang="ja-JP" b="1" dirty="0">
+              <a:solidFill>
+                <a:srgbClr val="0070C0"/>
+              </a:solidFill>
+            </a:endParaRPr>
           </a:p>
         </p:txBody>
       </p:sp>
@@ -4053,7 +4071,15 @@
           <a:p>
             <a:r>
               <a:rPr lang="ja-JP" altLang="en-US" dirty="0"/>
-              <a:t>関数の参照渡し</a:t>
+              <a:t>関数の</a:t>
+            </a:r>
+            <a:r>
+              <a:rPr lang="ja-JP" altLang="en-US" b="1" dirty="0">
+                <a:solidFill>
+                  <a:srgbClr val="0070C0"/>
+                </a:solidFill>
+              </a:rPr>
+              <a:t>参照渡し</a:t>
             </a:r>
             <a:br>
               <a:rPr lang="en-US" altLang="ja-JP" dirty="0"/>
@@ -4150,7 +4176,19 @@
             </a:r>
             <a:r>
               <a:rPr kumimoji="1" lang="en-US" altLang="ja-JP" sz="2400" dirty="0"/>
-              <a:t>	&lt;&lt; “b:” &lt;&lt; b &lt;&lt; </a:t>
+              <a:t>	&lt;&lt; “b:” &lt;&lt; </a:t>
+            </a:r>
+            <a:r>
+              <a:rPr kumimoji="1" lang="en-US" altLang="ja-JP" sz="2400" dirty="0">
+                <a:solidFill>
+                  <a:srgbClr val="00B050"/>
+                </a:solidFill>
+              </a:rPr>
+              <a:t>b</a:t>
+            </a:r>
+            <a:r>
+              <a:rPr kumimoji="1" lang="en-US" altLang="ja-JP" sz="2400" dirty="0"/>
+              <a:t> &lt;&lt; </a:t>
             </a:r>
             <a:r>
               <a:rPr kumimoji="1" lang="en-US" altLang="ja-JP" sz="2400" dirty="0" err="1"/>
@@ -4170,7 +4208,19 @@
           <a:p>
             <a:r>
               <a:rPr kumimoji="1" lang="en-US" altLang="ja-JP" sz="2400" dirty="0"/>
-              <a:t>	b = 1;</a:t>
+              <a:t>	</a:t>
+            </a:r>
+            <a:r>
+              <a:rPr kumimoji="1" lang="en-US" altLang="ja-JP" sz="2400" dirty="0">
+                <a:solidFill>
+                  <a:srgbClr val="00B050"/>
+                </a:solidFill>
+              </a:rPr>
+              <a:t>b</a:t>
+            </a:r>
+            <a:r>
+              <a:rPr kumimoji="1" lang="en-US" altLang="ja-JP" sz="2400" dirty="0"/>
+              <a:t> = 1;</a:t>
             </a:r>
           </a:p>
           <a:p>
@@ -4421,6 +4471,65 @@
               </a:rPr>
               <a:t>＆を付けると参照渡しとなる</a:t>
             </a:r>
+          </a:p>
+        </p:txBody>
+      </p:sp>
+      <p:sp>
+        <p:nvSpPr>
+          <p:cNvPr id="8" name="テキスト ボックス 7">
+            <a:extLst>
+              <a:ext uri="{FF2B5EF4-FFF2-40B4-BE49-F238E27FC236}">
+                <a16:creationId xmlns:a16="http://schemas.microsoft.com/office/drawing/2014/main" id="{D6C72B52-8829-E98C-E8EF-F4E719517584}"/>
+              </a:ext>
+            </a:extLst>
+          </p:cNvPr>
+          <p:cNvSpPr txBox="1"/>
+          <p:nvPr/>
+        </p:nvSpPr>
+        <p:spPr>
+          <a:xfrm>
+            <a:off x="3080617" y="3350174"/>
+            <a:ext cx="4432624" cy="830997"/>
+          </a:xfrm>
+          <a:prstGeom prst="rect">
+            <a:avLst/>
+          </a:prstGeom>
+          <a:noFill/>
+        </p:spPr>
+        <p:txBody>
+          <a:bodyPr wrap="none" rtlCol="0">
+            <a:spAutoFit/>
+          </a:bodyPr>
+          <a:lstStyle/>
+          <a:p>
+            <a:r>
+              <a:rPr kumimoji="1" lang="ja-JP" altLang="en-US" sz="2400" dirty="0">
+                <a:solidFill>
+                  <a:srgbClr val="00B050"/>
+                </a:solidFill>
+              </a:rPr>
+              <a:t>関数の引数に＆を付けるだけで</a:t>
+            </a:r>
+            <a:endParaRPr kumimoji="1" lang="en-US" altLang="ja-JP" sz="2400" dirty="0">
+              <a:solidFill>
+                <a:srgbClr val="00B050"/>
+              </a:solidFill>
+            </a:endParaRPr>
+          </a:p>
+          <a:p>
+            <a:r>
+              <a:rPr kumimoji="1" lang="ja-JP" altLang="en-US" sz="2400" dirty="0">
+                <a:solidFill>
+                  <a:srgbClr val="00B050"/>
+                </a:solidFill>
+              </a:rPr>
+              <a:t>普通の変数のように使用可能</a:t>
+            </a:r>
+            <a:endParaRPr kumimoji="1" lang="en-US" altLang="ja-JP" sz="2400" dirty="0">
+              <a:solidFill>
+                <a:srgbClr val="00B050"/>
+              </a:solidFill>
+            </a:endParaRPr>
           </a:p>
         </p:txBody>
       </p:sp>
@@ -4470,12 +4579,7 @@
             <p:ph type="title"/>
           </p:nvPr>
         </p:nvSpPr>
-        <p:spPr>
-          <a:xfrm>
-            <a:off x="875419" y="370769"/>
-            <a:ext cx="10515600" cy="797850"/>
-          </a:xfrm>
-        </p:spPr>
+        <p:spPr/>
         <p:txBody>
           <a:bodyPr/>
           <a:lstStyle/>
@@ -4517,7 +4621,19 @@
           <a:p>
             <a:r>
               <a:rPr lang="ja-JP" altLang="en-US" dirty="0"/>
-              <a:t>関数の参照渡し</a:t>
+              <a:t>関数の</a:t>
+            </a:r>
+            <a:r>
+              <a:rPr lang="ja-JP" altLang="en-US" dirty="0">
+                <a:solidFill>
+                  <a:srgbClr val="00B050"/>
+                </a:solidFill>
+              </a:rPr>
+              <a:t>ポインタ</a:t>
+            </a:r>
+            <a:r>
+              <a:rPr lang="ja-JP" altLang="en-US" dirty="0"/>
+              <a:t>渡し</a:t>
             </a:r>
             <a:br>
               <a:rPr lang="en-US" altLang="ja-JP" dirty="0"/>
@@ -4541,7 +4657,7 @@
         <p:spPr>
           <a:xfrm>
             <a:off x="923363" y="1964353"/>
-            <a:ext cx="9843249" cy="3785652"/>
+            <a:ext cx="7494495" cy="4893647"/>
           </a:xfrm>
           <a:prstGeom prst="rect">
             <a:avLst/>
@@ -4560,86 +4676,193 @@
           <a:lstStyle/>
           <a:p>
             <a:r>
-              <a:rPr kumimoji="1" lang="en-US" altLang="ja-JP" sz="4000" dirty="0"/>
+              <a:rPr kumimoji="1" lang="en-US" altLang="ja-JP" sz="2400" dirty="0"/>
               <a:t>void </a:t>
             </a:r>
             <a:r>
-              <a:rPr kumimoji="1" lang="en-US" altLang="ja-JP" sz="4000" dirty="0" err="1"/>
+              <a:rPr kumimoji="1" lang="en-US" altLang="ja-JP" sz="2400" dirty="0" err="1"/>
               <a:t>kansu</a:t>
             </a:r>
             <a:r>
-              <a:rPr kumimoji="1" lang="en-US" altLang="ja-JP" sz="4000" dirty="0"/>
+              <a:rPr kumimoji="1" lang="en-US" altLang="ja-JP" sz="2400" dirty="0"/>
               <a:t>(int a, int</a:t>
             </a:r>
             <a:r>
-              <a:rPr kumimoji="1" lang="en-US" altLang="ja-JP" sz="4000" dirty="0">
+              <a:rPr kumimoji="1" lang="en-US" altLang="ja-JP" sz="2400" dirty="0">
                 <a:solidFill>
                   <a:srgbClr val="FF0000"/>
                 </a:solidFill>
               </a:rPr>
+              <a:t>*</a:t>
+            </a:r>
+            <a:r>
+              <a:rPr kumimoji="1" lang="en-US" altLang="ja-JP" sz="2400" dirty="0"/>
+              <a:t> b){</a:t>
+            </a:r>
+          </a:p>
+          <a:p>
+            <a:r>
+              <a:rPr kumimoji="1" lang="en-US" altLang="ja-JP" sz="2400" dirty="0"/>
+              <a:t>	</a:t>
+            </a:r>
+            <a:r>
+              <a:rPr kumimoji="1" lang="en-US" altLang="ja-JP" sz="2400" dirty="0" err="1"/>
+              <a:t>cout</a:t>
+            </a:r>
+            <a:r>
+              <a:rPr kumimoji="1" lang="en-US" altLang="ja-JP" sz="2400" dirty="0"/>
+              <a:t>	&lt;&lt; “a:” &lt;&lt; a &lt;&lt; </a:t>
+            </a:r>
+            <a:r>
+              <a:rPr kumimoji="1" lang="en-US" altLang="ja-JP" sz="2400" dirty="0" err="1"/>
+              <a:t>endl</a:t>
+            </a:r>
+            <a:endParaRPr kumimoji="1" lang="en-US" altLang="ja-JP" sz="2400" dirty="0"/>
+          </a:p>
+          <a:p>
+            <a:r>
+              <a:rPr kumimoji="1" lang="en-US" altLang="ja-JP" sz="2400" dirty="0"/>
+              <a:t>		</a:t>
+            </a:r>
+            <a:r>
+              <a:rPr kumimoji="1" lang="ja-JP" altLang="en-US" sz="2400" dirty="0"/>
+              <a:t>　</a:t>
+            </a:r>
+            <a:r>
+              <a:rPr kumimoji="1" lang="en-US" altLang="ja-JP" sz="2400" dirty="0"/>
+              <a:t>	&lt;&lt; “b:” &lt;&lt; </a:t>
+            </a:r>
+            <a:r>
+              <a:rPr kumimoji="1" lang="en-US" altLang="ja-JP" sz="2400" dirty="0">
+                <a:solidFill>
+                  <a:srgbClr val="FF0000"/>
+                </a:solidFill>
+              </a:rPr>
+              <a:t>*</a:t>
+            </a:r>
+            <a:r>
+              <a:rPr kumimoji="1" lang="en-US" altLang="ja-JP" sz="2400" dirty="0"/>
+              <a:t>b &lt;&lt; </a:t>
+            </a:r>
+            <a:r>
+              <a:rPr kumimoji="1" lang="en-US" altLang="ja-JP" sz="2400" dirty="0" err="1"/>
+              <a:t>endl</a:t>
+            </a:r>
+            <a:r>
+              <a:rPr kumimoji="1" lang="en-US" altLang="ja-JP" sz="2400" dirty="0"/>
+              <a:t>;</a:t>
+            </a:r>
+          </a:p>
+          <a:p>
+            <a:r>
+              <a:rPr kumimoji="1" lang="en-US" altLang="ja-JP" sz="2400" dirty="0"/>
+              <a:t>	a = 0;</a:t>
+            </a:r>
+          </a:p>
+          <a:p>
+            <a:r>
+              <a:rPr kumimoji="1" lang="en-US" altLang="ja-JP" sz="2400" dirty="0"/>
+              <a:t>	</a:t>
+            </a:r>
+            <a:r>
+              <a:rPr kumimoji="1" lang="en-US" altLang="ja-JP" sz="2400" dirty="0">
+                <a:solidFill>
+                  <a:srgbClr val="FF0000"/>
+                </a:solidFill>
+              </a:rPr>
+              <a:t>*</a:t>
+            </a:r>
+            <a:r>
+              <a:rPr kumimoji="1" lang="en-US" altLang="ja-JP" sz="2400" dirty="0"/>
+              <a:t>b = 1;</a:t>
+            </a:r>
+          </a:p>
+          <a:p>
+            <a:r>
+              <a:rPr kumimoji="1" lang="en-US" altLang="ja-JP" sz="2400" dirty="0"/>
+              <a:t>}</a:t>
+            </a:r>
+          </a:p>
+          <a:p>
+            <a:r>
+              <a:rPr kumimoji="1" lang="en-US" altLang="ja-JP" sz="2400" dirty="0"/>
+              <a:t>int main(){</a:t>
+            </a:r>
+          </a:p>
+          <a:p>
+            <a:r>
+              <a:rPr kumimoji="1" lang="en-US" altLang="ja-JP" sz="2400" dirty="0"/>
+              <a:t>	int a = 100, b = 200;</a:t>
+            </a:r>
+          </a:p>
+          <a:p>
+            <a:r>
+              <a:rPr kumimoji="1" lang="en-US" altLang="ja-JP" sz="2400" dirty="0"/>
+              <a:t>	</a:t>
+            </a:r>
+            <a:r>
+              <a:rPr kumimoji="1" lang="en-US" altLang="ja-JP" sz="2400" dirty="0" err="1"/>
+              <a:t>kansu</a:t>
+            </a:r>
+            <a:r>
+              <a:rPr kumimoji="1" lang="en-US" altLang="ja-JP" sz="2400" dirty="0"/>
+              <a:t>(a, </a:t>
+            </a:r>
+            <a:r>
+              <a:rPr kumimoji="1" lang="en-US" altLang="ja-JP" sz="2400" dirty="0">
+                <a:solidFill>
+                  <a:srgbClr val="FF0000"/>
+                </a:solidFill>
+              </a:rPr>
               <a:t>&amp;</a:t>
             </a:r>
             <a:r>
-              <a:rPr kumimoji="1" lang="en-US" altLang="ja-JP" sz="4000" dirty="0"/>
-              <a:t> b){</a:t>
-            </a:r>
-          </a:p>
-          <a:p>
-            <a:r>
-              <a:rPr kumimoji="1" lang="en-US" altLang="ja-JP" sz="4000" dirty="0"/>
+              <a:rPr kumimoji="1" lang="en-US" altLang="ja-JP" sz="2400" dirty="0"/>
+              <a:t>b);</a:t>
+            </a:r>
+          </a:p>
+          <a:p>
+            <a:r>
+              <a:rPr kumimoji="1" lang="en-US" altLang="ja-JP" sz="2400" dirty="0"/>
               <a:t>	</a:t>
             </a:r>
             <a:r>
-              <a:rPr kumimoji="1" lang="en-US" altLang="ja-JP" sz="4000" dirty="0" err="1"/>
+              <a:rPr kumimoji="1" lang="en-US" altLang="ja-JP" sz="2400" dirty="0" err="1"/>
               <a:t>cout</a:t>
             </a:r>
             <a:r>
-              <a:rPr kumimoji="1" lang="en-US" altLang="ja-JP" sz="4000" dirty="0"/>
+              <a:rPr kumimoji="1" lang="en-US" altLang="ja-JP" sz="2400" dirty="0"/>
               <a:t>	&lt;&lt; “a:” &lt;&lt; a &lt;&lt; </a:t>
             </a:r>
             <a:r>
-              <a:rPr kumimoji="1" lang="en-US" altLang="ja-JP" sz="4000" dirty="0" err="1"/>
+              <a:rPr kumimoji="1" lang="en-US" altLang="ja-JP" sz="2400" dirty="0" err="1"/>
               <a:t>endl</a:t>
             </a:r>
-            <a:endParaRPr kumimoji="1" lang="en-US" altLang="ja-JP" sz="4000" dirty="0"/>
-          </a:p>
-          <a:p>
-            <a:r>
-              <a:rPr kumimoji="1" lang="en-US" altLang="ja-JP" sz="4000" dirty="0"/>
-              <a:t>		</a:t>
-            </a:r>
-            <a:r>
-              <a:rPr kumimoji="1" lang="ja-JP" altLang="en-US" sz="4000" dirty="0"/>
-              <a:t>　</a:t>
-            </a:r>
-            <a:r>
-              <a:rPr kumimoji="1" lang="en-US" altLang="ja-JP" sz="4000" dirty="0"/>
-              <a:t>	&lt;&lt; “b:” &lt;&lt; b &lt;&lt; </a:t>
-            </a:r>
-            <a:r>
-              <a:rPr kumimoji="1" lang="en-US" altLang="ja-JP" sz="4000" dirty="0" err="1"/>
+            <a:endParaRPr kumimoji="1" lang="en-US" altLang="ja-JP" sz="2400" dirty="0"/>
+          </a:p>
+          <a:p>
+            <a:r>
+              <a:rPr kumimoji="1" lang="en-US" altLang="ja-JP" sz="2400" dirty="0"/>
+              <a:t>			&lt;&lt; “b:” &lt;&lt; b &lt;&lt; </a:t>
+            </a:r>
+            <a:r>
+              <a:rPr kumimoji="1" lang="en-US" altLang="ja-JP" sz="2400" dirty="0" err="1"/>
               <a:t>endl</a:t>
             </a:r>
             <a:r>
-              <a:rPr kumimoji="1" lang="en-US" altLang="ja-JP" sz="4000" dirty="0"/>
+              <a:rPr kumimoji="1" lang="en-US" altLang="ja-JP" sz="2400" dirty="0"/>
               <a:t>;</a:t>
             </a:r>
           </a:p>
           <a:p>
             <a:r>
-              <a:rPr kumimoji="1" lang="en-US" altLang="ja-JP" sz="4000" dirty="0"/>
-              <a:t>	a = 0;</a:t>
-            </a:r>
-          </a:p>
-          <a:p>
-            <a:r>
-              <a:rPr kumimoji="1" lang="en-US" altLang="ja-JP" sz="4000" dirty="0"/>
-              <a:t>	b = 1;</a:t>
-            </a:r>
-          </a:p>
-          <a:p>
-            <a:r>
-              <a:rPr kumimoji="1" lang="en-US" altLang="ja-JP" sz="4000" dirty="0"/>
+              <a:rPr kumimoji="1" lang="en-US" altLang="ja-JP" sz="2400" dirty="0"/>
+              <a:t>	return 0;</a:t>
+            </a:r>
+          </a:p>
+          <a:p>
+            <a:r>
+              <a:rPr kumimoji="1" lang="en-US" altLang="ja-JP" sz="2400" dirty="0"/>
               <a:t>}</a:t>
             </a:r>
           </a:p>
@@ -4647,10 +4870,10 @@
       </p:sp>
       <p:sp>
         <p:nvSpPr>
-          <p:cNvPr id="7" name="テキスト ボックス 6">
+          <p:cNvPr id="5" name="テキスト ボックス 4">
             <a:extLst>
               <a:ext uri="{FF2B5EF4-FFF2-40B4-BE49-F238E27FC236}">
-                <a16:creationId xmlns:a16="http://schemas.microsoft.com/office/drawing/2014/main" id="{F025C467-2AF4-459C-9A80-489A00C249FC}"/>
+                <a16:creationId xmlns:a16="http://schemas.microsoft.com/office/drawing/2014/main" id="{B96F1ACB-1756-4434-A1B6-FA53F5AA054F}"/>
               </a:ext>
             </a:extLst>
           </p:cNvPr>
@@ -4659,27 +4882,18 @@
         </p:nvSpPr>
         <p:spPr>
           <a:xfrm>
-            <a:off x="2957460" y="3072349"/>
-            <a:ext cx="8823249" cy="1569660"/>
+            <a:off x="8417858" y="1964353"/>
+            <a:ext cx="2031325" cy="2862322"/>
           </a:xfrm>
           <a:prstGeom prst="rect">
             <a:avLst/>
           </a:prstGeom>
-          <a:solidFill>
-            <a:schemeClr val="bg1"/>
-          </a:solidFill>
+          <a:noFill/>
           <a:ln>
             <a:solidFill>
               <a:schemeClr val="tx1"/>
             </a:solidFill>
           </a:ln>
-          <a:effectLst>
-            <a:outerShdw blurRad="50800" dist="38100" dir="2700000" algn="tl" rotWithShape="0">
-              <a:prstClr val="black">
-                <a:alpha val="40000"/>
-              </a:prstClr>
-            </a:outerShdw>
-          </a:effectLst>
         </p:spPr>
         <p:txBody>
           <a:bodyPr wrap="none" rtlCol="0">
@@ -4688,62 +4902,135 @@
           <a:lstStyle/>
           <a:p>
             <a:r>
-              <a:rPr kumimoji="1" lang="ja-JP" altLang="en-US" sz="3200" dirty="0">
+              <a:rPr kumimoji="1" lang="ja-JP" altLang="en-US" sz="3600" dirty="0"/>
+              <a:t>実行結果</a:t>
+            </a:r>
+            <a:endParaRPr kumimoji="1" lang="en-US" altLang="ja-JP" sz="3600" dirty="0"/>
+          </a:p>
+          <a:p>
+            <a:r>
+              <a:rPr kumimoji="1" lang="en-US" altLang="ja-JP" sz="3600" dirty="0"/>
+              <a:t>a:100</a:t>
+            </a:r>
+          </a:p>
+          <a:p>
+            <a:r>
+              <a:rPr kumimoji="1" lang="en-US" altLang="ja-JP" sz="3600" dirty="0"/>
+              <a:t>b:200</a:t>
+            </a:r>
+          </a:p>
+          <a:p>
+            <a:r>
+              <a:rPr kumimoji="1" lang="en-US" altLang="ja-JP" sz="3600" dirty="0"/>
+              <a:t>a:100</a:t>
+            </a:r>
+          </a:p>
+          <a:p>
+            <a:r>
+              <a:rPr kumimoji="1" lang="en-US" altLang="ja-JP" sz="3600" dirty="0">
                 <a:solidFill>
                   <a:srgbClr val="FF0000"/>
                 </a:solidFill>
               </a:rPr>
-              <a:t>＆</a:t>
-            </a:r>
-            <a:r>
-              <a:rPr kumimoji="1" lang="ja-JP" altLang="en-US" sz="3200" dirty="0"/>
-              <a:t>を付けることで、引数となる</a:t>
-            </a:r>
-            <a:r>
-              <a:rPr kumimoji="1" lang="ja-JP" altLang="en-US" sz="3200" dirty="0">
-                <a:solidFill>
-                  <a:srgbClr val="00B0F0"/>
-                </a:solidFill>
-              </a:rPr>
-              <a:t>変数のアドレス</a:t>
-            </a:r>
-            <a:r>
-              <a:rPr kumimoji="1" lang="ja-JP" altLang="en-US" sz="3200" dirty="0"/>
-              <a:t>を</a:t>
-            </a:r>
-            <a:endParaRPr kumimoji="1" lang="en-US" altLang="ja-JP" sz="3200" dirty="0"/>
-          </a:p>
-          <a:p>
-            <a:r>
-              <a:rPr kumimoji="1" lang="ja-JP" altLang="en-US" sz="3200" dirty="0"/>
-              <a:t>関数側で受け取り、その</a:t>
-            </a:r>
-            <a:r>
-              <a:rPr kumimoji="1" lang="ja-JP" altLang="en-US" sz="3200" dirty="0">
-                <a:solidFill>
-                  <a:srgbClr val="00B050"/>
-                </a:solidFill>
-              </a:rPr>
-              <a:t>アドレスに別の変数名を</a:t>
-            </a:r>
-            <a:endParaRPr kumimoji="1" lang="en-US" altLang="ja-JP" sz="3200" dirty="0">
+              <a:t>b:1</a:t>
+            </a:r>
+            <a:endParaRPr kumimoji="1" lang="ja-JP" altLang="en-US" sz="3600" dirty="0">
               <a:solidFill>
-                <a:srgbClr val="00B050"/>
+                <a:srgbClr val="FF0000"/>
               </a:solidFill>
             </a:endParaRPr>
           </a:p>
-          <a:p>
-            <a:r>
-              <a:rPr kumimoji="1" lang="ja-JP" altLang="en-US" sz="3200" dirty="0">
-                <a:solidFill>
-                  <a:srgbClr val="00B050"/>
-                </a:solidFill>
-              </a:rPr>
-              <a:t>割り当て</a:t>
-            </a:r>
-            <a:r>
-              <a:rPr kumimoji="1" lang="ja-JP" altLang="en-US" sz="3200" dirty="0"/>
-              <a:t>て、関数の中で使えるようになる仕組み</a:t>
+        </p:txBody>
+      </p:sp>
+      <p:sp>
+        <p:nvSpPr>
+          <p:cNvPr id="6" name="テキスト ボックス 5">
+            <a:extLst>
+              <a:ext uri="{FF2B5EF4-FFF2-40B4-BE49-F238E27FC236}">
+                <a16:creationId xmlns:a16="http://schemas.microsoft.com/office/drawing/2014/main" id="{E0A38EC8-0942-268F-1D79-247885515A33}"/>
+              </a:ext>
+            </a:extLst>
+          </p:cNvPr>
+          <p:cNvSpPr txBox="1"/>
+          <p:nvPr/>
+        </p:nvSpPr>
+        <p:spPr>
+          <a:xfrm>
+            <a:off x="3064212" y="3206164"/>
+            <a:ext cx="3570208" cy="830997"/>
+          </a:xfrm>
+          <a:prstGeom prst="rect">
+            <a:avLst/>
+          </a:prstGeom>
+          <a:noFill/>
+        </p:spPr>
+        <p:txBody>
+          <a:bodyPr wrap="none" rtlCol="0">
+            <a:spAutoFit/>
+          </a:bodyPr>
+          <a:lstStyle/>
+          <a:p>
+            <a:r>
+              <a:rPr kumimoji="1" lang="ja-JP" altLang="en-US" sz="2400" dirty="0">
+                <a:solidFill>
+                  <a:srgbClr val="FF0000"/>
+                </a:solidFill>
+              </a:rPr>
+              <a:t>ポインタになるので</a:t>
+            </a:r>
+            <a:endParaRPr kumimoji="1" lang="en-US" altLang="ja-JP" sz="2400" dirty="0">
+              <a:solidFill>
+                <a:srgbClr val="FF0000"/>
+              </a:solidFill>
+            </a:endParaRPr>
+          </a:p>
+          <a:p>
+            <a:r>
+              <a:rPr kumimoji="1" lang="ja-JP" altLang="en-US" sz="2400" dirty="0">
+                <a:solidFill>
+                  <a:srgbClr val="FF0000"/>
+                </a:solidFill>
+              </a:rPr>
+              <a:t>間接参照演算子＊が必要</a:t>
+            </a:r>
+          </a:p>
+        </p:txBody>
+      </p:sp>
+      <p:sp>
+        <p:nvSpPr>
+          <p:cNvPr id="7" name="テキスト ボックス 6">
+            <a:extLst>
+              <a:ext uri="{FF2B5EF4-FFF2-40B4-BE49-F238E27FC236}">
+                <a16:creationId xmlns:a16="http://schemas.microsoft.com/office/drawing/2014/main" id="{79D1DDF5-8D13-2F5E-54E2-5E52B3530CF6}"/>
+              </a:ext>
+            </a:extLst>
+          </p:cNvPr>
+          <p:cNvSpPr txBox="1"/>
+          <p:nvPr/>
+        </p:nvSpPr>
+        <p:spPr>
+          <a:xfrm>
+            <a:off x="3873929" y="4892646"/>
+            <a:ext cx="3252814" cy="461665"/>
+          </a:xfrm>
+          <a:prstGeom prst="rect">
+            <a:avLst/>
+          </a:prstGeom>
+          <a:noFill/>
+        </p:spPr>
+        <p:txBody>
+          <a:bodyPr wrap="none" rtlCol="0">
+            <a:spAutoFit/>
+          </a:bodyPr>
+          <a:lstStyle/>
+          <a:p>
+            <a:r>
+              <a:rPr kumimoji="1" lang="ja-JP" altLang="en-US" sz="2400" dirty="0">
+                <a:solidFill>
+                  <a:srgbClr val="FF0000"/>
+                </a:solidFill>
+              </a:rPr>
+              <a:t>関数実行時に＆が必要</a:t>
             </a:r>
           </a:p>
         </p:txBody>
@@ -4751,7 +5038,7 @@
     </p:spTree>
     <p:extLst>
       <p:ext uri="{BB962C8B-B14F-4D97-AF65-F5344CB8AC3E}">
-        <p14:creationId xmlns:p14="http://schemas.microsoft.com/office/powerpoint/2010/main" val="124565918"/>
+        <p14:creationId xmlns:p14="http://schemas.microsoft.com/office/powerpoint/2010/main" val="1700560988"/>
       </p:ext>
     </p:extLst>
   </p:cSld>
@@ -4796,7 +5083,7 @@
         </p:nvSpPr>
         <p:spPr>
           <a:xfrm>
-            <a:off x="838200" y="365126"/>
+            <a:off x="875419" y="370769"/>
             <a:ext cx="10515600" cy="797850"/>
           </a:xfrm>
         </p:spPr>
@@ -4841,11 +5128,356 @@
           <a:p>
             <a:r>
               <a:rPr lang="ja-JP" altLang="en-US" dirty="0"/>
-              <a:t>関数の参照渡し</a:t>
+              <a:t>関数の</a:t>
+            </a:r>
+            <a:r>
+              <a:rPr lang="ja-JP" altLang="en-US" b="1" dirty="0">
+                <a:solidFill>
+                  <a:srgbClr val="0070C0"/>
+                </a:solidFill>
+              </a:rPr>
+              <a:t>参照渡し</a:t>
+            </a:r>
+            <a:r>
+              <a:rPr lang="ja-JP" altLang="en-US" dirty="0"/>
+              <a:t>の仕組み</a:t>
             </a:r>
             <a:br>
               <a:rPr lang="en-US" altLang="ja-JP" dirty="0"/>
             </a:br>
+            <a:endParaRPr lang="en-US" altLang="ja-JP" dirty="0"/>
+          </a:p>
+        </p:txBody>
+      </p:sp>
+      <p:sp>
+        <p:nvSpPr>
+          <p:cNvPr id="4" name="テキスト ボックス 3">
+            <a:extLst>
+              <a:ext uri="{FF2B5EF4-FFF2-40B4-BE49-F238E27FC236}">
+                <a16:creationId xmlns:a16="http://schemas.microsoft.com/office/drawing/2014/main" id="{98DF46B9-D454-495A-B0FD-1E13F2F4843D}"/>
+              </a:ext>
+            </a:extLst>
+          </p:cNvPr>
+          <p:cNvSpPr txBox="1"/>
+          <p:nvPr/>
+        </p:nvSpPr>
+        <p:spPr>
+          <a:xfrm>
+            <a:off x="923363" y="1964353"/>
+            <a:ext cx="9843249" cy="3785652"/>
+          </a:xfrm>
+          <a:prstGeom prst="rect">
+            <a:avLst/>
+          </a:prstGeom>
+          <a:noFill/>
+          <a:ln>
+            <a:solidFill>
+              <a:schemeClr val="tx1"/>
+            </a:solidFill>
+          </a:ln>
+        </p:spPr>
+        <p:txBody>
+          <a:bodyPr wrap="square" rtlCol="0">
+            <a:spAutoFit/>
+          </a:bodyPr>
+          <a:lstStyle/>
+          <a:p>
+            <a:r>
+              <a:rPr kumimoji="1" lang="en-US" altLang="ja-JP" sz="4000" dirty="0"/>
+              <a:t>void </a:t>
+            </a:r>
+            <a:r>
+              <a:rPr kumimoji="1" lang="en-US" altLang="ja-JP" sz="4000" dirty="0" err="1"/>
+              <a:t>kansu</a:t>
+            </a:r>
+            <a:r>
+              <a:rPr kumimoji="1" lang="en-US" altLang="ja-JP" sz="4000" dirty="0"/>
+              <a:t>(int a, int</a:t>
+            </a:r>
+            <a:r>
+              <a:rPr kumimoji="1" lang="en-US" altLang="ja-JP" sz="4000" dirty="0">
+                <a:solidFill>
+                  <a:srgbClr val="FF0000"/>
+                </a:solidFill>
+              </a:rPr>
+              <a:t>&amp;</a:t>
+            </a:r>
+            <a:r>
+              <a:rPr kumimoji="1" lang="en-US" altLang="ja-JP" sz="4000" dirty="0"/>
+              <a:t> b){</a:t>
+            </a:r>
+          </a:p>
+          <a:p>
+            <a:r>
+              <a:rPr kumimoji="1" lang="en-US" altLang="ja-JP" sz="4000" dirty="0"/>
+              <a:t>	</a:t>
+            </a:r>
+            <a:r>
+              <a:rPr kumimoji="1" lang="en-US" altLang="ja-JP" sz="4000" dirty="0" err="1"/>
+              <a:t>cout</a:t>
+            </a:r>
+            <a:r>
+              <a:rPr kumimoji="1" lang="en-US" altLang="ja-JP" sz="4000" dirty="0"/>
+              <a:t>	&lt;&lt; “a:” &lt;&lt; a &lt;&lt; </a:t>
+            </a:r>
+            <a:r>
+              <a:rPr kumimoji="1" lang="en-US" altLang="ja-JP" sz="4000" dirty="0" err="1"/>
+              <a:t>endl</a:t>
+            </a:r>
+            <a:endParaRPr kumimoji="1" lang="en-US" altLang="ja-JP" sz="4000" dirty="0"/>
+          </a:p>
+          <a:p>
+            <a:r>
+              <a:rPr kumimoji="1" lang="en-US" altLang="ja-JP" sz="4000" dirty="0"/>
+              <a:t>		</a:t>
+            </a:r>
+            <a:r>
+              <a:rPr kumimoji="1" lang="ja-JP" altLang="en-US" sz="4000" dirty="0"/>
+              <a:t>　</a:t>
+            </a:r>
+            <a:r>
+              <a:rPr kumimoji="1" lang="en-US" altLang="ja-JP" sz="4000" dirty="0"/>
+              <a:t>	&lt;&lt; “b:” &lt;&lt; b &lt;&lt; </a:t>
+            </a:r>
+            <a:r>
+              <a:rPr kumimoji="1" lang="en-US" altLang="ja-JP" sz="4000" dirty="0" err="1"/>
+              <a:t>endl</a:t>
+            </a:r>
+            <a:r>
+              <a:rPr kumimoji="1" lang="en-US" altLang="ja-JP" sz="4000" dirty="0"/>
+              <a:t>;</a:t>
+            </a:r>
+          </a:p>
+          <a:p>
+            <a:r>
+              <a:rPr kumimoji="1" lang="en-US" altLang="ja-JP" sz="4000" dirty="0"/>
+              <a:t>	a = 0;</a:t>
+            </a:r>
+          </a:p>
+          <a:p>
+            <a:r>
+              <a:rPr kumimoji="1" lang="en-US" altLang="ja-JP" sz="4000" dirty="0"/>
+              <a:t>	b = 1;</a:t>
+            </a:r>
+          </a:p>
+          <a:p>
+            <a:r>
+              <a:rPr kumimoji="1" lang="en-US" altLang="ja-JP" sz="4000" dirty="0"/>
+              <a:t>}</a:t>
+            </a:r>
+          </a:p>
+        </p:txBody>
+      </p:sp>
+      <p:sp>
+        <p:nvSpPr>
+          <p:cNvPr id="7" name="テキスト ボックス 6">
+            <a:extLst>
+              <a:ext uri="{FF2B5EF4-FFF2-40B4-BE49-F238E27FC236}">
+                <a16:creationId xmlns:a16="http://schemas.microsoft.com/office/drawing/2014/main" id="{F025C467-2AF4-459C-9A80-489A00C249FC}"/>
+              </a:ext>
+            </a:extLst>
+          </p:cNvPr>
+          <p:cNvSpPr txBox="1"/>
+          <p:nvPr/>
+        </p:nvSpPr>
+        <p:spPr>
+          <a:xfrm>
+            <a:off x="2957460" y="3072349"/>
+            <a:ext cx="8823249" cy="1569660"/>
+          </a:xfrm>
+          <a:prstGeom prst="rect">
+            <a:avLst/>
+          </a:prstGeom>
+          <a:solidFill>
+            <a:schemeClr val="bg1"/>
+          </a:solidFill>
+          <a:ln>
+            <a:solidFill>
+              <a:schemeClr val="tx1"/>
+            </a:solidFill>
+          </a:ln>
+          <a:effectLst>
+            <a:outerShdw blurRad="50800" dist="38100" dir="2700000" algn="tl" rotWithShape="0">
+              <a:prstClr val="black">
+                <a:alpha val="40000"/>
+              </a:prstClr>
+            </a:outerShdw>
+          </a:effectLst>
+        </p:spPr>
+        <p:txBody>
+          <a:bodyPr wrap="none" rtlCol="0">
+            <a:spAutoFit/>
+          </a:bodyPr>
+          <a:lstStyle/>
+          <a:p>
+            <a:r>
+              <a:rPr kumimoji="1" lang="ja-JP" altLang="en-US" sz="3200" dirty="0">
+                <a:solidFill>
+                  <a:srgbClr val="FF0000"/>
+                </a:solidFill>
+              </a:rPr>
+              <a:t>＆</a:t>
+            </a:r>
+            <a:r>
+              <a:rPr kumimoji="1" lang="ja-JP" altLang="en-US" sz="3200" dirty="0"/>
+              <a:t>を付けることで、引数となる</a:t>
+            </a:r>
+            <a:r>
+              <a:rPr kumimoji="1" lang="ja-JP" altLang="en-US" sz="3200" dirty="0">
+                <a:solidFill>
+                  <a:srgbClr val="00B0F0"/>
+                </a:solidFill>
+              </a:rPr>
+              <a:t>変数のアドレス</a:t>
+            </a:r>
+            <a:r>
+              <a:rPr kumimoji="1" lang="ja-JP" altLang="en-US" sz="3200" dirty="0"/>
+              <a:t>を</a:t>
+            </a:r>
+            <a:endParaRPr kumimoji="1" lang="en-US" altLang="ja-JP" sz="3200" dirty="0"/>
+          </a:p>
+          <a:p>
+            <a:r>
+              <a:rPr kumimoji="1" lang="ja-JP" altLang="en-US" sz="3200" dirty="0"/>
+              <a:t>関数側で受け取り、その</a:t>
+            </a:r>
+            <a:r>
+              <a:rPr kumimoji="1" lang="ja-JP" altLang="en-US" sz="3200" dirty="0">
+                <a:solidFill>
+                  <a:srgbClr val="00B050"/>
+                </a:solidFill>
+              </a:rPr>
+              <a:t>アドレスに別の変数名を</a:t>
+            </a:r>
+            <a:endParaRPr kumimoji="1" lang="en-US" altLang="ja-JP" sz="3200" dirty="0">
+              <a:solidFill>
+                <a:srgbClr val="00B050"/>
+              </a:solidFill>
+            </a:endParaRPr>
+          </a:p>
+          <a:p>
+            <a:r>
+              <a:rPr kumimoji="1" lang="ja-JP" altLang="en-US" sz="3200" dirty="0">
+                <a:solidFill>
+                  <a:srgbClr val="00B050"/>
+                </a:solidFill>
+              </a:rPr>
+              <a:t>割り当て</a:t>
+            </a:r>
+            <a:r>
+              <a:rPr kumimoji="1" lang="ja-JP" altLang="en-US" sz="3200" dirty="0"/>
+              <a:t>て、関数の中で使えるようになる仕組み</a:t>
+            </a:r>
+          </a:p>
+        </p:txBody>
+      </p:sp>
+    </p:spTree>
+    <p:extLst>
+      <p:ext uri="{BB962C8B-B14F-4D97-AF65-F5344CB8AC3E}">
+        <p14:creationId xmlns:p14="http://schemas.microsoft.com/office/powerpoint/2010/main" val="124565918"/>
+      </p:ext>
+    </p:extLst>
+  </p:cSld>
+  <p:clrMapOvr>
+    <a:masterClrMapping/>
+  </p:clrMapOvr>
+</p:sld>
+</file>
+
+<file path=ppt/slides/slide14.xml><?xml version="1.0" encoding="utf-8"?>
+<p:sld xmlns:a="http://schemas.openxmlformats.org/drawingml/2006/main" xmlns:r="http://schemas.openxmlformats.org/officeDocument/2006/relationships" xmlns:p="http://schemas.openxmlformats.org/presentationml/2006/main">
+  <p:cSld>
+    <p:spTree>
+      <p:nvGrpSpPr>
+        <p:cNvPr id="1" name=""/>
+        <p:cNvGrpSpPr/>
+        <p:nvPr/>
+      </p:nvGrpSpPr>
+      <p:grpSpPr>
+        <a:xfrm>
+          <a:off x="0" y="0"/>
+          <a:ext cx="0" cy="0"/>
+          <a:chOff x="0" y="0"/>
+          <a:chExt cx="0" cy="0"/>
+        </a:xfrm>
+      </p:grpSpPr>
+      <p:sp>
+        <p:nvSpPr>
+          <p:cNvPr id="2" name="タイトル 1">
+            <a:extLst>
+              <a:ext uri="{FF2B5EF4-FFF2-40B4-BE49-F238E27FC236}">
+                <a16:creationId xmlns:a16="http://schemas.microsoft.com/office/drawing/2014/main" id="{9F789731-37C4-49DD-AEE8-78E5514E279E}"/>
+              </a:ext>
+            </a:extLst>
+          </p:cNvPr>
+          <p:cNvSpPr>
+            <a:spLocks noGrp="1"/>
+          </p:cNvSpPr>
+          <p:nvPr>
+            <p:ph type="title"/>
+          </p:nvPr>
+        </p:nvSpPr>
+        <p:spPr>
+          <a:xfrm>
+            <a:off x="838200" y="365126"/>
+            <a:ext cx="10515600" cy="797850"/>
+          </a:xfrm>
+        </p:spPr>
+        <p:txBody>
+          <a:bodyPr/>
+          <a:lstStyle/>
+          <a:p>
+            <a:r>
+              <a:rPr lang="ja-JP" altLang="en-US" dirty="0"/>
+              <a:t>演習：</a:t>
+            </a:r>
+            <a:r>
+              <a:rPr lang="en-US" altLang="ja-JP" dirty="0"/>
+              <a:t>vector</a:t>
+            </a:r>
+            <a:endParaRPr kumimoji="1" lang="ja-JP" altLang="en-US" dirty="0"/>
+          </a:p>
+        </p:txBody>
+      </p:sp>
+      <p:sp>
+        <p:nvSpPr>
+          <p:cNvPr id="3" name="コンテンツ プレースホルダー 2">
+            <a:extLst>
+              <a:ext uri="{FF2B5EF4-FFF2-40B4-BE49-F238E27FC236}">
+                <a16:creationId xmlns:a16="http://schemas.microsoft.com/office/drawing/2014/main" id="{39562F0E-6033-40BD-BCB8-F015661306FD}"/>
+              </a:ext>
+            </a:extLst>
+          </p:cNvPr>
+          <p:cNvSpPr>
+            <a:spLocks noGrp="1"/>
+          </p:cNvSpPr>
+          <p:nvPr>
+            <p:ph idx="1"/>
+          </p:nvPr>
+        </p:nvSpPr>
+        <p:spPr/>
+        <p:txBody>
+          <a:bodyPr>
+            <a:normAutofit/>
+          </a:bodyPr>
+          <a:lstStyle/>
+          <a:p>
+            <a:r>
+              <a:rPr lang="ja-JP" altLang="en-US" dirty="0"/>
+              <a:t>関数の</a:t>
+            </a:r>
+            <a:r>
+              <a:rPr lang="ja-JP" altLang="en-US" b="1" dirty="0">
+                <a:solidFill>
+                  <a:srgbClr val="0070C0"/>
+                </a:solidFill>
+              </a:rPr>
+              <a:t>参照渡し</a:t>
+            </a:r>
+            <a:r>
+              <a:rPr lang="ja-JP" altLang="en-US" dirty="0"/>
+              <a:t>の仕組み</a:t>
+            </a:r>
             <a:endParaRPr lang="en-US" altLang="ja-JP" dirty="0"/>
           </a:p>
         </p:txBody>
@@ -5963,174 +6595,6 @@
 </p:sld>
 </file>
 
-<file path=ppt/slides/slide14.xml><?xml version="1.0" encoding="utf-8"?>
-<p:sld xmlns:a="http://schemas.openxmlformats.org/drawingml/2006/main" xmlns:r="http://schemas.openxmlformats.org/officeDocument/2006/relationships" xmlns:p="http://schemas.openxmlformats.org/presentationml/2006/main">
-  <p:cSld>
-    <p:spTree>
-      <p:nvGrpSpPr>
-        <p:cNvPr id="1" name=""/>
-        <p:cNvGrpSpPr/>
-        <p:nvPr/>
-      </p:nvGrpSpPr>
-      <p:grpSpPr>
-        <a:xfrm>
-          <a:off x="0" y="0"/>
-          <a:ext cx="0" cy="0"/>
-          <a:chOff x="0" y="0"/>
-          <a:chExt cx="0" cy="0"/>
-        </a:xfrm>
-      </p:grpSpPr>
-      <p:sp>
-        <p:nvSpPr>
-          <p:cNvPr id="2" name="タイトル 1">
-            <a:extLst>
-              <a:ext uri="{FF2B5EF4-FFF2-40B4-BE49-F238E27FC236}">
-                <a16:creationId xmlns:a16="http://schemas.microsoft.com/office/drawing/2014/main" id="{9F789731-37C4-49DD-AEE8-78E5514E279E}"/>
-              </a:ext>
-            </a:extLst>
-          </p:cNvPr>
-          <p:cNvSpPr>
-            <a:spLocks noGrp="1"/>
-          </p:cNvSpPr>
-          <p:nvPr>
-            <p:ph type="title"/>
-          </p:nvPr>
-        </p:nvSpPr>
-        <p:spPr/>
-        <p:txBody>
-          <a:bodyPr/>
-          <a:lstStyle/>
-          <a:p>
-            <a:r>
-              <a:rPr lang="ja-JP" altLang="en-US" dirty="0"/>
-              <a:t>演習：</a:t>
-            </a:r>
-            <a:r>
-              <a:rPr lang="en-US" altLang="ja-JP" dirty="0"/>
-              <a:t>vector</a:t>
-            </a:r>
-            <a:endParaRPr kumimoji="1" lang="ja-JP" altLang="en-US" dirty="0"/>
-          </a:p>
-        </p:txBody>
-      </p:sp>
-      <p:sp>
-        <p:nvSpPr>
-          <p:cNvPr id="3" name="コンテンツ プレースホルダー 2">
-            <a:extLst>
-              <a:ext uri="{FF2B5EF4-FFF2-40B4-BE49-F238E27FC236}">
-                <a16:creationId xmlns:a16="http://schemas.microsoft.com/office/drawing/2014/main" id="{39562F0E-6033-40BD-BCB8-F015661306FD}"/>
-              </a:ext>
-            </a:extLst>
-          </p:cNvPr>
-          <p:cNvSpPr>
-            <a:spLocks noGrp="1"/>
-          </p:cNvSpPr>
-          <p:nvPr>
-            <p:ph idx="1"/>
-          </p:nvPr>
-        </p:nvSpPr>
-        <p:spPr/>
-        <p:txBody>
-          <a:bodyPr>
-            <a:normAutofit/>
-          </a:bodyPr>
-          <a:lstStyle/>
-          <a:p>
-            <a:pPr lvl="1"/>
-            <a:r>
-              <a:rPr lang="ja-JP" altLang="en-US" dirty="0"/>
-              <a:t>関数の参照渡しを行う理由</a:t>
-            </a:r>
-            <a:br>
-              <a:rPr lang="en-US" altLang="ja-JP" dirty="0"/>
-            </a:br>
-            <a:br>
-              <a:rPr lang="en-US" altLang="ja-JP" dirty="0"/>
-            </a:br>
-            <a:r>
-              <a:rPr lang="ja-JP" altLang="en-US" dirty="0"/>
-              <a:t>値のコピー渡しを行う際、巨大な構造体データを引数に使用すると</a:t>
-            </a:r>
-            <a:r>
-              <a:rPr lang="ja-JP" altLang="en-US" dirty="0">
-                <a:solidFill>
-                  <a:srgbClr val="FF0000"/>
-                </a:solidFill>
-              </a:rPr>
-              <a:t>データのコピーに時間がかかる</a:t>
-            </a:r>
-            <a:r>
-              <a:rPr lang="en-US" altLang="ja-JP" dirty="0"/>
-              <a:t>…</a:t>
-            </a:r>
-            <a:br>
-              <a:rPr lang="en-US" altLang="ja-JP" dirty="0"/>
-            </a:br>
-            <a:br>
-              <a:rPr lang="en-US" altLang="ja-JP" dirty="0"/>
-            </a:br>
-            <a:r>
-              <a:rPr lang="ja-JP" altLang="en-US" dirty="0"/>
-              <a:t>そのため、参照渡しでデータが格納されている</a:t>
-            </a:r>
-            <a:r>
-              <a:rPr lang="ja-JP" altLang="en-US" dirty="0">
-                <a:solidFill>
-                  <a:srgbClr val="0070C0"/>
-                </a:solidFill>
-              </a:rPr>
-              <a:t>アドレスを指定することでコピーにかかる時間を省略</a:t>
-            </a:r>
-            <a:r>
-              <a:rPr lang="ja-JP" altLang="en-US" dirty="0"/>
-              <a:t>可能</a:t>
-            </a:r>
-            <a:br>
-              <a:rPr lang="en-US" altLang="ja-JP" dirty="0"/>
-            </a:br>
-            <a:br>
-              <a:rPr lang="en-US" altLang="ja-JP" dirty="0"/>
-            </a:br>
-            <a:r>
-              <a:rPr lang="ja-JP" altLang="en-US" dirty="0"/>
-              <a:t>参照渡しの際に、</a:t>
-            </a:r>
-            <a:r>
-              <a:rPr lang="en-US" altLang="ja-JP" dirty="0">
-                <a:solidFill>
-                  <a:srgbClr val="FF0000"/>
-                </a:solidFill>
-              </a:rPr>
-              <a:t>const</a:t>
-            </a:r>
-            <a:r>
-              <a:rPr lang="ja-JP" altLang="en-US" dirty="0"/>
-              <a:t>を付けると関数側で変更が</a:t>
-            </a:r>
-            <a:br>
-              <a:rPr lang="en-US" altLang="ja-JP" dirty="0"/>
-            </a:br>
-            <a:r>
-              <a:rPr lang="ja-JP" altLang="en-US" dirty="0"/>
-              <a:t>禁止されるため、値渡しと等価な使用が可能</a:t>
-            </a:r>
-            <a:endParaRPr lang="en-US" altLang="ja-JP" dirty="0"/>
-          </a:p>
-        </p:txBody>
-      </p:sp>
-    </p:spTree>
-    <p:extLst>
-      <p:ext uri="{BB962C8B-B14F-4D97-AF65-F5344CB8AC3E}">
-        <p14:creationId xmlns:p14="http://schemas.microsoft.com/office/powerpoint/2010/main" val="2744138622"/>
-      </p:ext>
-    </p:extLst>
-  </p:cSld>
-  <p:clrMapOvr>
-    <a:masterClrMapping/>
-  </p:clrMapOvr>
-</p:sld>
-</file>
-
 <file path=ppt/slides/slide15.xml><?xml version="1.0" encoding="utf-8"?>
 <p:sld xmlns:a="http://schemas.openxmlformats.org/drawingml/2006/main" xmlns:r="http://schemas.openxmlformats.org/officeDocument/2006/relationships" xmlns:p="http://schemas.openxmlformats.org/presentationml/2006/main">
   <p:cSld>
@@ -6170,11 +6634,11 @@
           <a:lstStyle/>
           <a:p>
             <a:r>
-              <a:rPr kumimoji="1" lang="ja-JP" altLang="en-US" dirty="0"/>
+              <a:rPr lang="ja-JP" altLang="en-US" dirty="0"/>
               <a:t>演習：</a:t>
             </a:r>
             <a:r>
-              <a:rPr kumimoji="1" lang="en-US" altLang="ja-JP" dirty="0"/>
+              <a:rPr lang="en-US" altLang="ja-JP" dirty="0"/>
               <a:t>vector</a:t>
             </a:r>
             <a:endParaRPr kumimoji="1" lang="ja-JP" altLang="en-US" dirty="0"/>
@@ -6197,919 +6661,118 @@
             <p:ph idx="1"/>
           </p:nvPr>
         </p:nvSpPr>
-        <p:spPr>
-          <a:xfrm>
-            <a:off x="723089" y="1172703"/>
-            <a:ext cx="10515600" cy="2665379"/>
-          </a:xfrm>
-          <a:solidFill>
-            <a:schemeClr val="bg1"/>
-          </a:solidFill>
-          <a:ln>
-            <a:solidFill>
-              <a:schemeClr val="tx1"/>
-            </a:solidFill>
-          </a:ln>
-        </p:spPr>
+        <p:spPr/>
         <p:txBody>
           <a:bodyPr>
-            <a:noAutofit/>
+            <a:normAutofit/>
           </a:bodyPr>
           <a:lstStyle/>
           <a:p>
-            <a:pPr marL="0" indent="0">
-              <a:buNone/>
-            </a:pPr>
-            <a:r>
-              <a:rPr lang="en-US" altLang="ja-JP" sz="2000" dirty="0">
-                <a:solidFill>
-                  <a:srgbClr val="008000"/>
-                </a:solidFill>
-                <a:ea typeface="ＭＳ ゴシック" panose="020B0609070205080204" pitchFamily="49" charset="-128"/>
-              </a:rPr>
-              <a:t>    </a:t>
-            </a:r>
-            <a:r>
-              <a:rPr lang="en-US" altLang="ja-JP" sz="2000" dirty="0">
-                <a:solidFill>
-                  <a:srgbClr val="00B050"/>
-                </a:solidFill>
-                <a:latin typeface="+mn-ea"/>
-              </a:rPr>
-              <a:t>//***  </a:t>
-            </a:r>
-            <a:r>
-              <a:rPr lang="ja-JP" altLang="en-US" sz="2000" dirty="0">
-                <a:solidFill>
-                  <a:srgbClr val="00B050"/>
-                </a:solidFill>
-                <a:latin typeface="+mn-ea"/>
-              </a:rPr>
-              <a:t>範囲</a:t>
-            </a:r>
-            <a:r>
-              <a:rPr lang="en-US" altLang="ja-JP" sz="2000" dirty="0">
-                <a:solidFill>
-                  <a:srgbClr val="00B050"/>
-                </a:solidFill>
-                <a:latin typeface="+mn-ea"/>
-              </a:rPr>
-              <a:t>for</a:t>
-            </a:r>
-            <a:r>
-              <a:rPr lang="ja-JP" altLang="en-US" sz="2000" dirty="0">
-                <a:solidFill>
-                  <a:srgbClr val="00B050"/>
-                </a:solidFill>
-                <a:latin typeface="+mn-ea"/>
-              </a:rPr>
-              <a:t>を使ったループ </a:t>
-            </a:r>
-            <a:r>
-              <a:rPr lang="en-US" altLang="ja-JP" sz="2000" dirty="0">
-                <a:solidFill>
-                  <a:srgbClr val="00B050"/>
-                </a:solidFill>
-                <a:latin typeface="+mn-ea"/>
-              </a:rPr>
-              <a:t>***</a:t>
-            </a:r>
-            <a:endParaRPr lang="ja-JP" altLang="en-US" sz="2000" dirty="0">
-              <a:solidFill>
-                <a:srgbClr val="00B050"/>
-              </a:solidFill>
-              <a:latin typeface="+mn-ea"/>
-            </a:endParaRPr>
-          </a:p>
-          <a:p>
-            <a:pPr marL="0" indent="0">
-              <a:buNone/>
-            </a:pPr>
-            <a:r>
-              <a:rPr lang="en-US" altLang="ja-JP" sz="2000" dirty="0">
-                <a:solidFill>
-                  <a:srgbClr val="000000"/>
-                </a:solidFill>
-                <a:ea typeface="ＭＳ ゴシック" panose="020B0609070205080204" pitchFamily="49" charset="-128"/>
-              </a:rPr>
-              <a:t>    max = min = </a:t>
-            </a:r>
-            <a:r>
-              <a:rPr lang="en-US" altLang="ja-JP" sz="2000" dirty="0" err="1">
-                <a:solidFill>
-                  <a:srgbClr val="000000"/>
-                </a:solidFill>
-                <a:ea typeface="ＭＳ ゴシック" panose="020B0609070205080204" pitchFamily="49" charset="-128"/>
-              </a:rPr>
-              <a:t>vec</a:t>
-            </a:r>
-            <a:r>
-              <a:rPr lang="en-US" altLang="ja-JP" sz="2000" dirty="0">
-                <a:solidFill>
-                  <a:srgbClr val="008080"/>
-                </a:solidFill>
-                <a:ea typeface="ＭＳ ゴシック" panose="020B0609070205080204" pitchFamily="49" charset="-128"/>
-              </a:rPr>
-              <a:t>[</a:t>
-            </a:r>
-            <a:r>
-              <a:rPr lang="en-US" altLang="ja-JP" sz="2000" dirty="0">
-                <a:solidFill>
-                  <a:srgbClr val="000000"/>
-                </a:solidFill>
-                <a:ea typeface="ＭＳ ゴシック" panose="020B0609070205080204" pitchFamily="49" charset="-128"/>
-              </a:rPr>
-              <a:t>0</a:t>
-            </a:r>
-            <a:r>
-              <a:rPr lang="en-US" altLang="ja-JP" sz="2000" dirty="0">
-                <a:solidFill>
-                  <a:srgbClr val="008080"/>
-                </a:solidFill>
-                <a:latin typeface="+mn-ea"/>
-              </a:rPr>
-              <a:t>]</a:t>
-            </a:r>
-            <a:r>
-              <a:rPr lang="en-US" altLang="ja-JP" sz="2000" dirty="0">
-                <a:solidFill>
-                  <a:srgbClr val="000000"/>
-                </a:solidFill>
-                <a:latin typeface="+mn-ea"/>
-              </a:rPr>
-              <a:t>;  </a:t>
-            </a:r>
-            <a:r>
-              <a:rPr lang="en-US" altLang="ja-JP" sz="2000" dirty="0">
-                <a:solidFill>
-                  <a:srgbClr val="00B050"/>
-                </a:solidFill>
-                <a:latin typeface="+mn-ea"/>
-              </a:rPr>
-              <a:t>//</a:t>
-            </a:r>
-            <a:r>
-              <a:rPr lang="ja-JP" altLang="en-US" sz="2000" dirty="0">
-                <a:solidFill>
-                  <a:srgbClr val="00B050"/>
-                </a:solidFill>
-                <a:latin typeface="+mn-ea"/>
-              </a:rPr>
-              <a:t>仮の最大値最小値</a:t>
-            </a:r>
-          </a:p>
-          <a:p>
-            <a:pPr marL="0" indent="0">
-              <a:buNone/>
-            </a:pPr>
-            <a:r>
-              <a:rPr lang="nn-NO" altLang="ja-JP" sz="2000" dirty="0">
-                <a:solidFill>
-                  <a:srgbClr val="0000FF"/>
-                </a:solidFill>
-                <a:ea typeface="ＭＳ ゴシック" panose="020B0609070205080204" pitchFamily="49" charset="-128"/>
-              </a:rPr>
-              <a:t>    for</a:t>
-            </a:r>
-            <a:r>
-              <a:rPr lang="nn-NO" altLang="ja-JP" sz="2000" dirty="0">
-                <a:solidFill>
-                  <a:srgbClr val="000000"/>
-                </a:solidFill>
-                <a:ea typeface="ＭＳ ゴシック" panose="020B0609070205080204" pitchFamily="49" charset="-128"/>
-              </a:rPr>
-              <a:t> (</a:t>
-            </a:r>
-            <a:r>
-              <a:rPr lang="nn-NO" altLang="ja-JP" sz="2000" dirty="0">
-                <a:solidFill>
-                  <a:srgbClr val="0000FF"/>
-                </a:solidFill>
-                <a:ea typeface="ＭＳ ゴシック" panose="020B0609070205080204" pitchFamily="49" charset="-128"/>
-              </a:rPr>
-              <a:t>auto</a:t>
-            </a:r>
-            <a:r>
-              <a:rPr lang="nn-NO" altLang="ja-JP" sz="2000" dirty="0">
-                <a:solidFill>
-                  <a:srgbClr val="000000"/>
-                </a:solidFill>
-                <a:ea typeface="ＭＳ ゴシック" panose="020B0609070205080204" pitchFamily="49" charset="-128"/>
-              </a:rPr>
-              <a:t> itr : vec) {</a:t>
-            </a:r>
-          </a:p>
-          <a:p>
-            <a:pPr marL="0" indent="0">
-              <a:buNone/>
-            </a:pPr>
-            <a:r>
-              <a:rPr lang="en-US" altLang="ja-JP" sz="2000" dirty="0">
-                <a:solidFill>
-                  <a:srgbClr val="0000FF"/>
-                </a:solidFill>
-                <a:ea typeface="ＭＳ ゴシック" panose="020B0609070205080204" pitchFamily="49" charset="-128"/>
-              </a:rPr>
-              <a:t>        </a:t>
-            </a:r>
-            <a:r>
-              <a:rPr lang="en-US" altLang="ja-JP" sz="2800" dirty="0">
+            <a:pPr lvl="1"/>
+            <a:r>
+              <a:rPr lang="ja-JP" altLang="en-US" u="sng" dirty="0"/>
+              <a:t>関数の参照渡しを行う理由</a:t>
+            </a:r>
+            <a:br>
+              <a:rPr lang="en-US" altLang="ja-JP" u="sng" dirty="0"/>
+            </a:br>
+            <a:br>
+              <a:rPr lang="en-US" altLang="ja-JP" dirty="0"/>
+            </a:br>
+            <a:r>
+              <a:rPr lang="ja-JP" altLang="en-US" dirty="0"/>
+              <a:t>値のコピー渡しを行う際、例えば巨大な構造体データを引数に使用すると</a:t>
+            </a:r>
+            <a:r>
+              <a:rPr lang="ja-JP" altLang="en-US" dirty="0">
                 <a:solidFill>
                   <a:srgbClr val="FF0000"/>
                 </a:solidFill>
-                <a:ea typeface="ＭＳ ゴシック" panose="020B0609070205080204" pitchFamily="49" charset="-128"/>
-              </a:rPr>
-              <a:t>compare( max, min, </a:t>
-            </a:r>
-            <a:r>
-              <a:rPr lang="en-US" altLang="ja-JP" sz="2800" dirty="0" err="1">
+              </a:rPr>
+              <a:t>データのコピーに時間がかかる</a:t>
+            </a:r>
+            <a:r>
+              <a:rPr lang="en-US" altLang="ja-JP" dirty="0"/>
+              <a:t>…</a:t>
+            </a:r>
+            <a:br>
+              <a:rPr lang="en-US" altLang="ja-JP" dirty="0"/>
+            </a:br>
+            <a:br>
+              <a:rPr lang="en-US" altLang="ja-JP" dirty="0"/>
+            </a:br>
+            <a:r>
+              <a:rPr lang="ja-JP" altLang="en-US" dirty="0"/>
+              <a:t>そのため、参照渡しでデータが格納されている</a:t>
+            </a:r>
+            <a:r>
+              <a:rPr lang="ja-JP" altLang="en-US" dirty="0">
+                <a:solidFill>
+                  <a:srgbClr val="0070C0"/>
+                </a:solidFill>
+              </a:rPr>
+              <a:t>アドレスを指定することでコピーにかかる時間を省略できる</a:t>
+            </a:r>
+            <a:br>
+              <a:rPr lang="en-US" altLang="ja-JP" dirty="0">
+                <a:solidFill>
+                  <a:srgbClr val="0070C0"/>
+                </a:solidFill>
+              </a:rPr>
+            </a:br>
+            <a:r>
+              <a:rPr lang="ja-JP" altLang="en-US" dirty="0"/>
+              <a:t>（データのあるアドレスだけを伝えて直でアクセス）</a:t>
+            </a:r>
+            <a:br>
+              <a:rPr lang="en-US" altLang="ja-JP" dirty="0"/>
+            </a:br>
+            <a:br>
+              <a:rPr lang="en-US" altLang="ja-JP" dirty="0"/>
+            </a:br>
+            <a:r>
+              <a:rPr lang="en-US" altLang="ja-JP" dirty="0"/>
+              <a:t>※</a:t>
+            </a:r>
+            <a:r>
+              <a:rPr lang="ja-JP" altLang="en-US" dirty="0"/>
+              <a:t>参照渡しの際に、</a:t>
+            </a:r>
+            <a:r>
+              <a:rPr lang="en-US" altLang="ja-JP" dirty="0">
                 <a:solidFill>
                   <a:srgbClr val="FF0000"/>
                 </a:solidFill>
-                <a:ea typeface="ＭＳ ゴシック" panose="020B0609070205080204" pitchFamily="49" charset="-128"/>
-              </a:rPr>
-              <a:t>itr</a:t>
-            </a:r>
-            <a:r>
-              <a:rPr lang="en-US" altLang="ja-JP" sz="2800" dirty="0">
-                <a:solidFill>
-                  <a:srgbClr val="FF0000"/>
-                </a:solidFill>
-                <a:ea typeface="ＭＳ ゴシック" panose="020B0609070205080204" pitchFamily="49" charset="-128"/>
-              </a:rPr>
-              <a:t> );</a:t>
-            </a:r>
-          </a:p>
-          <a:p>
-            <a:pPr marL="0" indent="0">
-              <a:buNone/>
-            </a:pPr>
-            <a:r>
-              <a:rPr lang="en-US" altLang="ja-JP" sz="2000" dirty="0">
-                <a:solidFill>
-                  <a:srgbClr val="000000"/>
-                </a:solidFill>
-                <a:ea typeface="ＭＳ ゴシック" panose="020B0609070205080204" pitchFamily="49" charset="-128"/>
-              </a:rPr>
-              <a:t>    }</a:t>
-            </a:r>
-          </a:p>
-          <a:p>
-            <a:pPr marL="0" indent="0">
-              <a:buNone/>
-            </a:pPr>
-            <a:r>
-              <a:rPr lang="en-US" altLang="ja-JP" sz="2000" dirty="0">
-                <a:solidFill>
-                  <a:srgbClr val="000000"/>
-                </a:solidFill>
-                <a:ea typeface="ＭＳ ゴシック" panose="020B0609070205080204" pitchFamily="49" charset="-128"/>
-              </a:rPr>
-              <a:t>    </a:t>
-            </a:r>
-            <a:r>
-              <a:rPr lang="en-US" altLang="ja-JP" sz="2000" dirty="0" err="1">
-                <a:solidFill>
-                  <a:srgbClr val="000000"/>
-                </a:solidFill>
-                <a:ea typeface="ＭＳ ゴシック" panose="020B0609070205080204" pitchFamily="49" charset="-128"/>
-              </a:rPr>
-              <a:t>cout</a:t>
-            </a:r>
-            <a:r>
-              <a:rPr lang="en-US" altLang="ja-JP" sz="2000" dirty="0">
-                <a:solidFill>
-                  <a:srgbClr val="000000"/>
-                </a:solidFill>
-                <a:ea typeface="ＭＳ ゴシック" panose="020B0609070205080204" pitchFamily="49" charset="-128"/>
-              </a:rPr>
-              <a:t> </a:t>
-            </a:r>
-            <a:r>
-              <a:rPr lang="en-US" altLang="ja-JP" sz="2000" dirty="0">
-                <a:solidFill>
-                  <a:srgbClr val="008080"/>
-                </a:solidFill>
-                <a:ea typeface="ＭＳ ゴシック" panose="020B0609070205080204" pitchFamily="49" charset="-128"/>
-              </a:rPr>
-              <a:t>&lt;&lt;</a:t>
-            </a:r>
-            <a:r>
-              <a:rPr lang="en-US" altLang="ja-JP" sz="2000" dirty="0">
-                <a:solidFill>
-                  <a:srgbClr val="000000"/>
-                </a:solidFill>
-                <a:ea typeface="ＭＳ ゴシック" panose="020B0609070205080204" pitchFamily="49" charset="-128"/>
-              </a:rPr>
-              <a:t> </a:t>
-            </a:r>
-            <a:r>
-              <a:rPr lang="en-US" altLang="ja-JP" sz="2000" dirty="0">
-                <a:solidFill>
-                  <a:srgbClr val="A31515"/>
-                </a:solidFill>
-                <a:ea typeface="ＭＳ ゴシック" panose="020B0609070205080204" pitchFamily="49" charset="-128"/>
-              </a:rPr>
-              <a:t>"</a:t>
-            </a:r>
-            <a:r>
-              <a:rPr lang="ja-JP" altLang="en-US" sz="2000" dirty="0">
-                <a:solidFill>
-                  <a:srgbClr val="A31515"/>
-                </a:solidFill>
-                <a:latin typeface="+mn-ea"/>
-              </a:rPr>
-              <a:t>最大値</a:t>
-            </a:r>
-            <a:r>
-              <a:rPr lang="en-US" altLang="ja-JP" sz="2000" dirty="0">
-                <a:solidFill>
-                  <a:srgbClr val="A31515"/>
-                </a:solidFill>
-                <a:latin typeface="+mn-ea"/>
-              </a:rPr>
-              <a:t>:</a:t>
-            </a:r>
-            <a:r>
-              <a:rPr lang="en-US" altLang="ja-JP" sz="2000" dirty="0">
-                <a:solidFill>
-                  <a:srgbClr val="A31515"/>
-                </a:solidFill>
-                <a:ea typeface="ＭＳ ゴシック" panose="020B0609070205080204" pitchFamily="49" charset="-128"/>
-              </a:rPr>
-              <a:t>"</a:t>
-            </a:r>
-            <a:r>
-              <a:rPr lang="ja-JP" altLang="en-US" sz="2000" dirty="0">
-                <a:solidFill>
-                  <a:srgbClr val="000000"/>
-                </a:solidFill>
-                <a:ea typeface="ＭＳ ゴシック" panose="020B0609070205080204" pitchFamily="49" charset="-128"/>
-              </a:rPr>
-              <a:t> </a:t>
-            </a:r>
-            <a:r>
-              <a:rPr lang="en-US" altLang="ja-JP" sz="2000" dirty="0">
-                <a:solidFill>
-                  <a:srgbClr val="008080"/>
-                </a:solidFill>
-                <a:ea typeface="ＭＳ ゴシック" panose="020B0609070205080204" pitchFamily="49" charset="-128"/>
-              </a:rPr>
-              <a:t>&lt;&lt;</a:t>
-            </a:r>
-            <a:r>
-              <a:rPr lang="ja-JP" altLang="en-US" sz="2000" dirty="0">
-                <a:solidFill>
-                  <a:srgbClr val="000000"/>
-                </a:solidFill>
-                <a:ea typeface="ＭＳ ゴシック" panose="020B0609070205080204" pitchFamily="49" charset="-128"/>
-              </a:rPr>
-              <a:t> </a:t>
-            </a:r>
-            <a:r>
-              <a:rPr lang="en-US" altLang="ja-JP" sz="2000" dirty="0">
-                <a:solidFill>
-                  <a:srgbClr val="000000"/>
-                </a:solidFill>
-                <a:ea typeface="ＭＳ ゴシック" panose="020B0609070205080204" pitchFamily="49" charset="-128"/>
-              </a:rPr>
-              <a:t>max </a:t>
-            </a:r>
-            <a:r>
-              <a:rPr lang="en-US" altLang="ja-JP" sz="2000" dirty="0">
-                <a:solidFill>
-                  <a:srgbClr val="008080"/>
-                </a:solidFill>
-                <a:ea typeface="ＭＳ ゴシック" panose="020B0609070205080204" pitchFamily="49" charset="-128"/>
-              </a:rPr>
-              <a:t>&lt;&lt;</a:t>
-            </a:r>
-            <a:r>
-              <a:rPr lang="en-US" altLang="ja-JP" sz="2000" dirty="0">
-                <a:solidFill>
-                  <a:srgbClr val="000000"/>
-                </a:solidFill>
-                <a:ea typeface="ＭＳ ゴシック" panose="020B0609070205080204" pitchFamily="49" charset="-128"/>
-              </a:rPr>
-              <a:t> </a:t>
-            </a:r>
-            <a:r>
-              <a:rPr lang="en-US" altLang="ja-JP" sz="2000" dirty="0">
-                <a:solidFill>
-                  <a:srgbClr val="A31515"/>
-                </a:solidFill>
-                <a:ea typeface="ＭＳ ゴシック" panose="020B0609070205080204" pitchFamily="49" charset="-128"/>
-              </a:rPr>
-              <a:t>" </a:t>
-            </a:r>
-            <a:r>
-              <a:rPr lang="ja-JP" altLang="en-US" sz="2000" dirty="0">
-                <a:solidFill>
-                  <a:srgbClr val="A31515"/>
-                </a:solidFill>
-                <a:latin typeface="+mn-ea"/>
-              </a:rPr>
-              <a:t>最小値</a:t>
-            </a:r>
-            <a:r>
-              <a:rPr lang="en-US" altLang="ja-JP" sz="2000" dirty="0">
-                <a:solidFill>
-                  <a:srgbClr val="A31515"/>
-                </a:solidFill>
-                <a:latin typeface="+mn-ea"/>
-              </a:rPr>
-              <a:t>:</a:t>
-            </a:r>
-            <a:r>
-              <a:rPr lang="en-US" altLang="ja-JP" sz="2000" dirty="0">
-                <a:solidFill>
-                  <a:srgbClr val="A31515"/>
-                </a:solidFill>
-                <a:ea typeface="ＭＳ ゴシック" panose="020B0609070205080204" pitchFamily="49" charset="-128"/>
-              </a:rPr>
-              <a:t>"</a:t>
-            </a:r>
-            <a:r>
-              <a:rPr lang="ja-JP" altLang="en-US" sz="2000" dirty="0">
-                <a:solidFill>
-                  <a:srgbClr val="000000"/>
-                </a:solidFill>
-                <a:ea typeface="ＭＳ ゴシック" panose="020B0609070205080204" pitchFamily="49" charset="-128"/>
-              </a:rPr>
-              <a:t> </a:t>
-            </a:r>
-            <a:r>
-              <a:rPr lang="en-US" altLang="ja-JP" sz="2000" dirty="0">
-                <a:solidFill>
-                  <a:srgbClr val="008080"/>
-                </a:solidFill>
-                <a:ea typeface="ＭＳ ゴシック" panose="020B0609070205080204" pitchFamily="49" charset="-128"/>
-              </a:rPr>
-              <a:t>&lt;&lt;</a:t>
-            </a:r>
-            <a:r>
-              <a:rPr lang="ja-JP" altLang="en-US" sz="2000" dirty="0">
-                <a:solidFill>
-                  <a:srgbClr val="000000"/>
-                </a:solidFill>
-                <a:ea typeface="ＭＳ ゴシック" panose="020B0609070205080204" pitchFamily="49" charset="-128"/>
-              </a:rPr>
-              <a:t> </a:t>
-            </a:r>
-            <a:r>
-              <a:rPr lang="en-US" altLang="ja-JP" sz="2000" dirty="0">
-                <a:solidFill>
-                  <a:srgbClr val="000000"/>
-                </a:solidFill>
-                <a:ea typeface="ＭＳ ゴシック" panose="020B0609070205080204" pitchFamily="49" charset="-128"/>
-              </a:rPr>
-              <a:t>min </a:t>
-            </a:r>
-            <a:r>
-              <a:rPr lang="en-US" altLang="ja-JP" sz="2000" dirty="0">
-                <a:solidFill>
-                  <a:srgbClr val="008080"/>
-                </a:solidFill>
-                <a:ea typeface="ＭＳ ゴシック" panose="020B0609070205080204" pitchFamily="49" charset="-128"/>
-              </a:rPr>
-              <a:t>&lt;&lt;</a:t>
-            </a:r>
-            <a:r>
-              <a:rPr lang="en-US" altLang="ja-JP" sz="2000" dirty="0">
-                <a:solidFill>
-                  <a:srgbClr val="000000"/>
-                </a:solidFill>
-                <a:ea typeface="ＭＳ ゴシック" panose="020B0609070205080204" pitchFamily="49" charset="-128"/>
-              </a:rPr>
-              <a:t> </a:t>
-            </a:r>
-            <a:r>
-              <a:rPr lang="en-US" altLang="ja-JP" sz="2000" dirty="0" err="1">
-                <a:solidFill>
-                  <a:srgbClr val="000000"/>
-                </a:solidFill>
-                <a:ea typeface="ＭＳ ゴシック" panose="020B0609070205080204" pitchFamily="49" charset="-128"/>
-              </a:rPr>
-              <a:t>endl</a:t>
-            </a:r>
-            <a:r>
-              <a:rPr lang="en-US" altLang="ja-JP" sz="2000" dirty="0">
-                <a:solidFill>
-                  <a:srgbClr val="000000"/>
-                </a:solidFill>
-                <a:ea typeface="ＭＳ ゴシック" panose="020B0609070205080204" pitchFamily="49" charset="-128"/>
-              </a:rPr>
-              <a:t>;</a:t>
-            </a:r>
-            <a:endParaRPr lang="en-US" altLang="ja-JP" sz="2000" dirty="0"/>
-          </a:p>
-        </p:txBody>
-      </p:sp>
-      <p:sp>
-        <p:nvSpPr>
-          <p:cNvPr id="4" name="テキスト ボックス 3">
-            <a:extLst>
-              <a:ext uri="{FF2B5EF4-FFF2-40B4-BE49-F238E27FC236}">
-                <a16:creationId xmlns:a16="http://schemas.microsoft.com/office/drawing/2014/main" id="{36167C58-0781-4BAB-BAA5-8E3EEFBCFF26}"/>
-              </a:ext>
-            </a:extLst>
-          </p:cNvPr>
-          <p:cNvSpPr txBox="1"/>
-          <p:nvPr/>
-        </p:nvSpPr>
-        <p:spPr>
-          <a:xfrm>
-            <a:off x="6659284" y="1162976"/>
-            <a:ext cx="4641014" cy="523220"/>
-          </a:xfrm>
-          <a:prstGeom prst="rect">
-            <a:avLst/>
-          </a:prstGeom>
-          <a:noFill/>
-        </p:spPr>
-        <p:txBody>
-          <a:bodyPr wrap="none" rtlCol="0">
-            <a:spAutoFit/>
-          </a:bodyPr>
-          <a:lstStyle/>
-          <a:p>
-            <a:r>
-              <a:rPr kumimoji="1" lang="en-US" altLang="ja-JP" sz="2800" dirty="0" err="1"/>
-              <a:t>PracVector</a:t>
-            </a:r>
-            <a:r>
-              <a:rPr kumimoji="1" lang="en-US" altLang="ja-JP" sz="2800" dirty="0"/>
-              <a:t>(main.cpp)</a:t>
-            </a:r>
-            <a:endParaRPr kumimoji="1" lang="ja-JP" altLang="en-US" sz="2800" dirty="0"/>
-          </a:p>
-        </p:txBody>
-      </p:sp>
-      <p:sp>
-        <p:nvSpPr>
-          <p:cNvPr id="7" name="コンテンツ プレースホルダー 2">
-            <a:extLst>
-              <a:ext uri="{FF2B5EF4-FFF2-40B4-BE49-F238E27FC236}">
-                <a16:creationId xmlns:a16="http://schemas.microsoft.com/office/drawing/2014/main" id="{A0A91DBA-07A3-8412-C833-6E69F85C1811}"/>
-              </a:ext>
-            </a:extLst>
-          </p:cNvPr>
-          <p:cNvSpPr txBox="1">
-            <a:spLocks/>
-          </p:cNvSpPr>
-          <p:nvPr/>
-        </p:nvSpPr>
-        <p:spPr>
-          <a:xfrm>
-            <a:off x="3299297" y="3129063"/>
-            <a:ext cx="8714362" cy="3524656"/>
-          </a:xfrm>
-          <a:prstGeom prst="rect">
-            <a:avLst/>
-          </a:prstGeom>
-          <a:solidFill>
-            <a:schemeClr val="bg1"/>
-          </a:solidFill>
-          <a:ln>
-            <a:solidFill>
-              <a:schemeClr val="tx1"/>
-            </a:solidFill>
-          </a:ln>
-        </p:spPr>
-        <p:txBody>
-          <a:bodyPr vert="horz" lIns="91440" tIns="45720" rIns="91440" bIns="45720" rtlCol="0">
-            <a:noAutofit/>
-          </a:bodyPr>
-          <a:lstStyle>
-            <a:lvl1pPr marL="228600" indent="-228600" algn="l" defTabSz="914400" rtl="0" eaLnBrk="1" latinLnBrk="0" hangingPunct="1">
-              <a:lnSpc>
-                <a:spcPct val="90000"/>
-              </a:lnSpc>
-              <a:spcBef>
-                <a:spcPts val="1000"/>
-              </a:spcBef>
-              <a:buFont typeface="Arial" panose="020B0604020202020204" pitchFamily="34" charset="0"/>
-              <a:buChar char="•"/>
-              <a:defRPr kumimoji="1" sz="3600" kern="1200">
-                <a:solidFill>
-                  <a:schemeClr val="tx1"/>
-                </a:solidFill>
-                <a:latin typeface="+mn-lt"/>
-                <a:ea typeface="+mn-ea"/>
-                <a:cs typeface="+mn-cs"/>
-              </a:defRPr>
-            </a:lvl1pPr>
-            <a:lvl2pPr marL="685800" indent="-228600" algn="l" defTabSz="914400" rtl="0" eaLnBrk="1" latinLnBrk="0" hangingPunct="1">
-              <a:lnSpc>
-                <a:spcPct val="90000"/>
-              </a:lnSpc>
-              <a:spcBef>
-                <a:spcPts val="500"/>
-              </a:spcBef>
-              <a:buFont typeface="Arial" panose="020B0604020202020204" pitchFamily="34" charset="0"/>
-              <a:buChar char="•"/>
-              <a:defRPr kumimoji="1" sz="3200" kern="1200">
-                <a:solidFill>
-                  <a:schemeClr val="tx1"/>
-                </a:solidFill>
-                <a:latin typeface="+mn-lt"/>
-                <a:ea typeface="+mn-ea"/>
-                <a:cs typeface="+mn-cs"/>
-              </a:defRPr>
-            </a:lvl2pPr>
-            <a:lvl3pPr marL="1143000" indent="-228600" algn="l" defTabSz="914400" rtl="0" eaLnBrk="1" latinLnBrk="0" hangingPunct="1">
-              <a:lnSpc>
-                <a:spcPct val="90000"/>
-              </a:lnSpc>
-              <a:spcBef>
-                <a:spcPts val="500"/>
-              </a:spcBef>
-              <a:buFont typeface="Arial" panose="020B0604020202020204" pitchFamily="34" charset="0"/>
-              <a:buChar char="•"/>
-              <a:defRPr kumimoji="1" sz="2800" kern="1200">
-                <a:solidFill>
-                  <a:schemeClr val="tx1"/>
-                </a:solidFill>
-                <a:latin typeface="+mn-lt"/>
-                <a:ea typeface="+mn-ea"/>
-                <a:cs typeface="+mn-cs"/>
-              </a:defRPr>
-            </a:lvl3pPr>
-            <a:lvl4pPr marL="1600200" indent="-228600" algn="l" defTabSz="914400" rtl="0" eaLnBrk="1" latinLnBrk="0" hangingPunct="1">
-              <a:lnSpc>
-                <a:spcPct val="90000"/>
-              </a:lnSpc>
-              <a:spcBef>
-                <a:spcPts val="500"/>
-              </a:spcBef>
-              <a:buFont typeface="Arial" panose="020B0604020202020204" pitchFamily="34" charset="0"/>
-              <a:buChar char="•"/>
-              <a:defRPr kumimoji="1" sz="2400" kern="1200">
-                <a:solidFill>
-                  <a:schemeClr val="tx1"/>
-                </a:solidFill>
-                <a:latin typeface="+mn-lt"/>
-                <a:ea typeface="+mn-ea"/>
-                <a:cs typeface="+mn-cs"/>
-              </a:defRPr>
-            </a:lvl4pPr>
-            <a:lvl5pPr marL="2057400" indent="-228600" algn="l" defTabSz="914400" rtl="0" eaLnBrk="1" latinLnBrk="0" hangingPunct="1">
-              <a:lnSpc>
-                <a:spcPct val="90000"/>
-              </a:lnSpc>
-              <a:spcBef>
-                <a:spcPts val="500"/>
-              </a:spcBef>
-              <a:buFont typeface="Arial" panose="020B0604020202020204" pitchFamily="34" charset="0"/>
-              <a:buChar char="•"/>
-              <a:defRPr kumimoji="1" sz="2400" kern="1200">
-                <a:solidFill>
-                  <a:schemeClr val="tx1"/>
-                </a:solidFill>
-                <a:latin typeface="+mn-lt"/>
-                <a:ea typeface="+mn-ea"/>
-                <a:cs typeface="+mn-cs"/>
-              </a:defRPr>
-            </a:lvl5pPr>
-            <a:lvl6pPr marL="2514600" indent="-228600" algn="l" defTabSz="914400" rtl="0" eaLnBrk="1" latinLnBrk="0" hangingPunct="1">
-              <a:lnSpc>
-                <a:spcPct val="90000"/>
-              </a:lnSpc>
-              <a:spcBef>
-                <a:spcPts val="500"/>
-              </a:spcBef>
-              <a:buFont typeface="Arial" panose="020B0604020202020204" pitchFamily="34" charset="0"/>
-              <a:buChar char="•"/>
-              <a:defRPr kumimoji="1" sz="1800" kern="1200">
-                <a:solidFill>
-                  <a:schemeClr val="tx1"/>
-                </a:solidFill>
-                <a:latin typeface="+mn-lt"/>
-                <a:ea typeface="+mn-ea"/>
-                <a:cs typeface="+mn-cs"/>
-              </a:defRPr>
-            </a:lvl6pPr>
-            <a:lvl7pPr marL="2971800" indent="-228600" algn="l" defTabSz="914400" rtl="0" eaLnBrk="1" latinLnBrk="0" hangingPunct="1">
-              <a:lnSpc>
-                <a:spcPct val="90000"/>
-              </a:lnSpc>
-              <a:spcBef>
-                <a:spcPts val="500"/>
-              </a:spcBef>
-              <a:buFont typeface="Arial" panose="020B0604020202020204" pitchFamily="34" charset="0"/>
-              <a:buChar char="•"/>
-              <a:defRPr kumimoji="1" sz="1800" kern="1200">
-                <a:solidFill>
-                  <a:schemeClr val="tx1"/>
-                </a:solidFill>
-                <a:latin typeface="+mn-lt"/>
-                <a:ea typeface="+mn-ea"/>
-                <a:cs typeface="+mn-cs"/>
-              </a:defRPr>
-            </a:lvl7pPr>
-            <a:lvl8pPr marL="3429000" indent="-228600" algn="l" defTabSz="914400" rtl="0" eaLnBrk="1" latinLnBrk="0" hangingPunct="1">
-              <a:lnSpc>
-                <a:spcPct val="90000"/>
-              </a:lnSpc>
-              <a:spcBef>
-                <a:spcPts val="500"/>
-              </a:spcBef>
-              <a:buFont typeface="Arial" panose="020B0604020202020204" pitchFamily="34" charset="0"/>
-              <a:buChar char="•"/>
-              <a:defRPr kumimoji="1" sz="1800" kern="1200">
-                <a:solidFill>
-                  <a:schemeClr val="tx1"/>
-                </a:solidFill>
-                <a:latin typeface="+mn-lt"/>
-                <a:ea typeface="+mn-ea"/>
-                <a:cs typeface="+mn-cs"/>
-              </a:defRPr>
-            </a:lvl8pPr>
-            <a:lvl9pPr marL="3886200" indent="-228600" algn="l" defTabSz="914400" rtl="0" eaLnBrk="1" latinLnBrk="0" hangingPunct="1">
-              <a:lnSpc>
-                <a:spcPct val="90000"/>
-              </a:lnSpc>
-              <a:spcBef>
-                <a:spcPts val="500"/>
-              </a:spcBef>
-              <a:buFont typeface="Arial" panose="020B0604020202020204" pitchFamily="34" charset="0"/>
-              <a:buChar char="•"/>
-              <a:defRPr kumimoji="1" sz="1800" kern="1200">
-                <a:solidFill>
-                  <a:schemeClr val="tx1"/>
-                </a:solidFill>
-                <a:latin typeface="+mn-lt"/>
-                <a:ea typeface="+mn-ea"/>
-                <a:cs typeface="+mn-cs"/>
-              </a:defRPr>
-            </a:lvl9pPr>
-          </a:lstStyle>
-          <a:p>
-            <a:pPr marL="0" indent="0">
-              <a:buFont typeface="Arial" panose="020B0604020202020204" pitchFamily="34" charset="0"/>
-              <a:buNone/>
-            </a:pPr>
-            <a:r>
-              <a:rPr lang="en-US" altLang="ja-JP" sz="2400" dirty="0">
-                <a:solidFill>
-                  <a:srgbClr val="FF0000"/>
-                </a:solidFill>
-                <a:ea typeface="ＭＳ ゴシック" panose="020B0609070205080204" pitchFamily="49" charset="-128"/>
-              </a:rPr>
-              <a:t>void compare(int&amp; max, int&amp; min, int data ){</a:t>
-            </a:r>
-          </a:p>
-          <a:p>
-            <a:pPr marL="0" indent="0">
-              <a:buNone/>
-            </a:pPr>
-            <a:r>
-              <a:rPr lang="en-US" altLang="ja-JP" sz="2400" dirty="0">
-                <a:solidFill>
-                  <a:srgbClr val="0000FF"/>
-                </a:solidFill>
-                <a:ea typeface="ＭＳ ゴシック" panose="020B0609070205080204" pitchFamily="49" charset="-128"/>
-              </a:rPr>
-              <a:t>    if</a:t>
-            </a:r>
-            <a:r>
-              <a:rPr lang="en-US" altLang="ja-JP" sz="2400" dirty="0">
-                <a:solidFill>
-                  <a:srgbClr val="000000"/>
-                </a:solidFill>
-                <a:ea typeface="ＭＳ ゴシック" panose="020B0609070205080204" pitchFamily="49" charset="-128"/>
-              </a:rPr>
-              <a:t> (max &lt; data) {</a:t>
-            </a:r>
-            <a:r>
-              <a:rPr lang="ja-JP" altLang="en-US" sz="2400" dirty="0">
-                <a:solidFill>
-                  <a:srgbClr val="000000"/>
-                </a:solidFill>
-                <a:ea typeface="ＭＳ ゴシック" panose="020B0609070205080204" pitchFamily="49" charset="-128"/>
-              </a:rPr>
-              <a:t> </a:t>
+              </a:rPr>
+              <a:t>const</a:t>
+            </a:r>
+            <a:r>
+              <a:rPr lang="ja-JP" altLang="en-US" dirty="0"/>
+              <a:t>を付けると関数側で変更が</a:t>
             </a:r>
             <a:br>
-              <a:rPr lang="en-US" altLang="ja-JP" sz="2400" dirty="0">
-                <a:solidFill>
-                  <a:srgbClr val="000000"/>
-                </a:solidFill>
-                <a:ea typeface="ＭＳ ゴシック" panose="020B0609070205080204" pitchFamily="49" charset="-128"/>
-              </a:rPr>
+              <a:rPr lang="en-US" altLang="ja-JP" dirty="0"/>
             </a:br>
             <a:r>
-              <a:rPr lang="en-US" altLang="ja-JP" sz="2400" dirty="0">
-                <a:solidFill>
-                  <a:srgbClr val="000000"/>
-                </a:solidFill>
-                <a:ea typeface="ＭＳ ゴシック" panose="020B0609070205080204" pitchFamily="49" charset="-128"/>
-              </a:rPr>
-              <a:t>        max = data;</a:t>
-            </a:r>
-            <a:r>
-              <a:rPr lang="ja-JP" altLang="en-US" sz="2400" dirty="0">
-                <a:solidFill>
-                  <a:srgbClr val="000000"/>
-                </a:solidFill>
-                <a:ea typeface="ＭＳ ゴシック" panose="020B0609070205080204" pitchFamily="49" charset="-128"/>
-              </a:rPr>
-              <a:t> </a:t>
-            </a:r>
-            <a:endParaRPr lang="en-US" altLang="ja-JP" sz="2400" dirty="0">
-              <a:solidFill>
-                <a:srgbClr val="000000"/>
-              </a:solidFill>
-              <a:ea typeface="ＭＳ ゴシック" panose="020B0609070205080204" pitchFamily="49" charset="-128"/>
-            </a:endParaRPr>
-          </a:p>
-          <a:p>
-            <a:pPr marL="0" indent="0">
-              <a:buNone/>
-            </a:pPr>
-            <a:r>
-              <a:rPr lang="en-US" altLang="ja-JP" sz="2400" dirty="0">
-                <a:solidFill>
-                  <a:srgbClr val="000000"/>
-                </a:solidFill>
-                <a:ea typeface="ＭＳ ゴシック" panose="020B0609070205080204" pitchFamily="49" charset="-128"/>
-              </a:rPr>
-              <a:t>    }</a:t>
-            </a:r>
-          </a:p>
-          <a:p>
-            <a:pPr marL="0" indent="0">
-              <a:buNone/>
-            </a:pPr>
-            <a:r>
-              <a:rPr lang="en-US" altLang="ja-JP" sz="2400" dirty="0">
-                <a:solidFill>
-                  <a:srgbClr val="0000FF"/>
-                </a:solidFill>
-                <a:ea typeface="ＭＳ ゴシック" panose="020B0609070205080204" pitchFamily="49" charset="-128"/>
-              </a:rPr>
-              <a:t>    if</a:t>
-            </a:r>
-            <a:r>
-              <a:rPr lang="en-US" altLang="ja-JP" sz="2400" dirty="0">
-                <a:solidFill>
-                  <a:srgbClr val="000000"/>
-                </a:solidFill>
-                <a:ea typeface="ＭＳ ゴシック" panose="020B0609070205080204" pitchFamily="49" charset="-128"/>
-              </a:rPr>
-              <a:t> (min &gt; data) { </a:t>
-            </a:r>
-          </a:p>
-          <a:p>
-            <a:pPr marL="0" indent="0">
-              <a:buNone/>
-            </a:pPr>
-            <a:r>
-              <a:rPr lang="en-US" altLang="ja-JP" sz="2400" dirty="0">
-                <a:solidFill>
-                  <a:srgbClr val="000000"/>
-                </a:solidFill>
-                <a:ea typeface="ＭＳ ゴシック" panose="020B0609070205080204" pitchFamily="49" charset="-128"/>
-              </a:rPr>
-              <a:t>        min = data; </a:t>
-            </a:r>
-          </a:p>
-          <a:p>
-            <a:pPr marL="0" indent="0">
-              <a:buNone/>
-            </a:pPr>
-            <a:r>
-              <a:rPr lang="en-US" altLang="ja-JP" sz="2400" dirty="0">
-                <a:solidFill>
-                  <a:srgbClr val="000000"/>
-                </a:solidFill>
-                <a:ea typeface="ＭＳ ゴシック" panose="020B0609070205080204" pitchFamily="49" charset="-128"/>
-              </a:rPr>
-              <a:t>    }</a:t>
-            </a:r>
-          </a:p>
-          <a:p>
-            <a:pPr marL="0" indent="0">
-              <a:buFont typeface="Arial" panose="020B0604020202020204" pitchFamily="34" charset="0"/>
-              <a:buNone/>
-            </a:pPr>
-            <a:r>
-              <a:rPr lang="en-US" altLang="ja-JP" sz="2400" dirty="0">
-                <a:solidFill>
-                  <a:srgbClr val="FF0000"/>
-                </a:solidFill>
-                <a:ea typeface="ＭＳ ゴシック" panose="020B0609070205080204" pitchFamily="49" charset="-128"/>
-              </a:rPr>
-              <a:t>}</a:t>
-            </a:r>
-            <a:endParaRPr lang="en-US" altLang="ja-JP" sz="1800" dirty="0"/>
+              <a:rPr lang="en-US" altLang="ja-JP" dirty="0">
+                <a:solidFill>
+                  <a:schemeClr val="bg1"/>
+                </a:solidFill>
+              </a:rPr>
+              <a:t>※</a:t>
+            </a:r>
+            <a:r>
+              <a:rPr lang="ja-JP" altLang="en-US" dirty="0"/>
+              <a:t>禁止されるため、値渡しと等価な使用が可能</a:t>
+            </a:r>
+            <a:endParaRPr lang="en-US" altLang="ja-JP" dirty="0"/>
           </a:p>
         </p:txBody>
       </p:sp>
     </p:spTree>
     <p:extLst>
       <p:ext uri="{BB962C8B-B14F-4D97-AF65-F5344CB8AC3E}">
-        <p14:creationId xmlns:p14="http://schemas.microsoft.com/office/powerpoint/2010/main" val="703943806"/>
+        <p14:creationId xmlns:p14="http://schemas.microsoft.com/office/powerpoint/2010/main" val="2744138622"/>
       </p:ext>
     </p:extLst>
   </p:cSld>
@@ -7384,7 +7047,7 @@
                 </a:solidFill>
                 <a:ea typeface="ＭＳ ゴシック" panose="020B0609070205080204" pitchFamily="49" charset="-128"/>
               </a:rPr>
-              <a:t> itr : vec) {</a:t>
+              <a:t> d : vec) {</a:t>
             </a:r>
           </a:p>
           <a:p>
@@ -7407,25 +7070,7 @@
                 </a:solidFill>
                 <a:ea typeface="ＭＳ ゴシック" panose="020B0609070205080204" pitchFamily="49" charset="-128"/>
               </a:rPr>
-              <a:t>compare( max, min, </a:t>
-            </a:r>
-            <a:r>
-              <a:rPr lang="en-US" altLang="ja-JP" sz="2800" dirty="0" err="1">
-                <a:solidFill>
-                  <a:srgbClr val="FF0000"/>
-                </a:solidFill>
-                <a:ea typeface="ＭＳ ゴシック" panose="020B0609070205080204" pitchFamily="49" charset="-128"/>
-              </a:rPr>
-              <a:t>itr</a:t>
-            </a:r>
-            <a:r>
-              <a:rPr lang="en-US" altLang="ja-JP" sz="2800" dirty="0">
-                <a:solidFill>
-                  <a:srgbClr val="FF0000"/>
-                </a:solidFill>
-                <a:ea typeface="ＭＳ ゴシック" panose="020B0609070205080204" pitchFamily="49" charset="-128"/>
-              </a:rPr>
-              <a:t> );</a:t>
+              <a:t>compare( max, min, d );</a:t>
             </a:r>
           </a:p>
           <a:p>
@@ -7707,7 +7352,7 @@
         </p:nvSpPr>
         <p:spPr>
           <a:xfrm>
-            <a:off x="6712786" y="639756"/>
+            <a:off x="6827897" y="649483"/>
             <a:ext cx="4641014" cy="523220"/>
           </a:xfrm>
           <a:prstGeom prst="rect">
@@ -7749,8 +7394,8 @@
         </p:nvSpPr>
         <p:spPr>
           <a:xfrm>
-            <a:off x="1556426" y="3946186"/>
-            <a:ext cx="10038944" cy="2230878"/>
+            <a:off x="2149813" y="3129063"/>
+            <a:ext cx="9863846" cy="3524656"/>
           </a:xfrm>
           <a:prstGeom prst="rect">
             <a:avLst/>
@@ -7938,13 +7583,34 @@
               <a:buNone/>
             </a:pPr>
             <a:r>
-              <a:rPr lang="en-US" altLang="ja-JP" sz="2800" dirty="0">
-                <a:solidFill>
-                  <a:srgbClr val="FF0000"/>
-                </a:solidFill>
-                <a:ea typeface="ＭＳ ゴシック" panose="020B0609070205080204" pitchFamily="49" charset="-128"/>
-              </a:rPr>
-              <a:t>void compare(int&amp; max, int&amp; min, int data ){</a:t>
+              <a:rPr lang="en-US" altLang="ja-JP" sz="2400" dirty="0">
+                <a:ea typeface="ＭＳ ゴシック" panose="020B0609070205080204" pitchFamily="49" charset="-128"/>
+              </a:rPr>
+              <a:t>void compare(int</a:t>
+            </a:r>
+            <a:r>
+              <a:rPr lang="en-US" altLang="ja-JP" sz="2400" b="1" dirty="0">
+                <a:ea typeface="ＭＳ ゴシック" panose="020B0609070205080204" pitchFamily="49" charset="-128"/>
+              </a:rPr>
+              <a:t>&amp;</a:t>
+            </a:r>
+            <a:r>
+              <a:rPr lang="en-US" altLang="ja-JP" sz="2400" dirty="0">
+                <a:ea typeface="ＭＳ ゴシック" panose="020B0609070205080204" pitchFamily="49" charset="-128"/>
+              </a:rPr>
+              <a:t> max, int</a:t>
+            </a:r>
+            <a:r>
+              <a:rPr lang="en-US" altLang="ja-JP" sz="2400" b="1" dirty="0">
+                <a:ea typeface="ＭＳ ゴシック" panose="020B0609070205080204" pitchFamily="49" charset="-128"/>
+              </a:rPr>
+              <a:t>&amp;</a:t>
+            </a:r>
+            <a:r>
+              <a:rPr lang="en-US" altLang="ja-JP" sz="2400" dirty="0">
+                <a:ea typeface="ＭＳ ゴシック" panose="020B0609070205080204" pitchFamily="49" charset="-128"/>
+              </a:rPr>
+              <a:t> min, int data ){</a:t>
             </a:r>
           </a:p>
           <a:p>
@@ -7952,22 +7618,128 @@
               <a:buNone/>
             </a:pPr>
             <a:r>
-              <a:rPr lang="en-US" altLang="ja-JP" sz="2800" dirty="0">
+              <a:rPr lang="en-US" altLang="ja-JP" sz="2400" dirty="0">
                 <a:solidFill>
                   <a:srgbClr val="0000FF"/>
                 </a:solidFill>
                 <a:ea typeface="ＭＳ ゴシック" panose="020B0609070205080204" pitchFamily="49" charset="-128"/>
               </a:rPr>
-              <a:t>    </a:t>
-            </a:r>
-            <a:r>
-              <a:rPr lang="en-US" altLang="ja-JP" sz="2800" dirty="0">
-                <a:solidFill>
-                  <a:srgbClr val="000000"/>
-                </a:solidFill>
-                <a:ea typeface="ＭＳ ゴシック" panose="020B0609070205080204" pitchFamily="49" charset="-128"/>
-              </a:rPr>
-              <a:t>max = max &lt; data ? data : max;</a:t>
+              <a:t>    if</a:t>
+            </a:r>
+            <a:r>
+              <a:rPr lang="en-US" altLang="ja-JP" sz="2400" dirty="0">
+                <a:solidFill>
+                  <a:srgbClr val="000000"/>
+                </a:solidFill>
+                <a:ea typeface="ＭＳ ゴシック" panose="020B0609070205080204" pitchFamily="49" charset="-128"/>
+              </a:rPr>
+              <a:t> (max &lt; data) {</a:t>
+            </a:r>
+            <a:r>
+              <a:rPr lang="ja-JP" altLang="en-US" sz="2400" dirty="0">
+                <a:solidFill>
+                  <a:srgbClr val="000000"/>
+                </a:solidFill>
+                <a:ea typeface="ＭＳ ゴシック" panose="020B0609070205080204" pitchFamily="49" charset="-128"/>
+              </a:rPr>
+              <a:t> </a:t>
+            </a:r>
+            <a:br>
+              <a:rPr lang="en-US" altLang="ja-JP" sz="2400" dirty="0">
+                <a:solidFill>
+                  <a:srgbClr val="000000"/>
+                </a:solidFill>
+                <a:ea typeface="ＭＳ ゴシック" panose="020B0609070205080204" pitchFamily="49" charset="-128"/>
+              </a:rPr>
+            </a:br>
+            <a:r>
+              <a:rPr lang="en-US" altLang="ja-JP" sz="2400" dirty="0">
+                <a:solidFill>
+                  <a:srgbClr val="000000"/>
+                </a:solidFill>
+                <a:ea typeface="ＭＳ ゴシック" panose="020B0609070205080204" pitchFamily="49" charset="-128"/>
+              </a:rPr>
+              <a:t>        max = data;</a:t>
+            </a:r>
+            <a:r>
+              <a:rPr lang="ja-JP" altLang="en-US" sz="2400" dirty="0">
+                <a:solidFill>
+                  <a:srgbClr val="000000"/>
+                </a:solidFill>
+                <a:ea typeface="ＭＳ ゴシック" panose="020B0609070205080204" pitchFamily="49" charset="-128"/>
+              </a:rPr>
+              <a:t> </a:t>
+            </a:r>
+            <a:endParaRPr lang="en-US" altLang="ja-JP" sz="2400" dirty="0">
+              <a:solidFill>
+                <a:srgbClr val="000000"/>
+              </a:solidFill>
+              <a:ea typeface="ＭＳ ゴシック" panose="020B0609070205080204" pitchFamily="49" charset="-128"/>
+            </a:endParaRPr>
+          </a:p>
+          <a:p>
+            <a:pPr marL="0" indent="0">
+              <a:buNone/>
+            </a:pPr>
+            <a:r>
+              <a:rPr lang="en-US" altLang="ja-JP" sz="2400" dirty="0">
+                <a:solidFill>
+                  <a:srgbClr val="000000"/>
+                </a:solidFill>
+                <a:ea typeface="ＭＳ ゴシック" panose="020B0609070205080204" pitchFamily="49" charset="-128"/>
+              </a:rPr>
+              <a:t>    }</a:t>
+            </a:r>
+          </a:p>
+          <a:p>
+            <a:pPr marL="0" indent="0">
+              <a:buNone/>
+            </a:pPr>
+            <a:r>
+              <a:rPr lang="en-US" altLang="ja-JP" sz="2400" dirty="0">
+                <a:solidFill>
+                  <a:srgbClr val="0000FF"/>
+                </a:solidFill>
+                <a:ea typeface="ＭＳ ゴシック" panose="020B0609070205080204" pitchFamily="49" charset="-128"/>
+              </a:rPr>
+              <a:t>    if</a:t>
+            </a:r>
+            <a:r>
+              <a:rPr lang="en-US" altLang="ja-JP" sz="2400" dirty="0">
+                <a:solidFill>
+                  <a:srgbClr val="000000"/>
+                </a:solidFill>
+                <a:ea typeface="ＭＳ ゴシック" panose="020B0609070205080204" pitchFamily="49" charset="-128"/>
+              </a:rPr>
+              <a:t> (min &gt; data) { </a:t>
+            </a:r>
+          </a:p>
+          <a:p>
+            <a:pPr marL="0" indent="0">
+              <a:buNone/>
+            </a:pPr>
+            <a:r>
+              <a:rPr lang="en-US" altLang="ja-JP" sz="2400" dirty="0">
+                <a:solidFill>
+                  <a:srgbClr val="000000"/>
+                </a:solidFill>
+                <a:ea typeface="ＭＳ ゴシック" panose="020B0609070205080204" pitchFamily="49" charset="-128"/>
+              </a:rPr>
+              <a:t>        min = data; </a:t>
+            </a:r>
+          </a:p>
+          <a:p>
+            <a:pPr marL="0" indent="0">
+              <a:buNone/>
+            </a:pPr>
+            <a:r>
+              <a:rPr lang="en-US" altLang="ja-JP" sz="2400" dirty="0">
+                <a:solidFill>
+                  <a:srgbClr val="000000"/>
+                </a:solidFill>
+                <a:ea typeface="ＭＳ ゴシック" panose="020B0609070205080204" pitchFamily="49" charset="-128"/>
+              </a:rPr>
+              <a:t>    }</a:t>
             </a:r>
           </a:p>
           <a:p>
@@ -7976,61 +7748,70 @@
               <a:buNone/>
             </a:pPr>
             <a:r>
-              <a:rPr lang="en-US" altLang="ja-JP" sz="2800" dirty="0">
-                <a:solidFill>
-                  <a:srgbClr val="0000FF"/>
-                </a:solidFill>
-                <a:ea typeface="ＭＳ ゴシック" panose="020B0609070205080204" pitchFamily="49" charset="-128"/>
-              </a:rPr>
-              <a:t>    </a:t>
-            </a:r>
-            <a:r>
-              <a:rPr lang="en-US" altLang="ja-JP" sz="2800" dirty="0">
-                <a:solidFill>
-                  <a:srgbClr val="000000"/>
-                </a:solidFill>
-                <a:ea typeface="ＭＳ ゴシック" panose="020B0609070205080204" pitchFamily="49" charset="-128"/>
-              </a:rPr>
-              <a:t>min = min &gt; data ? data : min;</a:t>
-            </a:r>
-          </a:p>
-          <a:p>
-            <a:pPr marL="0" indent="0">
-              <a:buFont typeface="Arial" panose="020B0604020202020204" pitchFamily="34" charset="0"/>
-              <a:buNone/>
-            </a:pPr>
-            <a:r>
-              <a:rPr lang="en-US" altLang="ja-JP" sz="2800" dirty="0">
-                <a:solidFill>
-                  <a:srgbClr val="FF0000"/>
-                </a:solidFill>
-                <a:ea typeface="ＭＳ ゴシック" panose="020B0609070205080204" pitchFamily="49" charset="-128"/>
-              </a:rPr>
-              <a:t>} </a:t>
-            </a:r>
-            <a:r>
-              <a:rPr lang="en-US" altLang="ja-JP" sz="2800" dirty="0">
-                <a:solidFill>
-                  <a:srgbClr val="00B050"/>
-                </a:solidFill>
-                <a:latin typeface="+mn-ea"/>
-              </a:rPr>
-              <a:t>//</a:t>
-            </a:r>
-            <a:r>
-              <a:rPr lang="ja-JP" altLang="en-US" sz="2800" dirty="0">
-                <a:solidFill>
-                  <a:srgbClr val="00B050"/>
-                </a:solidFill>
-                <a:latin typeface="+mn-ea"/>
-              </a:rPr>
-              <a:t>条件演算子を使った書き方</a:t>
-            </a:r>
-            <a:endParaRPr lang="en-US" altLang="ja-JP" sz="2000" dirty="0">
+              <a:rPr lang="en-US" altLang="ja-JP" sz="2400" dirty="0">
+                <a:ea typeface="ＭＳ ゴシック" panose="020B0609070205080204" pitchFamily="49" charset="-128"/>
+              </a:rPr>
+              <a:t>}</a:t>
+            </a:r>
+            <a:endParaRPr lang="en-US" altLang="ja-JP" sz="1800" dirty="0"/>
+          </a:p>
+        </p:txBody>
+      </p:sp>
+      <p:sp>
+        <p:nvSpPr>
+          <p:cNvPr id="5" name="テキスト ボックス 4">
+            <a:extLst>
+              <a:ext uri="{FF2B5EF4-FFF2-40B4-BE49-F238E27FC236}">
+                <a16:creationId xmlns:a16="http://schemas.microsoft.com/office/drawing/2014/main" id="{3BF826CE-751E-AFD4-C573-11566CD1C2F6}"/>
+              </a:ext>
+            </a:extLst>
+          </p:cNvPr>
+          <p:cNvSpPr txBox="1"/>
+          <p:nvPr/>
+        </p:nvSpPr>
+        <p:spPr>
+          <a:xfrm>
+            <a:off x="8531158" y="4203731"/>
+            <a:ext cx="3398687" cy="1077218"/>
+          </a:xfrm>
+          <a:prstGeom prst="rect">
+            <a:avLst/>
+          </a:prstGeom>
+          <a:noFill/>
+        </p:spPr>
+        <p:txBody>
+          <a:bodyPr wrap="none" rtlCol="0">
+            <a:spAutoFit/>
+          </a:bodyPr>
+          <a:lstStyle/>
+          <a:p>
+            <a:r>
+              <a:rPr lang="ja-JP" altLang="en-US" sz="3200" dirty="0">
+                <a:solidFill>
+                  <a:srgbClr val="0070C0"/>
+                </a:solidFill>
+              </a:rPr>
+              <a:t>引数の参照渡しを</a:t>
+            </a:r>
+            <a:br>
+              <a:rPr lang="en-US" altLang="ja-JP" sz="3200" dirty="0">
+                <a:solidFill>
+                  <a:srgbClr val="0070C0"/>
+                </a:solidFill>
+              </a:rPr>
+            </a:br>
+            <a:r>
+              <a:rPr lang="ja-JP" altLang="en-US" sz="3200" dirty="0">
+                <a:solidFill>
+                  <a:srgbClr val="0070C0"/>
+                </a:solidFill>
+              </a:rPr>
+              <a:t>用いた関数</a:t>
+            </a:r>
+            <a:endParaRPr kumimoji="1" lang="ja-JP" altLang="en-US" sz="3200" dirty="0">
               <a:solidFill>
-                <a:srgbClr val="00B050"/>
+                <a:srgbClr val="0070C0"/>
               </a:solidFill>
-              <a:latin typeface="+mn-ea"/>
             </a:endParaRPr>
           </a:p>
         </p:txBody>
@@ -8038,7 +7819,7 @@
     </p:spTree>
     <p:extLst>
       <p:ext uri="{BB962C8B-B14F-4D97-AF65-F5344CB8AC3E}">
-        <p14:creationId xmlns:p14="http://schemas.microsoft.com/office/powerpoint/2010/main" val="3303280114"/>
+        <p14:creationId xmlns:p14="http://schemas.microsoft.com/office/powerpoint/2010/main" val="3079538034"/>
       </p:ext>
     </p:extLst>
   </p:cSld>
@@ -8094,10 +7875,553 @@
               <a:rPr kumimoji="1" lang="en-US" altLang="ja-JP" dirty="0"/>
               <a:t>vector</a:t>
             </a:r>
-            <a:r>
-              <a:rPr kumimoji="1" lang="ja-JP" altLang="en-US" dirty="0"/>
-              <a:t>（おまけ）</a:t>
-            </a:r>
+            <a:endParaRPr kumimoji="1" lang="ja-JP" altLang="en-US" dirty="0"/>
+          </a:p>
+        </p:txBody>
+      </p:sp>
+      <p:sp>
+        <p:nvSpPr>
+          <p:cNvPr id="3" name="コンテンツ プレースホルダー 2">
+            <a:extLst>
+              <a:ext uri="{FF2B5EF4-FFF2-40B4-BE49-F238E27FC236}">
+                <a16:creationId xmlns:a16="http://schemas.microsoft.com/office/drawing/2014/main" id="{39562F0E-6033-40BD-BCB8-F015661306FD}"/>
+              </a:ext>
+            </a:extLst>
+          </p:cNvPr>
+          <p:cNvSpPr>
+            <a:spLocks noGrp="1"/>
+          </p:cNvSpPr>
+          <p:nvPr>
+            <p:ph idx="1"/>
+          </p:nvPr>
+        </p:nvSpPr>
+        <p:spPr>
+          <a:xfrm>
+            <a:off x="723089" y="1172703"/>
+            <a:ext cx="10515600" cy="2665379"/>
+          </a:xfrm>
+          <a:solidFill>
+            <a:schemeClr val="bg1"/>
+          </a:solidFill>
+          <a:ln>
+            <a:solidFill>
+              <a:schemeClr val="tx1"/>
+            </a:solidFill>
+          </a:ln>
+        </p:spPr>
+        <p:txBody>
+          <a:bodyPr>
+            <a:noAutofit/>
+          </a:bodyPr>
+          <a:lstStyle/>
+          <a:p>
+            <a:pPr marL="0" indent="0">
+              <a:buNone/>
+            </a:pPr>
+            <a:r>
+              <a:rPr lang="en-US" altLang="ja-JP" sz="2000" dirty="0">
+                <a:solidFill>
+                  <a:srgbClr val="008000"/>
+                </a:solidFill>
+                <a:ea typeface="ＭＳ ゴシック" panose="020B0609070205080204" pitchFamily="49" charset="-128"/>
+              </a:rPr>
+              <a:t>    </a:t>
+            </a:r>
+            <a:r>
+              <a:rPr lang="en-US" altLang="ja-JP" sz="2000" dirty="0">
+                <a:solidFill>
+                  <a:srgbClr val="00B050"/>
+                </a:solidFill>
+                <a:latin typeface="+mn-ea"/>
+              </a:rPr>
+              <a:t>//***  </a:t>
+            </a:r>
+            <a:r>
+              <a:rPr lang="ja-JP" altLang="en-US" sz="2000" dirty="0">
+                <a:solidFill>
+                  <a:srgbClr val="00B050"/>
+                </a:solidFill>
+                <a:latin typeface="+mn-ea"/>
+              </a:rPr>
+              <a:t>範囲</a:t>
+            </a:r>
+            <a:r>
+              <a:rPr lang="en-US" altLang="ja-JP" sz="2000" dirty="0">
+                <a:solidFill>
+                  <a:srgbClr val="00B050"/>
+                </a:solidFill>
+                <a:latin typeface="+mn-ea"/>
+              </a:rPr>
+              <a:t>for</a:t>
+            </a:r>
+            <a:r>
+              <a:rPr lang="ja-JP" altLang="en-US" sz="2000" dirty="0">
+                <a:solidFill>
+                  <a:srgbClr val="00B050"/>
+                </a:solidFill>
+                <a:latin typeface="+mn-ea"/>
+              </a:rPr>
+              <a:t>を使ったループ </a:t>
+            </a:r>
+            <a:r>
+              <a:rPr lang="en-US" altLang="ja-JP" sz="2000" dirty="0">
+                <a:solidFill>
+                  <a:srgbClr val="00B050"/>
+                </a:solidFill>
+                <a:latin typeface="+mn-ea"/>
+              </a:rPr>
+              <a:t>***</a:t>
+            </a:r>
+            <a:endParaRPr lang="ja-JP" altLang="en-US" sz="2000" dirty="0">
+              <a:solidFill>
+                <a:srgbClr val="00B050"/>
+              </a:solidFill>
+              <a:latin typeface="+mn-ea"/>
+            </a:endParaRPr>
+          </a:p>
+          <a:p>
+            <a:pPr marL="0" indent="0">
+              <a:buNone/>
+            </a:pPr>
+            <a:r>
+              <a:rPr lang="en-US" altLang="ja-JP" sz="2000" dirty="0">
+                <a:solidFill>
+                  <a:srgbClr val="000000"/>
+                </a:solidFill>
+                <a:ea typeface="ＭＳ ゴシック" panose="020B0609070205080204" pitchFamily="49" charset="-128"/>
+              </a:rPr>
+              <a:t>    max = min = </a:t>
+            </a:r>
+            <a:r>
+              <a:rPr lang="en-US" altLang="ja-JP" sz="2000" dirty="0" err="1">
+                <a:solidFill>
+                  <a:srgbClr val="000000"/>
+                </a:solidFill>
+                <a:ea typeface="ＭＳ ゴシック" panose="020B0609070205080204" pitchFamily="49" charset="-128"/>
+              </a:rPr>
+              <a:t>vec</a:t>
+            </a:r>
+            <a:r>
+              <a:rPr lang="en-US" altLang="ja-JP" sz="2000" dirty="0">
+                <a:solidFill>
+                  <a:srgbClr val="008080"/>
+                </a:solidFill>
+                <a:ea typeface="ＭＳ ゴシック" panose="020B0609070205080204" pitchFamily="49" charset="-128"/>
+              </a:rPr>
+              <a:t>[</a:t>
+            </a:r>
+            <a:r>
+              <a:rPr lang="en-US" altLang="ja-JP" sz="2000" dirty="0">
+                <a:solidFill>
+                  <a:srgbClr val="000000"/>
+                </a:solidFill>
+                <a:ea typeface="ＭＳ ゴシック" panose="020B0609070205080204" pitchFamily="49" charset="-128"/>
+              </a:rPr>
+              <a:t>0</a:t>
+            </a:r>
+            <a:r>
+              <a:rPr lang="en-US" altLang="ja-JP" sz="2000" dirty="0">
+                <a:solidFill>
+                  <a:srgbClr val="008080"/>
+                </a:solidFill>
+                <a:latin typeface="+mn-ea"/>
+              </a:rPr>
+              <a:t>]</a:t>
+            </a:r>
+            <a:r>
+              <a:rPr lang="en-US" altLang="ja-JP" sz="2000" dirty="0">
+                <a:solidFill>
+                  <a:srgbClr val="000000"/>
+                </a:solidFill>
+                <a:latin typeface="+mn-ea"/>
+              </a:rPr>
+              <a:t>;  </a:t>
+            </a:r>
+            <a:r>
+              <a:rPr lang="en-US" altLang="ja-JP" sz="2000" dirty="0">
+                <a:solidFill>
+                  <a:srgbClr val="00B050"/>
+                </a:solidFill>
+                <a:latin typeface="+mn-ea"/>
+              </a:rPr>
+              <a:t>//</a:t>
+            </a:r>
+            <a:r>
+              <a:rPr lang="ja-JP" altLang="en-US" sz="2000" dirty="0">
+                <a:solidFill>
+                  <a:srgbClr val="00B050"/>
+                </a:solidFill>
+                <a:latin typeface="+mn-ea"/>
+              </a:rPr>
+              <a:t>仮の最大値最小値</a:t>
+            </a:r>
+          </a:p>
+          <a:p>
+            <a:pPr marL="0" indent="0">
+              <a:buNone/>
+            </a:pPr>
+            <a:r>
+              <a:rPr lang="nn-NO" altLang="ja-JP" sz="2000" dirty="0">
+                <a:solidFill>
+                  <a:srgbClr val="0000FF"/>
+                </a:solidFill>
+                <a:ea typeface="ＭＳ ゴシック" panose="020B0609070205080204" pitchFamily="49" charset="-128"/>
+              </a:rPr>
+              <a:t>    for</a:t>
+            </a:r>
+            <a:r>
+              <a:rPr lang="nn-NO" altLang="ja-JP" sz="2000" dirty="0">
+                <a:solidFill>
+                  <a:srgbClr val="000000"/>
+                </a:solidFill>
+                <a:ea typeface="ＭＳ ゴシック" panose="020B0609070205080204" pitchFamily="49" charset="-128"/>
+              </a:rPr>
+              <a:t> (</a:t>
+            </a:r>
+            <a:r>
+              <a:rPr lang="nn-NO" altLang="ja-JP" sz="2000" dirty="0">
+                <a:solidFill>
+                  <a:srgbClr val="0000FF"/>
+                </a:solidFill>
+                <a:ea typeface="ＭＳ ゴシック" panose="020B0609070205080204" pitchFamily="49" charset="-128"/>
+              </a:rPr>
+              <a:t>auto</a:t>
+            </a:r>
+            <a:r>
+              <a:rPr lang="nn-NO" altLang="ja-JP" sz="2000" dirty="0">
+                <a:solidFill>
+                  <a:srgbClr val="000000"/>
+                </a:solidFill>
+                <a:ea typeface="ＭＳ ゴシック" panose="020B0609070205080204" pitchFamily="49" charset="-128"/>
+              </a:rPr>
+              <a:t> d : vec) {</a:t>
+            </a:r>
+          </a:p>
+          <a:p>
+            <a:pPr marL="0" indent="0">
+              <a:buNone/>
+            </a:pPr>
+            <a:r>
+              <a:rPr lang="en-US" altLang="ja-JP" sz="2000" dirty="0">
+                <a:solidFill>
+                  <a:srgbClr val="0000FF"/>
+                </a:solidFill>
+                <a:ea typeface="ＭＳ ゴシック" panose="020B0609070205080204" pitchFamily="49" charset="-128"/>
+              </a:rPr>
+              <a:t>        </a:t>
+            </a:r>
+            <a:r>
+              <a:rPr lang="en-US" altLang="ja-JP" sz="2800" dirty="0">
+                <a:solidFill>
+                  <a:srgbClr val="FF0000"/>
+                </a:solidFill>
+                <a:ea typeface="ＭＳ ゴシック" panose="020B0609070205080204" pitchFamily="49" charset="-128"/>
+              </a:rPr>
+              <a:t>compare( max, min, d );</a:t>
+            </a:r>
+          </a:p>
+          <a:p>
+            <a:pPr marL="0" indent="0">
+              <a:buNone/>
+            </a:pPr>
+            <a:r>
+              <a:rPr lang="en-US" altLang="ja-JP" sz="2000" dirty="0">
+                <a:solidFill>
+                  <a:srgbClr val="000000"/>
+                </a:solidFill>
+                <a:ea typeface="ＭＳ ゴシック" panose="020B0609070205080204" pitchFamily="49" charset="-128"/>
+              </a:rPr>
+              <a:t>    }</a:t>
+            </a:r>
+          </a:p>
+          <a:p>
+            <a:pPr marL="0" indent="0">
+              <a:buNone/>
+            </a:pPr>
+            <a:r>
+              <a:rPr lang="en-US" altLang="ja-JP" sz="2000" dirty="0">
+                <a:solidFill>
+                  <a:srgbClr val="000000"/>
+                </a:solidFill>
+                <a:ea typeface="ＭＳ ゴシック" panose="020B0609070205080204" pitchFamily="49" charset="-128"/>
+              </a:rPr>
+              <a:t>    </a:t>
+            </a:r>
+            <a:r>
+              <a:rPr lang="en-US" altLang="ja-JP" sz="2000" dirty="0" err="1">
+                <a:solidFill>
+                  <a:srgbClr val="000000"/>
+                </a:solidFill>
+                <a:ea typeface="ＭＳ ゴシック" panose="020B0609070205080204" pitchFamily="49" charset="-128"/>
+              </a:rPr>
+              <a:t>cout</a:t>
+            </a:r>
+            <a:r>
+              <a:rPr lang="en-US" altLang="ja-JP" sz="2000" dirty="0">
+                <a:solidFill>
+                  <a:srgbClr val="000000"/>
+                </a:solidFill>
+                <a:ea typeface="ＭＳ ゴシック" panose="020B0609070205080204" pitchFamily="49" charset="-128"/>
+              </a:rPr>
+              <a:t> </a:t>
+            </a:r>
+            <a:r>
+              <a:rPr lang="en-US" altLang="ja-JP" sz="2000" dirty="0">
+                <a:solidFill>
+                  <a:srgbClr val="008080"/>
+                </a:solidFill>
+                <a:ea typeface="ＭＳ ゴシック" panose="020B0609070205080204" pitchFamily="49" charset="-128"/>
+              </a:rPr>
+              <a:t>&lt;&lt;</a:t>
+            </a:r>
+            <a:r>
+              <a:rPr lang="en-US" altLang="ja-JP" sz="2000" dirty="0">
+                <a:solidFill>
+                  <a:srgbClr val="000000"/>
+                </a:solidFill>
+                <a:ea typeface="ＭＳ ゴシック" panose="020B0609070205080204" pitchFamily="49" charset="-128"/>
+              </a:rPr>
+              <a:t> </a:t>
+            </a:r>
+            <a:r>
+              <a:rPr lang="en-US" altLang="ja-JP" sz="2000" dirty="0">
+                <a:solidFill>
+                  <a:srgbClr val="A31515"/>
+                </a:solidFill>
+                <a:ea typeface="ＭＳ ゴシック" panose="020B0609070205080204" pitchFamily="49" charset="-128"/>
+              </a:rPr>
+              <a:t>"</a:t>
+            </a:r>
+            <a:r>
+              <a:rPr lang="ja-JP" altLang="en-US" sz="2000" dirty="0">
+                <a:solidFill>
+                  <a:srgbClr val="A31515"/>
+                </a:solidFill>
+                <a:latin typeface="+mn-ea"/>
+              </a:rPr>
+              <a:t>最大値</a:t>
+            </a:r>
+            <a:r>
+              <a:rPr lang="en-US" altLang="ja-JP" sz="2000" dirty="0">
+                <a:solidFill>
+                  <a:srgbClr val="A31515"/>
+                </a:solidFill>
+                <a:latin typeface="+mn-ea"/>
+              </a:rPr>
+              <a:t>:</a:t>
+            </a:r>
+            <a:r>
+              <a:rPr lang="en-US" altLang="ja-JP" sz="2000" dirty="0">
+                <a:solidFill>
+                  <a:srgbClr val="A31515"/>
+                </a:solidFill>
+                <a:ea typeface="ＭＳ ゴシック" panose="020B0609070205080204" pitchFamily="49" charset="-128"/>
+              </a:rPr>
+              <a:t>"</a:t>
+            </a:r>
+            <a:r>
+              <a:rPr lang="ja-JP" altLang="en-US" sz="2000" dirty="0">
+                <a:solidFill>
+                  <a:srgbClr val="000000"/>
+                </a:solidFill>
+                <a:ea typeface="ＭＳ ゴシック" panose="020B0609070205080204" pitchFamily="49" charset="-128"/>
+              </a:rPr>
+              <a:t> </a:t>
+            </a:r>
+            <a:r>
+              <a:rPr lang="en-US" altLang="ja-JP" sz="2000" dirty="0">
+                <a:solidFill>
+                  <a:srgbClr val="008080"/>
+                </a:solidFill>
+                <a:ea typeface="ＭＳ ゴシック" panose="020B0609070205080204" pitchFamily="49" charset="-128"/>
+              </a:rPr>
+              <a:t>&lt;&lt;</a:t>
+            </a:r>
+            <a:r>
+              <a:rPr lang="ja-JP" altLang="en-US" sz="2000" dirty="0">
+                <a:solidFill>
+                  <a:srgbClr val="000000"/>
+                </a:solidFill>
+                <a:ea typeface="ＭＳ ゴシック" panose="020B0609070205080204" pitchFamily="49" charset="-128"/>
+              </a:rPr>
+              <a:t> </a:t>
+            </a:r>
+            <a:r>
+              <a:rPr lang="en-US" altLang="ja-JP" sz="2000" dirty="0">
+                <a:solidFill>
+                  <a:srgbClr val="000000"/>
+                </a:solidFill>
+                <a:ea typeface="ＭＳ ゴシック" panose="020B0609070205080204" pitchFamily="49" charset="-128"/>
+              </a:rPr>
+              <a:t>max </a:t>
+            </a:r>
+            <a:r>
+              <a:rPr lang="en-US" altLang="ja-JP" sz="2000" dirty="0">
+                <a:solidFill>
+                  <a:srgbClr val="008080"/>
+                </a:solidFill>
+                <a:ea typeface="ＭＳ ゴシック" panose="020B0609070205080204" pitchFamily="49" charset="-128"/>
+              </a:rPr>
+              <a:t>&lt;&lt;</a:t>
+            </a:r>
+            <a:r>
+              <a:rPr lang="en-US" altLang="ja-JP" sz="2000" dirty="0">
+                <a:solidFill>
+                  <a:srgbClr val="000000"/>
+                </a:solidFill>
+                <a:ea typeface="ＭＳ ゴシック" panose="020B0609070205080204" pitchFamily="49" charset="-128"/>
+              </a:rPr>
+              <a:t> </a:t>
+            </a:r>
+            <a:r>
+              <a:rPr lang="en-US" altLang="ja-JP" sz="2000" dirty="0">
+                <a:solidFill>
+                  <a:srgbClr val="A31515"/>
+                </a:solidFill>
+                <a:ea typeface="ＭＳ ゴシック" panose="020B0609070205080204" pitchFamily="49" charset="-128"/>
+              </a:rPr>
+              <a:t>" </a:t>
+            </a:r>
+            <a:r>
+              <a:rPr lang="ja-JP" altLang="en-US" sz="2000" dirty="0">
+                <a:solidFill>
+                  <a:srgbClr val="A31515"/>
+                </a:solidFill>
+                <a:latin typeface="+mn-ea"/>
+              </a:rPr>
+              <a:t>最小値</a:t>
+            </a:r>
+            <a:r>
+              <a:rPr lang="en-US" altLang="ja-JP" sz="2000" dirty="0">
+                <a:solidFill>
+                  <a:srgbClr val="A31515"/>
+                </a:solidFill>
+                <a:latin typeface="+mn-ea"/>
+              </a:rPr>
+              <a:t>:</a:t>
+            </a:r>
+            <a:r>
+              <a:rPr lang="en-US" altLang="ja-JP" sz="2000" dirty="0">
+                <a:solidFill>
+                  <a:srgbClr val="A31515"/>
+                </a:solidFill>
+                <a:ea typeface="ＭＳ ゴシック" panose="020B0609070205080204" pitchFamily="49" charset="-128"/>
+              </a:rPr>
+              <a:t>"</a:t>
+            </a:r>
+            <a:r>
+              <a:rPr lang="ja-JP" altLang="en-US" sz="2000" dirty="0">
+                <a:solidFill>
+                  <a:srgbClr val="000000"/>
+                </a:solidFill>
+                <a:ea typeface="ＭＳ ゴシック" panose="020B0609070205080204" pitchFamily="49" charset="-128"/>
+              </a:rPr>
+              <a:t> </a:t>
+            </a:r>
+            <a:r>
+              <a:rPr lang="en-US" altLang="ja-JP" sz="2000" dirty="0">
+                <a:solidFill>
+                  <a:srgbClr val="008080"/>
+                </a:solidFill>
+                <a:ea typeface="ＭＳ ゴシック" panose="020B0609070205080204" pitchFamily="49" charset="-128"/>
+              </a:rPr>
+              <a:t>&lt;&lt;</a:t>
+            </a:r>
+            <a:r>
+              <a:rPr lang="ja-JP" altLang="en-US" sz="2000" dirty="0">
+                <a:solidFill>
+                  <a:srgbClr val="000000"/>
+                </a:solidFill>
+                <a:ea typeface="ＭＳ ゴシック" panose="020B0609070205080204" pitchFamily="49" charset="-128"/>
+              </a:rPr>
+              <a:t> </a:t>
+            </a:r>
+            <a:r>
+              <a:rPr lang="en-US" altLang="ja-JP" sz="2000" dirty="0">
+                <a:solidFill>
+                  <a:srgbClr val="000000"/>
+                </a:solidFill>
+                <a:ea typeface="ＭＳ ゴシック" panose="020B0609070205080204" pitchFamily="49" charset="-128"/>
+              </a:rPr>
+              <a:t>min </a:t>
+            </a:r>
+            <a:r>
+              <a:rPr lang="en-US" altLang="ja-JP" sz="2000" dirty="0">
+                <a:solidFill>
+                  <a:srgbClr val="008080"/>
+                </a:solidFill>
+                <a:ea typeface="ＭＳ ゴシック" panose="020B0609070205080204" pitchFamily="49" charset="-128"/>
+              </a:rPr>
+              <a:t>&lt;&lt;</a:t>
+            </a:r>
+            <a:r>
+              <a:rPr lang="en-US" altLang="ja-JP" sz="2000" dirty="0">
+                <a:solidFill>
+                  <a:srgbClr val="000000"/>
+                </a:solidFill>
+                <a:ea typeface="ＭＳ ゴシック" panose="020B0609070205080204" pitchFamily="49" charset="-128"/>
+              </a:rPr>
+              <a:t> </a:t>
+            </a:r>
+            <a:r>
+              <a:rPr lang="en-US" altLang="ja-JP" sz="2000" dirty="0" err="1">
+                <a:solidFill>
+                  <a:srgbClr val="000000"/>
+                </a:solidFill>
+                <a:ea typeface="ＭＳ ゴシック" panose="020B0609070205080204" pitchFamily="49" charset="-128"/>
+              </a:rPr>
+              <a:t>endl</a:t>
+            </a:r>
+            <a:r>
+              <a:rPr lang="en-US" altLang="ja-JP" sz="2000" dirty="0">
+                <a:solidFill>
+                  <a:srgbClr val="000000"/>
+                </a:solidFill>
+                <a:ea typeface="ＭＳ ゴシック" panose="020B0609070205080204" pitchFamily="49" charset="-128"/>
+              </a:rPr>
+              <a:t>;</a:t>
+            </a:r>
+            <a:endParaRPr lang="en-US" altLang="ja-JP" sz="2000" dirty="0"/>
+          </a:p>
+        </p:txBody>
+      </p:sp>
+      <p:sp>
+        <p:nvSpPr>
+          <p:cNvPr id="4" name="テキスト ボックス 3">
+            <a:extLst>
+              <a:ext uri="{FF2B5EF4-FFF2-40B4-BE49-F238E27FC236}">
+                <a16:creationId xmlns:a16="http://schemas.microsoft.com/office/drawing/2014/main" id="{36167C58-0781-4BAB-BAA5-8E3EEFBCFF26}"/>
+              </a:ext>
+            </a:extLst>
+          </p:cNvPr>
+          <p:cNvSpPr txBox="1"/>
+          <p:nvPr/>
+        </p:nvSpPr>
+        <p:spPr>
+          <a:xfrm>
+            <a:off x="6597675" y="639756"/>
+            <a:ext cx="4641014" cy="523220"/>
+          </a:xfrm>
+          <a:prstGeom prst="rect">
+            <a:avLst/>
+          </a:prstGeom>
+          <a:noFill/>
+        </p:spPr>
+        <p:txBody>
+          <a:bodyPr wrap="none" rtlCol="0">
+            <a:spAutoFit/>
+          </a:bodyPr>
+          <a:lstStyle/>
+          <a:p>
+            <a:r>
+              <a:rPr kumimoji="1" lang="en-US" altLang="ja-JP" sz="2800" dirty="0" err="1"/>
+              <a:t>PracVector</a:t>
+            </a:r>
+            <a:r>
+              <a:rPr kumimoji="1" lang="en-US" altLang="ja-JP" sz="2800" dirty="0"/>
+              <a:t>(main.cpp)</a:t>
+            </a:r>
+            <a:endParaRPr kumimoji="1" lang="ja-JP" altLang="en-US" sz="2800" dirty="0"/>
           </a:p>
         </p:txBody>
       </p:sp>
@@ -8117,7 +8441,1486 @@
         </p:nvSpPr>
         <p:spPr>
           <a:xfrm>
-            <a:off x="470169" y="4549301"/>
+            <a:off x="2081719" y="3129063"/>
+            <a:ext cx="9931940" cy="3524656"/>
+          </a:xfrm>
+          <a:prstGeom prst="rect">
+            <a:avLst/>
+          </a:prstGeom>
+          <a:solidFill>
+            <a:schemeClr val="bg1"/>
+          </a:solidFill>
+          <a:ln>
+            <a:solidFill>
+              <a:schemeClr val="tx1"/>
+            </a:solidFill>
+          </a:ln>
+        </p:spPr>
+        <p:txBody>
+          <a:bodyPr vert="horz" lIns="91440" tIns="45720" rIns="91440" bIns="45720" rtlCol="0">
+            <a:noAutofit/>
+          </a:bodyPr>
+          <a:lstStyle>
+            <a:lvl1pPr marL="228600" indent="-228600" algn="l" defTabSz="914400" rtl="0" eaLnBrk="1" latinLnBrk="0" hangingPunct="1">
+              <a:lnSpc>
+                <a:spcPct val="90000"/>
+              </a:lnSpc>
+              <a:spcBef>
+                <a:spcPts val="1000"/>
+              </a:spcBef>
+              <a:buFont typeface="Arial" panose="020B0604020202020204" pitchFamily="34" charset="0"/>
+              <a:buChar char="•"/>
+              <a:defRPr kumimoji="1" sz="3600" kern="1200">
+                <a:solidFill>
+                  <a:schemeClr val="tx1"/>
+                </a:solidFill>
+                <a:latin typeface="+mn-lt"/>
+                <a:ea typeface="+mn-ea"/>
+                <a:cs typeface="+mn-cs"/>
+              </a:defRPr>
+            </a:lvl1pPr>
+            <a:lvl2pPr marL="685800" indent="-228600" algn="l" defTabSz="914400" rtl="0" eaLnBrk="1" latinLnBrk="0" hangingPunct="1">
+              <a:lnSpc>
+                <a:spcPct val="90000"/>
+              </a:lnSpc>
+              <a:spcBef>
+                <a:spcPts val="500"/>
+              </a:spcBef>
+              <a:buFont typeface="Arial" panose="020B0604020202020204" pitchFamily="34" charset="0"/>
+              <a:buChar char="•"/>
+              <a:defRPr kumimoji="1" sz="3200" kern="1200">
+                <a:solidFill>
+                  <a:schemeClr val="tx1"/>
+                </a:solidFill>
+                <a:latin typeface="+mn-lt"/>
+                <a:ea typeface="+mn-ea"/>
+                <a:cs typeface="+mn-cs"/>
+              </a:defRPr>
+            </a:lvl2pPr>
+            <a:lvl3pPr marL="1143000" indent="-228600" algn="l" defTabSz="914400" rtl="0" eaLnBrk="1" latinLnBrk="0" hangingPunct="1">
+              <a:lnSpc>
+                <a:spcPct val="90000"/>
+              </a:lnSpc>
+              <a:spcBef>
+                <a:spcPts val="500"/>
+              </a:spcBef>
+              <a:buFont typeface="Arial" panose="020B0604020202020204" pitchFamily="34" charset="0"/>
+              <a:buChar char="•"/>
+              <a:defRPr kumimoji="1" sz="2800" kern="1200">
+                <a:solidFill>
+                  <a:schemeClr val="tx1"/>
+                </a:solidFill>
+                <a:latin typeface="+mn-lt"/>
+                <a:ea typeface="+mn-ea"/>
+                <a:cs typeface="+mn-cs"/>
+              </a:defRPr>
+            </a:lvl3pPr>
+            <a:lvl4pPr marL="1600200" indent="-228600" algn="l" defTabSz="914400" rtl="0" eaLnBrk="1" latinLnBrk="0" hangingPunct="1">
+              <a:lnSpc>
+                <a:spcPct val="90000"/>
+              </a:lnSpc>
+              <a:spcBef>
+                <a:spcPts val="500"/>
+              </a:spcBef>
+              <a:buFont typeface="Arial" panose="020B0604020202020204" pitchFamily="34" charset="0"/>
+              <a:buChar char="•"/>
+              <a:defRPr kumimoji="1" sz="2400" kern="1200">
+                <a:solidFill>
+                  <a:schemeClr val="tx1"/>
+                </a:solidFill>
+                <a:latin typeface="+mn-lt"/>
+                <a:ea typeface="+mn-ea"/>
+                <a:cs typeface="+mn-cs"/>
+              </a:defRPr>
+            </a:lvl4pPr>
+            <a:lvl5pPr marL="2057400" indent="-228600" algn="l" defTabSz="914400" rtl="0" eaLnBrk="1" latinLnBrk="0" hangingPunct="1">
+              <a:lnSpc>
+                <a:spcPct val="90000"/>
+              </a:lnSpc>
+              <a:spcBef>
+                <a:spcPts val="500"/>
+              </a:spcBef>
+              <a:buFont typeface="Arial" panose="020B0604020202020204" pitchFamily="34" charset="0"/>
+              <a:buChar char="•"/>
+              <a:defRPr kumimoji="1" sz="2400" kern="1200">
+                <a:solidFill>
+                  <a:schemeClr val="tx1"/>
+                </a:solidFill>
+                <a:latin typeface="+mn-lt"/>
+                <a:ea typeface="+mn-ea"/>
+                <a:cs typeface="+mn-cs"/>
+              </a:defRPr>
+            </a:lvl5pPr>
+            <a:lvl6pPr marL="2514600" indent="-228600" algn="l" defTabSz="914400" rtl="0" eaLnBrk="1" latinLnBrk="0" hangingPunct="1">
+              <a:lnSpc>
+                <a:spcPct val="90000"/>
+              </a:lnSpc>
+              <a:spcBef>
+                <a:spcPts val="500"/>
+              </a:spcBef>
+              <a:buFont typeface="Arial" panose="020B0604020202020204" pitchFamily="34" charset="0"/>
+              <a:buChar char="•"/>
+              <a:defRPr kumimoji="1" sz="1800" kern="1200">
+                <a:solidFill>
+                  <a:schemeClr val="tx1"/>
+                </a:solidFill>
+                <a:latin typeface="+mn-lt"/>
+                <a:ea typeface="+mn-ea"/>
+                <a:cs typeface="+mn-cs"/>
+              </a:defRPr>
+            </a:lvl6pPr>
+            <a:lvl7pPr marL="2971800" indent="-228600" algn="l" defTabSz="914400" rtl="0" eaLnBrk="1" latinLnBrk="0" hangingPunct="1">
+              <a:lnSpc>
+                <a:spcPct val="90000"/>
+              </a:lnSpc>
+              <a:spcBef>
+                <a:spcPts val="500"/>
+              </a:spcBef>
+              <a:buFont typeface="Arial" panose="020B0604020202020204" pitchFamily="34" charset="0"/>
+              <a:buChar char="•"/>
+              <a:defRPr kumimoji="1" sz="1800" kern="1200">
+                <a:solidFill>
+                  <a:schemeClr val="tx1"/>
+                </a:solidFill>
+                <a:latin typeface="+mn-lt"/>
+                <a:ea typeface="+mn-ea"/>
+                <a:cs typeface="+mn-cs"/>
+              </a:defRPr>
+            </a:lvl7pPr>
+            <a:lvl8pPr marL="3429000" indent="-228600" algn="l" defTabSz="914400" rtl="0" eaLnBrk="1" latinLnBrk="0" hangingPunct="1">
+              <a:lnSpc>
+                <a:spcPct val="90000"/>
+              </a:lnSpc>
+              <a:spcBef>
+                <a:spcPts val="500"/>
+              </a:spcBef>
+              <a:buFont typeface="Arial" panose="020B0604020202020204" pitchFamily="34" charset="0"/>
+              <a:buChar char="•"/>
+              <a:defRPr kumimoji="1" sz="1800" kern="1200">
+                <a:solidFill>
+                  <a:schemeClr val="tx1"/>
+                </a:solidFill>
+                <a:latin typeface="+mn-lt"/>
+                <a:ea typeface="+mn-ea"/>
+                <a:cs typeface="+mn-cs"/>
+              </a:defRPr>
+            </a:lvl8pPr>
+            <a:lvl9pPr marL="3886200" indent="-228600" algn="l" defTabSz="914400" rtl="0" eaLnBrk="1" latinLnBrk="0" hangingPunct="1">
+              <a:lnSpc>
+                <a:spcPct val="90000"/>
+              </a:lnSpc>
+              <a:spcBef>
+                <a:spcPts val="500"/>
+              </a:spcBef>
+              <a:buFont typeface="Arial" panose="020B0604020202020204" pitchFamily="34" charset="0"/>
+              <a:buChar char="•"/>
+              <a:defRPr kumimoji="1" sz="1800" kern="1200">
+                <a:solidFill>
+                  <a:schemeClr val="tx1"/>
+                </a:solidFill>
+                <a:latin typeface="+mn-lt"/>
+                <a:ea typeface="+mn-ea"/>
+                <a:cs typeface="+mn-cs"/>
+              </a:defRPr>
+            </a:lvl9pPr>
+          </a:lstStyle>
+          <a:p>
+            <a:pPr marL="0" indent="0">
+              <a:buFont typeface="Arial" panose="020B0604020202020204" pitchFamily="34" charset="0"/>
+              <a:buNone/>
+            </a:pPr>
+            <a:r>
+              <a:rPr lang="en-US" altLang="ja-JP" sz="2400" dirty="0">
+                <a:ea typeface="ＭＳ ゴシック" panose="020B0609070205080204" pitchFamily="49" charset="-128"/>
+              </a:rPr>
+              <a:t>void compare(int&amp; max, int&amp; min, </a:t>
+            </a:r>
+            <a:r>
+              <a:rPr lang="en-US" altLang="ja-JP" sz="2400" dirty="0">
+                <a:solidFill>
+                  <a:srgbClr val="FF0000"/>
+                </a:solidFill>
+                <a:ea typeface="ＭＳ ゴシック" panose="020B0609070205080204" pitchFamily="49" charset="-128"/>
+              </a:rPr>
+              <a:t>const</a:t>
+            </a:r>
+            <a:r>
+              <a:rPr lang="en-US" altLang="ja-JP" sz="2400" dirty="0">
+                <a:ea typeface="ＭＳ ゴシック" panose="020B0609070205080204" pitchFamily="49" charset="-128"/>
+              </a:rPr>
+              <a:t> int</a:t>
+            </a:r>
+            <a:r>
+              <a:rPr lang="en-US" altLang="ja-JP" sz="2400" dirty="0">
+                <a:solidFill>
+                  <a:srgbClr val="FF0000"/>
+                </a:solidFill>
+                <a:ea typeface="ＭＳ ゴシック" panose="020B0609070205080204" pitchFamily="49" charset="-128"/>
+              </a:rPr>
+              <a:t>&amp;</a:t>
+            </a:r>
+            <a:r>
+              <a:rPr lang="en-US" altLang="ja-JP" sz="2400" dirty="0">
+                <a:ea typeface="ＭＳ ゴシック" panose="020B0609070205080204" pitchFamily="49" charset="-128"/>
+              </a:rPr>
+              <a:t> data ){</a:t>
+            </a:r>
+          </a:p>
+          <a:p>
+            <a:pPr marL="0" indent="0">
+              <a:buNone/>
+            </a:pPr>
+            <a:r>
+              <a:rPr lang="en-US" altLang="ja-JP" sz="2400" dirty="0">
+                <a:solidFill>
+                  <a:srgbClr val="0000FF"/>
+                </a:solidFill>
+                <a:ea typeface="ＭＳ ゴシック" panose="020B0609070205080204" pitchFamily="49" charset="-128"/>
+              </a:rPr>
+              <a:t>    if</a:t>
+            </a:r>
+            <a:r>
+              <a:rPr lang="en-US" altLang="ja-JP" sz="2400" dirty="0">
+                <a:solidFill>
+                  <a:srgbClr val="000000"/>
+                </a:solidFill>
+                <a:ea typeface="ＭＳ ゴシック" panose="020B0609070205080204" pitchFamily="49" charset="-128"/>
+              </a:rPr>
+              <a:t> (max &lt; data) {</a:t>
+            </a:r>
+            <a:r>
+              <a:rPr lang="ja-JP" altLang="en-US" sz="2400" dirty="0">
+                <a:solidFill>
+                  <a:srgbClr val="000000"/>
+                </a:solidFill>
+                <a:ea typeface="ＭＳ ゴシック" panose="020B0609070205080204" pitchFamily="49" charset="-128"/>
+              </a:rPr>
+              <a:t> </a:t>
+            </a:r>
+            <a:br>
+              <a:rPr lang="en-US" altLang="ja-JP" sz="2400" dirty="0">
+                <a:solidFill>
+                  <a:srgbClr val="000000"/>
+                </a:solidFill>
+                <a:ea typeface="ＭＳ ゴシック" panose="020B0609070205080204" pitchFamily="49" charset="-128"/>
+              </a:rPr>
+            </a:br>
+            <a:r>
+              <a:rPr lang="en-US" altLang="ja-JP" sz="2400" dirty="0">
+                <a:solidFill>
+                  <a:srgbClr val="000000"/>
+                </a:solidFill>
+                <a:ea typeface="ＭＳ ゴシック" panose="020B0609070205080204" pitchFamily="49" charset="-128"/>
+              </a:rPr>
+              <a:t>        max = data;</a:t>
+            </a:r>
+            <a:r>
+              <a:rPr lang="ja-JP" altLang="en-US" sz="2400" dirty="0">
+                <a:solidFill>
+                  <a:srgbClr val="000000"/>
+                </a:solidFill>
+                <a:ea typeface="ＭＳ ゴシック" panose="020B0609070205080204" pitchFamily="49" charset="-128"/>
+              </a:rPr>
+              <a:t> </a:t>
+            </a:r>
+            <a:endParaRPr lang="en-US" altLang="ja-JP" sz="2400" dirty="0">
+              <a:solidFill>
+                <a:srgbClr val="000000"/>
+              </a:solidFill>
+              <a:ea typeface="ＭＳ ゴシック" panose="020B0609070205080204" pitchFamily="49" charset="-128"/>
+            </a:endParaRPr>
+          </a:p>
+          <a:p>
+            <a:pPr marL="0" indent="0">
+              <a:buNone/>
+            </a:pPr>
+            <a:r>
+              <a:rPr lang="en-US" altLang="ja-JP" sz="2400" dirty="0">
+                <a:solidFill>
+                  <a:srgbClr val="000000"/>
+                </a:solidFill>
+                <a:ea typeface="ＭＳ ゴシック" panose="020B0609070205080204" pitchFamily="49" charset="-128"/>
+              </a:rPr>
+              <a:t>    }</a:t>
+            </a:r>
+          </a:p>
+          <a:p>
+            <a:pPr marL="0" indent="0">
+              <a:buNone/>
+            </a:pPr>
+            <a:r>
+              <a:rPr lang="en-US" altLang="ja-JP" sz="2400" dirty="0">
+                <a:solidFill>
+                  <a:srgbClr val="0000FF"/>
+                </a:solidFill>
+                <a:ea typeface="ＭＳ ゴシック" panose="020B0609070205080204" pitchFamily="49" charset="-128"/>
+              </a:rPr>
+              <a:t>    if</a:t>
+            </a:r>
+            <a:r>
+              <a:rPr lang="en-US" altLang="ja-JP" sz="2400" dirty="0">
+                <a:solidFill>
+                  <a:srgbClr val="000000"/>
+                </a:solidFill>
+                <a:ea typeface="ＭＳ ゴシック" panose="020B0609070205080204" pitchFamily="49" charset="-128"/>
+              </a:rPr>
+              <a:t> (min &gt; data) { </a:t>
+            </a:r>
+          </a:p>
+          <a:p>
+            <a:pPr marL="0" indent="0">
+              <a:buNone/>
+            </a:pPr>
+            <a:r>
+              <a:rPr lang="en-US" altLang="ja-JP" sz="2400" dirty="0">
+                <a:solidFill>
+                  <a:srgbClr val="000000"/>
+                </a:solidFill>
+                <a:ea typeface="ＭＳ ゴシック" panose="020B0609070205080204" pitchFamily="49" charset="-128"/>
+              </a:rPr>
+              <a:t>        min = data; </a:t>
+            </a:r>
+          </a:p>
+          <a:p>
+            <a:pPr marL="0" indent="0">
+              <a:buNone/>
+            </a:pPr>
+            <a:r>
+              <a:rPr lang="en-US" altLang="ja-JP" sz="2400" dirty="0">
+                <a:solidFill>
+                  <a:srgbClr val="000000"/>
+                </a:solidFill>
+                <a:ea typeface="ＭＳ ゴシック" panose="020B0609070205080204" pitchFamily="49" charset="-128"/>
+              </a:rPr>
+              <a:t>    }</a:t>
+            </a:r>
+          </a:p>
+          <a:p>
+            <a:pPr marL="0" indent="0">
+              <a:buFont typeface="Arial" panose="020B0604020202020204" pitchFamily="34" charset="0"/>
+              <a:buNone/>
+            </a:pPr>
+            <a:r>
+              <a:rPr lang="en-US" altLang="ja-JP" sz="2400" dirty="0">
+                <a:ea typeface="ＭＳ ゴシック" panose="020B0609070205080204" pitchFamily="49" charset="-128"/>
+              </a:rPr>
+              <a:t>}</a:t>
+            </a:r>
+            <a:endParaRPr lang="en-US" altLang="ja-JP" sz="1800" dirty="0"/>
+          </a:p>
+        </p:txBody>
+      </p:sp>
+      <p:sp>
+        <p:nvSpPr>
+          <p:cNvPr id="5" name="テキスト ボックス 4">
+            <a:extLst>
+              <a:ext uri="{FF2B5EF4-FFF2-40B4-BE49-F238E27FC236}">
+                <a16:creationId xmlns:a16="http://schemas.microsoft.com/office/drawing/2014/main" id="{40980784-37AF-538C-C95F-82B1988D589E}"/>
+              </a:ext>
+            </a:extLst>
+          </p:cNvPr>
+          <p:cNvSpPr txBox="1"/>
+          <p:nvPr/>
+        </p:nvSpPr>
+        <p:spPr>
+          <a:xfrm>
+            <a:off x="7282877" y="3691062"/>
+            <a:ext cx="4730782" cy="1200329"/>
+          </a:xfrm>
+          <a:prstGeom prst="rect">
+            <a:avLst/>
+          </a:prstGeom>
+          <a:noFill/>
+        </p:spPr>
+        <p:txBody>
+          <a:bodyPr wrap="none" rtlCol="0">
+            <a:spAutoFit/>
+          </a:bodyPr>
+          <a:lstStyle/>
+          <a:p>
+            <a:r>
+              <a:rPr kumimoji="1" lang="ja-JP" altLang="en-US" sz="2400" dirty="0">
+                <a:solidFill>
+                  <a:srgbClr val="FF0000"/>
+                </a:solidFill>
+              </a:rPr>
+              <a:t>参照渡しする変数に</a:t>
+            </a:r>
+            <a:r>
+              <a:rPr kumimoji="1" lang="en-US" altLang="ja-JP" sz="2400" dirty="0">
+                <a:solidFill>
+                  <a:srgbClr val="FF0000"/>
+                </a:solidFill>
+              </a:rPr>
+              <a:t>”const”</a:t>
+            </a:r>
+            <a:r>
+              <a:rPr kumimoji="1" lang="ja-JP" altLang="en-US" sz="2400" dirty="0">
+                <a:solidFill>
+                  <a:srgbClr val="FF0000"/>
+                </a:solidFill>
+              </a:rPr>
+              <a:t>を</a:t>
+            </a:r>
+            <a:endParaRPr kumimoji="1" lang="en-US" altLang="ja-JP" sz="2400" dirty="0">
+              <a:solidFill>
+                <a:srgbClr val="FF0000"/>
+              </a:solidFill>
+            </a:endParaRPr>
+          </a:p>
+          <a:p>
+            <a:r>
+              <a:rPr kumimoji="1" lang="ja-JP" altLang="en-US" sz="2400" dirty="0">
+                <a:solidFill>
+                  <a:srgbClr val="FF0000"/>
+                </a:solidFill>
+              </a:rPr>
+              <a:t>付けると</a:t>
+            </a:r>
+            <a:r>
+              <a:rPr kumimoji="1" lang="en-US" altLang="ja-JP" sz="2400" dirty="0">
+                <a:solidFill>
+                  <a:srgbClr val="FF0000"/>
+                </a:solidFill>
+              </a:rPr>
+              <a:t>”</a:t>
+            </a:r>
+            <a:r>
+              <a:rPr kumimoji="1" lang="ja-JP" altLang="en-US" sz="2400" dirty="0">
+                <a:solidFill>
+                  <a:srgbClr val="FF0000"/>
+                </a:solidFill>
+              </a:rPr>
+              <a:t>定数</a:t>
+            </a:r>
+            <a:r>
+              <a:rPr kumimoji="1" lang="en-US" altLang="ja-JP" sz="2400" dirty="0">
+                <a:solidFill>
+                  <a:srgbClr val="FF0000"/>
+                </a:solidFill>
+              </a:rPr>
+              <a:t>”</a:t>
+            </a:r>
+            <a:r>
+              <a:rPr kumimoji="1" lang="ja-JP" altLang="en-US" sz="2400" dirty="0">
+                <a:solidFill>
+                  <a:srgbClr val="FF0000"/>
+                </a:solidFill>
+              </a:rPr>
+              <a:t>と同じ扱いになり</a:t>
+            </a:r>
+            <a:endParaRPr kumimoji="1" lang="en-US" altLang="ja-JP" sz="2400" dirty="0">
+              <a:solidFill>
+                <a:srgbClr val="FF0000"/>
+              </a:solidFill>
+            </a:endParaRPr>
+          </a:p>
+          <a:p>
+            <a:r>
+              <a:rPr kumimoji="1" lang="ja-JP" altLang="en-US" sz="2400" dirty="0">
+                <a:solidFill>
+                  <a:srgbClr val="FF0000"/>
+                </a:solidFill>
+              </a:rPr>
+              <a:t>関数内で変更ができなくなる</a:t>
+            </a:r>
+          </a:p>
+        </p:txBody>
+      </p:sp>
+    </p:spTree>
+    <p:extLst>
+      <p:ext uri="{BB962C8B-B14F-4D97-AF65-F5344CB8AC3E}">
+        <p14:creationId xmlns:p14="http://schemas.microsoft.com/office/powerpoint/2010/main" val="703943806"/>
+      </p:ext>
+    </p:extLst>
+  </p:cSld>
+  <p:clrMapOvr>
+    <a:masterClrMapping/>
+  </p:clrMapOvr>
+</p:sld>
+</file>
+
+<file path=ppt/slides/slide18.xml><?xml version="1.0" encoding="utf-8"?>
+<p:sld xmlns:a="http://schemas.openxmlformats.org/drawingml/2006/main" xmlns:r="http://schemas.openxmlformats.org/officeDocument/2006/relationships" xmlns:p="http://schemas.openxmlformats.org/presentationml/2006/main">
+  <p:cSld>
+    <p:spTree>
+      <p:nvGrpSpPr>
+        <p:cNvPr id="1" name=""/>
+        <p:cNvGrpSpPr/>
+        <p:nvPr/>
+      </p:nvGrpSpPr>
+      <p:grpSpPr>
+        <a:xfrm>
+          <a:off x="0" y="0"/>
+          <a:ext cx="0" cy="0"/>
+          <a:chOff x="0" y="0"/>
+          <a:chExt cx="0" cy="0"/>
+        </a:xfrm>
+      </p:grpSpPr>
+      <p:sp>
+        <p:nvSpPr>
+          <p:cNvPr id="2" name="タイトル 1">
+            <a:extLst>
+              <a:ext uri="{FF2B5EF4-FFF2-40B4-BE49-F238E27FC236}">
+                <a16:creationId xmlns:a16="http://schemas.microsoft.com/office/drawing/2014/main" id="{9F789731-37C4-49DD-AEE8-78E5514E279E}"/>
+              </a:ext>
+            </a:extLst>
+          </p:cNvPr>
+          <p:cNvSpPr>
+            <a:spLocks noGrp="1"/>
+          </p:cNvSpPr>
+          <p:nvPr>
+            <p:ph type="title"/>
+          </p:nvPr>
+        </p:nvSpPr>
+        <p:spPr/>
+        <p:txBody>
+          <a:bodyPr/>
+          <a:lstStyle/>
+          <a:p>
+            <a:r>
+              <a:rPr kumimoji="1" lang="ja-JP" altLang="en-US" dirty="0"/>
+              <a:t>演習：</a:t>
+            </a:r>
+            <a:r>
+              <a:rPr kumimoji="1" lang="en-US" altLang="ja-JP" dirty="0"/>
+              <a:t>vector</a:t>
+            </a:r>
+            <a:endParaRPr kumimoji="1" lang="ja-JP" altLang="en-US" dirty="0"/>
+          </a:p>
+        </p:txBody>
+      </p:sp>
+      <p:sp>
+        <p:nvSpPr>
+          <p:cNvPr id="3" name="コンテンツ プレースホルダー 2">
+            <a:extLst>
+              <a:ext uri="{FF2B5EF4-FFF2-40B4-BE49-F238E27FC236}">
+                <a16:creationId xmlns:a16="http://schemas.microsoft.com/office/drawing/2014/main" id="{39562F0E-6033-40BD-BCB8-F015661306FD}"/>
+              </a:ext>
+            </a:extLst>
+          </p:cNvPr>
+          <p:cNvSpPr>
+            <a:spLocks noGrp="1"/>
+          </p:cNvSpPr>
+          <p:nvPr>
+            <p:ph idx="1"/>
+          </p:nvPr>
+        </p:nvSpPr>
+        <p:spPr>
+          <a:xfrm>
+            <a:off x="723089" y="1172703"/>
+            <a:ext cx="10515600" cy="2665379"/>
+          </a:xfrm>
+          <a:solidFill>
+            <a:schemeClr val="bg1"/>
+          </a:solidFill>
+          <a:ln>
+            <a:solidFill>
+              <a:schemeClr val="tx1"/>
+            </a:solidFill>
+          </a:ln>
+        </p:spPr>
+        <p:txBody>
+          <a:bodyPr>
+            <a:noAutofit/>
+          </a:bodyPr>
+          <a:lstStyle/>
+          <a:p>
+            <a:pPr marL="0" indent="0">
+              <a:buNone/>
+            </a:pPr>
+            <a:r>
+              <a:rPr lang="en-US" altLang="ja-JP" sz="2000" dirty="0">
+                <a:solidFill>
+                  <a:srgbClr val="008000"/>
+                </a:solidFill>
+                <a:ea typeface="ＭＳ ゴシック" panose="020B0609070205080204" pitchFamily="49" charset="-128"/>
+              </a:rPr>
+              <a:t>    </a:t>
+            </a:r>
+            <a:r>
+              <a:rPr lang="en-US" altLang="ja-JP" sz="2000" dirty="0">
+                <a:solidFill>
+                  <a:srgbClr val="00B050"/>
+                </a:solidFill>
+                <a:latin typeface="+mn-ea"/>
+              </a:rPr>
+              <a:t>//***  </a:t>
+            </a:r>
+            <a:r>
+              <a:rPr lang="ja-JP" altLang="en-US" sz="2000" dirty="0">
+                <a:solidFill>
+                  <a:srgbClr val="00B050"/>
+                </a:solidFill>
+                <a:latin typeface="+mn-ea"/>
+              </a:rPr>
+              <a:t>範囲</a:t>
+            </a:r>
+            <a:r>
+              <a:rPr lang="en-US" altLang="ja-JP" sz="2000" dirty="0">
+                <a:solidFill>
+                  <a:srgbClr val="00B050"/>
+                </a:solidFill>
+                <a:latin typeface="+mn-ea"/>
+              </a:rPr>
+              <a:t>for</a:t>
+            </a:r>
+            <a:r>
+              <a:rPr lang="ja-JP" altLang="en-US" sz="2000" dirty="0">
+                <a:solidFill>
+                  <a:srgbClr val="00B050"/>
+                </a:solidFill>
+                <a:latin typeface="+mn-ea"/>
+              </a:rPr>
+              <a:t>を使ったループ </a:t>
+            </a:r>
+            <a:r>
+              <a:rPr lang="en-US" altLang="ja-JP" sz="2000" dirty="0">
+                <a:solidFill>
+                  <a:srgbClr val="00B050"/>
+                </a:solidFill>
+                <a:latin typeface="+mn-ea"/>
+              </a:rPr>
+              <a:t>***</a:t>
+            </a:r>
+            <a:endParaRPr lang="ja-JP" altLang="en-US" sz="2000" dirty="0">
+              <a:solidFill>
+                <a:srgbClr val="00B050"/>
+              </a:solidFill>
+              <a:latin typeface="+mn-ea"/>
+            </a:endParaRPr>
+          </a:p>
+          <a:p>
+            <a:pPr marL="0" indent="0">
+              <a:buNone/>
+            </a:pPr>
+            <a:r>
+              <a:rPr lang="en-US" altLang="ja-JP" sz="2000" dirty="0">
+                <a:solidFill>
+                  <a:srgbClr val="000000"/>
+                </a:solidFill>
+                <a:ea typeface="ＭＳ ゴシック" panose="020B0609070205080204" pitchFamily="49" charset="-128"/>
+              </a:rPr>
+              <a:t>    max = min = </a:t>
+            </a:r>
+            <a:r>
+              <a:rPr lang="en-US" altLang="ja-JP" sz="2000" dirty="0" err="1">
+                <a:solidFill>
+                  <a:srgbClr val="000000"/>
+                </a:solidFill>
+                <a:ea typeface="ＭＳ ゴシック" panose="020B0609070205080204" pitchFamily="49" charset="-128"/>
+              </a:rPr>
+              <a:t>vec</a:t>
+            </a:r>
+            <a:r>
+              <a:rPr lang="en-US" altLang="ja-JP" sz="2000" dirty="0">
+                <a:solidFill>
+                  <a:srgbClr val="008080"/>
+                </a:solidFill>
+                <a:ea typeface="ＭＳ ゴシック" panose="020B0609070205080204" pitchFamily="49" charset="-128"/>
+              </a:rPr>
+              <a:t>[</a:t>
+            </a:r>
+            <a:r>
+              <a:rPr lang="en-US" altLang="ja-JP" sz="2000" dirty="0">
+                <a:solidFill>
+                  <a:srgbClr val="000000"/>
+                </a:solidFill>
+                <a:ea typeface="ＭＳ ゴシック" panose="020B0609070205080204" pitchFamily="49" charset="-128"/>
+              </a:rPr>
+              <a:t>0</a:t>
+            </a:r>
+            <a:r>
+              <a:rPr lang="en-US" altLang="ja-JP" sz="2000" dirty="0">
+                <a:solidFill>
+                  <a:srgbClr val="008080"/>
+                </a:solidFill>
+                <a:latin typeface="+mn-ea"/>
+              </a:rPr>
+              <a:t>]</a:t>
+            </a:r>
+            <a:r>
+              <a:rPr lang="en-US" altLang="ja-JP" sz="2000" dirty="0">
+                <a:solidFill>
+                  <a:srgbClr val="000000"/>
+                </a:solidFill>
+                <a:latin typeface="+mn-ea"/>
+              </a:rPr>
+              <a:t>;  </a:t>
+            </a:r>
+            <a:r>
+              <a:rPr lang="en-US" altLang="ja-JP" sz="2000" dirty="0">
+                <a:solidFill>
+                  <a:srgbClr val="00B050"/>
+                </a:solidFill>
+                <a:latin typeface="+mn-ea"/>
+              </a:rPr>
+              <a:t>//</a:t>
+            </a:r>
+            <a:r>
+              <a:rPr lang="ja-JP" altLang="en-US" sz="2000" dirty="0">
+                <a:solidFill>
+                  <a:srgbClr val="00B050"/>
+                </a:solidFill>
+                <a:latin typeface="+mn-ea"/>
+              </a:rPr>
+              <a:t>仮の最大値最小値</a:t>
+            </a:r>
+          </a:p>
+          <a:p>
+            <a:pPr marL="0" indent="0">
+              <a:buNone/>
+            </a:pPr>
+            <a:r>
+              <a:rPr lang="nn-NO" altLang="ja-JP" sz="2000" dirty="0">
+                <a:solidFill>
+                  <a:srgbClr val="0000FF"/>
+                </a:solidFill>
+                <a:ea typeface="ＭＳ ゴシック" panose="020B0609070205080204" pitchFamily="49" charset="-128"/>
+              </a:rPr>
+              <a:t>    for</a:t>
+            </a:r>
+            <a:r>
+              <a:rPr lang="nn-NO" altLang="ja-JP" sz="2000" dirty="0">
+                <a:solidFill>
+                  <a:srgbClr val="000000"/>
+                </a:solidFill>
+                <a:ea typeface="ＭＳ ゴシック" panose="020B0609070205080204" pitchFamily="49" charset="-128"/>
+              </a:rPr>
+              <a:t> (</a:t>
+            </a:r>
+            <a:r>
+              <a:rPr lang="nn-NO" altLang="ja-JP" sz="2000" dirty="0">
+                <a:solidFill>
+                  <a:srgbClr val="0000FF"/>
+                </a:solidFill>
+                <a:ea typeface="ＭＳ ゴシック" panose="020B0609070205080204" pitchFamily="49" charset="-128"/>
+              </a:rPr>
+              <a:t>auto</a:t>
+            </a:r>
+            <a:r>
+              <a:rPr lang="nn-NO" altLang="ja-JP" sz="2000" dirty="0">
+                <a:solidFill>
+                  <a:srgbClr val="000000"/>
+                </a:solidFill>
+                <a:ea typeface="ＭＳ ゴシック" panose="020B0609070205080204" pitchFamily="49" charset="-128"/>
+              </a:rPr>
+              <a:t> d : vec) {</a:t>
+            </a:r>
+          </a:p>
+          <a:p>
+            <a:pPr marL="0" indent="0">
+              <a:buNone/>
+            </a:pPr>
+            <a:r>
+              <a:rPr lang="en-US" altLang="ja-JP" sz="2000" dirty="0">
+                <a:solidFill>
+                  <a:srgbClr val="0000FF"/>
+                </a:solidFill>
+                <a:ea typeface="ＭＳ ゴシック" panose="020B0609070205080204" pitchFamily="49" charset="-128"/>
+              </a:rPr>
+              <a:t>        </a:t>
+            </a:r>
+            <a:r>
+              <a:rPr lang="en-US" altLang="ja-JP" sz="2800" dirty="0">
+                <a:solidFill>
+                  <a:srgbClr val="FF0000"/>
+                </a:solidFill>
+                <a:ea typeface="ＭＳ ゴシック" panose="020B0609070205080204" pitchFamily="49" charset="-128"/>
+              </a:rPr>
+              <a:t>compare( max, min, d );</a:t>
+            </a:r>
+          </a:p>
+          <a:p>
+            <a:pPr marL="0" indent="0">
+              <a:buNone/>
+            </a:pPr>
+            <a:r>
+              <a:rPr lang="en-US" altLang="ja-JP" sz="2000" dirty="0">
+                <a:solidFill>
+                  <a:srgbClr val="000000"/>
+                </a:solidFill>
+                <a:ea typeface="ＭＳ ゴシック" panose="020B0609070205080204" pitchFamily="49" charset="-128"/>
+              </a:rPr>
+              <a:t>    }</a:t>
+            </a:r>
+          </a:p>
+          <a:p>
+            <a:pPr marL="0" indent="0">
+              <a:buNone/>
+            </a:pPr>
+            <a:r>
+              <a:rPr lang="en-US" altLang="ja-JP" sz="2000" dirty="0">
+                <a:solidFill>
+                  <a:srgbClr val="000000"/>
+                </a:solidFill>
+                <a:ea typeface="ＭＳ ゴシック" panose="020B0609070205080204" pitchFamily="49" charset="-128"/>
+              </a:rPr>
+              <a:t>    </a:t>
+            </a:r>
+            <a:r>
+              <a:rPr lang="en-US" altLang="ja-JP" sz="2000" dirty="0" err="1">
+                <a:solidFill>
+                  <a:srgbClr val="000000"/>
+                </a:solidFill>
+                <a:ea typeface="ＭＳ ゴシック" panose="020B0609070205080204" pitchFamily="49" charset="-128"/>
+              </a:rPr>
+              <a:t>cout</a:t>
+            </a:r>
+            <a:r>
+              <a:rPr lang="en-US" altLang="ja-JP" sz="2000" dirty="0">
+                <a:solidFill>
+                  <a:srgbClr val="000000"/>
+                </a:solidFill>
+                <a:ea typeface="ＭＳ ゴシック" panose="020B0609070205080204" pitchFamily="49" charset="-128"/>
+              </a:rPr>
+              <a:t> </a:t>
+            </a:r>
+            <a:r>
+              <a:rPr lang="en-US" altLang="ja-JP" sz="2000" dirty="0">
+                <a:solidFill>
+                  <a:srgbClr val="008080"/>
+                </a:solidFill>
+                <a:ea typeface="ＭＳ ゴシック" panose="020B0609070205080204" pitchFamily="49" charset="-128"/>
+              </a:rPr>
+              <a:t>&lt;&lt;</a:t>
+            </a:r>
+            <a:r>
+              <a:rPr lang="en-US" altLang="ja-JP" sz="2000" dirty="0">
+                <a:solidFill>
+                  <a:srgbClr val="000000"/>
+                </a:solidFill>
+                <a:ea typeface="ＭＳ ゴシック" panose="020B0609070205080204" pitchFamily="49" charset="-128"/>
+              </a:rPr>
+              <a:t> </a:t>
+            </a:r>
+            <a:r>
+              <a:rPr lang="en-US" altLang="ja-JP" sz="2000" dirty="0">
+                <a:solidFill>
+                  <a:srgbClr val="A31515"/>
+                </a:solidFill>
+                <a:ea typeface="ＭＳ ゴシック" panose="020B0609070205080204" pitchFamily="49" charset="-128"/>
+              </a:rPr>
+              <a:t>"</a:t>
+            </a:r>
+            <a:r>
+              <a:rPr lang="ja-JP" altLang="en-US" sz="2000" dirty="0">
+                <a:solidFill>
+                  <a:srgbClr val="A31515"/>
+                </a:solidFill>
+                <a:latin typeface="+mn-ea"/>
+              </a:rPr>
+              <a:t>最大値</a:t>
+            </a:r>
+            <a:r>
+              <a:rPr lang="en-US" altLang="ja-JP" sz="2000" dirty="0">
+                <a:solidFill>
+                  <a:srgbClr val="A31515"/>
+                </a:solidFill>
+                <a:latin typeface="+mn-ea"/>
+              </a:rPr>
+              <a:t>:</a:t>
+            </a:r>
+            <a:r>
+              <a:rPr lang="en-US" altLang="ja-JP" sz="2000" dirty="0">
+                <a:solidFill>
+                  <a:srgbClr val="A31515"/>
+                </a:solidFill>
+                <a:ea typeface="ＭＳ ゴシック" panose="020B0609070205080204" pitchFamily="49" charset="-128"/>
+              </a:rPr>
+              <a:t>"</a:t>
+            </a:r>
+            <a:r>
+              <a:rPr lang="ja-JP" altLang="en-US" sz="2000" dirty="0">
+                <a:solidFill>
+                  <a:srgbClr val="000000"/>
+                </a:solidFill>
+                <a:ea typeface="ＭＳ ゴシック" panose="020B0609070205080204" pitchFamily="49" charset="-128"/>
+              </a:rPr>
+              <a:t> </a:t>
+            </a:r>
+            <a:r>
+              <a:rPr lang="en-US" altLang="ja-JP" sz="2000" dirty="0">
+                <a:solidFill>
+                  <a:srgbClr val="008080"/>
+                </a:solidFill>
+                <a:ea typeface="ＭＳ ゴシック" panose="020B0609070205080204" pitchFamily="49" charset="-128"/>
+              </a:rPr>
+              <a:t>&lt;&lt;</a:t>
+            </a:r>
+            <a:r>
+              <a:rPr lang="ja-JP" altLang="en-US" sz="2000" dirty="0">
+                <a:solidFill>
+                  <a:srgbClr val="000000"/>
+                </a:solidFill>
+                <a:ea typeface="ＭＳ ゴシック" panose="020B0609070205080204" pitchFamily="49" charset="-128"/>
+              </a:rPr>
+              <a:t> </a:t>
+            </a:r>
+            <a:r>
+              <a:rPr lang="en-US" altLang="ja-JP" sz="2000" dirty="0">
+                <a:solidFill>
+                  <a:srgbClr val="000000"/>
+                </a:solidFill>
+                <a:ea typeface="ＭＳ ゴシック" panose="020B0609070205080204" pitchFamily="49" charset="-128"/>
+              </a:rPr>
+              <a:t>max </a:t>
+            </a:r>
+            <a:r>
+              <a:rPr lang="en-US" altLang="ja-JP" sz="2000" dirty="0">
+                <a:solidFill>
+                  <a:srgbClr val="008080"/>
+                </a:solidFill>
+                <a:ea typeface="ＭＳ ゴシック" panose="020B0609070205080204" pitchFamily="49" charset="-128"/>
+              </a:rPr>
+              <a:t>&lt;&lt;</a:t>
+            </a:r>
+            <a:r>
+              <a:rPr lang="en-US" altLang="ja-JP" sz="2000" dirty="0">
+                <a:solidFill>
+                  <a:srgbClr val="000000"/>
+                </a:solidFill>
+                <a:ea typeface="ＭＳ ゴシック" panose="020B0609070205080204" pitchFamily="49" charset="-128"/>
+              </a:rPr>
+              <a:t> </a:t>
+            </a:r>
+            <a:r>
+              <a:rPr lang="en-US" altLang="ja-JP" sz="2000" dirty="0">
+                <a:solidFill>
+                  <a:srgbClr val="A31515"/>
+                </a:solidFill>
+                <a:ea typeface="ＭＳ ゴシック" panose="020B0609070205080204" pitchFamily="49" charset="-128"/>
+              </a:rPr>
+              <a:t>" </a:t>
+            </a:r>
+            <a:r>
+              <a:rPr lang="ja-JP" altLang="en-US" sz="2000" dirty="0">
+                <a:solidFill>
+                  <a:srgbClr val="A31515"/>
+                </a:solidFill>
+                <a:latin typeface="+mn-ea"/>
+              </a:rPr>
+              <a:t>最小値</a:t>
+            </a:r>
+            <a:r>
+              <a:rPr lang="en-US" altLang="ja-JP" sz="2000" dirty="0">
+                <a:solidFill>
+                  <a:srgbClr val="A31515"/>
+                </a:solidFill>
+                <a:latin typeface="+mn-ea"/>
+              </a:rPr>
+              <a:t>:</a:t>
+            </a:r>
+            <a:r>
+              <a:rPr lang="en-US" altLang="ja-JP" sz="2000" dirty="0">
+                <a:solidFill>
+                  <a:srgbClr val="A31515"/>
+                </a:solidFill>
+                <a:ea typeface="ＭＳ ゴシック" panose="020B0609070205080204" pitchFamily="49" charset="-128"/>
+              </a:rPr>
+              <a:t>"</a:t>
+            </a:r>
+            <a:r>
+              <a:rPr lang="ja-JP" altLang="en-US" sz="2000" dirty="0">
+                <a:solidFill>
+                  <a:srgbClr val="000000"/>
+                </a:solidFill>
+                <a:ea typeface="ＭＳ ゴシック" panose="020B0609070205080204" pitchFamily="49" charset="-128"/>
+              </a:rPr>
+              <a:t> </a:t>
+            </a:r>
+            <a:r>
+              <a:rPr lang="en-US" altLang="ja-JP" sz="2000" dirty="0">
+                <a:solidFill>
+                  <a:srgbClr val="008080"/>
+                </a:solidFill>
+                <a:ea typeface="ＭＳ ゴシック" panose="020B0609070205080204" pitchFamily="49" charset="-128"/>
+              </a:rPr>
+              <a:t>&lt;&lt;</a:t>
+            </a:r>
+            <a:r>
+              <a:rPr lang="ja-JP" altLang="en-US" sz="2000" dirty="0">
+                <a:solidFill>
+                  <a:srgbClr val="000000"/>
+                </a:solidFill>
+                <a:ea typeface="ＭＳ ゴシック" panose="020B0609070205080204" pitchFamily="49" charset="-128"/>
+              </a:rPr>
+              <a:t> </a:t>
+            </a:r>
+            <a:r>
+              <a:rPr lang="en-US" altLang="ja-JP" sz="2000" dirty="0">
+                <a:solidFill>
+                  <a:srgbClr val="000000"/>
+                </a:solidFill>
+                <a:ea typeface="ＭＳ ゴシック" panose="020B0609070205080204" pitchFamily="49" charset="-128"/>
+              </a:rPr>
+              <a:t>min </a:t>
+            </a:r>
+            <a:r>
+              <a:rPr lang="en-US" altLang="ja-JP" sz="2000" dirty="0">
+                <a:solidFill>
+                  <a:srgbClr val="008080"/>
+                </a:solidFill>
+                <a:ea typeface="ＭＳ ゴシック" panose="020B0609070205080204" pitchFamily="49" charset="-128"/>
+              </a:rPr>
+              <a:t>&lt;&lt;</a:t>
+            </a:r>
+            <a:r>
+              <a:rPr lang="en-US" altLang="ja-JP" sz="2000" dirty="0">
+                <a:solidFill>
+                  <a:srgbClr val="000000"/>
+                </a:solidFill>
+                <a:ea typeface="ＭＳ ゴシック" panose="020B0609070205080204" pitchFamily="49" charset="-128"/>
+              </a:rPr>
+              <a:t> </a:t>
+            </a:r>
+            <a:r>
+              <a:rPr lang="en-US" altLang="ja-JP" sz="2000" dirty="0" err="1">
+                <a:solidFill>
+                  <a:srgbClr val="000000"/>
+                </a:solidFill>
+                <a:ea typeface="ＭＳ ゴシック" panose="020B0609070205080204" pitchFamily="49" charset="-128"/>
+              </a:rPr>
+              <a:t>endl</a:t>
+            </a:r>
+            <a:r>
+              <a:rPr lang="en-US" altLang="ja-JP" sz="2000" dirty="0">
+                <a:solidFill>
+                  <a:srgbClr val="000000"/>
+                </a:solidFill>
+                <a:ea typeface="ＭＳ ゴシック" panose="020B0609070205080204" pitchFamily="49" charset="-128"/>
+              </a:rPr>
+              <a:t>;</a:t>
+            </a:r>
+            <a:endParaRPr lang="en-US" altLang="ja-JP" sz="2000" dirty="0"/>
+          </a:p>
+        </p:txBody>
+      </p:sp>
+      <p:sp>
+        <p:nvSpPr>
+          <p:cNvPr id="4" name="テキスト ボックス 3">
+            <a:extLst>
+              <a:ext uri="{FF2B5EF4-FFF2-40B4-BE49-F238E27FC236}">
+                <a16:creationId xmlns:a16="http://schemas.microsoft.com/office/drawing/2014/main" id="{36167C58-0781-4BAB-BAA5-8E3EEFBCFF26}"/>
+              </a:ext>
+            </a:extLst>
+          </p:cNvPr>
+          <p:cNvSpPr txBox="1"/>
+          <p:nvPr/>
+        </p:nvSpPr>
+        <p:spPr>
+          <a:xfrm>
+            <a:off x="6712786" y="639756"/>
+            <a:ext cx="4641014" cy="523220"/>
+          </a:xfrm>
+          <a:prstGeom prst="rect">
+            <a:avLst/>
+          </a:prstGeom>
+          <a:noFill/>
+        </p:spPr>
+        <p:txBody>
+          <a:bodyPr wrap="none" rtlCol="0">
+            <a:spAutoFit/>
+          </a:bodyPr>
+          <a:lstStyle/>
+          <a:p>
+            <a:r>
+              <a:rPr kumimoji="1" lang="en-US" altLang="ja-JP" sz="2800" dirty="0" err="1"/>
+              <a:t>PracVector</a:t>
+            </a:r>
+            <a:r>
+              <a:rPr kumimoji="1" lang="en-US" altLang="ja-JP" sz="2800" dirty="0"/>
+              <a:t>(main.cpp)</a:t>
+            </a:r>
+            <a:endParaRPr kumimoji="1" lang="ja-JP" altLang="en-US" sz="2800" dirty="0"/>
+          </a:p>
+        </p:txBody>
+      </p:sp>
+      <p:sp>
+        <p:nvSpPr>
+          <p:cNvPr id="7" name="コンテンツ プレースホルダー 2">
+            <a:extLst>
+              <a:ext uri="{FF2B5EF4-FFF2-40B4-BE49-F238E27FC236}">
+                <a16:creationId xmlns:a16="http://schemas.microsoft.com/office/drawing/2014/main" id="{A0A91DBA-07A3-8412-C833-6E69F85C1811}"/>
+              </a:ext>
+            </a:extLst>
+          </p:cNvPr>
+          <p:cNvSpPr txBox="1">
+            <a:spLocks/>
+          </p:cNvSpPr>
+          <p:nvPr/>
+        </p:nvSpPr>
+        <p:spPr>
+          <a:xfrm>
+            <a:off x="723089" y="3946186"/>
+            <a:ext cx="11144656" cy="2230878"/>
+          </a:xfrm>
+          <a:prstGeom prst="rect">
+            <a:avLst/>
+          </a:prstGeom>
+          <a:solidFill>
+            <a:schemeClr val="bg1"/>
+          </a:solidFill>
+          <a:ln>
+            <a:solidFill>
+              <a:schemeClr val="tx1"/>
+            </a:solidFill>
+          </a:ln>
+        </p:spPr>
+        <p:txBody>
+          <a:bodyPr vert="horz" lIns="91440" tIns="45720" rIns="91440" bIns="45720" rtlCol="0">
+            <a:noAutofit/>
+          </a:bodyPr>
+          <a:lstStyle>
+            <a:lvl1pPr marL="228600" indent="-228600" algn="l" defTabSz="914400" rtl="0" eaLnBrk="1" latinLnBrk="0" hangingPunct="1">
+              <a:lnSpc>
+                <a:spcPct val="90000"/>
+              </a:lnSpc>
+              <a:spcBef>
+                <a:spcPts val="1000"/>
+              </a:spcBef>
+              <a:buFont typeface="Arial" panose="020B0604020202020204" pitchFamily="34" charset="0"/>
+              <a:buChar char="•"/>
+              <a:defRPr kumimoji="1" sz="3600" kern="1200">
+                <a:solidFill>
+                  <a:schemeClr val="tx1"/>
+                </a:solidFill>
+                <a:latin typeface="+mn-lt"/>
+                <a:ea typeface="+mn-ea"/>
+                <a:cs typeface="+mn-cs"/>
+              </a:defRPr>
+            </a:lvl1pPr>
+            <a:lvl2pPr marL="685800" indent="-228600" algn="l" defTabSz="914400" rtl="0" eaLnBrk="1" latinLnBrk="0" hangingPunct="1">
+              <a:lnSpc>
+                <a:spcPct val="90000"/>
+              </a:lnSpc>
+              <a:spcBef>
+                <a:spcPts val="500"/>
+              </a:spcBef>
+              <a:buFont typeface="Arial" panose="020B0604020202020204" pitchFamily="34" charset="0"/>
+              <a:buChar char="•"/>
+              <a:defRPr kumimoji="1" sz="3200" kern="1200">
+                <a:solidFill>
+                  <a:schemeClr val="tx1"/>
+                </a:solidFill>
+                <a:latin typeface="+mn-lt"/>
+                <a:ea typeface="+mn-ea"/>
+                <a:cs typeface="+mn-cs"/>
+              </a:defRPr>
+            </a:lvl2pPr>
+            <a:lvl3pPr marL="1143000" indent="-228600" algn="l" defTabSz="914400" rtl="0" eaLnBrk="1" latinLnBrk="0" hangingPunct="1">
+              <a:lnSpc>
+                <a:spcPct val="90000"/>
+              </a:lnSpc>
+              <a:spcBef>
+                <a:spcPts val="500"/>
+              </a:spcBef>
+              <a:buFont typeface="Arial" panose="020B0604020202020204" pitchFamily="34" charset="0"/>
+              <a:buChar char="•"/>
+              <a:defRPr kumimoji="1" sz="2800" kern="1200">
+                <a:solidFill>
+                  <a:schemeClr val="tx1"/>
+                </a:solidFill>
+                <a:latin typeface="+mn-lt"/>
+                <a:ea typeface="+mn-ea"/>
+                <a:cs typeface="+mn-cs"/>
+              </a:defRPr>
+            </a:lvl3pPr>
+            <a:lvl4pPr marL="1600200" indent="-228600" algn="l" defTabSz="914400" rtl="0" eaLnBrk="1" latinLnBrk="0" hangingPunct="1">
+              <a:lnSpc>
+                <a:spcPct val="90000"/>
+              </a:lnSpc>
+              <a:spcBef>
+                <a:spcPts val="500"/>
+              </a:spcBef>
+              <a:buFont typeface="Arial" panose="020B0604020202020204" pitchFamily="34" charset="0"/>
+              <a:buChar char="•"/>
+              <a:defRPr kumimoji="1" sz="2400" kern="1200">
+                <a:solidFill>
+                  <a:schemeClr val="tx1"/>
+                </a:solidFill>
+                <a:latin typeface="+mn-lt"/>
+                <a:ea typeface="+mn-ea"/>
+                <a:cs typeface="+mn-cs"/>
+              </a:defRPr>
+            </a:lvl4pPr>
+            <a:lvl5pPr marL="2057400" indent="-228600" algn="l" defTabSz="914400" rtl="0" eaLnBrk="1" latinLnBrk="0" hangingPunct="1">
+              <a:lnSpc>
+                <a:spcPct val="90000"/>
+              </a:lnSpc>
+              <a:spcBef>
+                <a:spcPts val="500"/>
+              </a:spcBef>
+              <a:buFont typeface="Arial" panose="020B0604020202020204" pitchFamily="34" charset="0"/>
+              <a:buChar char="•"/>
+              <a:defRPr kumimoji="1" sz="2400" kern="1200">
+                <a:solidFill>
+                  <a:schemeClr val="tx1"/>
+                </a:solidFill>
+                <a:latin typeface="+mn-lt"/>
+                <a:ea typeface="+mn-ea"/>
+                <a:cs typeface="+mn-cs"/>
+              </a:defRPr>
+            </a:lvl5pPr>
+            <a:lvl6pPr marL="2514600" indent="-228600" algn="l" defTabSz="914400" rtl="0" eaLnBrk="1" latinLnBrk="0" hangingPunct="1">
+              <a:lnSpc>
+                <a:spcPct val="90000"/>
+              </a:lnSpc>
+              <a:spcBef>
+                <a:spcPts val="500"/>
+              </a:spcBef>
+              <a:buFont typeface="Arial" panose="020B0604020202020204" pitchFamily="34" charset="0"/>
+              <a:buChar char="•"/>
+              <a:defRPr kumimoji="1" sz="1800" kern="1200">
+                <a:solidFill>
+                  <a:schemeClr val="tx1"/>
+                </a:solidFill>
+                <a:latin typeface="+mn-lt"/>
+                <a:ea typeface="+mn-ea"/>
+                <a:cs typeface="+mn-cs"/>
+              </a:defRPr>
+            </a:lvl6pPr>
+            <a:lvl7pPr marL="2971800" indent="-228600" algn="l" defTabSz="914400" rtl="0" eaLnBrk="1" latinLnBrk="0" hangingPunct="1">
+              <a:lnSpc>
+                <a:spcPct val="90000"/>
+              </a:lnSpc>
+              <a:spcBef>
+                <a:spcPts val="500"/>
+              </a:spcBef>
+              <a:buFont typeface="Arial" panose="020B0604020202020204" pitchFamily="34" charset="0"/>
+              <a:buChar char="•"/>
+              <a:defRPr kumimoji="1" sz="1800" kern="1200">
+                <a:solidFill>
+                  <a:schemeClr val="tx1"/>
+                </a:solidFill>
+                <a:latin typeface="+mn-lt"/>
+                <a:ea typeface="+mn-ea"/>
+                <a:cs typeface="+mn-cs"/>
+              </a:defRPr>
+            </a:lvl7pPr>
+            <a:lvl8pPr marL="3429000" indent="-228600" algn="l" defTabSz="914400" rtl="0" eaLnBrk="1" latinLnBrk="0" hangingPunct="1">
+              <a:lnSpc>
+                <a:spcPct val="90000"/>
+              </a:lnSpc>
+              <a:spcBef>
+                <a:spcPts val="500"/>
+              </a:spcBef>
+              <a:buFont typeface="Arial" panose="020B0604020202020204" pitchFamily="34" charset="0"/>
+              <a:buChar char="•"/>
+              <a:defRPr kumimoji="1" sz="1800" kern="1200">
+                <a:solidFill>
+                  <a:schemeClr val="tx1"/>
+                </a:solidFill>
+                <a:latin typeface="+mn-lt"/>
+                <a:ea typeface="+mn-ea"/>
+                <a:cs typeface="+mn-cs"/>
+              </a:defRPr>
+            </a:lvl8pPr>
+            <a:lvl9pPr marL="3886200" indent="-228600" algn="l" defTabSz="914400" rtl="0" eaLnBrk="1" latinLnBrk="0" hangingPunct="1">
+              <a:lnSpc>
+                <a:spcPct val="90000"/>
+              </a:lnSpc>
+              <a:spcBef>
+                <a:spcPts val="500"/>
+              </a:spcBef>
+              <a:buFont typeface="Arial" panose="020B0604020202020204" pitchFamily="34" charset="0"/>
+              <a:buChar char="•"/>
+              <a:defRPr kumimoji="1" sz="1800" kern="1200">
+                <a:solidFill>
+                  <a:schemeClr val="tx1"/>
+                </a:solidFill>
+                <a:latin typeface="+mn-lt"/>
+                <a:ea typeface="+mn-ea"/>
+                <a:cs typeface="+mn-cs"/>
+              </a:defRPr>
+            </a:lvl9pPr>
+          </a:lstStyle>
+          <a:p>
+            <a:pPr marL="0" indent="0">
+              <a:buFont typeface="Arial" panose="020B0604020202020204" pitchFamily="34" charset="0"/>
+              <a:buNone/>
+            </a:pPr>
+            <a:r>
+              <a:rPr lang="en-US" altLang="ja-JP" sz="2600" dirty="0">
+                <a:solidFill>
+                  <a:srgbClr val="FF0000"/>
+                </a:solidFill>
+                <a:ea typeface="ＭＳ ゴシック" panose="020B0609070205080204" pitchFamily="49" charset="-128"/>
+              </a:rPr>
+              <a:t>void compare(int&amp; max, int&amp; min, const int&amp; data ){</a:t>
+            </a:r>
+          </a:p>
+          <a:p>
+            <a:pPr marL="0" indent="0">
+              <a:buNone/>
+            </a:pPr>
+            <a:r>
+              <a:rPr lang="en-US" altLang="ja-JP" sz="2800" dirty="0">
+                <a:solidFill>
+                  <a:srgbClr val="0000FF"/>
+                </a:solidFill>
+                <a:ea typeface="ＭＳ ゴシック" panose="020B0609070205080204" pitchFamily="49" charset="-128"/>
+              </a:rPr>
+              <a:t>    </a:t>
+            </a:r>
+            <a:r>
+              <a:rPr lang="en-US" altLang="ja-JP" sz="2800" dirty="0">
+                <a:solidFill>
+                  <a:srgbClr val="000000"/>
+                </a:solidFill>
+                <a:ea typeface="ＭＳ ゴシック" panose="020B0609070205080204" pitchFamily="49" charset="-128"/>
+              </a:rPr>
+              <a:t>max = max &lt; data ? data : max;</a:t>
+            </a:r>
+          </a:p>
+          <a:p>
+            <a:pPr marL="0" indent="0">
+              <a:buFont typeface="Arial" panose="020B0604020202020204" pitchFamily="34" charset="0"/>
+              <a:buNone/>
+            </a:pPr>
+            <a:r>
+              <a:rPr lang="en-US" altLang="ja-JP" sz="2800" dirty="0">
+                <a:solidFill>
+                  <a:srgbClr val="0000FF"/>
+                </a:solidFill>
+                <a:ea typeface="ＭＳ ゴシック" panose="020B0609070205080204" pitchFamily="49" charset="-128"/>
+              </a:rPr>
+              <a:t>    </a:t>
+            </a:r>
+            <a:r>
+              <a:rPr lang="en-US" altLang="ja-JP" sz="2800" dirty="0">
+                <a:solidFill>
+                  <a:srgbClr val="000000"/>
+                </a:solidFill>
+                <a:ea typeface="ＭＳ ゴシック" panose="020B0609070205080204" pitchFamily="49" charset="-128"/>
+              </a:rPr>
+              <a:t>min = min &gt; data ? data : min;</a:t>
+            </a:r>
+          </a:p>
+          <a:p>
+            <a:pPr marL="0" indent="0">
+              <a:buFont typeface="Arial" panose="020B0604020202020204" pitchFamily="34" charset="0"/>
+              <a:buNone/>
+            </a:pPr>
+            <a:r>
+              <a:rPr lang="en-US" altLang="ja-JP" sz="2800" dirty="0">
+                <a:solidFill>
+                  <a:srgbClr val="FF0000"/>
+                </a:solidFill>
+                <a:ea typeface="ＭＳ ゴシック" panose="020B0609070205080204" pitchFamily="49" charset="-128"/>
+              </a:rPr>
+              <a:t>} </a:t>
+            </a:r>
+            <a:r>
+              <a:rPr lang="en-US" altLang="ja-JP" sz="2800" dirty="0">
+                <a:solidFill>
+                  <a:srgbClr val="00B050"/>
+                </a:solidFill>
+                <a:latin typeface="+mn-ea"/>
+              </a:rPr>
+              <a:t>//</a:t>
+            </a:r>
+            <a:r>
+              <a:rPr lang="ja-JP" altLang="en-US" sz="2800" dirty="0">
+                <a:solidFill>
+                  <a:srgbClr val="00B050"/>
+                </a:solidFill>
+                <a:latin typeface="+mn-ea"/>
+              </a:rPr>
+              <a:t>条件演算子を使った書き方</a:t>
+            </a:r>
+            <a:endParaRPr lang="en-US" altLang="ja-JP" sz="2000" dirty="0">
+              <a:solidFill>
+                <a:srgbClr val="00B050"/>
+              </a:solidFill>
+              <a:latin typeface="+mn-ea"/>
+            </a:endParaRPr>
+          </a:p>
+        </p:txBody>
+      </p:sp>
+    </p:spTree>
+    <p:extLst>
+      <p:ext uri="{BB962C8B-B14F-4D97-AF65-F5344CB8AC3E}">
+        <p14:creationId xmlns:p14="http://schemas.microsoft.com/office/powerpoint/2010/main" val="3303280114"/>
+      </p:ext>
+    </p:extLst>
+  </p:cSld>
+  <p:clrMapOvr>
+    <a:masterClrMapping/>
+  </p:clrMapOvr>
+</p:sld>
+</file>
+
+<file path=ppt/slides/slide19.xml><?xml version="1.0" encoding="utf-8"?>
+<p:sld xmlns:a="http://schemas.openxmlformats.org/drawingml/2006/main" xmlns:r="http://schemas.openxmlformats.org/officeDocument/2006/relationships" xmlns:p="http://schemas.openxmlformats.org/presentationml/2006/main">
+  <p:cSld>
+    <p:spTree>
+      <p:nvGrpSpPr>
+        <p:cNvPr id="1" name=""/>
+        <p:cNvGrpSpPr/>
+        <p:nvPr/>
+      </p:nvGrpSpPr>
+      <p:grpSpPr>
+        <a:xfrm>
+          <a:off x="0" y="0"/>
+          <a:ext cx="0" cy="0"/>
+          <a:chOff x="0" y="0"/>
+          <a:chExt cx="0" cy="0"/>
+        </a:xfrm>
+      </p:grpSpPr>
+      <p:sp>
+        <p:nvSpPr>
+          <p:cNvPr id="2" name="タイトル 1">
+            <a:extLst>
+              <a:ext uri="{FF2B5EF4-FFF2-40B4-BE49-F238E27FC236}">
+                <a16:creationId xmlns:a16="http://schemas.microsoft.com/office/drawing/2014/main" id="{9F789731-37C4-49DD-AEE8-78E5514E279E}"/>
+              </a:ext>
+            </a:extLst>
+          </p:cNvPr>
+          <p:cNvSpPr>
+            <a:spLocks noGrp="1"/>
+          </p:cNvSpPr>
+          <p:nvPr>
+            <p:ph type="title"/>
+          </p:nvPr>
+        </p:nvSpPr>
+        <p:spPr/>
+        <p:txBody>
+          <a:bodyPr/>
+          <a:lstStyle/>
+          <a:p>
+            <a:r>
+              <a:rPr kumimoji="1" lang="ja-JP" altLang="en-US" dirty="0"/>
+              <a:t>演習：</a:t>
+            </a:r>
+            <a:r>
+              <a:rPr kumimoji="1" lang="en-US" altLang="ja-JP" dirty="0"/>
+              <a:t>vector</a:t>
+            </a:r>
+            <a:r>
+              <a:rPr kumimoji="1" lang="ja-JP" altLang="en-US" dirty="0"/>
+              <a:t>（おまけ）</a:t>
+            </a:r>
+          </a:p>
+        </p:txBody>
+      </p:sp>
+      <p:sp>
+        <p:nvSpPr>
+          <p:cNvPr id="7" name="コンテンツ プレースホルダー 2">
+            <a:extLst>
+              <a:ext uri="{FF2B5EF4-FFF2-40B4-BE49-F238E27FC236}">
+                <a16:creationId xmlns:a16="http://schemas.microsoft.com/office/drawing/2014/main" id="{A0A91DBA-07A3-8412-C833-6E69F85C1811}"/>
+              </a:ext>
+            </a:extLst>
+          </p:cNvPr>
+          <p:cNvSpPr txBox="1">
+            <a:spLocks/>
+          </p:cNvSpPr>
+          <p:nvPr/>
+        </p:nvSpPr>
+        <p:spPr>
+          <a:xfrm>
+            <a:off x="509079" y="4668080"/>
             <a:ext cx="11468911" cy="1627763"/>
           </a:xfrm>
           <a:prstGeom prst="rect">
@@ -8315,7 +10118,7 @@
               <a:t>max = *</a:t>
             </a:r>
             <a:r>
-              <a:rPr lang="en-US" altLang="ja-JP" sz="2800" dirty="0" err="1">
+              <a:rPr lang="en-US" altLang="ja-JP" sz="3200" dirty="0" err="1">
                 <a:solidFill>
                   <a:srgbClr val="FF0000"/>
                 </a:solidFill>
@@ -8383,7 +10186,7 @@
               <a:t>min = *</a:t>
             </a:r>
             <a:r>
-              <a:rPr lang="en-US" altLang="ja-JP" sz="2800" dirty="0" err="1">
+              <a:rPr lang="en-US" altLang="ja-JP" sz="3200" dirty="0" err="1">
                 <a:solidFill>
                   <a:srgbClr val="0070C0"/>
                 </a:solidFill>
@@ -8442,214 +10245,109 @@
               <a:buNone/>
             </a:pPr>
             <a:r>
-              <a:rPr lang="en-US" altLang="ja-JP" sz="2800" dirty="0" err="1">
-                <a:solidFill>
-                  <a:srgbClr val="000000"/>
-                </a:solidFill>
+              <a:rPr lang="en-US" altLang="ja-JP" sz="2400" dirty="0" err="1">
                 <a:ea typeface="ＭＳ ゴシック" panose="020B0609070205080204" pitchFamily="49" charset="-128"/>
               </a:rPr>
               <a:t>cout</a:t>
             </a:r>
             <a:r>
-              <a:rPr lang="en-US" altLang="ja-JP" sz="2800" dirty="0">
-                <a:solidFill>
-                  <a:srgbClr val="000000"/>
-                </a:solidFill>
-                <a:ea typeface="ＭＳ ゴシック" panose="020B0609070205080204" pitchFamily="49" charset="-128"/>
-              </a:rPr>
-              <a:t> &lt;&lt; </a:t>
-            </a:r>
-            <a:r>
-              <a:rPr lang="en-US" altLang="ja-JP" sz="2800" dirty="0">
-                <a:solidFill>
-                  <a:srgbClr val="A31515"/>
-                </a:solidFill>
+              <a:rPr lang="en-US" altLang="ja-JP" sz="2400" dirty="0">
+                <a:ea typeface="ＭＳ ゴシック" panose="020B0609070205080204" pitchFamily="49" charset="-128"/>
+              </a:rPr>
+              <a:t> &lt;&lt; "</a:t>
+            </a:r>
+            <a:r>
+              <a:rPr lang="ja-JP" altLang="en-US" sz="2400" dirty="0">
+                <a:latin typeface="+mn-ea"/>
+              </a:rPr>
+              <a:t>最大値</a:t>
+            </a:r>
+            <a:r>
+              <a:rPr lang="en-US" altLang="ja-JP" sz="2400" dirty="0">
+                <a:latin typeface="+mn-ea"/>
+              </a:rPr>
+              <a:t>:</a:t>
+            </a:r>
+            <a:r>
+              <a:rPr lang="en-US" altLang="ja-JP" sz="2400" dirty="0">
                 <a:ea typeface="ＭＳ ゴシック" panose="020B0609070205080204" pitchFamily="49" charset="-128"/>
               </a:rPr>
               <a:t>"</a:t>
             </a:r>
             <a:r>
-              <a:rPr lang="ja-JP" altLang="en-US" sz="2800" dirty="0">
-                <a:solidFill>
-                  <a:srgbClr val="A31515"/>
-                </a:solidFill>
+              <a:rPr lang="ja-JP" altLang="en-US" sz="2400" dirty="0">
+                <a:ea typeface="ＭＳ ゴシック" panose="020B0609070205080204" pitchFamily="49" charset="-128"/>
+              </a:rPr>
+              <a:t> </a:t>
+            </a:r>
+            <a:r>
+              <a:rPr lang="en-US" altLang="ja-JP" sz="2400" dirty="0">
+                <a:ea typeface="ＭＳ ゴシック" panose="020B0609070205080204" pitchFamily="49" charset="-128"/>
+              </a:rPr>
+              <a:t>&lt;&lt;</a:t>
+            </a:r>
+            <a:r>
+              <a:rPr lang="ja-JP" altLang="en-US" sz="2400" dirty="0">
+                <a:ea typeface="ＭＳ ゴシック" panose="020B0609070205080204" pitchFamily="49" charset="-128"/>
+              </a:rPr>
+              <a:t> </a:t>
+            </a:r>
+            <a:r>
+              <a:rPr lang="en-US" altLang="ja-JP" sz="2400" dirty="0">
+                <a:ea typeface="ＭＳ ゴシック" panose="020B0609070205080204" pitchFamily="49" charset="-128"/>
+              </a:rPr>
+              <a:t>max &lt;&lt; " </a:t>
+            </a:r>
+            <a:r>
+              <a:rPr lang="ja-JP" altLang="en-US" sz="2400" dirty="0">
                 <a:latin typeface="+mn-ea"/>
               </a:rPr>
-              <a:t>最大値</a:t>
-            </a:r>
-            <a:r>
-              <a:rPr lang="en-US" altLang="ja-JP" sz="2800" dirty="0">
-                <a:solidFill>
-                  <a:srgbClr val="A31515"/>
-                </a:solidFill>
+              <a:t>最小値</a:t>
+            </a:r>
+            <a:r>
+              <a:rPr lang="en-US" altLang="ja-JP" sz="2400" dirty="0">
                 <a:latin typeface="+mn-ea"/>
               </a:rPr>
               <a:t>:</a:t>
             </a:r>
             <a:r>
-              <a:rPr lang="en-US" altLang="ja-JP" sz="2800" dirty="0">
-                <a:solidFill>
-                  <a:srgbClr val="A31515"/>
-                </a:solidFill>
+              <a:rPr lang="en-US" altLang="ja-JP" sz="2400" dirty="0">
                 <a:ea typeface="ＭＳ ゴシック" panose="020B0609070205080204" pitchFamily="49" charset="-128"/>
               </a:rPr>
               <a:t>"</a:t>
             </a:r>
             <a:r>
-              <a:rPr lang="ja-JP" altLang="en-US" sz="2800" dirty="0">
-                <a:solidFill>
-                  <a:srgbClr val="000000"/>
-                </a:solidFill>
+              <a:rPr lang="ja-JP" altLang="en-US" sz="2400" dirty="0">
                 <a:ea typeface="ＭＳ ゴシック" panose="020B0609070205080204" pitchFamily="49" charset="-128"/>
               </a:rPr>
               <a:t> </a:t>
             </a:r>
             <a:r>
-              <a:rPr lang="en-US" altLang="ja-JP" sz="2800" dirty="0">
-                <a:solidFill>
-                  <a:srgbClr val="008080"/>
-                </a:solidFill>
+              <a:rPr lang="en-US" altLang="ja-JP" sz="2400" dirty="0">
                 <a:ea typeface="ＭＳ ゴシック" panose="020B0609070205080204" pitchFamily="49" charset="-128"/>
               </a:rPr>
               <a:t>&lt;&lt;</a:t>
             </a:r>
             <a:r>
-              <a:rPr lang="ja-JP" altLang="en-US" sz="2800" dirty="0">
-                <a:solidFill>
-                  <a:srgbClr val="000000"/>
-                </a:solidFill>
+              <a:rPr lang="ja-JP" altLang="en-US" sz="2400" dirty="0">
                 <a:ea typeface="ＭＳ ゴシック" panose="020B0609070205080204" pitchFamily="49" charset="-128"/>
               </a:rPr>
               <a:t> </a:t>
             </a:r>
             <a:r>
-              <a:rPr lang="en-US" altLang="ja-JP" sz="2800" dirty="0">
-                <a:solidFill>
-                  <a:srgbClr val="000000"/>
-                </a:solidFill>
-                <a:ea typeface="ＭＳ ゴシック" panose="020B0609070205080204" pitchFamily="49" charset="-128"/>
-              </a:rPr>
-              <a:t>max </a:t>
-            </a:r>
-            <a:r>
-              <a:rPr lang="en-US" altLang="ja-JP" sz="2800" dirty="0">
-                <a:solidFill>
-                  <a:srgbClr val="008080"/>
-                </a:solidFill>
-                <a:ea typeface="ＭＳ ゴシック" panose="020B0609070205080204" pitchFamily="49" charset="-128"/>
-              </a:rPr>
-              <a:t>&lt;&lt;</a:t>
-            </a:r>
-            <a:r>
-              <a:rPr lang="en-US" altLang="ja-JP" sz="2800" dirty="0">
-                <a:solidFill>
-                  <a:srgbClr val="000000"/>
-                </a:solidFill>
-                <a:ea typeface="ＭＳ ゴシック" panose="020B0609070205080204" pitchFamily="49" charset="-128"/>
-              </a:rPr>
-              <a:t> </a:t>
-            </a:r>
-            <a:r>
-              <a:rPr lang="en-US" altLang="ja-JP" sz="2800" dirty="0">
-                <a:solidFill>
-                  <a:srgbClr val="A31515"/>
-                </a:solidFill>
-                <a:ea typeface="ＭＳ ゴシック" panose="020B0609070205080204" pitchFamily="49" charset="-128"/>
-              </a:rPr>
-              <a:t>" </a:t>
-            </a:r>
-            <a:r>
-              <a:rPr lang="ja-JP" altLang="en-US" sz="2800" dirty="0">
-                <a:solidFill>
-                  <a:srgbClr val="A31515"/>
-                </a:solidFill>
-                <a:latin typeface="+mn-ea"/>
-              </a:rPr>
-              <a:t>最小値</a:t>
-            </a:r>
-            <a:r>
-              <a:rPr lang="en-US" altLang="ja-JP" sz="2800" dirty="0">
-                <a:solidFill>
-                  <a:srgbClr val="A31515"/>
-                </a:solidFill>
-                <a:latin typeface="+mn-ea"/>
-              </a:rPr>
-              <a:t>:</a:t>
-            </a:r>
-            <a:r>
-              <a:rPr lang="en-US" altLang="ja-JP" sz="2800" dirty="0">
-                <a:solidFill>
-                  <a:srgbClr val="A31515"/>
-                </a:solidFill>
-                <a:ea typeface="ＭＳ ゴシック" panose="020B0609070205080204" pitchFamily="49" charset="-128"/>
-              </a:rPr>
-              <a:t>"</a:t>
-            </a:r>
-            <a:r>
-              <a:rPr lang="ja-JP" altLang="en-US" sz="2800" dirty="0">
-                <a:solidFill>
-                  <a:srgbClr val="000000"/>
-                </a:solidFill>
-                <a:ea typeface="ＭＳ ゴシック" panose="020B0609070205080204" pitchFamily="49" charset="-128"/>
-              </a:rPr>
-              <a:t> </a:t>
-            </a:r>
-            <a:r>
-              <a:rPr lang="en-US" altLang="ja-JP" sz="2800" dirty="0">
-                <a:solidFill>
-                  <a:srgbClr val="008080"/>
-                </a:solidFill>
-                <a:ea typeface="ＭＳ ゴシック" panose="020B0609070205080204" pitchFamily="49" charset="-128"/>
-              </a:rPr>
-              <a:t>&lt;&lt;</a:t>
-            </a:r>
-            <a:r>
-              <a:rPr lang="ja-JP" altLang="en-US" sz="2800" dirty="0">
-                <a:solidFill>
-                  <a:srgbClr val="000000"/>
-                </a:solidFill>
-                <a:ea typeface="ＭＳ ゴシック" panose="020B0609070205080204" pitchFamily="49" charset="-128"/>
-              </a:rPr>
-              <a:t> </a:t>
-            </a:r>
-            <a:r>
-              <a:rPr lang="en-US" altLang="ja-JP" sz="2800" dirty="0">
-                <a:solidFill>
-                  <a:srgbClr val="000000"/>
-                </a:solidFill>
-                <a:ea typeface="ＭＳ ゴシック" panose="020B0609070205080204" pitchFamily="49" charset="-128"/>
-              </a:rPr>
-              <a:t>min </a:t>
-            </a:r>
-            <a:r>
-              <a:rPr lang="en-US" altLang="ja-JP" sz="2800" dirty="0">
-                <a:solidFill>
-                  <a:srgbClr val="008080"/>
-                </a:solidFill>
-                <a:ea typeface="ＭＳ ゴシック" panose="020B0609070205080204" pitchFamily="49" charset="-128"/>
-              </a:rPr>
-              <a:t>&lt;&lt;</a:t>
-            </a:r>
-            <a:r>
-              <a:rPr lang="en-US" altLang="ja-JP" sz="2800" dirty="0">
-                <a:solidFill>
-                  <a:srgbClr val="000000"/>
-                </a:solidFill>
-                <a:ea typeface="ＭＳ ゴシック" panose="020B0609070205080204" pitchFamily="49" charset="-128"/>
-              </a:rPr>
-              <a:t> </a:t>
-            </a:r>
-            <a:r>
-              <a:rPr lang="en-US" altLang="ja-JP" sz="2800" dirty="0" err="1">
-                <a:solidFill>
-                  <a:srgbClr val="000000"/>
-                </a:solidFill>
+              <a:rPr lang="en-US" altLang="ja-JP" sz="2400" dirty="0">
+                <a:ea typeface="ＭＳ ゴシック" panose="020B0609070205080204" pitchFamily="49" charset="-128"/>
+              </a:rPr>
+              <a:t>min &lt;&lt; </a:t>
+            </a:r>
+            <a:r>
+              <a:rPr lang="en-US" altLang="ja-JP" sz="2400" dirty="0" err="1">
                 <a:ea typeface="ＭＳ ゴシック" panose="020B0609070205080204" pitchFamily="49" charset="-128"/>
               </a:rPr>
               <a:t>endl</a:t>
             </a:r>
             <a:r>
-              <a:rPr lang="en-US" altLang="ja-JP" sz="2800" dirty="0">
+              <a:rPr lang="en-US" altLang="ja-JP" sz="2400" dirty="0">
                 <a:solidFill>
                   <a:srgbClr val="000000"/>
                 </a:solidFill>
@@ -8766,39 +10464,44 @@
               <a:rPr lang="en-US" altLang="ja-JP" dirty="0"/>
             </a:br>
             <a:r>
-              <a:rPr lang="ja-JP" altLang="en-US" dirty="0"/>
+              <a:rPr lang="ja-JP" altLang="en-US" sz="3200" dirty="0"/>
               <a:t>イテレータ</a:t>
             </a:r>
             <a:r>
-              <a:rPr lang="en-US" altLang="ja-JP" dirty="0"/>
+              <a:rPr lang="en-US" altLang="ja-JP" sz="3200" dirty="0"/>
               <a:t>1</a:t>
             </a:r>
             <a:r>
-              <a:rPr lang="ja-JP" altLang="en-US" dirty="0"/>
+              <a:rPr lang="ja-JP" altLang="en-US" sz="3200" dirty="0"/>
               <a:t>～イテレータ</a:t>
             </a:r>
             <a:r>
-              <a:rPr lang="en-US" altLang="ja-JP" dirty="0"/>
+              <a:rPr lang="en-US" altLang="ja-JP" sz="3200" dirty="0"/>
               <a:t>2</a:t>
             </a:r>
             <a:r>
-              <a:rPr lang="ja-JP" altLang="en-US" dirty="0"/>
-              <a:t>までの範囲で最大値・</a:t>
+              <a:rPr lang="ja-JP" altLang="en-US" sz="3200" dirty="0"/>
+              <a:t>までの範囲で最大値・最小値のあるイテレータを返す標準関数が</a:t>
+            </a:r>
+            <a:r>
+              <a:rPr lang="en-US" altLang="ja-JP" sz="3200" dirty="0"/>
+              <a:t>C++</a:t>
+            </a:r>
+            <a:r>
+              <a:rPr lang="ja-JP" altLang="en-US" sz="3200" dirty="0"/>
+              <a:t>では実装済み</a:t>
             </a:r>
             <a:br>
-              <a:rPr lang="en-US" altLang="ja-JP" dirty="0"/>
+              <a:rPr lang="en-US" altLang="ja-JP" sz="1600" dirty="0"/>
             </a:br>
-            <a:r>
-              <a:rPr lang="ja-JP" altLang="en-US" dirty="0"/>
-              <a:t>最小値のイテレータを返す標準関数が存在する</a:t>
-            </a:r>
             <a:br>
-              <a:rPr lang="en-US" altLang="ja-JP" dirty="0"/>
+              <a:rPr lang="en-US" altLang="ja-JP" sz="1600" dirty="0"/>
             </a:br>
             <a:r>
-              <a:rPr lang="ja-JP" altLang="en-US" dirty="0"/>
-              <a:t>これを使用するとループ処理が不要になる</a:t>
-            </a:r>
+              <a:rPr lang="ja-JP" altLang="en-US" sz="3200" dirty="0"/>
+              <a:t>これらを使用するとループ処理がそもそも不要になる</a:t>
+            </a:r>
+            <a:endParaRPr lang="ja-JP" altLang="en-US" dirty="0"/>
           </a:p>
         </p:txBody>
       </p:sp>
@@ -13160,7 +14863,7 @@
                 </a:solidFill>
                 <a:ea typeface="ＭＳ ゴシック" panose="020B0609070205080204" pitchFamily="49" charset="-128"/>
               </a:rPr>
-              <a:t> itr : vec) {</a:t>
+              <a:t> d : vec) {</a:t>
             </a:r>
           </a:p>
           <a:p>
@@ -13183,25 +14886,7 @@
                 </a:solidFill>
                 <a:ea typeface="ＭＳ ゴシック" panose="020B0609070205080204" pitchFamily="49" charset="-128"/>
               </a:rPr>
-              <a:t>compare( max, min, </a:t>
-            </a:r>
-            <a:r>
-              <a:rPr lang="en-US" altLang="ja-JP" sz="2800" dirty="0" err="1">
-                <a:solidFill>
-                  <a:srgbClr val="FF0000"/>
-                </a:solidFill>
-                <a:ea typeface="ＭＳ ゴシック" panose="020B0609070205080204" pitchFamily="49" charset="-128"/>
-              </a:rPr>
-              <a:t>itr</a:t>
-            </a:r>
-            <a:r>
-              <a:rPr lang="en-US" altLang="ja-JP" sz="2800" dirty="0">
-                <a:solidFill>
-                  <a:srgbClr val="FF0000"/>
-                </a:solidFill>
-                <a:ea typeface="ＭＳ ゴシック" panose="020B0609070205080204" pitchFamily="49" charset="-128"/>
-              </a:rPr>
-              <a:t> );</a:t>
+              <a:t>compare( max, min, d );</a:t>
             </a:r>
           </a:p>
           <a:p>

--- a/授業資料/演習課題：vector.pptx
+++ b/授業資料/演習課題：vector.pptx
@@ -24,6 +24,8 @@
     <p:sldId id="395" r:id="rId18"/>
     <p:sldId id="396" r:id="rId19"/>
     <p:sldId id="397" r:id="rId20"/>
+    <p:sldId id="400" r:id="rId21"/>
+    <p:sldId id="401" r:id="rId22"/>
   </p:sldIdLst>
   <p:sldSz cx="12192000" cy="6858000"/>
   <p:notesSz cx="6858000" cy="9144000"/>
@@ -10712,6 +10714,1601 @@
 </p:sld>
 </file>
 
+<file path=ppt/slides/slide20.xml><?xml version="1.0" encoding="utf-8"?>
+<p:sld xmlns:a="http://schemas.openxmlformats.org/drawingml/2006/main" xmlns:r="http://schemas.openxmlformats.org/officeDocument/2006/relationships" xmlns:p="http://schemas.openxmlformats.org/presentationml/2006/main">
+  <p:cSld>
+    <p:spTree>
+      <p:nvGrpSpPr>
+        <p:cNvPr id="1" name=""/>
+        <p:cNvGrpSpPr/>
+        <p:nvPr/>
+      </p:nvGrpSpPr>
+      <p:grpSpPr>
+        <a:xfrm>
+          <a:off x="0" y="0"/>
+          <a:ext cx="0" cy="0"/>
+          <a:chOff x="0" y="0"/>
+          <a:chExt cx="0" cy="0"/>
+        </a:xfrm>
+      </p:grpSpPr>
+      <p:sp>
+        <p:nvSpPr>
+          <p:cNvPr id="2" name="タイトル 1">
+            <a:extLst>
+              <a:ext uri="{FF2B5EF4-FFF2-40B4-BE49-F238E27FC236}">
+                <a16:creationId xmlns:a16="http://schemas.microsoft.com/office/drawing/2014/main" id="{9F789731-37C4-49DD-AEE8-78E5514E279E}"/>
+              </a:ext>
+            </a:extLst>
+          </p:cNvPr>
+          <p:cNvSpPr>
+            <a:spLocks noGrp="1"/>
+          </p:cNvSpPr>
+          <p:nvPr>
+            <p:ph type="title"/>
+          </p:nvPr>
+        </p:nvSpPr>
+        <p:spPr/>
+        <p:txBody>
+          <a:bodyPr/>
+          <a:lstStyle/>
+          <a:p>
+            <a:r>
+              <a:rPr kumimoji="1" lang="ja-JP" altLang="en-US" dirty="0"/>
+              <a:t>演習：</a:t>
+            </a:r>
+            <a:r>
+              <a:rPr kumimoji="1" lang="en-US" altLang="ja-JP" dirty="0"/>
+              <a:t>vector</a:t>
+            </a:r>
+            <a:endParaRPr kumimoji="1" lang="ja-JP" altLang="en-US" dirty="0"/>
+          </a:p>
+        </p:txBody>
+      </p:sp>
+      <p:sp>
+        <p:nvSpPr>
+          <p:cNvPr id="3" name="コンテンツ プレースホルダー 2">
+            <a:extLst>
+              <a:ext uri="{FF2B5EF4-FFF2-40B4-BE49-F238E27FC236}">
+                <a16:creationId xmlns:a16="http://schemas.microsoft.com/office/drawing/2014/main" id="{39562F0E-6033-40BD-BCB8-F015661306FD}"/>
+              </a:ext>
+            </a:extLst>
+          </p:cNvPr>
+          <p:cNvSpPr>
+            <a:spLocks noGrp="1"/>
+          </p:cNvSpPr>
+          <p:nvPr>
+            <p:ph idx="1"/>
+          </p:nvPr>
+        </p:nvSpPr>
+        <p:spPr>
+          <a:xfrm>
+            <a:off x="723089" y="1172703"/>
+            <a:ext cx="10515600" cy="4896403"/>
+          </a:xfrm>
+          <a:solidFill>
+            <a:schemeClr val="bg1"/>
+          </a:solidFill>
+          <a:ln>
+            <a:solidFill>
+              <a:schemeClr val="tx1"/>
+            </a:solidFill>
+          </a:ln>
+        </p:spPr>
+        <p:txBody>
+          <a:bodyPr>
+            <a:noAutofit/>
+          </a:bodyPr>
+          <a:lstStyle/>
+          <a:p>
+            <a:pPr marL="0" indent="0">
+              <a:buNone/>
+            </a:pPr>
+            <a:r>
+              <a:rPr lang="ja-JP" altLang="en-US" sz="2400" dirty="0">
+                <a:solidFill>
+                  <a:srgbClr val="FF0000"/>
+                </a:solidFill>
+                <a:ea typeface="ＭＳ ゴシック" panose="020B0609070205080204" pitchFamily="49" charset="-128"/>
+              </a:rPr>
+              <a:t>   </a:t>
+            </a:r>
+            <a:r>
+              <a:rPr lang="en-US" altLang="ja-JP" sz="2400" dirty="0">
+                <a:solidFill>
+                  <a:srgbClr val="FF0000"/>
+                </a:solidFill>
+                <a:ea typeface="ＭＳ ゴシック" panose="020B0609070205080204" pitchFamily="49" charset="-128"/>
+              </a:rPr>
+              <a:t>auto compare </a:t>
+            </a:r>
+            <a:br>
+              <a:rPr lang="en-US" altLang="ja-JP" sz="2400" dirty="0">
+                <a:solidFill>
+                  <a:srgbClr val="FF0000"/>
+                </a:solidFill>
+                <a:ea typeface="ＭＳ ゴシック" panose="020B0609070205080204" pitchFamily="49" charset="-128"/>
+              </a:rPr>
+            </a:br>
+            <a:r>
+              <a:rPr lang="en-US" altLang="ja-JP" sz="2400" dirty="0">
+                <a:solidFill>
+                  <a:srgbClr val="FF0000"/>
+                </a:solidFill>
+                <a:ea typeface="ＭＳ ゴシック" panose="020B0609070205080204" pitchFamily="49" charset="-128"/>
+              </a:rPr>
+              <a:t>    = [](int&amp; max, int&amp; min, const int&amp; data ){</a:t>
+            </a:r>
+          </a:p>
+          <a:p>
+            <a:pPr marL="0" indent="0">
+              <a:buNone/>
+            </a:pPr>
+            <a:r>
+              <a:rPr lang="en-US" altLang="ja-JP" sz="2000" dirty="0">
+                <a:solidFill>
+                  <a:srgbClr val="0000FF"/>
+                </a:solidFill>
+                <a:ea typeface="ＭＳ ゴシック" panose="020B0609070205080204" pitchFamily="49" charset="-128"/>
+              </a:rPr>
+              <a:t>        </a:t>
+            </a:r>
+            <a:r>
+              <a:rPr lang="en-US" altLang="ja-JP" sz="2000" dirty="0">
+                <a:solidFill>
+                  <a:srgbClr val="000000"/>
+                </a:solidFill>
+                <a:ea typeface="ＭＳ ゴシック" panose="020B0609070205080204" pitchFamily="49" charset="-128"/>
+              </a:rPr>
+              <a:t>max = max &lt; data ? data : max;</a:t>
+            </a:r>
+            <a:br>
+              <a:rPr lang="en-US" altLang="ja-JP" sz="2000" dirty="0">
+                <a:solidFill>
+                  <a:srgbClr val="000000"/>
+                </a:solidFill>
+                <a:ea typeface="ＭＳ ゴシック" panose="020B0609070205080204" pitchFamily="49" charset="-128"/>
+              </a:rPr>
+            </a:br>
+            <a:r>
+              <a:rPr lang="en-US" altLang="ja-JP" sz="2000" dirty="0">
+                <a:solidFill>
+                  <a:srgbClr val="000000"/>
+                </a:solidFill>
+                <a:ea typeface="ＭＳ ゴシック" panose="020B0609070205080204" pitchFamily="49" charset="-128"/>
+              </a:rPr>
+              <a:t>        min = min &gt; data ? data : min;</a:t>
+            </a:r>
+          </a:p>
+          <a:p>
+            <a:pPr marL="0" indent="0">
+              <a:buNone/>
+            </a:pPr>
+            <a:r>
+              <a:rPr lang="en-US" altLang="ja-JP" sz="2400" dirty="0">
+                <a:solidFill>
+                  <a:srgbClr val="FF0000"/>
+                </a:solidFill>
+                <a:latin typeface="+mn-ea"/>
+              </a:rPr>
+              <a:t>      };</a:t>
+            </a:r>
+            <a:endParaRPr lang="en-US" altLang="ja-JP" sz="2000" dirty="0">
+              <a:solidFill>
+                <a:srgbClr val="008000"/>
+              </a:solidFill>
+              <a:ea typeface="ＭＳ ゴシック" panose="020B0609070205080204" pitchFamily="49" charset="-128"/>
+            </a:endParaRPr>
+          </a:p>
+          <a:p>
+            <a:pPr marL="0" indent="0">
+              <a:buNone/>
+            </a:pPr>
+            <a:r>
+              <a:rPr lang="en-US" altLang="ja-JP" sz="2000" dirty="0">
+                <a:solidFill>
+                  <a:srgbClr val="008000"/>
+                </a:solidFill>
+                <a:ea typeface="ＭＳ ゴシック" panose="020B0609070205080204" pitchFamily="49" charset="-128"/>
+              </a:rPr>
+              <a:t>    </a:t>
+            </a:r>
+            <a:r>
+              <a:rPr lang="en-US" altLang="ja-JP" sz="2000" dirty="0">
+                <a:solidFill>
+                  <a:srgbClr val="00B050"/>
+                </a:solidFill>
+                <a:latin typeface="+mn-ea"/>
+              </a:rPr>
+              <a:t>//***  </a:t>
+            </a:r>
+            <a:r>
+              <a:rPr lang="ja-JP" altLang="en-US" sz="2000" dirty="0">
+                <a:solidFill>
+                  <a:srgbClr val="00B050"/>
+                </a:solidFill>
+                <a:latin typeface="+mn-ea"/>
+              </a:rPr>
+              <a:t>範囲</a:t>
+            </a:r>
+            <a:r>
+              <a:rPr lang="en-US" altLang="ja-JP" sz="2000" dirty="0">
+                <a:solidFill>
+                  <a:srgbClr val="00B050"/>
+                </a:solidFill>
+                <a:latin typeface="+mn-ea"/>
+              </a:rPr>
+              <a:t>for</a:t>
+            </a:r>
+            <a:r>
+              <a:rPr lang="ja-JP" altLang="en-US" sz="2000" dirty="0">
+                <a:solidFill>
+                  <a:srgbClr val="00B050"/>
+                </a:solidFill>
+                <a:latin typeface="+mn-ea"/>
+              </a:rPr>
+              <a:t>を使ったループ </a:t>
+            </a:r>
+            <a:r>
+              <a:rPr lang="en-US" altLang="ja-JP" sz="2000" dirty="0">
+                <a:solidFill>
+                  <a:srgbClr val="00B050"/>
+                </a:solidFill>
+                <a:latin typeface="+mn-ea"/>
+              </a:rPr>
+              <a:t>***</a:t>
+            </a:r>
+            <a:endParaRPr lang="ja-JP" altLang="en-US" sz="2000" dirty="0">
+              <a:solidFill>
+                <a:srgbClr val="00B050"/>
+              </a:solidFill>
+              <a:latin typeface="+mn-ea"/>
+            </a:endParaRPr>
+          </a:p>
+          <a:p>
+            <a:pPr marL="0" indent="0">
+              <a:buNone/>
+            </a:pPr>
+            <a:r>
+              <a:rPr lang="en-US" altLang="ja-JP" sz="2000" dirty="0">
+                <a:solidFill>
+                  <a:srgbClr val="000000"/>
+                </a:solidFill>
+                <a:ea typeface="ＭＳ ゴシック" panose="020B0609070205080204" pitchFamily="49" charset="-128"/>
+              </a:rPr>
+              <a:t>    max = min = </a:t>
+            </a:r>
+            <a:r>
+              <a:rPr lang="en-US" altLang="ja-JP" sz="2000" dirty="0" err="1">
+                <a:solidFill>
+                  <a:srgbClr val="000000"/>
+                </a:solidFill>
+                <a:ea typeface="ＭＳ ゴシック" panose="020B0609070205080204" pitchFamily="49" charset="-128"/>
+              </a:rPr>
+              <a:t>vec</a:t>
+            </a:r>
+            <a:r>
+              <a:rPr lang="en-US" altLang="ja-JP" sz="2000" dirty="0">
+                <a:solidFill>
+                  <a:srgbClr val="008080"/>
+                </a:solidFill>
+                <a:ea typeface="ＭＳ ゴシック" panose="020B0609070205080204" pitchFamily="49" charset="-128"/>
+              </a:rPr>
+              <a:t>[</a:t>
+            </a:r>
+            <a:r>
+              <a:rPr lang="en-US" altLang="ja-JP" sz="2000" dirty="0">
+                <a:solidFill>
+                  <a:srgbClr val="000000"/>
+                </a:solidFill>
+                <a:ea typeface="ＭＳ ゴシック" panose="020B0609070205080204" pitchFamily="49" charset="-128"/>
+              </a:rPr>
+              <a:t>0</a:t>
+            </a:r>
+            <a:r>
+              <a:rPr lang="en-US" altLang="ja-JP" sz="2000" dirty="0">
+                <a:solidFill>
+                  <a:srgbClr val="008080"/>
+                </a:solidFill>
+                <a:latin typeface="+mn-ea"/>
+              </a:rPr>
+              <a:t>]</a:t>
+            </a:r>
+            <a:r>
+              <a:rPr lang="en-US" altLang="ja-JP" sz="2000" dirty="0">
+                <a:solidFill>
+                  <a:srgbClr val="000000"/>
+                </a:solidFill>
+                <a:latin typeface="+mn-ea"/>
+              </a:rPr>
+              <a:t>;  </a:t>
+            </a:r>
+            <a:r>
+              <a:rPr lang="en-US" altLang="ja-JP" sz="2000" dirty="0">
+                <a:solidFill>
+                  <a:srgbClr val="00B050"/>
+                </a:solidFill>
+                <a:latin typeface="+mn-ea"/>
+              </a:rPr>
+              <a:t>//</a:t>
+            </a:r>
+            <a:r>
+              <a:rPr lang="ja-JP" altLang="en-US" sz="2000" dirty="0">
+                <a:solidFill>
+                  <a:srgbClr val="00B050"/>
+                </a:solidFill>
+                <a:latin typeface="+mn-ea"/>
+              </a:rPr>
+              <a:t>仮の最大値最小値</a:t>
+            </a:r>
+          </a:p>
+          <a:p>
+            <a:pPr marL="0" indent="0">
+              <a:buNone/>
+            </a:pPr>
+            <a:r>
+              <a:rPr lang="nn-NO" altLang="ja-JP" sz="2000" dirty="0">
+                <a:solidFill>
+                  <a:srgbClr val="0000FF"/>
+                </a:solidFill>
+                <a:ea typeface="ＭＳ ゴシック" panose="020B0609070205080204" pitchFamily="49" charset="-128"/>
+              </a:rPr>
+              <a:t>    for</a:t>
+            </a:r>
+            <a:r>
+              <a:rPr lang="nn-NO" altLang="ja-JP" sz="2000" dirty="0">
+                <a:solidFill>
+                  <a:srgbClr val="000000"/>
+                </a:solidFill>
+                <a:ea typeface="ＭＳ ゴシック" panose="020B0609070205080204" pitchFamily="49" charset="-128"/>
+              </a:rPr>
+              <a:t> (</a:t>
+            </a:r>
+            <a:r>
+              <a:rPr lang="nn-NO" altLang="ja-JP" sz="2000" dirty="0">
+                <a:solidFill>
+                  <a:srgbClr val="0000FF"/>
+                </a:solidFill>
+                <a:ea typeface="ＭＳ ゴシック" panose="020B0609070205080204" pitchFamily="49" charset="-128"/>
+              </a:rPr>
+              <a:t>auto</a:t>
+            </a:r>
+            <a:r>
+              <a:rPr lang="nn-NO" altLang="ja-JP" sz="2000" dirty="0">
+                <a:solidFill>
+                  <a:srgbClr val="000000"/>
+                </a:solidFill>
+                <a:ea typeface="ＭＳ ゴシック" panose="020B0609070205080204" pitchFamily="49" charset="-128"/>
+              </a:rPr>
+              <a:t> d : vec) {</a:t>
+            </a:r>
+          </a:p>
+          <a:p>
+            <a:pPr marL="0" indent="0">
+              <a:buNone/>
+            </a:pPr>
+            <a:r>
+              <a:rPr lang="en-US" altLang="ja-JP" sz="1800" dirty="0">
+                <a:solidFill>
+                  <a:srgbClr val="0000FF"/>
+                </a:solidFill>
+                <a:ea typeface="ＭＳ ゴシック" panose="020B0609070205080204" pitchFamily="49" charset="-128"/>
+              </a:rPr>
+              <a:t>        </a:t>
+            </a:r>
+            <a:r>
+              <a:rPr lang="en-US" altLang="ja-JP" sz="2400" dirty="0">
+                <a:solidFill>
+                  <a:srgbClr val="FF0000"/>
+                </a:solidFill>
+                <a:ea typeface="ＭＳ ゴシック" panose="020B0609070205080204" pitchFamily="49" charset="-128"/>
+              </a:rPr>
+              <a:t>compare( max, min, d );</a:t>
+            </a:r>
+          </a:p>
+          <a:p>
+            <a:pPr marL="0" indent="0">
+              <a:buNone/>
+            </a:pPr>
+            <a:r>
+              <a:rPr lang="en-US" altLang="ja-JP" sz="2000" dirty="0">
+                <a:solidFill>
+                  <a:srgbClr val="000000"/>
+                </a:solidFill>
+                <a:ea typeface="ＭＳ ゴシック" panose="020B0609070205080204" pitchFamily="49" charset="-128"/>
+              </a:rPr>
+              <a:t>    }</a:t>
+            </a:r>
+          </a:p>
+          <a:p>
+            <a:pPr marL="0" indent="0">
+              <a:buNone/>
+            </a:pPr>
+            <a:r>
+              <a:rPr lang="en-US" altLang="ja-JP" sz="2000" dirty="0">
+                <a:solidFill>
+                  <a:srgbClr val="000000"/>
+                </a:solidFill>
+                <a:ea typeface="ＭＳ ゴシック" panose="020B0609070205080204" pitchFamily="49" charset="-128"/>
+              </a:rPr>
+              <a:t>    </a:t>
+            </a:r>
+            <a:r>
+              <a:rPr lang="en-US" altLang="ja-JP" sz="2000" dirty="0" err="1">
+                <a:solidFill>
+                  <a:srgbClr val="000000"/>
+                </a:solidFill>
+                <a:ea typeface="ＭＳ ゴシック" panose="020B0609070205080204" pitchFamily="49" charset="-128"/>
+              </a:rPr>
+              <a:t>cout</a:t>
+            </a:r>
+            <a:r>
+              <a:rPr lang="en-US" altLang="ja-JP" sz="2000" dirty="0">
+                <a:solidFill>
+                  <a:srgbClr val="000000"/>
+                </a:solidFill>
+                <a:ea typeface="ＭＳ ゴシック" panose="020B0609070205080204" pitchFamily="49" charset="-128"/>
+              </a:rPr>
+              <a:t> </a:t>
+            </a:r>
+            <a:r>
+              <a:rPr lang="en-US" altLang="ja-JP" sz="2000" dirty="0">
+                <a:solidFill>
+                  <a:srgbClr val="008080"/>
+                </a:solidFill>
+                <a:ea typeface="ＭＳ ゴシック" panose="020B0609070205080204" pitchFamily="49" charset="-128"/>
+              </a:rPr>
+              <a:t>&lt;&lt;</a:t>
+            </a:r>
+            <a:r>
+              <a:rPr lang="en-US" altLang="ja-JP" sz="2000" dirty="0">
+                <a:solidFill>
+                  <a:srgbClr val="000000"/>
+                </a:solidFill>
+                <a:ea typeface="ＭＳ ゴシック" panose="020B0609070205080204" pitchFamily="49" charset="-128"/>
+              </a:rPr>
+              <a:t> </a:t>
+            </a:r>
+            <a:r>
+              <a:rPr lang="en-US" altLang="ja-JP" sz="2000" dirty="0">
+                <a:solidFill>
+                  <a:srgbClr val="A31515"/>
+                </a:solidFill>
+                <a:ea typeface="ＭＳ ゴシック" panose="020B0609070205080204" pitchFamily="49" charset="-128"/>
+              </a:rPr>
+              <a:t>"</a:t>
+            </a:r>
+            <a:r>
+              <a:rPr lang="ja-JP" altLang="en-US" sz="2000" dirty="0">
+                <a:solidFill>
+                  <a:srgbClr val="A31515"/>
+                </a:solidFill>
+                <a:latin typeface="+mn-ea"/>
+              </a:rPr>
+              <a:t>最大値</a:t>
+            </a:r>
+            <a:r>
+              <a:rPr lang="en-US" altLang="ja-JP" sz="2000" dirty="0">
+                <a:solidFill>
+                  <a:srgbClr val="A31515"/>
+                </a:solidFill>
+                <a:latin typeface="+mn-ea"/>
+              </a:rPr>
+              <a:t>:</a:t>
+            </a:r>
+            <a:r>
+              <a:rPr lang="en-US" altLang="ja-JP" sz="2000" dirty="0">
+                <a:solidFill>
+                  <a:srgbClr val="A31515"/>
+                </a:solidFill>
+                <a:ea typeface="ＭＳ ゴシック" panose="020B0609070205080204" pitchFamily="49" charset="-128"/>
+              </a:rPr>
+              <a:t>"</a:t>
+            </a:r>
+            <a:r>
+              <a:rPr lang="ja-JP" altLang="en-US" sz="2000" dirty="0">
+                <a:solidFill>
+                  <a:srgbClr val="000000"/>
+                </a:solidFill>
+                <a:ea typeface="ＭＳ ゴシック" panose="020B0609070205080204" pitchFamily="49" charset="-128"/>
+              </a:rPr>
+              <a:t> </a:t>
+            </a:r>
+            <a:r>
+              <a:rPr lang="en-US" altLang="ja-JP" sz="2000" dirty="0">
+                <a:solidFill>
+                  <a:srgbClr val="008080"/>
+                </a:solidFill>
+                <a:ea typeface="ＭＳ ゴシック" panose="020B0609070205080204" pitchFamily="49" charset="-128"/>
+              </a:rPr>
+              <a:t>&lt;&lt;</a:t>
+            </a:r>
+            <a:r>
+              <a:rPr lang="ja-JP" altLang="en-US" sz="2000" dirty="0">
+                <a:solidFill>
+                  <a:srgbClr val="000000"/>
+                </a:solidFill>
+                <a:ea typeface="ＭＳ ゴシック" panose="020B0609070205080204" pitchFamily="49" charset="-128"/>
+              </a:rPr>
+              <a:t> </a:t>
+            </a:r>
+            <a:r>
+              <a:rPr lang="en-US" altLang="ja-JP" sz="2000" dirty="0">
+                <a:solidFill>
+                  <a:srgbClr val="000000"/>
+                </a:solidFill>
+                <a:ea typeface="ＭＳ ゴシック" panose="020B0609070205080204" pitchFamily="49" charset="-128"/>
+              </a:rPr>
+              <a:t>max </a:t>
+            </a:r>
+            <a:r>
+              <a:rPr lang="en-US" altLang="ja-JP" sz="2000" dirty="0">
+                <a:solidFill>
+                  <a:srgbClr val="008080"/>
+                </a:solidFill>
+                <a:ea typeface="ＭＳ ゴシック" panose="020B0609070205080204" pitchFamily="49" charset="-128"/>
+              </a:rPr>
+              <a:t>&lt;&lt;</a:t>
+            </a:r>
+            <a:r>
+              <a:rPr lang="en-US" altLang="ja-JP" sz="2000" dirty="0">
+                <a:solidFill>
+                  <a:srgbClr val="000000"/>
+                </a:solidFill>
+                <a:ea typeface="ＭＳ ゴシック" panose="020B0609070205080204" pitchFamily="49" charset="-128"/>
+              </a:rPr>
+              <a:t> </a:t>
+            </a:r>
+            <a:r>
+              <a:rPr lang="en-US" altLang="ja-JP" sz="2000" dirty="0">
+                <a:solidFill>
+                  <a:srgbClr val="A31515"/>
+                </a:solidFill>
+                <a:ea typeface="ＭＳ ゴシック" panose="020B0609070205080204" pitchFamily="49" charset="-128"/>
+              </a:rPr>
+              <a:t>" </a:t>
+            </a:r>
+            <a:r>
+              <a:rPr lang="ja-JP" altLang="en-US" sz="2000" dirty="0">
+                <a:solidFill>
+                  <a:srgbClr val="A31515"/>
+                </a:solidFill>
+                <a:latin typeface="+mn-ea"/>
+              </a:rPr>
+              <a:t>最小値</a:t>
+            </a:r>
+            <a:r>
+              <a:rPr lang="en-US" altLang="ja-JP" sz="2000" dirty="0">
+                <a:solidFill>
+                  <a:srgbClr val="A31515"/>
+                </a:solidFill>
+                <a:latin typeface="+mn-ea"/>
+              </a:rPr>
+              <a:t>:</a:t>
+            </a:r>
+            <a:r>
+              <a:rPr lang="en-US" altLang="ja-JP" sz="2000" dirty="0">
+                <a:solidFill>
+                  <a:srgbClr val="A31515"/>
+                </a:solidFill>
+                <a:ea typeface="ＭＳ ゴシック" panose="020B0609070205080204" pitchFamily="49" charset="-128"/>
+              </a:rPr>
+              <a:t>"</a:t>
+            </a:r>
+            <a:r>
+              <a:rPr lang="ja-JP" altLang="en-US" sz="2000" dirty="0">
+                <a:solidFill>
+                  <a:srgbClr val="000000"/>
+                </a:solidFill>
+                <a:ea typeface="ＭＳ ゴシック" panose="020B0609070205080204" pitchFamily="49" charset="-128"/>
+              </a:rPr>
+              <a:t> </a:t>
+            </a:r>
+            <a:r>
+              <a:rPr lang="en-US" altLang="ja-JP" sz="2000" dirty="0">
+                <a:solidFill>
+                  <a:srgbClr val="008080"/>
+                </a:solidFill>
+                <a:ea typeface="ＭＳ ゴシック" panose="020B0609070205080204" pitchFamily="49" charset="-128"/>
+              </a:rPr>
+              <a:t>&lt;&lt;</a:t>
+            </a:r>
+            <a:r>
+              <a:rPr lang="ja-JP" altLang="en-US" sz="2000" dirty="0">
+                <a:solidFill>
+                  <a:srgbClr val="000000"/>
+                </a:solidFill>
+                <a:ea typeface="ＭＳ ゴシック" panose="020B0609070205080204" pitchFamily="49" charset="-128"/>
+              </a:rPr>
+              <a:t> </a:t>
+            </a:r>
+            <a:r>
+              <a:rPr lang="en-US" altLang="ja-JP" sz="2000" dirty="0">
+                <a:solidFill>
+                  <a:srgbClr val="000000"/>
+                </a:solidFill>
+                <a:ea typeface="ＭＳ ゴシック" panose="020B0609070205080204" pitchFamily="49" charset="-128"/>
+              </a:rPr>
+              <a:t>min </a:t>
+            </a:r>
+            <a:r>
+              <a:rPr lang="en-US" altLang="ja-JP" sz="2000" dirty="0">
+                <a:solidFill>
+                  <a:srgbClr val="008080"/>
+                </a:solidFill>
+                <a:ea typeface="ＭＳ ゴシック" panose="020B0609070205080204" pitchFamily="49" charset="-128"/>
+              </a:rPr>
+              <a:t>&lt;&lt;</a:t>
+            </a:r>
+            <a:r>
+              <a:rPr lang="en-US" altLang="ja-JP" sz="2000" dirty="0">
+                <a:solidFill>
+                  <a:srgbClr val="000000"/>
+                </a:solidFill>
+                <a:ea typeface="ＭＳ ゴシック" panose="020B0609070205080204" pitchFamily="49" charset="-128"/>
+              </a:rPr>
+              <a:t> </a:t>
+            </a:r>
+            <a:r>
+              <a:rPr lang="en-US" altLang="ja-JP" sz="2000" dirty="0" err="1">
+                <a:solidFill>
+                  <a:srgbClr val="000000"/>
+                </a:solidFill>
+                <a:ea typeface="ＭＳ ゴシック" panose="020B0609070205080204" pitchFamily="49" charset="-128"/>
+              </a:rPr>
+              <a:t>endl</a:t>
+            </a:r>
+            <a:r>
+              <a:rPr lang="en-US" altLang="ja-JP" sz="2000" dirty="0">
+                <a:solidFill>
+                  <a:srgbClr val="000000"/>
+                </a:solidFill>
+                <a:ea typeface="ＭＳ ゴシック" panose="020B0609070205080204" pitchFamily="49" charset="-128"/>
+              </a:rPr>
+              <a:t>;</a:t>
+            </a:r>
+            <a:endParaRPr lang="en-US" altLang="ja-JP" sz="2000" dirty="0"/>
+          </a:p>
+        </p:txBody>
+      </p:sp>
+      <p:sp>
+        <p:nvSpPr>
+          <p:cNvPr id="4" name="テキスト ボックス 3">
+            <a:extLst>
+              <a:ext uri="{FF2B5EF4-FFF2-40B4-BE49-F238E27FC236}">
+                <a16:creationId xmlns:a16="http://schemas.microsoft.com/office/drawing/2014/main" id="{36167C58-0781-4BAB-BAA5-8E3EEFBCFF26}"/>
+              </a:ext>
+            </a:extLst>
+          </p:cNvPr>
+          <p:cNvSpPr txBox="1"/>
+          <p:nvPr/>
+        </p:nvSpPr>
+        <p:spPr>
+          <a:xfrm>
+            <a:off x="6712786" y="639756"/>
+            <a:ext cx="4641014" cy="523220"/>
+          </a:xfrm>
+          <a:prstGeom prst="rect">
+            <a:avLst/>
+          </a:prstGeom>
+          <a:noFill/>
+        </p:spPr>
+        <p:txBody>
+          <a:bodyPr wrap="none" rtlCol="0">
+            <a:spAutoFit/>
+          </a:bodyPr>
+          <a:lstStyle/>
+          <a:p>
+            <a:r>
+              <a:rPr kumimoji="1" lang="en-US" altLang="ja-JP" sz="2800" dirty="0" err="1"/>
+              <a:t>PracVector</a:t>
+            </a:r>
+            <a:r>
+              <a:rPr kumimoji="1" lang="en-US" altLang="ja-JP" sz="2800" dirty="0"/>
+              <a:t>(main.cpp)</a:t>
+            </a:r>
+            <a:endParaRPr kumimoji="1" lang="ja-JP" altLang="en-US" sz="2800" dirty="0"/>
+          </a:p>
+        </p:txBody>
+      </p:sp>
+      <p:sp>
+        <p:nvSpPr>
+          <p:cNvPr id="6" name="テキスト ボックス 5">
+            <a:extLst>
+              <a:ext uri="{FF2B5EF4-FFF2-40B4-BE49-F238E27FC236}">
+                <a16:creationId xmlns:a16="http://schemas.microsoft.com/office/drawing/2014/main" id="{F4A41511-A884-440D-BE67-22EF90698E24}"/>
+              </a:ext>
+            </a:extLst>
+          </p:cNvPr>
+          <p:cNvSpPr txBox="1"/>
+          <p:nvPr/>
+        </p:nvSpPr>
+        <p:spPr>
+          <a:xfrm>
+            <a:off x="7586727" y="1900518"/>
+            <a:ext cx="3651962" cy="2062103"/>
+          </a:xfrm>
+          <a:prstGeom prst="rect">
+            <a:avLst/>
+          </a:prstGeom>
+          <a:noFill/>
+        </p:spPr>
+        <p:txBody>
+          <a:bodyPr wrap="square" rtlCol="0">
+            <a:spAutoFit/>
+          </a:bodyPr>
+          <a:lstStyle/>
+          <a:p>
+            <a:r>
+              <a:rPr kumimoji="1" lang="ja-JP" altLang="en-US" sz="3200" dirty="0">
+                <a:solidFill>
+                  <a:srgbClr val="00B0F0"/>
+                </a:solidFill>
+              </a:rPr>
+              <a:t>ラムダ式を用いた</a:t>
+            </a:r>
+            <a:endParaRPr kumimoji="1" lang="en-US" altLang="ja-JP" sz="3200" dirty="0">
+              <a:solidFill>
+                <a:srgbClr val="00B0F0"/>
+              </a:solidFill>
+            </a:endParaRPr>
+          </a:p>
+          <a:p>
+            <a:r>
+              <a:rPr kumimoji="1" lang="ja-JP" altLang="en-US" sz="3200" dirty="0">
+                <a:solidFill>
+                  <a:srgbClr val="00B0F0"/>
+                </a:solidFill>
+              </a:rPr>
+              <a:t>関数記法</a:t>
+            </a:r>
+            <a:r>
+              <a:rPr kumimoji="1" lang="en-US" altLang="ja-JP" sz="3200" dirty="0">
+                <a:solidFill>
+                  <a:srgbClr val="00B0F0"/>
+                </a:solidFill>
+              </a:rPr>
+              <a:t>[](){}</a:t>
+            </a:r>
+            <a:br>
+              <a:rPr kumimoji="1" lang="en-US" altLang="ja-JP" sz="3200" dirty="0">
+                <a:solidFill>
+                  <a:srgbClr val="00B0F0"/>
+                </a:solidFill>
+              </a:rPr>
+            </a:br>
+            <a:r>
+              <a:rPr kumimoji="1" lang="ja-JP" altLang="en-US" sz="3200" dirty="0">
+                <a:solidFill>
+                  <a:srgbClr val="00B0F0"/>
+                </a:solidFill>
+              </a:rPr>
+              <a:t>（関数の中に関数を</a:t>
+            </a:r>
+            <a:br>
+              <a:rPr kumimoji="1" lang="en-US" altLang="ja-JP" sz="3200" dirty="0">
+                <a:solidFill>
+                  <a:srgbClr val="00B0F0"/>
+                </a:solidFill>
+              </a:rPr>
+            </a:br>
+            <a:r>
+              <a:rPr kumimoji="1" lang="ja-JP" altLang="en-US" sz="3200" dirty="0">
+                <a:solidFill>
+                  <a:srgbClr val="00B0F0"/>
+                </a:solidFill>
+              </a:rPr>
+              <a:t>　実装可能）</a:t>
+            </a:r>
+            <a:endParaRPr kumimoji="1" lang="en-US" altLang="ja-JP" sz="3200" dirty="0">
+              <a:solidFill>
+                <a:srgbClr val="00B0F0"/>
+              </a:solidFill>
+            </a:endParaRPr>
+          </a:p>
+        </p:txBody>
+      </p:sp>
+    </p:spTree>
+    <p:extLst>
+      <p:ext uri="{BB962C8B-B14F-4D97-AF65-F5344CB8AC3E}">
+        <p14:creationId xmlns:p14="http://schemas.microsoft.com/office/powerpoint/2010/main" val="2935898688"/>
+      </p:ext>
+    </p:extLst>
+  </p:cSld>
+  <p:clrMapOvr>
+    <a:masterClrMapping/>
+  </p:clrMapOvr>
+</p:sld>
+</file>
+
+<file path=ppt/slides/slide21.xml><?xml version="1.0" encoding="utf-8"?>
+<p:sld xmlns:a="http://schemas.openxmlformats.org/drawingml/2006/main" xmlns:r="http://schemas.openxmlformats.org/officeDocument/2006/relationships" xmlns:p="http://schemas.openxmlformats.org/presentationml/2006/main" show="0">
+  <p:cSld>
+    <p:spTree>
+      <p:nvGrpSpPr>
+        <p:cNvPr id="1" name=""/>
+        <p:cNvGrpSpPr/>
+        <p:nvPr/>
+      </p:nvGrpSpPr>
+      <p:grpSpPr>
+        <a:xfrm>
+          <a:off x="0" y="0"/>
+          <a:ext cx="0" cy="0"/>
+          <a:chOff x="0" y="0"/>
+          <a:chExt cx="0" cy="0"/>
+        </a:xfrm>
+      </p:grpSpPr>
+      <p:sp>
+        <p:nvSpPr>
+          <p:cNvPr id="2" name="タイトル 1">
+            <a:extLst>
+              <a:ext uri="{FF2B5EF4-FFF2-40B4-BE49-F238E27FC236}">
+                <a16:creationId xmlns:a16="http://schemas.microsoft.com/office/drawing/2014/main" id="{9F789731-37C4-49DD-AEE8-78E5514E279E}"/>
+              </a:ext>
+            </a:extLst>
+          </p:cNvPr>
+          <p:cNvSpPr>
+            <a:spLocks noGrp="1"/>
+          </p:cNvSpPr>
+          <p:nvPr>
+            <p:ph type="title"/>
+          </p:nvPr>
+        </p:nvSpPr>
+        <p:spPr/>
+        <p:txBody>
+          <a:bodyPr/>
+          <a:lstStyle/>
+          <a:p>
+            <a:r>
+              <a:rPr kumimoji="1" lang="ja-JP" altLang="en-US" dirty="0"/>
+              <a:t>演習：</a:t>
+            </a:r>
+            <a:r>
+              <a:rPr kumimoji="1" lang="en-US" altLang="ja-JP" dirty="0"/>
+              <a:t>vector</a:t>
+            </a:r>
+            <a:endParaRPr kumimoji="1" lang="ja-JP" altLang="en-US" dirty="0"/>
+          </a:p>
+        </p:txBody>
+      </p:sp>
+      <p:sp>
+        <p:nvSpPr>
+          <p:cNvPr id="3" name="コンテンツ プレースホルダー 2">
+            <a:extLst>
+              <a:ext uri="{FF2B5EF4-FFF2-40B4-BE49-F238E27FC236}">
+                <a16:creationId xmlns:a16="http://schemas.microsoft.com/office/drawing/2014/main" id="{39562F0E-6033-40BD-BCB8-F015661306FD}"/>
+              </a:ext>
+            </a:extLst>
+          </p:cNvPr>
+          <p:cNvSpPr>
+            <a:spLocks noGrp="1"/>
+          </p:cNvSpPr>
+          <p:nvPr>
+            <p:ph idx="1"/>
+          </p:nvPr>
+        </p:nvSpPr>
+        <p:spPr>
+          <a:xfrm>
+            <a:off x="723089" y="1172703"/>
+            <a:ext cx="10515600" cy="4896403"/>
+          </a:xfrm>
+          <a:solidFill>
+            <a:schemeClr val="bg1"/>
+          </a:solidFill>
+          <a:ln>
+            <a:solidFill>
+              <a:schemeClr val="tx1"/>
+            </a:solidFill>
+          </a:ln>
+        </p:spPr>
+        <p:txBody>
+          <a:bodyPr>
+            <a:noAutofit/>
+          </a:bodyPr>
+          <a:lstStyle/>
+          <a:p>
+            <a:pPr marL="0" indent="0">
+              <a:buNone/>
+            </a:pPr>
+            <a:r>
+              <a:rPr lang="en-US" altLang="ja-JP" sz="2000" dirty="0">
+                <a:solidFill>
+                  <a:srgbClr val="00B050"/>
+                </a:solidFill>
+                <a:latin typeface="+mn-ea"/>
+              </a:rPr>
+              <a:t>//***  </a:t>
+            </a:r>
+            <a:r>
+              <a:rPr lang="ja-JP" altLang="en-US" sz="2000" dirty="0">
+                <a:solidFill>
+                  <a:srgbClr val="00B050"/>
+                </a:solidFill>
+                <a:latin typeface="+mn-ea"/>
+              </a:rPr>
+              <a:t>範囲</a:t>
+            </a:r>
+            <a:r>
+              <a:rPr lang="en-US" altLang="ja-JP" sz="2000" dirty="0">
+                <a:solidFill>
+                  <a:srgbClr val="00B050"/>
+                </a:solidFill>
+                <a:latin typeface="+mn-ea"/>
+              </a:rPr>
+              <a:t>for</a:t>
+            </a:r>
+            <a:r>
+              <a:rPr lang="ja-JP" altLang="en-US" sz="2000" dirty="0">
+                <a:solidFill>
+                  <a:srgbClr val="00B050"/>
+                </a:solidFill>
+                <a:latin typeface="+mn-ea"/>
+              </a:rPr>
+              <a:t>を使ったループ </a:t>
+            </a:r>
+            <a:r>
+              <a:rPr lang="en-US" altLang="ja-JP" sz="2000" dirty="0">
+                <a:solidFill>
+                  <a:srgbClr val="00B050"/>
+                </a:solidFill>
+                <a:latin typeface="+mn-ea"/>
+              </a:rPr>
+              <a:t>***</a:t>
+            </a:r>
+            <a:endParaRPr lang="ja-JP" altLang="en-US" sz="2000" dirty="0">
+              <a:solidFill>
+                <a:srgbClr val="00B050"/>
+              </a:solidFill>
+              <a:latin typeface="+mn-ea"/>
+            </a:endParaRPr>
+          </a:p>
+          <a:p>
+            <a:pPr marL="0" indent="0">
+              <a:buNone/>
+            </a:pPr>
+            <a:r>
+              <a:rPr lang="en-US" altLang="ja-JP" sz="2000" dirty="0">
+                <a:solidFill>
+                  <a:srgbClr val="000000"/>
+                </a:solidFill>
+                <a:ea typeface="ＭＳ ゴシック" panose="020B0609070205080204" pitchFamily="49" charset="-128"/>
+              </a:rPr>
+              <a:t>    max = min = </a:t>
+            </a:r>
+            <a:r>
+              <a:rPr lang="en-US" altLang="ja-JP" sz="2000" dirty="0" err="1">
+                <a:solidFill>
+                  <a:srgbClr val="000000"/>
+                </a:solidFill>
+                <a:ea typeface="ＭＳ ゴシック" panose="020B0609070205080204" pitchFamily="49" charset="-128"/>
+              </a:rPr>
+              <a:t>vec</a:t>
+            </a:r>
+            <a:r>
+              <a:rPr lang="en-US" altLang="ja-JP" sz="2000" dirty="0">
+                <a:solidFill>
+                  <a:srgbClr val="008080"/>
+                </a:solidFill>
+                <a:ea typeface="ＭＳ ゴシック" panose="020B0609070205080204" pitchFamily="49" charset="-128"/>
+              </a:rPr>
+              <a:t>[</a:t>
+            </a:r>
+            <a:r>
+              <a:rPr lang="en-US" altLang="ja-JP" sz="2000" dirty="0">
+                <a:solidFill>
+                  <a:srgbClr val="000000"/>
+                </a:solidFill>
+                <a:ea typeface="ＭＳ ゴシック" panose="020B0609070205080204" pitchFamily="49" charset="-128"/>
+              </a:rPr>
+              <a:t>0</a:t>
+            </a:r>
+            <a:r>
+              <a:rPr lang="en-US" altLang="ja-JP" sz="2000" dirty="0">
+                <a:solidFill>
+                  <a:srgbClr val="008080"/>
+                </a:solidFill>
+                <a:latin typeface="+mn-ea"/>
+              </a:rPr>
+              <a:t>]</a:t>
+            </a:r>
+            <a:r>
+              <a:rPr lang="en-US" altLang="ja-JP" sz="2000" dirty="0">
+                <a:solidFill>
+                  <a:srgbClr val="000000"/>
+                </a:solidFill>
+                <a:latin typeface="+mn-ea"/>
+              </a:rPr>
+              <a:t>;  </a:t>
+            </a:r>
+            <a:r>
+              <a:rPr lang="en-US" altLang="ja-JP" sz="2000" dirty="0">
+                <a:solidFill>
+                  <a:srgbClr val="00B050"/>
+                </a:solidFill>
+                <a:latin typeface="+mn-ea"/>
+              </a:rPr>
+              <a:t>//</a:t>
+            </a:r>
+            <a:r>
+              <a:rPr lang="ja-JP" altLang="en-US" sz="2000" dirty="0">
+                <a:solidFill>
+                  <a:srgbClr val="00B050"/>
+                </a:solidFill>
+                <a:latin typeface="+mn-ea"/>
+              </a:rPr>
+              <a:t>仮の最大値最小値</a:t>
+            </a:r>
+          </a:p>
+          <a:p>
+            <a:pPr marL="0" indent="0">
+              <a:buNone/>
+            </a:pPr>
+            <a:r>
+              <a:rPr lang="nn-NO" altLang="ja-JP" sz="2000" dirty="0">
+                <a:solidFill>
+                  <a:srgbClr val="0000FF"/>
+                </a:solidFill>
+                <a:ea typeface="ＭＳ ゴシック" panose="020B0609070205080204" pitchFamily="49" charset="-128"/>
+              </a:rPr>
+              <a:t>    for</a:t>
+            </a:r>
+            <a:r>
+              <a:rPr lang="nn-NO" altLang="ja-JP" sz="2000" dirty="0">
+                <a:solidFill>
+                  <a:srgbClr val="000000"/>
+                </a:solidFill>
+                <a:ea typeface="ＭＳ ゴシック" panose="020B0609070205080204" pitchFamily="49" charset="-128"/>
+              </a:rPr>
+              <a:t> (</a:t>
+            </a:r>
+            <a:r>
+              <a:rPr lang="nn-NO" altLang="ja-JP" sz="2000" dirty="0">
+                <a:solidFill>
+                  <a:srgbClr val="0000FF"/>
+                </a:solidFill>
+                <a:ea typeface="ＭＳ ゴシック" panose="020B0609070205080204" pitchFamily="49" charset="-128"/>
+              </a:rPr>
+              <a:t>auto</a:t>
+            </a:r>
+            <a:r>
+              <a:rPr lang="nn-NO" altLang="ja-JP" sz="2000" dirty="0">
+                <a:solidFill>
+                  <a:srgbClr val="000000"/>
+                </a:solidFill>
+                <a:ea typeface="ＭＳ ゴシック" panose="020B0609070205080204" pitchFamily="49" charset="-128"/>
+              </a:rPr>
+              <a:t> d : vec) {</a:t>
+            </a:r>
+          </a:p>
+          <a:p>
+            <a:pPr marL="0" indent="0">
+              <a:buNone/>
+            </a:pPr>
+            <a:r>
+              <a:rPr lang="en-US" altLang="ja-JP" sz="1800" dirty="0">
+                <a:solidFill>
+                  <a:srgbClr val="0000FF"/>
+                </a:solidFill>
+                <a:ea typeface="ＭＳ ゴシック" panose="020B0609070205080204" pitchFamily="49" charset="-128"/>
+              </a:rPr>
+              <a:t>        </a:t>
+            </a:r>
+            <a:r>
+              <a:rPr lang="en-US" altLang="ja-JP" sz="2400" dirty="0">
+                <a:solidFill>
+                  <a:srgbClr val="FF0000"/>
+                </a:solidFill>
+                <a:ea typeface="ＭＳ ゴシック" panose="020B0609070205080204" pitchFamily="49" charset="-128"/>
+              </a:rPr>
+              <a:t>[&amp;max, &amp;min](int data){</a:t>
+            </a:r>
+            <a:br>
+              <a:rPr lang="en-US" altLang="ja-JP" sz="2400" dirty="0">
+                <a:solidFill>
+                  <a:srgbClr val="FF0000"/>
+                </a:solidFill>
+                <a:ea typeface="ＭＳ ゴシック" panose="020B0609070205080204" pitchFamily="49" charset="-128"/>
+              </a:rPr>
+            </a:br>
+            <a:r>
+              <a:rPr lang="en-US" altLang="ja-JP" sz="2400" dirty="0">
+                <a:solidFill>
+                  <a:srgbClr val="FF0000"/>
+                </a:solidFill>
+                <a:ea typeface="ＭＳ ゴシック" panose="020B0609070205080204" pitchFamily="49" charset="-128"/>
+              </a:rPr>
+              <a:t>        </a:t>
+            </a:r>
+            <a:r>
+              <a:rPr lang="en-US" altLang="ja-JP" sz="2400" dirty="0">
+                <a:solidFill>
+                  <a:srgbClr val="000000"/>
+                </a:solidFill>
+                <a:ea typeface="ＭＳ ゴシック" panose="020B0609070205080204" pitchFamily="49" charset="-128"/>
+              </a:rPr>
+              <a:t>max = max &lt; data ? data : max;</a:t>
+            </a:r>
+            <a:br>
+              <a:rPr lang="en-US" altLang="ja-JP" sz="2400" dirty="0">
+                <a:solidFill>
+                  <a:srgbClr val="000000"/>
+                </a:solidFill>
+                <a:ea typeface="ＭＳ ゴシック" panose="020B0609070205080204" pitchFamily="49" charset="-128"/>
+              </a:rPr>
+            </a:br>
+            <a:r>
+              <a:rPr lang="en-US" altLang="ja-JP" sz="2400" dirty="0">
+                <a:solidFill>
+                  <a:srgbClr val="000000"/>
+                </a:solidFill>
+                <a:ea typeface="ＭＳ ゴシック" panose="020B0609070205080204" pitchFamily="49" charset="-128"/>
+              </a:rPr>
+              <a:t>        min = min &gt; data ? data : min;</a:t>
+            </a:r>
+            <a:r>
+              <a:rPr lang="en-US" altLang="ja-JP" sz="2400" dirty="0">
+                <a:solidFill>
+                  <a:srgbClr val="FF0000"/>
+                </a:solidFill>
+                <a:ea typeface="ＭＳ ゴシック" panose="020B0609070205080204" pitchFamily="49" charset="-128"/>
+              </a:rPr>
+              <a:t>}(d);</a:t>
+            </a:r>
+          </a:p>
+          <a:p>
+            <a:pPr marL="0" indent="0">
+              <a:buNone/>
+            </a:pPr>
+            <a:r>
+              <a:rPr lang="en-US" altLang="ja-JP" sz="2000" dirty="0">
+                <a:solidFill>
+                  <a:srgbClr val="000000"/>
+                </a:solidFill>
+                <a:ea typeface="ＭＳ ゴシック" panose="020B0609070205080204" pitchFamily="49" charset="-128"/>
+              </a:rPr>
+              <a:t>    }</a:t>
+            </a:r>
+          </a:p>
+          <a:p>
+            <a:pPr marL="0" indent="0">
+              <a:buNone/>
+            </a:pPr>
+            <a:r>
+              <a:rPr lang="en-US" altLang="ja-JP" sz="2000" dirty="0">
+                <a:solidFill>
+                  <a:srgbClr val="000000"/>
+                </a:solidFill>
+                <a:ea typeface="ＭＳ ゴシック" panose="020B0609070205080204" pitchFamily="49" charset="-128"/>
+              </a:rPr>
+              <a:t>    </a:t>
+            </a:r>
+            <a:r>
+              <a:rPr lang="en-US" altLang="ja-JP" sz="2000" dirty="0" err="1">
+                <a:solidFill>
+                  <a:srgbClr val="000000"/>
+                </a:solidFill>
+                <a:ea typeface="ＭＳ ゴシック" panose="020B0609070205080204" pitchFamily="49" charset="-128"/>
+              </a:rPr>
+              <a:t>cout</a:t>
+            </a:r>
+            <a:r>
+              <a:rPr lang="en-US" altLang="ja-JP" sz="2000" dirty="0">
+                <a:solidFill>
+                  <a:srgbClr val="000000"/>
+                </a:solidFill>
+                <a:ea typeface="ＭＳ ゴシック" panose="020B0609070205080204" pitchFamily="49" charset="-128"/>
+              </a:rPr>
+              <a:t> </a:t>
+            </a:r>
+            <a:r>
+              <a:rPr lang="en-US" altLang="ja-JP" sz="2000" dirty="0">
+                <a:solidFill>
+                  <a:srgbClr val="008080"/>
+                </a:solidFill>
+                <a:ea typeface="ＭＳ ゴシック" panose="020B0609070205080204" pitchFamily="49" charset="-128"/>
+              </a:rPr>
+              <a:t>&lt;&lt;</a:t>
+            </a:r>
+            <a:r>
+              <a:rPr lang="en-US" altLang="ja-JP" sz="2000" dirty="0">
+                <a:solidFill>
+                  <a:srgbClr val="000000"/>
+                </a:solidFill>
+                <a:ea typeface="ＭＳ ゴシック" panose="020B0609070205080204" pitchFamily="49" charset="-128"/>
+              </a:rPr>
+              <a:t> </a:t>
+            </a:r>
+            <a:r>
+              <a:rPr lang="en-US" altLang="ja-JP" sz="2000" dirty="0">
+                <a:solidFill>
+                  <a:srgbClr val="A31515"/>
+                </a:solidFill>
+                <a:ea typeface="ＭＳ ゴシック" panose="020B0609070205080204" pitchFamily="49" charset="-128"/>
+              </a:rPr>
+              <a:t>"</a:t>
+            </a:r>
+            <a:r>
+              <a:rPr lang="ja-JP" altLang="en-US" sz="2000" dirty="0">
+                <a:solidFill>
+                  <a:srgbClr val="A31515"/>
+                </a:solidFill>
+                <a:latin typeface="+mn-ea"/>
+              </a:rPr>
+              <a:t>最大値</a:t>
+            </a:r>
+            <a:r>
+              <a:rPr lang="en-US" altLang="ja-JP" sz="2000" dirty="0">
+                <a:solidFill>
+                  <a:srgbClr val="A31515"/>
+                </a:solidFill>
+                <a:latin typeface="+mn-ea"/>
+              </a:rPr>
+              <a:t>:</a:t>
+            </a:r>
+            <a:r>
+              <a:rPr lang="en-US" altLang="ja-JP" sz="2000" dirty="0">
+                <a:solidFill>
+                  <a:srgbClr val="A31515"/>
+                </a:solidFill>
+                <a:ea typeface="ＭＳ ゴシック" panose="020B0609070205080204" pitchFamily="49" charset="-128"/>
+              </a:rPr>
+              <a:t>"</a:t>
+            </a:r>
+            <a:r>
+              <a:rPr lang="ja-JP" altLang="en-US" sz="2000" dirty="0">
+                <a:solidFill>
+                  <a:srgbClr val="000000"/>
+                </a:solidFill>
+                <a:ea typeface="ＭＳ ゴシック" panose="020B0609070205080204" pitchFamily="49" charset="-128"/>
+              </a:rPr>
+              <a:t> </a:t>
+            </a:r>
+            <a:r>
+              <a:rPr lang="en-US" altLang="ja-JP" sz="2000" dirty="0">
+                <a:solidFill>
+                  <a:srgbClr val="008080"/>
+                </a:solidFill>
+                <a:ea typeface="ＭＳ ゴシック" panose="020B0609070205080204" pitchFamily="49" charset="-128"/>
+              </a:rPr>
+              <a:t>&lt;&lt;</a:t>
+            </a:r>
+            <a:r>
+              <a:rPr lang="ja-JP" altLang="en-US" sz="2000" dirty="0">
+                <a:solidFill>
+                  <a:srgbClr val="000000"/>
+                </a:solidFill>
+                <a:ea typeface="ＭＳ ゴシック" panose="020B0609070205080204" pitchFamily="49" charset="-128"/>
+              </a:rPr>
+              <a:t> </a:t>
+            </a:r>
+            <a:r>
+              <a:rPr lang="en-US" altLang="ja-JP" sz="2000" dirty="0">
+                <a:solidFill>
+                  <a:srgbClr val="000000"/>
+                </a:solidFill>
+                <a:ea typeface="ＭＳ ゴシック" panose="020B0609070205080204" pitchFamily="49" charset="-128"/>
+              </a:rPr>
+              <a:t>max </a:t>
+            </a:r>
+            <a:r>
+              <a:rPr lang="en-US" altLang="ja-JP" sz="2000" dirty="0">
+                <a:solidFill>
+                  <a:srgbClr val="008080"/>
+                </a:solidFill>
+                <a:ea typeface="ＭＳ ゴシック" panose="020B0609070205080204" pitchFamily="49" charset="-128"/>
+              </a:rPr>
+              <a:t>&lt;&lt;</a:t>
+            </a:r>
+            <a:r>
+              <a:rPr lang="en-US" altLang="ja-JP" sz="2000" dirty="0">
+                <a:solidFill>
+                  <a:srgbClr val="000000"/>
+                </a:solidFill>
+                <a:ea typeface="ＭＳ ゴシック" panose="020B0609070205080204" pitchFamily="49" charset="-128"/>
+              </a:rPr>
+              <a:t> </a:t>
+            </a:r>
+            <a:r>
+              <a:rPr lang="en-US" altLang="ja-JP" sz="2000" dirty="0">
+                <a:solidFill>
+                  <a:srgbClr val="A31515"/>
+                </a:solidFill>
+                <a:ea typeface="ＭＳ ゴシック" panose="020B0609070205080204" pitchFamily="49" charset="-128"/>
+              </a:rPr>
+              <a:t>" </a:t>
+            </a:r>
+            <a:r>
+              <a:rPr lang="ja-JP" altLang="en-US" sz="2000" dirty="0">
+                <a:solidFill>
+                  <a:srgbClr val="A31515"/>
+                </a:solidFill>
+                <a:latin typeface="+mn-ea"/>
+              </a:rPr>
+              <a:t>最小値</a:t>
+            </a:r>
+            <a:r>
+              <a:rPr lang="en-US" altLang="ja-JP" sz="2000" dirty="0">
+                <a:solidFill>
+                  <a:srgbClr val="A31515"/>
+                </a:solidFill>
+                <a:latin typeface="+mn-ea"/>
+              </a:rPr>
+              <a:t>:</a:t>
+            </a:r>
+            <a:r>
+              <a:rPr lang="en-US" altLang="ja-JP" sz="2000" dirty="0">
+                <a:solidFill>
+                  <a:srgbClr val="A31515"/>
+                </a:solidFill>
+                <a:ea typeface="ＭＳ ゴシック" panose="020B0609070205080204" pitchFamily="49" charset="-128"/>
+              </a:rPr>
+              <a:t>"</a:t>
+            </a:r>
+            <a:r>
+              <a:rPr lang="ja-JP" altLang="en-US" sz="2000" dirty="0">
+                <a:solidFill>
+                  <a:srgbClr val="000000"/>
+                </a:solidFill>
+                <a:ea typeface="ＭＳ ゴシック" panose="020B0609070205080204" pitchFamily="49" charset="-128"/>
+              </a:rPr>
+              <a:t> </a:t>
+            </a:r>
+            <a:r>
+              <a:rPr lang="en-US" altLang="ja-JP" sz="2000" dirty="0">
+                <a:solidFill>
+                  <a:srgbClr val="008080"/>
+                </a:solidFill>
+                <a:ea typeface="ＭＳ ゴシック" panose="020B0609070205080204" pitchFamily="49" charset="-128"/>
+              </a:rPr>
+              <a:t>&lt;&lt;</a:t>
+            </a:r>
+            <a:r>
+              <a:rPr lang="ja-JP" altLang="en-US" sz="2000" dirty="0">
+                <a:solidFill>
+                  <a:srgbClr val="000000"/>
+                </a:solidFill>
+                <a:ea typeface="ＭＳ ゴシック" panose="020B0609070205080204" pitchFamily="49" charset="-128"/>
+              </a:rPr>
+              <a:t> </a:t>
+            </a:r>
+            <a:r>
+              <a:rPr lang="en-US" altLang="ja-JP" sz="2000" dirty="0">
+                <a:solidFill>
+                  <a:srgbClr val="000000"/>
+                </a:solidFill>
+                <a:ea typeface="ＭＳ ゴシック" panose="020B0609070205080204" pitchFamily="49" charset="-128"/>
+              </a:rPr>
+              <a:t>min </a:t>
+            </a:r>
+            <a:r>
+              <a:rPr lang="en-US" altLang="ja-JP" sz="2000" dirty="0">
+                <a:solidFill>
+                  <a:srgbClr val="008080"/>
+                </a:solidFill>
+                <a:ea typeface="ＭＳ ゴシック" panose="020B0609070205080204" pitchFamily="49" charset="-128"/>
+              </a:rPr>
+              <a:t>&lt;&lt;</a:t>
+            </a:r>
+            <a:r>
+              <a:rPr lang="en-US" altLang="ja-JP" sz="2000" dirty="0">
+                <a:solidFill>
+                  <a:srgbClr val="000000"/>
+                </a:solidFill>
+                <a:ea typeface="ＭＳ ゴシック" panose="020B0609070205080204" pitchFamily="49" charset="-128"/>
+              </a:rPr>
+              <a:t> </a:t>
+            </a:r>
+            <a:r>
+              <a:rPr lang="en-US" altLang="ja-JP" sz="2000" dirty="0" err="1">
+                <a:solidFill>
+                  <a:srgbClr val="000000"/>
+                </a:solidFill>
+                <a:ea typeface="ＭＳ ゴシック" panose="020B0609070205080204" pitchFamily="49" charset="-128"/>
+              </a:rPr>
+              <a:t>endl</a:t>
+            </a:r>
+            <a:r>
+              <a:rPr lang="en-US" altLang="ja-JP" sz="2000" dirty="0">
+                <a:solidFill>
+                  <a:srgbClr val="000000"/>
+                </a:solidFill>
+                <a:ea typeface="ＭＳ ゴシック" panose="020B0609070205080204" pitchFamily="49" charset="-128"/>
+              </a:rPr>
+              <a:t>;</a:t>
+            </a:r>
+            <a:endParaRPr lang="en-US" altLang="ja-JP" sz="2000" dirty="0"/>
+          </a:p>
+        </p:txBody>
+      </p:sp>
+      <p:sp>
+        <p:nvSpPr>
+          <p:cNvPr id="4" name="テキスト ボックス 3">
+            <a:extLst>
+              <a:ext uri="{FF2B5EF4-FFF2-40B4-BE49-F238E27FC236}">
+                <a16:creationId xmlns:a16="http://schemas.microsoft.com/office/drawing/2014/main" id="{36167C58-0781-4BAB-BAA5-8E3EEFBCFF26}"/>
+              </a:ext>
+            </a:extLst>
+          </p:cNvPr>
+          <p:cNvSpPr txBox="1"/>
+          <p:nvPr/>
+        </p:nvSpPr>
+        <p:spPr>
+          <a:xfrm>
+            <a:off x="6712786" y="639756"/>
+            <a:ext cx="4641014" cy="523220"/>
+          </a:xfrm>
+          <a:prstGeom prst="rect">
+            <a:avLst/>
+          </a:prstGeom>
+          <a:noFill/>
+        </p:spPr>
+        <p:txBody>
+          <a:bodyPr wrap="none" rtlCol="0">
+            <a:spAutoFit/>
+          </a:bodyPr>
+          <a:lstStyle/>
+          <a:p>
+            <a:r>
+              <a:rPr kumimoji="1" lang="en-US" altLang="ja-JP" sz="2800" dirty="0" err="1"/>
+              <a:t>PracVector</a:t>
+            </a:r>
+            <a:r>
+              <a:rPr kumimoji="1" lang="en-US" altLang="ja-JP" sz="2800" dirty="0"/>
+              <a:t>(main.cpp)</a:t>
+            </a:r>
+            <a:endParaRPr kumimoji="1" lang="ja-JP" altLang="en-US" sz="2800" dirty="0"/>
+          </a:p>
+        </p:txBody>
+      </p:sp>
+      <p:sp>
+        <p:nvSpPr>
+          <p:cNvPr id="6" name="テキスト ボックス 5">
+            <a:extLst>
+              <a:ext uri="{FF2B5EF4-FFF2-40B4-BE49-F238E27FC236}">
+                <a16:creationId xmlns:a16="http://schemas.microsoft.com/office/drawing/2014/main" id="{F4A41511-A884-440D-BE67-22EF90698E24}"/>
+              </a:ext>
+            </a:extLst>
+          </p:cNvPr>
+          <p:cNvSpPr txBox="1"/>
+          <p:nvPr/>
+        </p:nvSpPr>
+        <p:spPr>
+          <a:xfrm>
+            <a:off x="838201" y="4430771"/>
+            <a:ext cx="10515599" cy="1754326"/>
+          </a:xfrm>
+          <a:prstGeom prst="rect">
+            <a:avLst/>
+          </a:prstGeom>
+          <a:noFill/>
+        </p:spPr>
+        <p:txBody>
+          <a:bodyPr wrap="square" rtlCol="0">
+            <a:spAutoFit/>
+          </a:bodyPr>
+          <a:lstStyle/>
+          <a:p>
+            <a:r>
+              <a:rPr kumimoji="1" lang="ja-JP" altLang="en-US" sz="3200" dirty="0">
+                <a:solidFill>
+                  <a:srgbClr val="00B0F0"/>
+                </a:solidFill>
+              </a:rPr>
+              <a:t>ラムダ式を用いた関数記法　その２</a:t>
+            </a:r>
+            <a:endParaRPr kumimoji="1" lang="en-US" altLang="ja-JP" sz="1200" dirty="0">
+              <a:solidFill>
+                <a:srgbClr val="00B0F0"/>
+              </a:solidFill>
+            </a:endParaRPr>
+          </a:p>
+          <a:p>
+            <a:br>
+              <a:rPr kumimoji="1" lang="en-US" altLang="ja-JP" sz="1200" dirty="0">
+                <a:solidFill>
+                  <a:srgbClr val="00B0F0"/>
+                </a:solidFill>
+              </a:rPr>
+            </a:br>
+            <a:r>
+              <a:rPr kumimoji="1" lang="en-US" altLang="ja-JP" sz="3200" dirty="0">
+                <a:solidFill>
+                  <a:srgbClr val="00B0F0"/>
+                </a:solidFill>
+              </a:rPr>
+              <a:t>[</a:t>
+            </a:r>
+            <a:r>
+              <a:rPr kumimoji="1" lang="ja-JP" altLang="en-US" sz="3200" dirty="0">
+                <a:solidFill>
+                  <a:srgbClr val="00B0F0"/>
+                </a:solidFill>
+              </a:rPr>
+              <a:t>キャプチャする変数</a:t>
+            </a:r>
+            <a:r>
+              <a:rPr kumimoji="1" lang="en-US" altLang="ja-JP" sz="3200" dirty="0">
+                <a:solidFill>
+                  <a:srgbClr val="00B0F0"/>
+                </a:solidFill>
+              </a:rPr>
+              <a:t>](</a:t>
+            </a:r>
+            <a:r>
+              <a:rPr kumimoji="1" lang="ja-JP" altLang="en-US" sz="3200" dirty="0">
+                <a:solidFill>
+                  <a:srgbClr val="00B0F0"/>
+                </a:solidFill>
+              </a:rPr>
+              <a:t>引数リスト</a:t>
+            </a:r>
+            <a:r>
+              <a:rPr kumimoji="1" lang="en-US" altLang="ja-JP" sz="3200" dirty="0">
+                <a:solidFill>
+                  <a:srgbClr val="00B0F0"/>
+                </a:solidFill>
+              </a:rPr>
+              <a:t>){</a:t>
+            </a:r>
+            <a:r>
+              <a:rPr kumimoji="1" lang="ja-JP" altLang="en-US" sz="3200" dirty="0">
+                <a:solidFill>
+                  <a:srgbClr val="00B0F0"/>
+                </a:solidFill>
+              </a:rPr>
+              <a:t>実処理</a:t>
+            </a:r>
+            <a:r>
+              <a:rPr kumimoji="1" lang="en-US" altLang="ja-JP" sz="3200" dirty="0">
+                <a:solidFill>
+                  <a:srgbClr val="00B0F0"/>
+                </a:solidFill>
+              </a:rPr>
+              <a:t>}(</a:t>
+            </a:r>
+            <a:r>
+              <a:rPr kumimoji="1" lang="ja-JP" altLang="en-US" sz="3200" dirty="0">
+                <a:solidFill>
+                  <a:srgbClr val="00B0F0"/>
+                </a:solidFill>
+              </a:rPr>
+              <a:t>実引数</a:t>
+            </a:r>
+            <a:r>
+              <a:rPr kumimoji="1" lang="en-US" altLang="ja-JP" sz="3200" dirty="0">
+                <a:solidFill>
+                  <a:srgbClr val="00B0F0"/>
+                </a:solidFill>
+              </a:rPr>
+              <a:t>)</a:t>
+            </a:r>
+            <a:br>
+              <a:rPr kumimoji="1" lang="en-US" altLang="ja-JP" sz="3200" dirty="0">
+                <a:solidFill>
+                  <a:srgbClr val="00B0F0"/>
+                </a:solidFill>
+              </a:rPr>
+            </a:br>
+            <a:endParaRPr kumimoji="1" lang="en-US" altLang="ja-JP" sz="3200" dirty="0">
+              <a:solidFill>
+                <a:srgbClr val="00B0F0"/>
+              </a:solidFill>
+            </a:endParaRPr>
+          </a:p>
+        </p:txBody>
+      </p:sp>
+    </p:spTree>
+    <p:extLst>
+      <p:ext uri="{BB962C8B-B14F-4D97-AF65-F5344CB8AC3E}">
+        <p14:creationId xmlns:p14="http://schemas.microsoft.com/office/powerpoint/2010/main" val="4273189668"/>
+      </p:ext>
+    </p:extLst>
+  </p:cSld>
+  <p:clrMapOvr>
+    <a:masterClrMapping/>
+  </p:clrMapOvr>
+</p:sld>
+</file>
+
 <file path=ppt/slides/slide3.xml><?xml version="1.0" encoding="utf-8"?>
 <p:sld xmlns:a="http://schemas.openxmlformats.org/drawingml/2006/main" xmlns:r="http://schemas.openxmlformats.org/officeDocument/2006/relationships" xmlns:p="http://schemas.openxmlformats.org/presentationml/2006/main">
   <p:cSld>

--- a/授業資料/演習課題：vector.pptx
+++ b/授業資料/演習課題：vector.pptx
@@ -23,8 +23,8 @@
     <p:sldId id="399" r:id="rId17"/>
     <p:sldId id="395" r:id="rId18"/>
     <p:sldId id="396" r:id="rId19"/>
-    <p:sldId id="397" r:id="rId20"/>
-    <p:sldId id="400" r:id="rId21"/>
+    <p:sldId id="400" r:id="rId20"/>
+    <p:sldId id="397" r:id="rId21"/>
     <p:sldId id="401" r:id="rId22"/>
   </p:sldIdLst>
   <p:sldSz cx="12192000" cy="6858000"/>
@@ -263,7 +263,7 @@
           <a:p>
             <a:fld id="{5B96D3F8-CD2E-4A0D-AC38-517181EABB18}" type="datetimeFigureOut">
               <a:rPr kumimoji="1" lang="ja-JP" altLang="en-US" smtClean="0"/>
-              <a:t>2024/10/15</a:t>
+              <a:t>2025/9/15</a:t>
             </a:fld>
             <a:endParaRPr kumimoji="1" lang="ja-JP" altLang="en-US"/>
           </a:p>
@@ -465,7 +465,7 @@
           <a:p>
             <a:fld id="{5B96D3F8-CD2E-4A0D-AC38-517181EABB18}" type="datetimeFigureOut">
               <a:rPr kumimoji="1" lang="ja-JP" altLang="en-US" smtClean="0"/>
-              <a:t>2024/10/15</a:t>
+              <a:t>2025/9/15</a:t>
             </a:fld>
             <a:endParaRPr kumimoji="1" lang="ja-JP" altLang="en-US"/>
           </a:p>
@@ -677,7 +677,7 @@
           <a:p>
             <a:fld id="{5B96D3F8-CD2E-4A0D-AC38-517181EABB18}" type="datetimeFigureOut">
               <a:rPr kumimoji="1" lang="ja-JP" altLang="en-US" smtClean="0"/>
-              <a:t>2024/10/15</a:t>
+              <a:t>2025/9/15</a:t>
             </a:fld>
             <a:endParaRPr kumimoji="1" lang="ja-JP" altLang="en-US"/>
           </a:p>
@@ -879,7 +879,7 @@
           <a:p>
             <a:fld id="{5B96D3F8-CD2E-4A0D-AC38-517181EABB18}" type="datetimeFigureOut">
               <a:rPr kumimoji="1" lang="ja-JP" altLang="en-US" smtClean="0"/>
-              <a:t>2024/10/15</a:t>
+              <a:t>2025/9/15</a:t>
             </a:fld>
             <a:endParaRPr kumimoji="1" lang="ja-JP" altLang="en-US"/>
           </a:p>
@@ -1125,7 +1125,7 @@
           <a:p>
             <a:fld id="{5B96D3F8-CD2E-4A0D-AC38-517181EABB18}" type="datetimeFigureOut">
               <a:rPr kumimoji="1" lang="ja-JP" altLang="en-US" smtClean="0"/>
-              <a:t>2024/10/15</a:t>
+              <a:t>2025/9/15</a:t>
             </a:fld>
             <a:endParaRPr kumimoji="1" lang="ja-JP" altLang="en-US"/>
           </a:p>
@@ -1421,7 +1421,7 @@
           <a:p>
             <a:fld id="{5B96D3F8-CD2E-4A0D-AC38-517181EABB18}" type="datetimeFigureOut">
               <a:rPr kumimoji="1" lang="ja-JP" altLang="en-US" smtClean="0"/>
-              <a:t>2024/10/15</a:t>
+              <a:t>2025/9/15</a:t>
             </a:fld>
             <a:endParaRPr kumimoji="1" lang="ja-JP" altLang="en-US"/>
           </a:p>
@@ -1852,7 +1852,7 @@
           <a:p>
             <a:fld id="{5B96D3F8-CD2E-4A0D-AC38-517181EABB18}" type="datetimeFigureOut">
               <a:rPr kumimoji="1" lang="ja-JP" altLang="en-US" smtClean="0"/>
-              <a:t>2024/10/15</a:t>
+              <a:t>2025/9/15</a:t>
             </a:fld>
             <a:endParaRPr kumimoji="1" lang="ja-JP" altLang="en-US"/>
           </a:p>
@@ -1970,7 +1970,7 @@
           <a:p>
             <a:fld id="{5B96D3F8-CD2E-4A0D-AC38-517181EABB18}" type="datetimeFigureOut">
               <a:rPr kumimoji="1" lang="ja-JP" altLang="en-US" smtClean="0"/>
-              <a:t>2024/10/15</a:t>
+              <a:t>2025/9/15</a:t>
             </a:fld>
             <a:endParaRPr kumimoji="1" lang="ja-JP" altLang="en-US"/>
           </a:p>
@@ -2065,7 +2065,7 @@
           <a:p>
             <a:fld id="{5B96D3F8-CD2E-4A0D-AC38-517181EABB18}" type="datetimeFigureOut">
               <a:rPr kumimoji="1" lang="ja-JP" altLang="en-US" smtClean="0"/>
-              <a:t>2024/10/15</a:t>
+              <a:t>2025/9/15</a:t>
             </a:fld>
             <a:endParaRPr kumimoji="1" lang="ja-JP" altLang="en-US"/>
           </a:p>
@@ -2374,7 +2374,7 @@
           <a:p>
             <a:fld id="{5B96D3F8-CD2E-4A0D-AC38-517181EABB18}" type="datetimeFigureOut">
               <a:rPr kumimoji="1" lang="ja-JP" altLang="en-US" smtClean="0"/>
-              <a:t>2024/10/15</a:t>
+              <a:t>2025/9/15</a:t>
             </a:fld>
             <a:endParaRPr kumimoji="1" lang="ja-JP" altLang="en-US"/>
           </a:p>
@@ -2631,7 +2631,7 @@
           <a:p>
             <a:fld id="{5B96D3F8-CD2E-4A0D-AC38-517181EABB18}" type="datetimeFigureOut">
               <a:rPr kumimoji="1" lang="ja-JP" altLang="en-US" smtClean="0"/>
-              <a:t>2024/10/15</a:t>
+              <a:t>2025/9/15</a:t>
             </a:fld>
             <a:endParaRPr kumimoji="1" lang="ja-JP" altLang="en-US"/>
           </a:p>
@@ -2876,7 +2876,7 @@
           <a:p>
             <a:fld id="{5B96D3F8-CD2E-4A0D-AC38-517181EABB18}" type="datetimeFigureOut">
               <a:rPr kumimoji="1" lang="ja-JP" altLang="en-US" smtClean="0"/>
-              <a:t>2024/10/15</a:t>
+              <a:t>2025/9/15</a:t>
             </a:fld>
             <a:endParaRPr kumimoji="1" lang="ja-JP" altLang="en-US"/>
           </a:p>
@@ -9899,35 +9899,31 @@
               <a:rPr kumimoji="1" lang="en-US" altLang="ja-JP" dirty="0"/>
               <a:t>vector</a:t>
             </a:r>
-            <a:r>
-              <a:rPr kumimoji="1" lang="ja-JP" altLang="en-US" dirty="0"/>
-              <a:t>（おまけ）</a:t>
-            </a:r>
+            <a:endParaRPr kumimoji="1" lang="ja-JP" altLang="en-US" dirty="0"/>
           </a:p>
         </p:txBody>
       </p:sp>
       <p:sp>
         <p:nvSpPr>
-          <p:cNvPr id="7" name="コンテンツ プレースホルダー 2">
+          <p:cNvPr id="3" name="コンテンツ プレースホルダー 2">
             <a:extLst>
               <a:ext uri="{FF2B5EF4-FFF2-40B4-BE49-F238E27FC236}">
-                <a16:creationId xmlns:a16="http://schemas.microsoft.com/office/drawing/2014/main" id="{A0A91DBA-07A3-8412-C833-6E69F85C1811}"/>
+                <a16:creationId xmlns:a16="http://schemas.microsoft.com/office/drawing/2014/main" id="{39562F0E-6033-40BD-BCB8-F015661306FD}"/>
               </a:ext>
             </a:extLst>
           </p:cNvPr>
-          <p:cNvSpPr txBox="1">
-            <a:spLocks/>
+          <p:cNvSpPr>
+            <a:spLocks noGrp="1"/>
           </p:cNvSpPr>
-          <p:nvPr/>
+          <p:nvPr>
+            <p:ph idx="1"/>
+          </p:nvPr>
         </p:nvSpPr>
         <p:spPr>
           <a:xfrm>
-            <a:off x="509079" y="4668080"/>
-            <a:ext cx="11468911" cy="1627763"/>
+            <a:off x="723089" y="1172703"/>
+            <a:ext cx="10515600" cy="4896403"/>
           </a:xfrm>
-          <a:prstGeom prst="rect">
-            <a:avLst/>
-          </a:prstGeom>
           <a:solidFill>
             <a:schemeClr val="bg1"/>
           </a:solidFill>
@@ -9938,308 +9934,48 @@
           </a:ln>
         </p:spPr>
         <p:txBody>
-          <a:bodyPr vert="horz" lIns="91440" tIns="45720" rIns="91440" bIns="45720" rtlCol="0">
+          <a:bodyPr>
             <a:noAutofit/>
           </a:bodyPr>
-          <a:lstStyle>
-            <a:lvl1pPr marL="228600" indent="-228600" algn="l" defTabSz="914400" rtl="0" eaLnBrk="1" latinLnBrk="0" hangingPunct="1">
-              <a:lnSpc>
-                <a:spcPct val="90000"/>
-              </a:lnSpc>
-              <a:spcBef>
-                <a:spcPts val="1000"/>
-              </a:spcBef>
-              <a:buFont typeface="Arial" panose="020B0604020202020204" pitchFamily="34" charset="0"/>
-              <a:buChar char="•"/>
-              <a:defRPr kumimoji="1" sz="3600" kern="1200">
-                <a:solidFill>
-                  <a:schemeClr val="tx1"/>
-                </a:solidFill>
-                <a:latin typeface="+mn-lt"/>
-                <a:ea typeface="+mn-ea"/>
-                <a:cs typeface="+mn-cs"/>
-              </a:defRPr>
-            </a:lvl1pPr>
-            <a:lvl2pPr marL="685800" indent="-228600" algn="l" defTabSz="914400" rtl="0" eaLnBrk="1" latinLnBrk="0" hangingPunct="1">
-              <a:lnSpc>
-                <a:spcPct val="90000"/>
-              </a:lnSpc>
-              <a:spcBef>
-                <a:spcPts val="500"/>
-              </a:spcBef>
-              <a:buFont typeface="Arial" panose="020B0604020202020204" pitchFamily="34" charset="0"/>
-              <a:buChar char="•"/>
-              <a:defRPr kumimoji="1" sz="3200" kern="1200">
-                <a:solidFill>
-                  <a:schemeClr val="tx1"/>
-                </a:solidFill>
-                <a:latin typeface="+mn-lt"/>
-                <a:ea typeface="+mn-ea"/>
-                <a:cs typeface="+mn-cs"/>
-              </a:defRPr>
-            </a:lvl2pPr>
-            <a:lvl3pPr marL="1143000" indent="-228600" algn="l" defTabSz="914400" rtl="0" eaLnBrk="1" latinLnBrk="0" hangingPunct="1">
-              <a:lnSpc>
-                <a:spcPct val="90000"/>
-              </a:lnSpc>
-              <a:spcBef>
-                <a:spcPts val="500"/>
-              </a:spcBef>
-              <a:buFont typeface="Arial" panose="020B0604020202020204" pitchFamily="34" charset="0"/>
-              <a:buChar char="•"/>
-              <a:defRPr kumimoji="1" sz="2800" kern="1200">
-                <a:solidFill>
-                  <a:schemeClr val="tx1"/>
-                </a:solidFill>
-                <a:latin typeface="+mn-lt"/>
-                <a:ea typeface="+mn-ea"/>
-                <a:cs typeface="+mn-cs"/>
-              </a:defRPr>
-            </a:lvl3pPr>
-            <a:lvl4pPr marL="1600200" indent="-228600" algn="l" defTabSz="914400" rtl="0" eaLnBrk="1" latinLnBrk="0" hangingPunct="1">
-              <a:lnSpc>
-                <a:spcPct val="90000"/>
-              </a:lnSpc>
-              <a:spcBef>
-                <a:spcPts val="500"/>
-              </a:spcBef>
-              <a:buFont typeface="Arial" panose="020B0604020202020204" pitchFamily="34" charset="0"/>
-              <a:buChar char="•"/>
-              <a:defRPr kumimoji="1" sz="2400" kern="1200">
-                <a:solidFill>
-                  <a:schemeClr val="tx1"/>
-                </a:solidFill>
-                <a:latin typeface="+mn-lt"/>
-                <a:ea typeface="+mn-ea"/>
-                <a:cs typeface="+mn-cs"/>
-              </a:defRPr>
-            </a:lvl4pPr>
-            <a:lvl5pPr marL="2057400" indent="-228600" algn="l" defTabSz="914400" rtl="0" eaLnBrk="1" latinLnBrk="0" hangingPunct="1">
-              <a:lnSpc>
-                <a:spcPct val="90000"/>
-              </a:lnSpc>
-              <a:spcBef>
-                <a:spcPts val="500"/>
-              </a:spcBef>
-              <a:buFont typeface="Arial" panose="020B0604020202020204" pitchFamily="34" charset="0"/>
-              <a:buChar char="•"/>
-              <a:defRPr kumimoji="1" sz="2400" kern="1200">
-                <a:solidFill>
-                  <a:schemeClr val="tx1"/>
-                </a:solidFill>
-                <a:latin typeface="+mn-lt"/>
-                <a:ea typeface="+mn-ea"/>
-                <a:cs typeface="+mn-cs"/>
-              </a:defRPr>
-            </a:lvl5pPr>
-            <a:lvl6pPr marL="2514600" indent="-228600" algn="l" defTabSz="914400" rtl="0" eaLnBrk="1" latinLnBrk="0" hangingPunct="1">
-              <a:lnSpc>
-                <a:spcPct val="90000"/>
-              </a:lnSpc>
-              <a:spcBef>
-                <a:spcPts val="500"/>
-              </a:spcBef>
-              <a:buFont typeface="Arial" panose="020B0604020202020204" pitchFamily="34" charset="0"/>
-              <a:buChar char="•"/>
-              <a:defRPr kumimoji="1" sz="1800" kern="1200">
-                <a:solidFill>
-                  <a:schemeClr val="tx1"/>
-                </a:solidFill>
-                <a:latin typeface="+mn-lt"/>
-                <a:ea typeface="+mn-ea"/>
-                <a:cs typeface="+mn-cs"/>
-              </a:defRPr>
-            </a:lvl6pPr>
-            <a:lvl7pPr marL="2971800" indent="-228600" algn="l" defTabSz="914400" rtl="0" eaLnBrk="1" latinLnBrk="0" hangingPunct="1">
-              <a:lnSpc>
-                <a:spcPct val="90000"/>
-              </a:lnSpc>
-              <a:spcBef>
-                <a:spcPts val="500"/>
-              </a:spcBef>
-              <a:buFont typeface="Arial" panose="020B0604020202020204" pitchFamily="34" charset="0"/>
-              <a:buChar char="•"/>
-              <a:defRPr kumimoji="1" sz="1800" kern="1200">
-                <a:solidFill>
-                  <a:schemeClr val="tx1"/>
-                </a:solidFill>
-                <a:latin typeface="+mn-lt"/>
-                <a:ea typeface="+mn-ea"/>
-                <a:cs typeface="+mn-cs"/>
-              </a:defRPr>
-            </a:lvl7pPr>
-            <a:lvl8pPr marL="3429000" indent="-228600" algn="l" defTabSz="914400" rtl="0" eaLnBrk="1" latinLnBrk="0" hangingPunct="1">
-              <a:lnSpc>
-                <a:spcPct val="90000"/>
-              </a:lnSpc>
-              <a:spcBef>
-                <a:spcPts val="500"/>
-              </a:spcBef>
-              <a:buFont typeface="Arial" panose="020B0604020202020204" pitchFamily="34" charset="0"/>
-              <a:buChar char="•"/>
-              <a:defRPr kumimoji="1" sz="1800" kern="1200">
-                <a:solidFill>
-                  <a:schemeClr val="tx1"/>
-                </a:solidFill>
-                <a:latin typeface="+mn-lt"/>
-                <a:ea typeface="+mn-ea"/>
-                <a:cs typeface="+mn-cs"/>
-              </a:defRPr>
-            </a:lvl8pPr>
-            <a:lvl9pPr marL="3886200" indent="-228600" algn="l" defTabSz="914400" rtl="0" eaLnBrk="1" latinLnBrk="0" hangingPunct="1">
-              <a:lnSpc>
-                <a:spcPct val="90000"/>
-              </a:lnSpc>
-              <a:spcBef>
-                <a:spcPts val="500"/>
-              </a:spcBef>
-              <a:buFont typeface="Arial" panose="020B0604020202020204" pitchFamily="34" charset="0"/>
-              <a:buChar char="•"/>
-              <a:defRPr kumimoji="1" sz="1800" kern="1200">
-                <a:solidFill>
-                  <a:schemeClr val="tx1"/>
-                </a:solidFill>
-                <a:latin typeface="+mn-lt"/>
-                <a:ea typeface="+mn-ea"/>
-                <a:cs typeface="+mn-cs"/>
-              </a:defRPr>
-            </a:lvl9pPr>
-          </a:lstStyle>
-          <a:p>
-            <a:pPr marL="0" indent="0">
-              <a:buFont typeface="Arial" panose="020B0604020202020204" pitchFamily="34" charset="0"/>
-              <a:buNone/>
-            </a:pPr>
-            <a:r>
-              <a:rPr lang="en-US" altLang="ja-JP" sz="2800" dirty="0">
-                <a:solidFill>
-                  <a:srgbClr val="000000"/>
-                </a:solidFill>
-                <a:ea typeface="ＭＳ ゴシック" panose="020B0609070205080204" pitchFamily="49" charset="-128"/>
-              </a:rPr>
-              <a:t>max = *</a:t>
-            </a:r>
-            <a:r>
-              <a:rPr lang="en-US" altLang="ja-JP" sz="3200" dirty="0" err="1">
-                <a:solidFill>
-                  <a:srgbClr val="FF0000"/>
-                </a:solidFill>
-                <a:ea typeface="ＭＳ ゴシック" panose="020B0609070205080204" pitchFamily="49" charset="-128"/>
-              </a:rPr>
-              <a:t>max_element</a:t>
-            </a:r>
-            <a:r>
-              <a:rPr lang="en-US" altLang="ja-JP" sz="2800" dirty="0">
-                <a:solidFill>
-                  <a:srgbClr val="000000"/>
-                </a:solidFill>
-                <a:ea typeface="ＭＳ ゴシック" panose="020B0609070205080204" pitchFamily="49" charset="-128"/>
-              </a:rPr>
-              <a:t>(</a:t>
-            </a:r>
-            <a:r>
-              <a:rPr lang="en-US" altLang="ja-JP" sz="2800" dirty="0" err="1">
-                <a:solidFill>
-                  <a:srgbClr val="000000"/>
-                </a:solidFill>
-                <a:ea typeface="ＭＳ ゴシック" panose="020B0609070205080204" pitchFamily="49" charset="-128"/>
-              </a:rPr>
-              <a:t>vec.begin</a:t>
-            </a:r>
-            <a:r>
-              <a:rPr lang="en-US" altLang="ja-JP" sz="2800" dirty="0">
-                <a:solidFill>
-                  <a:srgbClr val="000000"/>
-                </a:solidFill>
-                <a:ea typeface="ＭＳ ゴシック" panose="020B0609070205080204" pitchFamily="49" charset="-128"/>
-              </a:rPr>
-              <a:t>(), </a:t>
-            </a:r>
-            <a:r>
-              <a:rPr lang="en-US" altLang="ja-JP" sz="2800" dirty="0" err="1">
-                <a:solidFill>
-                  <a:srgbClr val="000000"/>
-                </a:solidFill>
-                <a:ea typeface="ＭＳ ゴシック" panose="020B0609070205080204" pitchFamily="49" charset="-128"/>
-              </a:rPr>
-              <a:t>vec.end</a:t>
-            </a:r>
-            <a:r>
-              <a:rPr lang="en-US" altLang="ja-JP" sz="2800" dirty="0">
-                <a:solidFill>
-                  <a:srgbClr val="000000"/>
-                </a:solidFill>
-                <a:ea typeface="ＭＳ ゴシック" panose="020B0609070205080204" pitchFamily="49" charset="-128"/>
-              </a:rPr>
-              <a:t>());</a:t>
-            </a:r>
-          </a:p>
+          <a:lstStyle/>
           <a:p>
             <a:pPr marL="0" indent="0">
               <a:buNone/>
             </a:pPr>
             <a:r>
-              <a:rPr lang="en-US" altLang="ja-JP" sz="2800" dirty="0">
-                <a:solidFill>
-                  <a:srgbClr val="000000"/>
-                </a:solidFill>
-                <a:ea typeface="ＭＳ ゴシック" panose="020B0609070205080204" pitchFamily="49" charset="-128"/>
-              </a:rPr>
-              <a:t>min = *</a:t>
-            </a:r>
-            <a:r>
-              <a:rPr lang="en-US" altLang="ja-JP" sz="3200" dirty="0" err="1">
-                <a:solidFill>
-                  <a:srgbClr val="0070C0"/>
-                </a:solidFill>
-                <a:ea typeface="ＭＳ ゴシック" panose="020B0609070205080204" pitchFamily="49" charset="-128"/>
-              </a:rPr>
-              <a:t>min_element</a:t>
-            </a:r>
-            <a:r>
-              <a:rPr lang="en-US" altLang="ja-JP" sz="2800" dirty="0">
-                <a:solidFill>
-                  <a:srgbClr val="000000"/>
-                </a:solidFill>
-                <a:ea typeface="ＭＳ ゴシック" panose="020B0609070205080204" pitchFamily="49" charset="-128"/>
-              </a:rPr>
-              <a:t>(</a:t>
-            </a:r>
-            <a:r>
-              <a:rPr lang="en-US" altLang="ja-JP" sz="2800" dirty="0" err="1">
-                <a:solidFill>
-                  <a:srgbClr val="000000"/>
-                </a:solidFill>
-                <a:ea typeface="ＭＳ ゴシック" panose="020B0609070205080204" pitchFamily="49" charset="-128"/>
-              </a:rPr>
-              <a:t>vec.begin</a:t>
-            </a:r>
-            <a:r>
-              <a:rPr lang="en-US" altLang="ja-JP" sz="2800" dirty="0">
-                <a:solidFill>
-                  <a:srgbClr val="000000"/>
-                </a:solidFill>
-                <a:ea typeface="ＭＳ ゴシック" panose="020B0609070205080204" pitchFamily="49" charset="-128"/>
-              </a:rPr>
-              <a:t>(), </a:t>
-            </a:r>
-            <a:r>
-              <a:rPr lang="en-US" altLang="ja-JP" sz="2800" dirty="0" err="1">
-                <a:solidFill>
-                  <a:srgbClr val="000000"/>
-                </a:solidFill>
-                <a:ea typeface="ＭＳ ゴシック" panose="020B0609070205080204" pitchFamily="49" charset="-128"/>
-              </a:rPr>
-              <a:t>vec.end</a:t>
-            </a:r>
-            <a:r>
-              <a:rPr lang="en-US" altLang="ja-JP" sz="2800" dirty="0">
-                <a:solidFill>
-                  <a:srgbClr val="000000"/>
-                </a:solidFill>
-                <a:ea typeface="ＭＳ ゴシック" panose="020B0609070205080204" pitchFamily="49" charset="-128"/>
-              </a:rPr>
-              <a:t>());</a:t>
+              <a:rPr lang="ja-JP" altLang="en-US" sz="2400" dirty="0">
+                <a:solidFill>
+                  <a:srgbClr val="FF0000"/>
+                </a:solidFill>
+                <a:ea typeface="ＭＳ ゴシック" panose="020B0609070205080204" pitchFamily="49" charset="-128"/>
+              </a:rPr>
+              <a:t>   </a:t>
+            </a:r>
+            <a:r>
+              <a:rPr lang="en-US" altLang="ja-JP" sz="2400" dirty="0">
+                <a:solidFill>
+                  <a:srgbClr val="FF0000"/>
+                </a:solidFill>
+                <a:ea typeface="ＭＳ ゴシック" panose="020B0609070205080204" pitchFamily="49" charset="-128"/>
+              </a:rPr>
+              <a:t>auto compare </a:t>
+            </a:r>
+            <a:br>
+              <a:rPr lang="en-US" altLang="ja-JP" sz="2400" dirty="0">
+                <a:solidFill>
+                  <a:srgbClr val="FF0000"/>
+                </a:solidFill>
+                <a:ea typeface="ＭＳ ゴシック" panose="020B0609070205080204" pitchFamily="49" charset="-128"/>
+              </a:rPr>
+            </a:br>
+            <a:r>
+              <a:rPr lang="en-US" altLang="ja-JP" sz="2400" dirty="0">
+                <a:solidFill>
+                  <a:srgbClr val="FF0000"/>
+                </a:solidFill>
+                <a:ea typeface="ＭＳ ゴシック" panose="020B0609070205080204" pitchFamily="49" charset="-128"/>
+              </a:rPr>
+              <a:t>    = [](int&amp; max, int&amp; min, const int&amp; data ){</a:t>
             </a:r>
           </a:p>
           <a:p>
@@ -10247,270 +9983,673 @@
               <a:buNone/>
             </a:pPr>
             <a:r>
-              <a:rPr lang="en-US" altLang="ja-JP" sz="2400" dirty="0" err="1">
-                <a:ea typeface="ＭＳ ゴシック" panose="020B0609070205080204" pitchFamily="49" charset="-128"/>
-              </a:rPr>
-              <a:t>cout</a:t>
-            </a:r>
-            <a:r>
-              <a:rPr lang="en-US" altLang="ja-JP" sz="2400" dirty="0">
-                <a:ea typeface="ＭＳ ゴシック" panose="020B0609070205080204" pitchFamily="49" charset="-128"/>
-              </a:rPr>
-              <a:t> &lt;&lt; "</a:t>
-            </a:r>
-            <a:r>
-              <a:rPr lang="ja-JP" altLang="en-US" sz="2400" dirty="0">
-                <a:latin typeface="+mn-ea"/>
-              </a:rPr>
-              <a:t>最大値</a:t>
-            </a:r>
-            <a:r>
-              <a:rPr lang="en-US" altLang="ja-JP" sz="2400" dirty="0">
-                <a:latin typeface="+mn-ea"/>
-              </a:rPr>
-              <a:t>:</a:t>
-            </a:r>
-            <a:r>
-              <a:rPr lang="en-US" altLang="ja-JP" sz="2400" dirty="0">
-                <a:ea typeface="ＭＳ ゴシック" panose="020B0609070205080204" pitchFamily="49" charset="-128"/>
-              </a:rPr>
-              <a:t>"</a:t>
-            </a:r>
-            <a:r>
-              <a:rPr lang="ja-JP" altLang="en-US" sz="2400" dirty="0">
-                <a:ea typeface="ＭＳ ゴシック" panose="020B0609070205080204" pitchFamily="49" charset="-128"/>
-              </a:rPr>
-              <a:t> </a:t>
-            </a:r>
-            <a:r>
-              <a:rPr lang="en-US" altLang="ja-JP" sz="2400" dirty="0">
-                <a:ea typeface="ＭＳ ゴシック" panose="020B0609070205080204" pitchFamily="49" charset="-128"/>
-              </a:rPr>
-              <a:t>&lt;&lt;</a:t>
-            </a:r>
-            <a:r>
-              <a:rPr lang="ja-JP" altLang="en-US" sz="2400" dirty="0">
-                <a:ea typeface="ＭＳ ゴシック" panose="020B0609070205080204" pitchFamily="49" charset="-128"/>
-              </a:rPr>
-              <a:t> </a:t>
-            </a:r>
-            <a:r>
-              <a:rPr lang="en-US" altLang="ja-JP" sz="2400" dirty="0">
-                <a:ea typeface="ＭＳ ゴシック" panose="020B0609070205080204" pitchFamily="49" charset="-128"/>
-              </a:rPr>
-              <a:t>max &lt;&lt; " </a:t>
-            </a:r>
-            <a:r>
-              <a:rPr lang="ja-JP" altLang="en-US" sz="2400" dirty="0">
-                <a:latin typeface="+mn-ea"/>
-              </a:rPr>
-              <a:t>最小値</a:t>
-            </a:r>
-            <a:r>
-              <a:rPr lang="en-US" altLang="ja-JP" sz="2400" dirty="0">
-                <a:latin typeface="+mn-ea"/>
-              </a:rPr>
-              <a:t>:</a:t>
-            </a:r>
-            <a:r>
-              <a:rPr lang="en-US" altLang="ja-JP" sz="2400" dirty="0">
-                <a:ea typeface="ＭＳ ゴシック" panose="020B0609070205080204" pitchFamily="49" charset="-128"/>
-              </a:rPr>
-              <a:t>"</a:t>
-            </a:r>
-            <a:r>
-              <a:rPr lang="ja-JP" altLang="en-US" sz="2400" dirty="0">
-                <a:ea typeface="ＭＳ ゴシック" panose="020B0609070205080204" pitchFamily="49" charset="-128"/>
-              </a:rPr>
-              <a:t> </a:t>
-            </a:r>
-            <a:r>
-              <a:rPr lang="en-US" altLang="ja-JP" sz="2400" dirty="0">
-                <a:ea typeface="ＭＳ ゴシック" panose="020B0609070205080204" pitchFamily="49" charset="-128"/>
-              </a:rPr>
-              <a:t>&lt;&lt;</a:t>
-            </a:r>
-            <a:r>
-              <a:rPr lang="ja-JP" altLang="en-US" sz="2400" dirty="0">
-                <a:ea typeface="ＭＳ ゴシック" panose="020B0609070205080204" pitchFamily="49" charset="-128"/>
-              </a:rPr>
-              <a:t> </a:t>
-            </a:r>
-            <a:r>
-              <a:rPr lang="en-US" altLang="ja-JP" sz="2400" dirty="0">
-                <a:ea typeface="ＭＳ ゴシック" panose="020B0609070205080204" pitchFamily="49" charset="-128"/>
-              </a:rPr>
-              <a:t>min &lt;&lt; </a:t>
-            </a:r>
-            <a:r>
-              <a:rPr lang="en-US" altLang="ja-JP" sz="2400" dirty="0" err="1">
-                <a:ea typeface="ＭＳ ゴシック" panose="020B0609070205080204" pitchFamily="49" charset="-128"/>
-              </a:rPr>
-              <a:t>endl</a:t>
-            </a:r>
-            <a:r>
-              <a:rPr lang="en-US" altLang="ja-JP" sz="2400" dirty="0">
-                <a:solidFill>
-                  <a:srgbClr val="000000"/>
-                </a:solidFill>
-                <a:ea typeface="ＭＳ ゴシック" panose="020B0609070205080204" pitchFamily="49" charset="-128"/>
-              </a:rPr>
-              <a:t>;</a:t>
+              <a:rPr lang="en-US" altLang="ja-JP" sz="2000" dirty="0">
+                <a:solidFill>
+                  <a:srgbClr val="0000FF"/>
+                </a:solidFill>
+                <a:ea typeface="ＭＳ ゴシック" panose="020B0609070205080204" pitchFamily="49" charset="-128"/>
+              </a:rPr>
+              <a:t>        </a:t>
+            </a:r>
+            <a:r>
+              <a:rPr lang="en-US" altLang="ja-JP" sz="2000" dirty="0">
+                <a:solidFill>
+                  <a:srgbClr val="000000"/>
+                </a:solidFill>
+                <a:ea typeface="ＭＳ ゴシック" panose="020B0609070205080204" pitchFamily="49" charset="-128"/>
+              </a:rPr>
+              <a:t>max = max &lt; data ? data : max;</a:t>
+            </a:r>
+            <a:br>
+              <a:rPr lang="en-US" altLang="ja-JP" sz="2000" dirty="0">
+                <a:solidFill>
+                  <a:srgbClr val="000000"/>
+                </a:solidFill>
+                <a:ea typeface="ＭＳ ゴシック" panose="020B0609070205080204" pitchFamily="49" charset="-128"/>
+              </a:rPr>
+            </a:br>
+            <a:r>
+              <a:rPr lang="en-US" altLang="ja-JP" sz="2000" dirty="0">
+                <a:solidFill>
+                  <a:srgbClr val="000000"/>
+                </a:solidFill>
+                <a:ea typeface="ＭＳ ゴシック" panose="020B0609070205080204" pitchFamily="49" charset="-128"/>
+              </a:rPr>
+              <a:t>        min = min &gt; data ? data : min;</a:t>
             </a:r>
           </a:p>
           <a:p>
             <a:pPr marL="0" indent="0">
               <a:buNone/>
             </a:pPr>
+            <a:r>
+              <a:rPr lang="en-US" altLang="ja-JP" sz="2400" dirty="0">
+                <a:solidFill>
+                  <a:srgbClr val="FF0000"/>
+                </a:solidFill>
+                <a:latin typeface="+mn-ea"/>
+              </a:rPr>
+              <a:t>      };</a:t>
+            </a:r>
             <a:endParaRPr lang="en-US" altLang="ja-JP" sz="2000" dirty="0">
+              <a:solidFill>
+                <a:srgbClr val="008000"/>
+              </a:solidFill>
+              <a:ea typeface="ＭＳ ゴシック" panose="020B0609070205080204" pitchFamily="49" charset="-128"/>
+            </a:endParaRPr>
+          </a:p>
+          <a:p>
+            <a:pPr marL="0" indent="0">
+              <a:buNone/>
+            </a:pPr>
+            <a:r>
+              <a:rPr lang="en-US" altLang="ja-JP" sz="2000" dirty="0">
+                <a:solidFill>
+                  <a:srgbClr val="008000"/>
+                </a:solidFill>
+                <a:ea typeface="ＭＳ ゴシック" panose="020B0609070205080204" pitchFamily="49" charset="-128"/>
+              </a:rPr>
+              <a:t>    </a:t>
+            </a:r>
+            <a:r>
+              <a:rPr lang="en-US" altLang="ja-JP" sz="2000" dirty="0">
+                <a:solidFill>
+                  <a:srgbClr val="00B050"/>
+                </a:solidFill>
+                <a:latin typeface="+mn-ea"/>
+              </a:rPr>
+              <a:t>//***  </a:t>
+            </a:r>
+            <a:r>
+              <a:rPr lang="ja-JP" altLang="en-US" sz="2000" dirty="0">
+                <a:solidFill>
+                  <a:srgbClr val="00B050"/>
+                </a:solidFill>
+                <a:latin typeface="+mn-ea"/>
+              </a:rPr>
+              <a:t>範囲</a:t>
+            </a:r>
+            <a:r>
+              <a:rPr lang="en-US" altLang="ja-JP" sz="2000" dirty="0">
+                <a:solidFill>
+                  <a:srgbClr val="00B050"/>
+                </a:solidFill>
+                <a:latin typeface="+mn-ea"/>
+              </a:rPr>
+              <a:t>for</a:t>
+            </a:r>
+            <a:r>
+              <a:rPr lang="ja-JP" altLang="en-US" sz="2000" dirty="0">
+                <a:solidFill>
+                  <a:srgbClr val="00B050"/>
+                </a:solidFill>
+                <a:latin typeface="+mn-ea"/>
+              </a:rPr>
+              <a:t>を使ったループ </a:t>
+            </a:r>
+            <a:r>
+              <a:rPr lang="en-US" altLang="ja-JP" sz="2000" dirty="0">
+                <a:solidFill>
+                  <a:srgbClr val="00B050"/>
+                </a:solidFill>
+                <a:latin typeface="+mn-ea"/>
+              </a:rPr>
+              <a:t>***</a:t>
+            </a:r>
+            <a:endParaRPr lang="ja-JP" altLang="en-US" sz="2000" dirty="0">
               <a:solidFill>
                 <a:srgbClr val="00B050"/>
               </a:solidFill>
               <a:latin typeface="+mn-ea"/>
             </a:endParaRPr>
           </a:p>
+          <a:p>
+            <a:pPr marL="0" indent="0">
+              <a:buNone/>
+            </a:pPr>
+            <a:r>
+              <a:rPr lang="en-US" altLang="ja-JP" sz="2000" dirty="0">
+                <a:solidFill>
+                  <a:srgbClr val="000000"/>
+                </a:solidFill>
+                <a:ea typeface="ＭＳ ゴシック" panose="020B0609070205080204" pitchFamily="49" charset="-128"/>
+              </a:rPr>
+              <a:t>    max = min = </a:t>
+            </a:r>
+            <a:r>
+              <a:rPr lang="en-US" altLang="ja-JP" sz="2000" dirty="0" err="1">
+                <a:solidFill>
+                  <a:srgbClr val="000000"/>
+                </a:solidFill>
+                <a:ea typeface="ＭＳ ゴシック" panose="020B0609070205080204" pitchFamily="49" charset="-128"/>
+              </a:rPr>
+              <a:t>vec</a:t>
+            </a:r>
+            <a:r>
+              <a:rPr lang="en-US" altLang="ja-JP" sz="2000" dirty="0">
+                <a:solidFill>
+                  <a:srgbClr val="008080"/>
+                </a:solidFill>
+                <a:ea typeface="ＭＳ ゴシック" panose="020B0609070205080204" pitchFamily="49" charset="-128"/>
+              </a:rPr>
+              <a:t>[</a:t>
+            </a:r>
+            <a:r>
+              <a:rPr lang="en-US" altLang="ja-JP" sz="2000" dirty="0">
+                <a:solidFill>
+                  <a:srgbClr val="000000"/>
+                </a:solidFill>
+                <a:ea typeface="ＭＳ ゴシック" panose="020B0609070205080204" pitchFamily="49" charset="-128"/>
+              </a:rPr>
+              <a:t>0</a:t>
+            </a:r>
+            <a:r>
+              <a:rPr lang="en-US" altLang="ja-JP" sz="2000" dirty="0">
+                <a:solidFill>
+                  <a:srgbClr val="008080"/>
+                </a:solidFill>
+                <a:latin typeface="+mn-ea"/>
+              </a:rPr>
+              <a:t>]</a:t>
+            </a:r>
+            <a:r>
+              <a:rPr lang="en-US" altLang="ja-JP" sz="2000" dirty="0">
+                <a:solidFill>
+                  <a:srgbClr val="000000"/>
+                </a:solidFill>
+                <a:latin typeface="+mn-ea"/>
+              </a:rPr>
+              <a:t>;  </a:t>
+            </a:r>
+            <a:r>
+              <a:rPr lang="en-US" altLang="ja-JP" sz="2000" dirty="0">
+                <a:solidFill>
+                  <a:srgbClr val="00B050"/>
+                </a:solidFill>
+                <a:latin typeface="+mn-ea"/>
+              </a:rPr>
+              <a:t>//</a:t>
+            </a:r>
+            <a:r>
+              <a:rPr lang="ja-JP" altLang="en-US" sz="2000" dirty="0">
+                <a:solidFill>
+                  <a:srgbClr val="00B050"/>
+                </a:solidFill>
+                <a:latin typeface="+mn-ea"/>
+              </a:rPr>
+              <a:t>仮の最大値最小値</a:t>
+            </a:r>
+          </a:p>
+          <a:p>
+            <a:pPr marL="0" indent="0">
+              <a:buNone/>
+            </a:pPr>
+            <a:r>
+              <a:rPr lang="nn-NO" altLang="ja-JP" sz="2000" dirty="0">
+                <a:solidFill>
+                  <a:srgbClr val="0000FF"/>
+                </a:solidFill>
+                <a:ea typeface="ＭＳ ゴシック" panose="020B0609070205080204" pitchFamily="49" charset="-128"/>
+              </a:rPr>
+              <a:t>    for</a:t>
+            </a:r>
+            <a:r>
+              <a:rPr lang="nn-NO" altLang="ja-JP" sz="2000" dirty="0">
+                <a:solidFill>
+                  <a:srgbClr val="000000"/>
+                </a:solidFill>
+                <a:ea typeface="ＭＳ ゴシック" panose="020B0609070205080204" pitchFamily="49" charset="-128"/>
+              </a:rPr>
+              <a:t> (</a:t>
+            </a:r>
+            <a:r>
+              <a:rPr lang="nn-NO" altLang="ja-JP" sz="2000" dirty="0">
+                <a:solidFill>
+                  <a:srgbClr val="0000FF"/>
+                </a:solidFill>
+                <a:ea typeface="ＭＳ ゴシック" panose="020B0609070205080204" pitchFamily="49" charset="-128"/>
+              </a:rPr>
+              <a:t>auto</a:t>
+            </a:r>
+            <a:r>
+              <a:rPr lang="nn-NO" altLang="ja-JP" sz="2000" dirty="0">
+                <a:solidFill>
+                  <a:srgbClr val="000000"/>
+                </a:solidFill>
+                <a:ea typeface="ＭＳ ゴシック" panose="020B0609070205080204" pitchFamily="49" charset="-128"/>
+              </a:rPr>
+              <a:t> d : vec) {</a:t>
+            </a:r>
+          </a:p>
+          <a:p>
+            <a:pPr marL="0" indent="0">
+              <a:buNone/>
+            </a:pPr>
+            <a:r>
+              <a:rPr lang="en-US" altLang="ja-JP" sz="1800" dirty="0">
+                <a:solidFill>
+                  <a:srgbClr val="0000FF"/>
+                </a:solidFill>
+                <a:ea typeface="ＭＳ ゴシック" panose="020B0609070205080204" pitchFamily="49" charset="-128"/>
+              </a:rPr>
+              <a:t>        </a:t>
+            </a:r>
+            <a:r>
+              <a:rPr lang="en-US" altLang="ja-JP" sz="2400" dirty="0">
+                <a:solidFill>
+                  <a:srgbClr val="FF0000"/>
+                </a:solidFill>
+                <a:ea typeface="ＭＳ ゴシック" panose="020B0609070205080204" pitchFamily="49" charset="-128"/>
+              </a:rPr>
+              <a:t>compare( max, min, d );</a:t>
+            </a:r>
+          </a:p>
+          <a:p>
+            <a:pPr marL="0" indent="0">
+              <a:buNone/>
+            </a:pPr>
+            <a:r>
+              <a:rPr lang="en-US" altLang="ja-JP" sz="2000" dirty="0">
+                <a:solidFill>
+                  <a:srgbClr val="000000"/>
+                </a:solidFill>
+                <a:ea typeface="ＭＳ ゴシック" panose="020B0609070205080204" pitchFamily="49" charset="-128"/>
+              </a:rPr>
+              <a:t>    }</a:t>
+            </a:r>
+          </a:p>
+          <a:p>
+            <a:pPr marL="0" indent="0">
+              <a:buNone/>
+            </a:pPr>
+            <a:r>
+              <a:rPr lang="en-US" altLang="ja-JP" sz="2000" dirty="0">
+                <a:solidFill>
+                  <a:srgbClr val="000000"/>
+                </a:solidFill>
+                <a:ea typeface="ＭＳ ゴシック" panose="020B0609070205080204" pitchFamily="49" charset="-128"/>
+              </a:rPr>
+              <a:t>    </a:t>
+            </a:r>
+            <a:r>
+              <a:rPr lang="en-US" altLang="ja-JP" sz="2000" dirty="0" err="1">
+                <a:solidFill>
+                  <a:srgbClr val="000000"/>
+                </a:solidFill>
+                <a:ea typeface="ＭＳ ゴシック" panose="020B0609070205080204" pitchFamily="49" charset="-128"/>
+              </a:rPr>
+              <a:t>cout</a:t>
+            </a:r>
+            <a:r>
+              <a:rPr lang="en-US" altLang="ja-JP" sz="2000" dirty="0">
+                <a:solidFill>
+                  <a:srgbClr val="000000"/>
+                </a:solidFill>
+                <a:ea typeface="ＭＳ ゴシック" panose="020B0609070205080204" pitchFamily="49" charset="-128"/>
+              </a:rPr>
+              <a:t> </a:t>
+            </a:r>
+            <a:r>
+              <a:rPr lang="en-US" altLang="ja-JP" sz="2000" dirty="0">
+                <a:solidFill>
+                  <a:srgbClr val="008080"/>
+                </a:solidFill>
+                <a:ea typeface="ＭＳ ゴシック" panose="020B0609070205080204" pitchFamily="49" charset="-128"/>
+              </a:rPr>
+              <a:t>&lt;&lt;</a:t>
+            </a:r>
+            <a:r>
+              <a:rPr lang="en-US" altLang="ja-JP" sz="2000" dirty="0">
+                <a:solidFill>
+                  <a:srgbClr val="000000"/>
+                </a:solidFill>
+                <a:ea typeface="ＭＳ ゴシック" panose="020B0609070205080204" pitchFamily="49" charset="-128"/>
+              </a:rPr>
+              <a:t> </a:t>
+            </a:r>
+            <a:r>
+              <a:rPr lang="en-US" altLang="ja-JP" sz="2000" dirty="0">
+                <a:solidFill>
+                  <a:srgbClr val="A31515"/>
+                </a:solidFill>
+                <a:ea typeface="ＭＳ ゴシック" panose="020B0609070205080204" pitchFamily="49" charset="-128"/>
+              </a:rPr>
+              <a:t>"</a:t>
+            </a:r>
+            <a:r>
+              <a:rPr lang="ja-JP" altLang="en-US" sz="2000" dirty="0">
+                <a:solidFill>
+                  <a:srgbClr val="A31515"/>
+                </a:solidFill>
+                <a:latin typeface="+mn-ea"/>
+              </a:rPr>
+              <a:t>最大値</a:t>
+            </a:r>
+            <a:r>
+              <a:rPr lang="en-US" altLang="ja-JP" sz="2000" dirty="0">
+                <a:solidFill>
+                  <a:srgbClr val="A31515"/>
+                </a:solidFill>
+                <a:latin typeface="+mn-ea"/>
+              </a:rPr>
+              <a:t>:</a:t>
+            </a:r>
+            <a:r>
+              <a:rPr lang="en-US" altLang="ja-JP" sz="2000" dirty="0">
+                <a:solidFill>
+                  <a:srgbClr val="A31515"/>
+                </a:solidFill>
+                <a:ea typeface="ＭＳ ゴシック" panose="020B0609070205080204" pitchFamily="49" charset="-128"/>
+              </a:rPr>
+              <a:t>"</a:t>
+            </a:r>
+            <a:r>
+              <a:rPr lang="ja-JP" altLang="en-US" sz="2000" dirty="0">
+                <a:solidFill>
+                  <a:srgbClr val="000000"/>
+                </a:solidFill>
+                <a:ea typeface="ＭＳ ゴシック" panose="020B0609070205080204" pitchFamily="49" charset="-128"/>
+              </a:rPr>
+              <a:t> </a:t>
+            </a:r>
+            <a:r>
+              <a:rPr lang="en-US" altLang="ja-JP" sz="2000" dirty="0">
+                <a:solidFill>
+                  <a:srgbClr val="008080"/>
+                </a:solidFill>
+                <a:ea typeface="ＭＳ ゴシック" panose="020B0609070205080204" pitchFamily="49" charset="-128"/>
+              </a:rPr>
+              <a:t>&lt;&lt;</a:t>
+            </a:r>
+            <a:r>
+              <a:rPr lang="ja-JP" altLang="en-US" sz="2000" dirty="0">
+                <a:solidFill>
+                  <a:srgbClr val="000000"/>
+                </a:solidFill>
+                <a:ea typeface="ＭＳ ゴシック" panose="020B0609070205080204" pitchFamily="49" charset="-128"/>
+              </a:rPr>
+              <a:t> </a:t>
+            </a:r>
+            <a:r>
+              <a:rPr lang="en-US" altLang="ja-JP" sz="2000" dirty="0">
+                <a:solidFill>
+                  <a:srgbClr val="000000"/>
+                </a:solidFill>
+                <a:ea typeface="ＭＳ ゴシック" panose="020B0609070205080204" pitchFamily="49" charset="-128"/>
+              </a:rPr>
+              <a:t>max </a:t>
+            </a:r>
+            <a:r>
+              <a:rPr lang="en-US" altLang="ja-JP" sz="2000" dirty="0">
+                <a:solidFill>
+                  <a:srgbClr val="008080"/>
+                </a:solidFill>
+                <a:ea typeface="ＭＳ ゴシック" panose="020B0609070205080204" pitchFamily="49" charset="-128"/>
+              </a:rPr>
+              <a:t>&lt;&lt;</a:t>
+            </a:r>
+            <a:r>
+              <a:rPr lang="en-US" altLang="ja-JP" sz="2000" dirty="0">
+                <a:solidFill>
+                  <a:srgbClr val="000000"/>
+                </a:solidFill>
+                <a:ea typeface="ＭＳ ゴシック" panose="020B0609070205080204" pitchFamily="49" charset="-128"/>
+              </a:rPr>
+              <a:t> </a:t>
+            </a:r>
+            <a:r>
+              <a:rPr lang="en-US" altLang="ja-JP" sz="2000" dirty="0">
+                <a:solidFill>
+                  <a:srgbClr val="A31515"/>
+                </a:solidFill>
+                <a:ea typeface="ＭＳ ゴシック" panose="020B0609070205080204" pitchFamily="49" charset="-128"/>
+              </a:rPr>
+              <a:t>" </a:t>
+            </a:r>
+            <a:r>
+              <a:rPr lang="ja-JP" altLang="en-US" sz="2000" dirty="0">
+                <a:solidFill>
+                  <a:srgbClr val="A31515"/>
+                </a:solidFill>
+                <a:latin typeface="+mn-ea"/>
+              </a:rPr>
+              <a:t>最小値</a:t>
+            </a:r>
+            <a:r>
+              <a:rPr lang="en-US" altLang="ja-JP" sz="2000" dirty="0">
+                <a:solidFill>
+                  <a:srgbClr val="A31515"/>
+                </a:solidFill>
+                <a:latin typeface="+mn-ea"/>
+              </a:rPr>
+              <a:t>:</a:t>
+            </a:r>
+            <a:r>
+              <a:rPr lang="en-US" altLang="ja-JP" sz="2000" dirty="0">
+                <a:solidFill>
+                  <a:srgbClr val="A31515"/>
+                </a:solidFill>
+                <a:ea typeface="ＭＳ ゴシック" panose="020B0609070205080204" pitchFamily="49" charset="-128"/>
+              </a:rPr>
+              <a:t>"</a:t>
+            </a:r>
+            <a:r>
+              <a:rPr lang="ja-JP" altLang="en-US" sz="2000" dirty="0">
+                <a:solidFill>
+                  <a:srgbClr val="000000"/>
+                </a:solidFill>
+                <a:ea typeface="ＭＳ ゴシック" panose="020B0609070205080204" pitchFamily="49" charset="-128"/>
+              </a:rPr>
+              <a:t> </a:t>
+            </a:r>
+            <a:r>
+              <a:rPr lang="en-US" altLang="ja-JP" sz="2000" dirty="0">
+                <a:solidFill>
+                  <a:srgbClr val="008080"/>
+                </a:solidFill>
+                <a:ea typeface="ＭＳ ゴシック" panose="020B0609070205080204" pitchFamily="49" charset="-128"/>
+              </a:rPr>
+              <a:t>&lt;&lt;</a:t>
+            </a:r>
+            <a:r>
+              <a:rPr lang="ja-JP" altLang="en-US" sz="2000" dirty="0">
+                <a:solidFill>
+                  <a:srgbClr val="000000"/>
+                </a:solidFill>
+                <a:ea typeface="ＭＳ ゴシック" panose="020B0609070205080204" pitchFamily="49" charset="-128"/>
+              </a:rPr>
+              <a:t> </a:t>
+            </a:r>
+            <a:r>
+              <a:rPr lang="en-US" altLang="ja-JP" sz="2000" dirty="0">
+                <a:solidFill>
+                  <a:srgbClr val="000000"/>
+                </a:solidFill>
+                <a:ea typeface="ＭＳ ゴシック" panose="020B0609070205080204" pitchFamily="49" charset="-128"/>
+              </a:rPr>
+              <a:t>min </a:t>
+            </a:r>
+            <a:r>
+              <a:rPr lang="en-US" altLang="ja-JP" sz="2000" dirty="0">
+                <a:solidFill>
+                  <a:srgbClr val="008080"/>
+                </a:solidFill>
+                <a:ea typeface="ＭＳ ゴシック" panose="020B0609070205080204" pitchFamily="49" charset="-128"/>
+              </a:rPr>
+              <a:t>&lt;&lt;</a:t>
+            </a:r>
+            <a:r>
+              <a:rPr lang="en-US" altLang="ja-JP" sz="2000" dirty="0">
+                <a:solidFill>
+                  <a:srgbClr val="000000"/>
+                </a:solidFill>
+                <a:ea typeface="ＭＳ ゴシック" panose="020B0609070205080204" pitchFamily="49" charset="-128"/>
+              </a:rPr>
+              <a:t> </a:t>
+            </a:r>
+            <a:r>
+              <a:rPr lang="en-US" altLang="ja-JP" sz="2000" dirty="0" err="1">
+                <a:solidFill>
+                  <a:srgbClr val="000000"/>
+                </a:solidFill>
+                <a:ea typeface="ＭＳ ゴシック" panose="020B0609070205080204" pitchFamily="49" charset="-128"/>
+              </a:rPr>
+              <a:t>endl</a:t>
+            </a:r>
+            <a:r>
+              <a:rPr lang="en-US" altLang="ja-JP" sz="2000" dirty="0">
+                <a:solidFill>
+                  <a:srgbClr val="000000"/>
+                </a:solidFill>
+                <a:ea typeface="ＭＳ ゴシック" panose="020B0609070205080204" pitchFamily="49" charset="-128"/>
+              </a:rPr>
+              <a:t>;</a:t>
+            </a:r>
+            <a:endParaRPr lang="en-US" altLang="ja-JP" sz="2000" dirty="0"/>
+          </a:p>
         </p:txBody>
       </p:sp>
       <p:sp>
         <p:nvSpPr>
-          <p:cNvPr id="6" name="コンテンツ プレースホルダー 5">
+          <p:cNvPr id="4" name="テキスト ボックス 3">
             <a:extLst>
               <a:ext uri="{FF2B5EF4-FFF2-40B4-BE49-F238E27FC236}">
-                <a16:creationId xmlns:a16="http://schemas.microsoft.com/office/drawing/2014/main" id="{C764F9E6-101D-EE26-D2D0-2CDBB54C848B}"/>
+                <a16:creationId xmlns:a16="http://schemas.microsoft.com/office/drawing/2014/main" id="{36167C58-0781-4BAB-BAA5-8E3EEFBCFF26}"/>
               </a:ext>
             </a:extLst>
           </p:cNvPr>
-          <p:cNvSpPr>
-            <a:spLocks noGrp="1"/>
-          </p:cNvSpPr>
-          <p:nvPr>
-            <p:ph idx="1"/>
-          </p:nvPr>
+          <p:cNvSpPr txBox="1"/>
+          <p:nvPr/>
         </p:nvSpPr>
-        <p:spPr/>
+        <p:spPr>
+          <a:xfrm>
+            <a:off x="6712786" y="639756"/>
+            <a:ext cx="4641014" cy="523220"/>
+          </a:xfrm>
+          <a:prstGeom prst="rect">
+            <a:avLst/>
+          </a:prstGeom>
+          <a:noFill/>
+        </p:spPr>
         <p:txBody>
-          <a:bodyPr/>
+          <a:bodyPr wrap="none" rtlCol="0">
+            <a:spAutoFit/>
+          </a:bodyPr>
           <a:lstStyle/>
           <a:p>
             <a:r>
-              <a:rPr lang="ja-JP" altLang="en-US" dirty="0"/>
-              <a:t>ｓｔｄ：：</a:t>
-            </a:r>
-            <a:r>
-              <a:rPr lang="en-US" altLang="ja-JP" dirty="0" err="1">
-                <a:solidFill>
-                  <a:srgbClr val="FF0000"/>
-                </a:solidFill>
-              </a:rPr>
-              <a:t>max_element</a:t>
-            </a:r>
-            <a:r>
-              <a:rPr lang="en-US" altLang="ja-JP" dirty="0"/>
-              <a:t>(</a:t>
-            </a:r>
-            <a:r>
-              <a:rPr lang="ja-JP" altLang="en-US" dirty="0"/>
-              <a:t>イテレータ</a:t>
-            </a:r>
-            <a:r>
-              <a:rPr lang="en-US" altLang="ja-JP" dirty="0"/>
-              <a:t>1,</a:t>
-            </a:r>
-            <a:r>
-              <a:rPr lang="ja-JP" altLang="en-US" dirty="0"/>
-              <a:t>イテレータ</a:t>
-            </a:r>
-            <a:r>
-              <a:rPr lang="en-US" altLang="ja-JP" dirty="0"/>
-              <a:t>2)</a:t>
+              <a:rPr kumimoji="1" lang="en-US" altLang="ja-JP" sz="2800" dirty="0" err="1"/>
+              <a:t>PracVector</a:t>
+            </a:r>
+            <a:r>
+              <a:rPr kumimoji="1" lang="en-US" altLang="ja-JP" sz="2800" dirty="0"/>
+              <a:t>(main.cpp)</a:t>
+            </a:r>
+            <a:endParaRPr kumimoji="1" lang="ja-JP" altLang="en-US" sz="2800" dirty="0"/>
+          </a:p>
+        </p:txBody>
+      </p:sp>
+      <p:sp>
+        <p:nvSpPr>
+          <p:cNvPr id="6" name="テキスト ボックス 5">
+            <a:extLst>
+              <a:ext uri="{FF2B5EF4-FFF2-40B4-BE49-F238E27FC236}">
+                <a16:creationId xmlns:a16="http://schemas.microsoft.com/office/drawing/2014/main" id="{F4A41511-A884-440D-BE67-22EF90698E24}"/>
+              </a:ext>
+            </a:extLst>
+          </p:cNvPr>
+          <p:cNvSpPr txBox="1"/>
+          <p:nvPr/>
+        </p:nvSpPr>
+        <p:spPr>
+          <a:xfrm>
+            <a:off x="7586727" y="1900518"/>
+            <a:ext cx="3651962" cy="2062103"/>
+          </a:xfrm>
+          <a:prstGeom prst="rect">
+            <a:avLst/>
+          </a:prstGeom>
+          <a:noFill/>
+        </p:spPr>
+        <p:txBody>
+          <a:bodyPr wrap="square" rtlCol="0">
+            <a:spAutoFit/>
+          </a:bodyPr>
+          <a:lstStyle/>
+          <a:p>
+            <a:r>
+              <a:rPr kumimoji="1" lang="ja-JP" altLang="en-US" sz="3200" dirty="0">
+                <a:solidFill>
+                  <a:srgbClr val="00B0F0"/>
+                </a:solidFill>
+              </a:rPr>
+              <a:t>ラムダ式を用いた</a:t>
+            </a:r>
+            <a:endParaRPr kumimoji="1" lang="en-US" altLang="ja-JP" sz="3200" dirty="0">
+              <a:solidFill>
+                <a:srgbClr val="00B0F0"/>
+              </a:solidFill>
+            </a:endParaRPr>
+          </a:p>
+          <a:p>
+            <a:r>
+              <a:rPr kumimoji="1" lang="ja-JP" altLang="en-US" sz="3200" dirty="0">
+                <a:solidFill>
+                  <a:srgbClr val="00B0F0"/>
+                </a:solidFill>
+              </a:rPr>
+              <a:t>関数記法</a:t>
+            </a:r>
+            <a:r>
+              <a:rPr kumimoji="1" lang="en-US" altLang="ja-JP" sz="3200" dirty="0">
+                <a:solidFill>
+                  <a:srgbClr val="00B0F0"/>
+                </a:solidFill>
+              </a:rPr>
+              <a:t>[](){}</a:t>
             </a:r>
             <a:br>
-              <a:rPr lang="en-US" altLang="ja-JP" dirty="0"/>
+              <a:rPr kumimoji="1" lang="en-US" altLang="ja-JP" sz="3200" dirty="0">
+                <a:solidFill>
+                  <a:srgbClr val="00B0F0"/>
+                </a:solidFill>
+              </a:rPr>
             </a:br>
             <a:r>
-              <a:rPr lang="ja-JP" altLang="en-US" dirty="0"/>
-              <a:t>ｓｔｄ：：</a:t>
-            </a:r>
-            <a:r>
-              <a:rPr lang="en-US" altLang="ja-JP" dirty="0" err="1">
-                <a:solidFill>
-                  <a:srgbClr val="0070C0"/>
-                </a:solidFill>
-              </a:rPr>
-              <a:t>min_element</a:t>
-            </a:r>
-            <a:r>
-              <a:rPr lang="en-US" altLang="ja-JP" dirty="0"/>
-              <a:t>(</a:t>
-            </a:r>
-            <a:r>
-              <a:rPr lang="ja-JP" altLang="en-US" dirty="0"/>
-              <a:t>イテレータ</a:t>
-            </a:r>
-            <a:r>
-              <a:rPr lang="en-US" altLang="ja-JP" dirty="0"/>
-              <a:t>1,</a:t>
-            </a:r>
-            <a:r>
-              <a:rPr lang="ja-JP" altLang="en-US" dirty="0"/>
-              <a:t>イテレータ</a:t>
-            </a:r>
-            <a:r>
-              <a:rPr lang="en-US" altLang="ja-JP" dirty="0"/>
-              <a:t>2)</a:t>
+              <a:rPr kumimoji="1" lang="ja-JP" altLang="en-US" sz="3200" dirty="0">
+                <a:solidFill>
+                  <a:srgbClr val="00B0F0"/>
+                </a:solidFill>
+              </a:rPr>
+              <a:t>（関数の中に関数を</a:t>
             </a:r>
             <a:br>
-              <a:rPr lang="en-US" altLang="ja-JP" dirty="0"/>
+              <a:rPr kumimoji="1" lang="en-US" altLang="ja-JP" sz="3200" dirty="0">
+                <a:solidFill>
+                  <a:srgbClr val="00B0F0"/>
+                </a:solidFill>
+              </a:rPr>
             </a:br>
-            <a:br>
-              <a:rPr lang="en-US" altLang="ja-JP" dirty="0"/>
-            </a:br>
-            <a:r>
-              <a:rPr lang="ja-JP" altLang="en-US" sz="3200" dirty="0"/>
-              <a:t>イテレータ</a:t>
-            </a:r>
-            <a:r>
-              <a:rPr lang="en-US" altLang="ja-JP" sz="3200" dirty="0"/>
-              <a:t>1</a:t>
-            </a:r>
-            <a:r>
-              <a:rPr lang="ja-JP" altLang="en-US" sz="3200" dirty="0"/>
-              <a:t>～イテレータ</a:t>
-            </a:r>
-            <a:r>
-              <a:rPr lang="en-US" altLang="ja-JP" sz="3200" dirty="0"/>
-              <a:t>2</a:t>
-            </a:r>
-            <a:r>
-              <a:rPr lang="ja-JP" altLang="en-US" sz="3200" dirty="0"/>
-              <a:t>までの範囲で最大値・最小値のあるイテレータを返す標準関数が</a:t>
-            </a:r>
-            <a:r>
-              <a:rPr lang="en-US" altLang="ja-JP" sz="3200" dirty="0"/>
-              <a:t>C++</a:t>
-            </a:r>
-            <a:r>
-              <a:rPr lang="ja-JP" altLang="en-US" sz="3200" dirty="0"/>
-              <a:t>では実装済み</a:t>
-            </a:r>
-            <a:br>
-              <a:rPr lang="en-US" altLang="ja-JP" sz="1600" dirty="0"/>
-            </a:br>
-            <a:br>
-              <a:rPr lang="en-US" altLang="ja-JP" sz="1600" dirty="0"/>
-            </a:br>
-            <a:r>
-              <a:rPr lang="ja-JP" altLang="en-US" sz="3200" dirty="0"/>
-              <a:t>これらを使用するとループ処理がそもそも不要になる</a:t>
-            </a:r>
-            <a:endParaRPr lang="ja-JP" altLang="en-US" dirty="0"/>
+            <a:r>
+              <a:rPr kumimoji="1" lang="ja-JP" altLang="en-US" sz="3200" dirty="0">
+                <a:solidFill>
+                  <a:srgbClr val="00B0F0"/>
+                </a:solidFill>
+              </a:rPr>
+              <a:t>　実装可能）</a:t>
+            </a:r>
+            <a:endParaRPr kumimoji="1" lang="en-US" altLang="ja-JP" sz="3200" dirty="0">
+              <a:solidFill>
+                <a:srgbClr val="00B0F0"/>
+              </a:solidFill>
+            </a:endParaRPr>
           </a:p>
         </p:txBody>
       </p:sp>
     </p:spTree>
     <p:extLst>
       <p:ext uri="{BB962C8B-B14F-4D97-AF65-F5344CB8AC3E}">
-        <p14:creationId xmlns:p14="http://schemas.microsoft.com/office/powerpoint/2010/main" val="3329301852"/>
+        <p14:creationId xmlns:p14="http://schemas.microsoft.com/office/powerpoint/2010/main" val="2935898688"/>
       </p:ext>
     </p:extLst>
   </p:cSld>
@@ -10760,16 +10899,484 @@
               <a:rPr kumimoji="1" lang="en-US" altLang="ja-JP" dirty="0"/>
               <a:t>vector</a:t>
             </a:r>
-            <a:endParaRPr kumimoji="1" lang="ja-JP" altLang="en-US" dirty="0"/>
+            <a:r>
+              <a:rPr kumimoji="1" lang="ja-JP" altLang="en-US" dirty="0"/>
+              <a:t>（おまけ）</a:t>
+            </a:r>
           </a:p>
         </p:txBody>
       </p:sp>
       <p:sp>
         <p:nvSpPr>
-          <p:cNvPr id="3" name="コンテンツ プレースホルダー 2">
+          <p:cNvPr id="7" name="コンテンツ プレースホルダー 2">
             <a:extLst>
               <a:ext uri="{FF2B5EF4-FFF2-40B4-BE49-F238E27FC236}">
-                <a16:creationId xmlns:a16="http://schemas.microsoft.com/office/drawing/2014/main" id="{39562F0E-6033-40BD-BCB8-F015661306FD}"/>
+                <a16:creationId xmlns:a16="http://schemas.microsoft.com/office/drawing/2014/main" id="{A0A91DBA-07A3-8412-C833-6E69F85C1811}"/>
+              </a:ext>
+            </a:extLst>
+          </p:cNvPr>
+          <p:cNvSpPr txBox="1">
+            <a:spLocks/>
+          </p:cNvSpPr>
+          <p:nvPr/>
+        </p:nvSpPr>
+        <p:spPr>
+          <a:xfrm>
+            <a:off x="509079" y="4668080"/>
+            <a:ext cx="11468911" cy="1627763"/>
+          </a:xfrm>
+          <a:prstGeom prst="rect">
+            <a:avLst/>
+          </a:prstGeom>
+          <a:solidFill>
+            <a:schemeClr val="bg1"/>
+          </a:solidFill>
+          <a:ln>
+            <a:solidFill>
+              <a:schemeClr val="tx1"/>
+            </a:solidFill>
+          </a:ln>
+        </p:spPr>
+        <p:txBody>
+          <a:bodyPr vert="horz" lIns="91440" tIns="45720" rIns="91440" bIns="45720" rtlCol="0">
+            <a:noAutofit/>
+          </a:bodyPr>
+          <a:lstStyle>
+            <a:lvl1pPr marL="228600" indent="-228600" algn="l" defTabSz="914400" rtl="0" eaLnBrk="1" latinLnBrk="0" hangingPunct="1">
+              <a:lnSpc>
+                <a:spcPct val="90000"/>
+              </a:lnSpc>
+              <a:spcBef>
+                <a:spcPts val="1000"/>
+              </a:spcBef>
+              <a:buFont typeface="Arial" panose="020B0604020202020204" pitchFamily="34" charset="0"/>
+              <a:buChar char="•"/>
+              <a:defRPr kumimoji="1" sz="3600" kern="1200">
+                <a:solidFill>
+                  <a:schemeClr val="tx1"/>
+                </a:solidFill>
+                <a:latin typeface="+mn-lt"/>
+                <a:ea typeface="+mn-ea"/>
+                <a:cs typeface="+mn-cs"/>
+              </a:defRPr>
+            </a:lvl1pPr>
+            <a:lvl2pPr marL="685800" indent="-228600" algn="l" defTabSz="914400" rtl="0" eaLnBrk="1" latinLnBrk="0" hangingPunct="1">
+              <a:lnSpc>
+                <a:spcPct val="90000"/>
+              </a:lnSpc>
+              <a:spcBef>
+                <a:spcPts val="500"/>
+              </a:spcBef>
+              <a:buFont typeface="Arial" panose="020B0604020202020204" pitchFamily="34" charset="0"/>
+              <a:buChar char="•"/>
+              <a:defRPr kumimoji="1" sz="3200" kern="1200">
+                <a:solidFill>
+                  <a:schemeClr val="tx1"/>
+                </a:solidFill>
+                <a:latin typeface="+mn-lt"/>
+                <a:ea typeface="+mn-ea"/>
+                <a:cs typeface="+mn-cs"/>
+              </a:defRPr>
+            </a:lvl2pPr>
+            <a:lvl3pPr marL="1143000" indent="-228600" algn="l" defTabSz="914400" rtl="0" eaLnBrk="1" latinLnBrk="0" hangingPunct="1">
+              <a:lnSpc>
+                <a:spcPct val="90000"/>
+              </a:lnSpc>
+              <a:spcBef>
+                <a:spcPts val="500"/>
+              </a:spcBef>
+              <a:buFont typeface="Arial" panose="020B0604020202020204" pitchFamily="34" charset="0"/>
+              <a:buChar char="•"/>
+              <a:defRPr kumimoji="1" sz="2800" kern="1200">
+                <a:solidFill>
+                  <a:schemeClr val="tx1"/>
+                </a:solidFill>
+                <a:latin typeface="+mn-lt"/>
+                <a:ea typeface="+mn-ea"/>
+                <a:cs typeface="+mn-cs"/>
+              </a:defRPr>
+            </a:lvl3pPr>
+            <a:lvl4pPr marL="1600200" indent="-228600" algn="l" defTabSz="914400" rtl="0" eaLnBrk="1" latinLnBrk="0" hangingPunct="1">
+              <a:lnSpc>
+                <a:spcPct val="90000"/>
+              </a:lnSpc>
+              <a:spcBef>
+                <a:spcPts val="500"/>
+              </a:spcBef>
+              <a:buFont typeface="Arial" panose="020B0604020202020204" pitchFamily="34" charset="0"/>
+              <a:buChar char="•"/>
+              <a:defRPr kumimoji="1" sz="2400" kern="1200">
+                <a:solidFill>
+                  <a:schemeClr val="tx1"/>
+                </a:solidFill>
+                <a:latin typeface="+mn-lt"/>
+                <a:ea typeface="+mn-ea"/>
+                <a:cs typeface="+mn-cs"/>
+              </a:defRPr>
+            </a:lvl4pPr>
+            <a:lvl5pPr marL="2057400" indent="-228600" algn="l" defTabSz="914400" rtl="0" eaLnBrk="1" latinLnBrk="0" hangingPunct="1">
+              <a:lnSpc>
+                <a:spcPct val="90000"/>
+              </a:lnSpc>
+              <a:spcBef>
+                <a:spcPts val="500"/>
+              </a:spcBef>
+              <a:buFont typeface="Arial" panose="020B0604020202020204" pitchFamily="34" charset="0"/>
+              <a:buChar char="•"/>
+              <a:defRPr kumimoji="1" sz="2400" kern="1200">
+                <a:solidFill>
+                  <a:schemeClr val="tx1"/>
+                </a:solidFill>
+                <a:latin typeface="+mn-lt"/>
+                <a:ea typeface="+mn-ea"/>
+                <a:cs typeface="+mn-cs"/>
+              </a:defRPr>
+            </a:lvl5pPr>
+            <a:lvl6pPr marL="2514600" indent="-228600" algn="l" defTabSz="914400" rtl="0" eaLnBrk="1" latinLnBrk="0" hangingPunct="1">
+              <a:lnSpc>
+                <a:spcPct val="90000"/>
+              </a:lnSpc>
+              <a:spcBef>
+                <a:spcPts val="500"/>
+              </a:spcBef>
+              <a:buFont typeface="Arial" panose="020B0604020202020204" pitchFamily="34" charset="0"/>
+              <a:buChar char="•"/>
+              <a:defRPr kumimoji="1" sz="1800" kern="1200">
+                <a:solidFill>
+                  <a:schemeClr val="tx1"/>
+                </a:solidFill>
+                <a:latin typeface="+mn-lt"/>
+                <a:ea typeface="+mn-ea"/>
+                <a:cs typeface="+mn-cs"/>
+              </a:defRPr>
+            </a:lvl6pPr>
+            <a:lvl7pPr marL="2971800" indent="-228600" algn="l" defTabSz="914400" rtl="0" eaLnBrk="1" latinLnBrk="0" hangingPunct="1">
+              <a:lnSpc>
+                <a:spcPct val="90000"/>
+              </a:lnSpc>
+              <a:spcBef>
+                <a:spcPts val="500"/>
+              </a:spcBef>
+              <a:buFont typeface="Arial" panose="020B0604020202020204" pitchFamily="34" charset="0"/>
+              <a:buChar char="•"/>
+              <a:defRPr kumimoji="1" sz="1800" kern="1200">
+                <a:solidFill>
+                  <a:schemeClr val="tx1"/>
+                </a:solidFill>
+                <a:latin typeface="+mn-lt"/>
+                <a:ea typeface="+mn-ea"/>
+                <a:cs typeface="+mn-cs"/>
+              </a:defRPr>
+            </a:lvl7pPr>
+            <a:lvl8pPr marL="3429000" indent="-228600" algn="l" defTabSz="914400" rtl="0" eaLnBrk="1" latinLnBrk="0" hangingPunct="1">
+              <a:lnSpc>
+                <a:spcPct val="90000"/>
+              </a:lnSpc>
+              <a:spcBef>
+                <a:spcPts val="500"/>
+              </a:spcBef>
+              <a:buFont typeface="Arial" panose="020B0604020202020204" pitchFamily="34" charset="0"/>
+              <a:buChar char="•"/>
+              <a:defRPr kumimoji="1" sz="1800" kern="1200">
+                <a:solidFill>
+                  <a:schemeClr val="tx1"/>
+                </a:solidFill>
+                <a:latin typeface="+mn-lt"/>
+                <a:ea typeface="+mn-ea"/>
+                <a:cs typeface="+mn-cs"/>
+              </a:defRPr>
+            </a:lvl8pPr>
+            <a:lvl9pPr marL="3886200" indent="-228600" algn="l" defTabSz="914400" rtl="0" eaLnBrk="1" latinLnBrk="0" hangingPunct="1">
+              <a:lnSpc>
+                <a:spcPct val="90000"/>
+              </a:lnSpc>
+              <a:spcBef>
+                <a:spcPts val="500"/>
+              </a:spcBef>
+              <a:buFont typeface="Arial" panose="020B0604020202020204" pitchFamily="34" charset="0"/>
+              <a:buChar char="•"/>
+              <a:defRPr kumimoji="1" sz="1800" kern="1200">
+                <a:solidFill>
+                  <a:schemeClr val="tx1"/>
+                </a:solidFill>
+                <a:latin typeface="+mn-lt"/>
+                <a:ea typeface="+mn-ea"/>
+                <a:cs typeface="+mn-cs"/>
+              </a:defRPr>
+            </a:lvl9pPr>
+          </a:lstStyle>
+          <a:p>
+            <a:pPr marL="0" indent="0">
+              <a:buFont typeface="Arial" panose="020B0604020202020204" pitchFamily="34" charset="0"/>
+              <a:buNone/>
+            </a:pPr>
+            <a:r>
+              <a:rPr lang="en-US" altLang="ja-JP" sz="2800" dirty="0">
+                <a:solidFill>
+                  <a:srgbClr val="000000"/>
+                </a:solidFill>
+                <a:ea typeface="ＭＳ ゴシック" panose="020B0609070205080204" pitchFamily="49" charset="-128"/>
+              </a:rPr>
+              <a:t>max = *</a:t>
+            </a:r>
+            <a:r>
+              <a:rPr lang="en-US" altLang="ja-JP" sz="3200" dirty="0" err="1">
+                <a:solidFill>
+                  <a:srgbClr val="FF0000"/>
+                </a:solidFill>
+                <a:ea typeface="ＭＳ ゴシック" panose="020B0609070205080204" pitchFamily="49" charset="-128"/>
+              </a:rPr>
+              <a:t>max_element</a:t>
+            </a:r>
+            <a:r>
+              <a:rPr lang="en-US" altLang="ja-JP" sz="2800" dirty="0">
+                <a:solidFill>
+                  <a:srgbClr val="000000"/>
+                </a:solidFill>
+                <a:ea typeface="ＭＳ ゴシック" panose="020B0609070205080204" pitchFamily="49" charset="-128"/>
+              </a:rPr>
+              <a:t>(</a:t>
+            </a:r>
+            <a:r>
+              <a:rPr lang="en-US" altLang="ja-JP" sz="2800" dirty="0" err="1">
+                <a:solidFill>
+                  <a:srgbClr val="000000"/>
+                </a:solidFill>
+                <a:ea typeface="ＭＳ ゴシック" panose="020B0609070205080204" pitchFamily="49" charset="-128"/>
+              </a:rPr>
+              <a:t>vec.begin</a:t>
+            </a:r>
+            <a:r>
+              <a:rPr lang="en-US" altLang="ja-JP" sz="2800" dirty="0">
+                <a:solidFill>
+                  <a:srgbClr val="000000"/>
+                </a:solidFill>
+                <a:ea typeface="ＭＳ ゴシック" panose="020B0609070205080204" pitchFamily="49" charset="-128"/>
+              </a:rPr>
+              <a:t>(), </a:t>
+            </a:r>
+            <a:r>
+              <a:rPr lang="en-US" altLang="ja-JP" sz="2800" dirty="0" err="1">
+                <a:solidFill>
+                  <a:srgbClr val="000000"/>
+                </a:solidFill>
+                <a:ea typeface="ＭＳ ゴシック" panose="020B0609070205080204" pitchFamily="49" charset="-128"/>
+              </a:rPr>
+              <a:t>vec.end</a:t>
+            </a:r>
+            <a:r>
+              <a:rPr lang="en-US" altLang="ja-JP" sz="2800" dirty="0">
+                <a:solidFill>
+                  <a:srgbClr val="000000"/>
+                </a:solidFill>
+                <a:ea typeface="ＭＳ ゴシック" panose="020B0609070205080204" pitchFamily="49" charset="-128"/>
+              </a:rPr>
+              <a:t>());</a:t>
+            </a:r>
+          </a:p>
+          <a:p>
+            <a:pPr marL="0" indent="0">
+              <a:buNone/>
+            </a:pPr>
+            <a:r>
+              <a:rPr lang="en-US" altLang="ja-JP" sz="2800" dirty="0">
+                <a:solidFill>
+                  <a:srgbClr val="000000"/>
+                </a:solidFill>
+                <a:ea typeface="ＭＳ ゴシック" panose="020B0609070205080204" pitchFamily="49" charset="-128"/>
+              </a:rPr>
+              <a:t>min = *</a:t>
+            </a:r>
+            <a:r>
+              <a:rPr lang="en-US" altLang="ja-JP" sz="3200" dirty="0" err="1">
+                <a:solidFill>
+                  <a:srgbClr val="0070C0"/>
+                </a:solidFill>
+                <a:ea typeface="ＭＳ ゴシック" panose="020B0609070205080204" pitchFamily="49" charset="-128"/>
+              </a:rPr>
+              <a:t>min_element</a:t>
+            </a:r>
+            <a:r>
+              <a:rPr lang="en-US" altLang="ja-JP" sz="2800" dirty="0">
+                <a:solidFill>
+                  <a:srgbClr val="000000"/>
+                </a:solidFill>
+                <a:ea typeface="ＭＳ ゴシック" panose="020B0609070205080204" pitchFamily="49" charset="-128"/>
+              </a:rPr>
+              <a:t>(</a:t>
+            </a:r>
+            <a:r>
+              <a:rPr lang="en-US" altLang="ja-JP" sz="2800" dirty="0" err="1">
+                <a:solidFill>
+                  <a:srgbClr val="000000"/>
+                </a:solidFill>
+                <a:ea typeface="ＭＳ ゴシック" panose="020B0609070205080204" pitchFamily="49" charset="-128"/>
+              </a:rPr>
+              <a:t>vec.begin</a:t>
+            </a:r>
+            <a:r>
+              <a:rPr lang="en-US" altLang="ja-JP" sz="2800" dirty="0">
+                <a:solidFill>
+                  <a:srgbClr val="000000"/>
+                </a:solidFill>
+                <a:ea typeface="ＭＳ ゴシック" panose="020B0609070205080204" pitchFamily="49" charset="-128"/>
+              </a:rPr>
+              <a:t>(), </a:t>
+            </a:r>
+            <a:r>
+              <a:rPr lang="en-US" altLang="ja-JP" sz="2800" dirty="0" err="1">
+                <a:solidFill>
+                  <a:srgbClr val="000000"/>
+                </a:solidFill>
+                <a:ea typeface="ＭＳ ゴシック" panose="020B0609070205080204" pitchFamily="49" charset="-128"/>
+              </a:rPr>
+              <a:t>vec.end</a:t>
+            </a:r>
+            <a:r>
+              <a:rPr lang="en-US" altLang="ja-JP" sz="2800" dirty="0">
+                <a:solidFill>
+                  <a:srgbClr val="000000"/>
+                </a:solidFill>
+                <a:ea typeface="ＭＳ ゴシック" panose="020B0609070205080204" pitchFamily="49" charset="-128"/>
+              </a:rPr>
+              <a:t>());</a:t>
+            </a:r>
+          </a:p>
+          <a:p>
+            <a:pPr marL="0" indent="0">
+              <a:buNone/>
+            </a:pPr>
+            <a:r>
+              <a:rPr lang="en-US" altLang="ja-JP" sz="2400" dirty="0" err="1">
+                <a:ea typeface="ＭＳ ゴシック" panose="020B0609070205080204" pitchFamily="49" charset="-128"/>
+              </a:rPr>
+              <a:t>cout</a:t>
+            </a:r>
+            <a:r>
+              <a:rPr lang="en-US" altLang="ja-JP" sz="2400" dirty="0">
+                <a:ea typeface="ＭＳ ゴシック" panose="020B0609070205080204" pitchFamily="49" charset="-128"/>
+              </a:rPr>
+              <a:t> &lt;&lt; "</a:t>
+            </a:r>
+            <a:r>
+              <a:rPr lang="ja-JP" altLang="en-US" sz="2400" dirty="0">
+                <a:latin typeface="+mn-ea"/>
+              </a:rPr>
+              <a:t>最大値</a:t>
+            </a:r>
+            <a:r>
+              <a:rPr lang="en-US" altLang="ja-JP" sz="2400" dirty="0">
+                <a:latin typeface="+mn-ea"/>
+              </a:rPr>
+              <a:t>:</a:t>
+            </a:r>
+            <a:r>
+              <a:rPr lang="en-US" altLang="ja-JP" sz="2400" dirty="0">
+                <a:ea typeface="ＭＳ ゴシック" panose="020B0609070205080204" pitchFamily="49" charset="-128"/>
+              </a:rPr>
+              <a:t>"</a:t>
+            </a:r>
+            <a:r>
+              <a:rPr lang="ja-JP" altLang="en-US" sz="2400" dirty="0">
+                <a:ea typeface="ＭＳ ゴシック" panose="020B0609070205080204" pitchFamily="49" charset="-128"/>
+              </a:rPr>
+              <a:t> </a:t>
+            </a:r>
+            <a:r>
+              <a:rPr lang="en-US" altLang="ja-JP" sz="2400" dirty="0">
+                <a:ea typeface="ＭＳ ゴシック" panose="020B0609070205080204" pitchFamily="49" charset="-128"/>
+              </a:rPr>
+              <a:t>&lt;&lt;</a:t>
+            </a:r>
+            <a:r>
+              <a:rPr lang="ja-JP" altLang="en-US" sz="2400" dirty="0">
+                <a:ea typeface="ＭＳ ゴシック" panose="020B0609070205080204" pitchFamily="49" charset="-128"/>
+              </a:rPr>
+              <a:t> </a:t>
+            </a:r>
+            <a:r>
+              <a:rPr lang="en-US" altLang="ja-JP" sz="2400" dirty="0">
+                <a:ea typeface="ＭＳ ゴシック" panose="020B0609070205080204" pitchFamily="49" charset="-128"/>
+              </a:rPr>
+              <a:t>max &lt;&lt; " </a:t>
+            </a:r>
+            <a:r>
+              <a:rPr lang="ja-JP" altLang="en-US" sz="2400" dirty="0">
+                <a:latin typeface="+mn-ea"/>
+              </a:rPr>
+              <a:t>最小値</a:t>
+            </a:r>
+            <a:r>
+              <a:rPr lang="en-US" altLang="ja-JP" sz="2400" dirty="0">
+                <a:latin typeface="+mn-ea"/>
+              </a:rPr>
+              <a:t>:</a:t>
+            </a:r>
+            <a:r>
+              <a:rPr lang="en-US" altLang="ja-JP" sz="2400" dirty="0">
+                <a:ea typeface="ＭＳ ゴシック" panose="020B0609070205080204" pitchFamily="49" charset="-128"/>
+              </a:rPr>
+              <a:t>"</a:t>
+            </a:r>
+            <a:r>
+              <a:rPr lang="ja-JP" altLang="en-US" sz="2400" dirty="0">
+                <a:ea typeface="ＭＳ ゴシック" panose="020B0609070205080204" pitchFamily="49" charset="-128"/>
+              </a:rPr>
+              <a:t> </a:t>
+            </a:r>
+            <a:r>
+              <a:rPr lang="en-US" altLang="ja-JP" sz="2400" dirty="0">
+                <a:ea typeface="ＭＳ ゴシック" panose="020B0609070205080204" pitchFamily="49" charset="-128"/>
+              </a:rPr>
+              <a:t>&lt;&lt;</a:t>
+            </a:r>
+            <a:r>
+              <a:rPr lang="ja-JP" altLang="en-US" sz="2400" dirty="0">
+                <a:ea typeface="ＭＳ ゴシック" panose="020B0609070205080204" pitchFamily="49" charset="-128"/>
+              </a:rPr>
+              <a:t> </a:t>
+            </a:r>
+            <a:r>
+              <a:rPr lang="en-US" altLang="ja-JP" sz="2400" dirty="0">
+                <a:ea typeface="ＭＳ ゴシック" panose="020B0609070205080204" pitchFamily="49" charset="-128"/>
+              </a:rPr>
+              <a:t>min &lt;&lt; </a:t>
+            </a:r>
+            <a:r>
+              <a:rPr lang="en-US" altLang="ja-JP" sz="2400" dirty="0" err="1">
+                <a:ea typeface="ＭＳ ゴシック" panose="020B0609070205080204" pitchFamily="49" charset="-128"/>
+              </a:rPr>
+              <a:t>endl</a:t>
+            </a:r>
+            <a:r>
+              <a:rPr lang="en-US" altLang="ja-JP" sz="2400" dirty="0">
+                <a:solidFill>
+                  <a:srgbClr val="000000"/>
+                </a:solidFill>
+                <a:ea typeface="ＭＳ ゴシック" panose="020B0609070205080204" pitchFamily="49" charset="-128"/>
+              </a:rPr>
+              <a:t>;</a:t>
+            </a:r>
+          </a:p>
+          <a:p>
+            <a:pPr marL="0" indent="0">
+              <a:buNone/>
+            </a:pPr>
+            <a:endParaRPr lang="en-US" altLang="ja-JP" sz="2000" dirty="0">
+              <a:solidFill>
+                <a:srgbClr val="00B050"/>
+              </a:solidFill>
+              <a:latin typeface="+mn-ea"/>
+            </a:endParaRPr>
+          </a:p>
+        </p:txBody>
+      </p:sp>
+      <p:sp>
+        <p:nvSpPr>
+          <p:cNvPr id="6" name="コンテンツ プレースホルダー 5">
+            <a:extLst>
+              <a:ext uri="{FF2B5EF4-FFF2-40B4-BE49-F238E27FC236}">
+                <a16:creationId xmlns:a16="http://schemas.microsoft.com/office/drawing/2014/main" id="{C764F9E6-101D-EE26-D2D0-2CDBB54C848B}"/>
               </a:ext>
             </a:extLst>
           </p:cNvPr>
@@ -10780,737 +11387,130 @@
             <p:ph idx="1"/>
           </p:nvPr>
         </p:nvSpPr>
-        <p:spPr>
-          <a:xfrm>
-            <a:off x="723089" y="1172703"/>
-            <a:ext cx="10515600" cy="4896403"/>
-          </a:xfrm>
-          <a:solidFill>
-            <a:schemeClr val="bg1"/>
-          </a:solidFill>
-          <a:ln>
-            <a:solidFill>
-              <a:schemeClr val="tx1"/>
-            </a:solidFill>
-          </a:ln>
-        </p:spPr>
+        <p:spPr/>
         <p:txBody>
-          <a:bodyPr>
-            <a:noAutofit/>
-          </a:bodyPr>
+          <a:bodyPr/>
           <a:lstStyle/>
           <a:p>
-            <a:pPr marL="0" indent="0">
-              <a:buNone/>
-            </a:pPr>
-            <a:r>
-              <a:rPr lang="ja-JP" altLang="en-US" sz="2400" dirty="0">
+            <a:r>
+              <a:rPr lang="ja-JP" altLang="en-US" dirty="0"/>
+              <a:t>ｓｔｄ：：</a:t>
+            </a:r>
+            <a:r>
+              <a:rPr lang="en-US" altLang="ja-JP" dirty="0" err="1">
                 <a:solidFill>
                   <a:srgbClr val="FF0000"/>
                 </a:solidFill>
-                <a:ea typeface="ＭＳ ゴシック" panose="020B0609070205080204" pitchFamily="49" charset="-128"/>
-              </a:rPr>
-              <a:t>   </a:t>
-            </a:r>
-            <a:r>
-              <a:rPr lang="en-US" altLang="ja-JP" sz="2400" dirty="0">
-                <a:solidFill>
-                  <a:srgbClr val="FF0000"/>
-                </a:solidFill>
-                <a:ea typeface="ＭＳ ゴシック" panose="020B0609070205080204" pitchFamily="49" charset="-128"/>
-              </a:rPr>
-              <a:t>auto compare </a:t>
+              </a:rPr>
+              <a:t>max_element</a:t>
+            </a:r>
+            <a:r>
+              <a:rPr lang="en-US" altLang="ja-JP" dirty="0"/>
+              <a:t>(</a:t>
+            </a:r>
+            <a:r>
+              <a:rPr lang="ja-JP" altLang="en-US" dirty="0"/>
+              <a:t>イテレータ</a:t>
+            </a:r>
+            <a:r>
+              <a:rPr lang="en-US" altLang="ja-JP" dirty="0"/>
+              <a:t>1,</a:t>
+            </a:r>
+            <a:r>
+              <a:rPr lang="ja-JP" altLang="en-US" dirty="0"/>
+              <a:t>イテレータ</a:t>
+            </a:r>
+            <a:r>
+              <a:rPr lang="en-US" altLang="ja-JP" dirty="0"/>
+              <a:t>2)</a:t>
             </a:r>
             <a:br>
-              <a:rPr lang="en-US" altLang="ja-JP" sz="2400" dirty="0">
-                <a:solidFill>
-                  <a:srgbClr val="FF0000"/>
-                </a:solidFill>
-                <a:ea typeface="ＭＳ ゴシック" panose="020B0609070205080204" pitchFamily="49" charset="-128"/>
-              </a:rPr>
+              <a:rPr lang="en-US" altLang="ja-JP" dirty="0"/>
             </a:br>
             <a:r>
-              <a:rPr lang="en-US" altLang="ja-JP" sz="2400" dirty="0">
-                <a:solidFill>
-                  <a:srgbClr val="FF0000"/>
-                </a:solidFill>
-                <a:ea typeface="ＭＳ ゴシック" panose="020B0609070205080204" pitchFamily="49" charset="-128"/>
-              </a:rPr>
-              <a:t>    = [](int&amp; max, int&amp; min, const int&amp; data ){</a:t>
-            </a:r>
-          </a:p>
-          <a:p>
-            <a:pPr marL="0" indent="0">
-              <a:buNone/>
-            </a:pPr>
-            <a:r>
-              <a:rPr lang="en-US" altLang="ja-JP" sz="2000" dirty="0">
-                <a:solidFill>
-                  <a:srgbClr val="0000FF"/>
-                </a:solidFill>
-                <a:ea typeface="ＭＳ ゴシック" panose="020B0609070205080204" pitchFamily="49" charset="-128"/>
-              </a:rPr>
-              <a:t>        </a:t>
-            </a:r>
-            <a:r>
-              <a:rPr lang="en-US" altLang="ja-JP" sz="2000" dirty="0">
-                <a:solidFill>
-                  <a:srgbClr val="000000"/>
-                </a:solidFill>
-                <a:ea typeface="ＭＳ ゴシック" panose="020B0609070205080204" pitchFamily="49" charset="-128"/>
-              </a:rPr>
-              <a:t>max = max &lt; data ? data : max;</a:t>
+              <a:rPr lang="ja-JP" altLang="en-US" dirty="0"/>
+              <a:t>ｓｔｄ：：</a:t>
+            </a:r>
+            <a:r>
+              <a:rPr lang="en-US" altLang="ja-JP" dirty="0" err="1">
+                <a:solidFill>
+                  <a:srgbClr val="0070C0"/>
+                </a:solidFill>
+              </a:rPr>
+              <a:t>min_element</a:t>
+            </a:r>
+            <a:r>
+              <a:rPr lang="en-US" altLang="ja-JP" dirty="0"/>
+              <a:t>(</a:t>
+            </a:r>
+            <a:r>
+              <a:rPr lang="ja-JP" altLang="en-US" dirty="0"/>
+              <a:t>イテレータ</a:t>
+            </a:r>
+            <a:r>
+              <a:rPr lang="en-US" altLang="ja-JP" dirty="0"/>
+              <a:t>1,</a:t>
+            </a:r>
+            <a:r>
+              <a:rPr lang="ja-JP" altLang="en-US" dirty="0"/>
+              <a:t>イテレータ</a:t>
+            </a:r>
+            <a:r>
+              <a:rPr lang="en-US" altLang="ja-JP" dirty="0"/>
+              <a:t>2)</a:t>
             </a:r>
             <a:br>
-              <a:rPr lang="en-US" altLang="ja-JP" sz="2000" dirty="0">
-                <a:solidFill>
-                  <a:srgbClr val="000000"/>
-                </a:solidFill>
-                <a:ea typeface="ＭＳ ゴシック" panose="020B0609070205080204" pitchFamily="49" charset="-128"/>
-              </a:rPr>
+              <a:rPr lang="en-US" altLang="ja-JP" dirty="0"/>
             </a:br>
-            <a:r>
-              <a:rPr lang="en-US" altLang="ja-JP" sz="2000" dirty="0">
-                <a:solidFill>
-                  <a:srgbClr val="000000"/>
-                </a:solidFill>
-                <a:ea typeface="ＭＳ ゴシック" panose="020B0609070205080204" pitchFamily="49" charset="-128"/>
-              </a:rPr>
-              <a:t>        min = min &gt; data ? data : min;</a:t>
-            </a:r>
-          </a:p>
-          <a:p>
-            <a:pPr marL="0" indent="0">
-              <a:buNone/>
-            </a:pPr>
-            <a:r>
-              <a:rPr lang="en-US" altLang="ja-JP" sz="2400" dirty="0">
-                <a:solidFill>
-                  <a:srgbClr val="FF0000"/>
-                </a:solidFill>
-                <a:latin typeface="+mn-ea"/>
-              </a:rPr>
-              <a:t>      };</a:t>
-            </a:r>
-            <a:endParaRPr lang="en-US" altLang="ja-JP" sz="2000" dirty="0">
-              <a:solidFill>
-                <a:srgbClr val="008000"/>
-              </a:solidFill>
-              <a:ea typeface="ＭＳ ゴシック" panose="020B0609070205080204" pitchFamily="49" charset="-128"/>
-            </a:endParaRPr>
-          </a:p>
-          <a:p>
-            <a:pPr marL="0" indent="0">
-              <a:buNone/>
-            </a:pPr>
-            <a:r>
-              <a:rPr lang="en-US" altLang="ja-JP" sz="2000" dirty="0">
-                <a:solidFill>
-                  <a:srgbClr val="008000"/>
-                </a:solidFill>
-                <a:ea typeface="ＭＳ ゴシック" panose="020B0609070205080204" pitchFamily="49" charset="-128"/>
-              </a:rPr>
-              <a:t>    </a:t>
-            </a:r>
-            <a:r>
-              <a:rPr lang="en-US" altLang="ja-JP" sz="2000" dirty="0">
-                <a:solidFill>
-                  <a:srgbClr val="00B050"/>
-                </a:solidFill>
-                <a:latin typeface="+mn-ea"/>
-              </a:rPr>
-              <a:t>//***  </a:t>
-            </a:r>
-            <a:r>
-              <a:rPr lang="ja-JP" altLang="en-US" sz="2000" dirty="0">
-                <a:solidFill>
-                  <a:srgbClr val="00B050"/>
-                </a:solidFill>
-                <a:latin typeface="+mn-ea"/>
-              </a:rPr>
-              <a:t>範囲</a:t>
-            </a:r>
-            <a:r>
-              <a:rPr lang="en-US" altLang="ja-JP" sz="2000" dirty="0">
-                <a:solidFill>
-                  <a:srgbClr val="00B050"/>
-                </a:solidFill>
-                <a:latin typeface="+mn-ea"/>
-              </a:rPr>
-              <a:t>for</a:t>
-            </a:r>
-            <a:r>
-              <a:rPr lang="ja-JP" altLang="en-US" sz="2000" dirty="0">
-                <a:solidFill>
-                  <a:srgbClr val="00B050"/>
-                </a:solidFill>
-                <a:latin typeface="+mn-ea"/>
-              </a:rPr>
-              <a:t>を使ったループ </a:t>
-            </a:r>
-            <a:r>
-              <a:rPr lang="en-US" altLang="ja-JP" sz="2000" dirty="0">
-                <a:solidFill>
-                  <a:srgbClr val="00B050"/>
-                </a:solidFill>
-                <a:latin typeface="+mn-ea"/>
-              </a:rPr>
-              <a:t>***</a:t>
-            </a:r>
-            <a:endParaRPr lang="ja-JP" altLang="en-US" sz="2000" dirty="0">
-              <a:solidFill>
-                <a:srgbClr val="00B050"/>
-              </a:solidFill>
-              <a:latin typeface="+mn-ea"/>
-            </a:endParaRPr>
-          </a:p>
-          <a:p>
-            <a:pPr marL="0" indent="0">
-              <a:buNone/>
-            </a:pPr>
-            <a:r>
-              <a:rPr lang="en-US" altLang="ja-JP" sz="2000" dirty="0">
-                <a:solidFill>
-                  <a:srgbClr val="000000"/>
-                </a:solidFill>
-                <a:ea typeface="ＭＳ ゴシック" panose="020B0609070205080204" pitchFamily="49" charset="-128"/>
-              </a:rPr>
-              <a:t>    max = min = </a:t>
-            </a:r>
-            <a:r>
-              <a:rPr lang="en-US" altLang="ja-JP" sz="2000" dirty="0" err="1">
-                <a:solidFill>
-                  <a:srgbClr val="000000"/>
-                </a:solidFill>
-                <a:ea typeface="ＭＳ ゴシック" panose="020B0609070205080204" pitchFamily="49" charset="-128"/>
-              </a:rPr>
-              <a:t>vec</a:t>
-            </a:r>
-            <a:r>
-              <a:rPr lang="en-US" altLang="ja-JP" sz="2000" dirty="0">
-                <a:solidFill>
-                  <a:srgbClr val="008080"/>
-                </a:solidFill>
-                <a:ea typeface="ＭＳ ゴシック" panose="020B0609070205080204" pitchFamily="49" charset="-128"/>
-              </a:rPr>
-              <a:t>[</a:t>
-            </a:r>
-            <a:r>
-              <a:rPr lang="en-US" altLang="ja-JP" sz="2000" dirty="0">
-                <a:solidFill>
-                  <a:srgbClr val="000000"/>
-                </a:solidFill>
-                <a:ea typeface="ＭＳ ゴシック" panose="020B0609070205080204" pitchFamily="49" charset="-128"/>
-              </a:rPr>
-              <a:t>0</a:t>
-            </a:r>
-            <a:r>
-              <a:rPr lang="en-US" altLang="ja-JP" sz="2000" dirty="0">
-                <a:solidFill>
-                  <a:srgbClr val="008080"/>
-                </a:solidFill>
-                <a:latin typeface="+mn-ea"/>
-              </a:rPr>
-              <a:t>]</a:t>
-            </a:r>
-            <a:r>
-              <a:rPr lang="en-US" altLang="ja-JP" sz="2000" dirty="0">
-                <a:solidFill>
-                  <a:srgbClr val="000000"/>
-                </a:solidFill>
-                <a:latin typeface="+mn-ea"/>
-              </a:rPr>
-              <a:t>;  </a:t>
-            </a:r>
-            <a:r>
-              <a:rPr lang="en-US" altLang="ja-JP" sz="2000" dirty="0">
-                <a:solidFill>
-                  <a:srgbClr val="00B050"/>
-                </a:solidFill>
-                <a:latin typeface="+mn-ea"/>
-              </a:rPr>
-              <a:t>//</a:t>
-            </a:r>
-            <a:r>
-              <a:rPr lang="ja-JP" altLang="en-US" sz="2000" dirty="0">
-                <a:solidFill>
-                  <a:srgbClr val="00B050"/>
-                </a:solidFill>
-                <a:latin typeface="+mn-ea"/>
-              </a:rPr>
-              <a:t>仮の最大値最小値</a:t>
-            </a:r>
-          </a:p>
-          <a:p>
-            <a:pPr marL="0" indent="0">
-              <a:buNone/>
-            </a:pPr>
-            <a:r>
-              <a:rPr lang="nn-NO" altLang="ja-JP" sz="2000" dirty="0">
-                <a:solidFill>
-                  <a:srgbClr val="0000FF"/>
-                </a:solidFill>
-                <a:ea typeface="ＭＳ ゴシック" panose="020B0609070205080204" pitchFamily="49" charset="-128"/>
-              </a:rPr>
-              <a:t>    for</a:t>
-            </a:r>
-            <a:r>
-              <a:rPr lang="nn-NO" altLang="ja-JP" sz="2000" dirty="0">
-                <a:solidFill>
-                  <a:srgbClr val="000000"/>
-                </a:solidFill>
-                <a:ea typeface="ＭＳ ゴシック" panose="020B0609070205080204" pitchFamily="49" charset="-128"/>
-              </a:rPr>
-              <a:t> (</a:t>
-            </a:r>
-            <a:r>
-              <a:rPr lang="nn-NO" altLang="ja-JP" sz="2000" dirty="0">
-                <a:solidFill>
-                  <a:srgbClr val="0000FF"/>
-                </a:solidFill>
-                <a:ea typeface="ＭＳ ゴシック" panose="020B0609070205080204" pitchFamily="49" charset="-128"/>
-              </a:rPr>
-              <a:t>auto</a:t>
-            </a:r>
-            <a:r>
-              <a:rPr lang="nn-NO" altLang="ja-JP" sz="2000" dirty="0">
-                <a:solidFill>
-                  <a:srgbClr val="000000"/>
-                </a:solidFill>
-                <a:ea typeface="ＭＳ ゴシック" panose="020B0609070205080204" pitchFamily="49" charset="-128"/>
-              </a:rPr>
-              <a:t> d : vec) {</a:t>
-            </a:r>
-          </a:p>
-          <a:p>
-            <a:pPr marL="0" indent="0">
-              <a:buNone/>
-            </a:pPr>
-            <a:r>
-              <a:rPr lang="en-US" altLang="ja-JP" sz="1800" dirty="0">
-                <a:solidFill>
-                  <a:srgbClr val="0000FF"/>
-                </a:solidFill>
-                <a:ea typeface="ＭＳ ゴシック" panose="020B0609070205080204" pitchFamily="49" charset="-128"/>
-              </a:rPr>
-              <a:t>        </a:t>
-            </a:r>
-            <a:r>
-              <a:rPr lang="en-US" altLang="ja-JP" sz="2400" dirty="0">
-                <a:solidFill>
-                  <a:srgbClr val="FF0000"/>
-                </a:solidFill>
-                <a:ea typeface="ＭＳ ゴシック" panose="020B0609070205080204" pitchFamily="49" charset="-128"/>
-              </a:rPr>
-              <a:t>compare( max, min, d );</a:t>
-            </a:r>
-          </a:p>
-          <a:p>
-            <a:pPr marL="0" indent="0">
-              <a:buNone/>
-            </a:pPr>
-            <a:r>
-              <a:rPr lang="en-US" altLang="ja-JP" sz="2000" dirty="0">
-                <a:solidFill>
-                  <a:srgbClr val="000000"/>
-                </a:solidFill>
-                <a:ea typeface="ＭＳ ゴシック" panose="020B0609070205080204" pitchFamily="49" charset="-128"/>
-              </a:rPr>
-              <a:t>    }</a:t>
-            </a:r>
-          </a:p>
-          <a:p>
-            <a:pPr marL="0" indent="0">
-              <a:buNone/>
-            </a:pPr>
-            <a:r>
-              <a:rPr lang="en-US" altLang="ja-JP" sz="2000" dirty="0">
-                <a:solidFill>
-                  <a:srgbClr val="000000"/>
-                </a:solidFill>
-                <a:ea typeface="ＭＳ ゴシック" panose="020B0609070205080204" pitchFamily="49" charset="-128"/>
-              </a:rPr>
-              <a:t>    </a:t>
-            </a:r>
-            <a:r>
-              <a:rPr lang="en-US" altLang="ja-JP" sz="2000" dirty="0" err="1">
-                <a:solidFill>
-                  <a:srgbClr val="000000"/>
-                </a:solidFill>
-                <a:ea typeface="ＭＳ ゴシック" panose="020B0609070205080204" pitchFamily="49" charset="-128"/>
-              </a:rPr>
-              <a:t>cout</a:t>
-            </a:r>
-            <a:r>
-              <a:rPr lang="en-US" altLang="ja-JP" sz="2000" dirty="0">
-                <a:solidFill>
-                  <a:srgbClr val="000000"/>
-                </a:solidFill>
-                <a:ea typeface="ＭＳ ゴシック" panose="020B0609070205080204" pitchFamily="49" charset="-128"/>
-              </a:rPr>
-              <a:t> </a:t>
-            </a:r>
-            <a:r>
-              <a:rPr lang="en-US" altLang="ja-JP" sz="2000" dirty="0">
-                <a:solidFill>
-                  <a:srgbClr val="008080"/>
-                </a:solidFill>
-                <a:ea typeface="ＭＳ ゴシック" panose="020B0609070205080204" pitchFamily="49" charset="-128"/>
-              </a:rPr>
-              <a:t>&lt;&lt;</a:t>
-            </a:r>
-            <a:r>
-              <a:rPr lang="en-US" altLang="ja-JP" sz="2000" dirty="0">
-                <a:solidFill>
-                  <a:srgbClr val="000000"/>
-                </a:solidFill>
-                <a:ea typeface="ＭＳ ゴシック" panose="020B0609070205080204" pitchFamily="49" charset="-128"/>
-              </a:rPr>
-              <a:t> </a:t>
-            </a:r>
-            <a:r>
-              <a:rPr lang="en-US" altLang="ja-JP" sz="2000" dirty="0">
-                <a:solidFill>
-                  <a:srgbClr val="A31515"/>
-                </a:solidFill>
-                <a:ea typeface="ＭＳ ゴシック" panose="020B0609070205080204" pitchFamily="49" charset="-128"/>
-              </a:rPr>
-              <a:t>"</a:t>
-            </a:r>
-            <a:r>
-              <a:rPr lang="ja-JP" altLang="en-US" sz="2000" dirty="0">
-                <a:solidFill>
-                  <a:srgbClr val="A31515"/>
-                </a:solidFill>
-                <a:latin typeface="+mn-ea"/>
-              </a:rPr>
-              <a:t>最大値</a:t>
-            </a:r>
-            <a:r>
-              <a:rPr lang="en-US" altLang="ja-JP" sz="2000" dirty="0">
-                <a:solidFill>
-                  <a:srgbClr val="A31515"/>
-                </a:solidFill>
-                <a:latin typeface="+mn-ea"/>
-              </a:rPr>
-              <a:t>:</a:t>
-            </a:r>
-            <a:r>
-              <a:rPr lang="en-US" altLang="ja-JP" sz="2000" dirty="0">
-                <a:solidFill>
-                  <a:srgbClr val="A31515"/>
-                </a:solidFill>
-                <a:ea typeface="ＭＳ ゴシック" panose="020B0609070205080204" pitchFamily="49" charset="-128"/>
-              </a:rPr>
-              <a:t>"</a:t>
-            </a:r>
-            <a:r>
-              <a:rPr lang="ja-JP" altLang="en-US" sz="2000" dirty="0">
-                <a:solidFill>
-                  <a:srgbClr val="000000"/>
-                </a:solidFill>
-                <a:ea typeface="ＭＳ ゴシック" panose="020B0609070205080204" pitchFamily="49" charset="-128"/>
-              </a:rPr>
-              <a:t> </a:t>
-            </a:r>
-            <a:r>
-              <a:rPr lang="en-US" altLang="ja-JP" sz="2000" dirty="0">
-                <a:solidFill>
-                  <a:srgbClr val="008080"/>
-                </a:solidFill>
-                <a:ea typeface="ＭＳ ゴシック" panose="020B0609070205080204" pitchFamily="49" charset="-128"/>
-              </a:rPr>
-              <a:t>&lt;&lt;</a:t>
-            </a:r>
-            <a:r>
-              <a:rPr lang="ja-JP" altLang="en-US" sz="2000" dirty="0">
-                <a:solidFill>
-                  <a:srgbClr val="000000"/>
-                </a:solidFill>
-                <a:ea typeface="ＭＳ ゴシック" panose="020B0609070205080204" pitchFamily="49" charset="-128"/>
-              </a:rPr>
-              <a:t> </a:t>
-            </a:r>
-            <a:r>
-              <a:rPr lang="en-US" altLang="ja-JP" sz="2000" dirty="0">
-                <a:solidFill>
-                  <a:srgbClr val="000000"/>
-                </a:solidFill>
-                <a:ea typeface="ＭＳ ゴシック" panose="020B0609070205080204" pitchFamily="49" charset="-128"/>
-              </a:rPr>
-              <a:t>max </a:t>
-            </a:r>
-            <a:r>
-              <a:rPr lang="en-US" altLang="ja-JP" sz="2000" dirty="0">
-                <a:solidFill>
-                  <a:srgbClr val="008080"/>
-                </a:solidFill>
-                <a:ea typeface="ＭＳ ゴシック" panose="020B0609070205080204" pitchFamily="49" charset="-128"/>
-              </a:rPr>
-              <a:t>&lt;&lt;</a:t>
-            </a:r>
-            <a:r>
-              <a:rPr lang="en-US" altLang="ja-JP" sz="2000" dirty="0">
-                <a:solidFill>
-                  <a:srgbClr val="000000"/>
-                </a:solidFill>
-                <a:ea typeface="ＭＳ ゴシック" panose="020B0609070205080204" pitchFamily="49" charset="-128"/>
-              </a:rPr>
-              <a:t> </a:t>
-            </a:r>
-            <a:r>
-              <a:rPr lang="en-US" altLang="ja-JP" sz="2000" dirty="0">
-                <a:solidFill>
-                  <a:srgbClr val="A31515"/>
-                </a:solidFill>
-                <a:ea typeface="ＭＳ ゴシック" panose="020B0609070205080204" pitchFamily="49" charset="-128"/>
-              </a:rPr>
-              <a:t>" </a:t>
-            </a:r>
-            <a:r>
-              <a:rPr lang="ja-JP" altLang="en-US" sz="2000" dirty="0">
-                <a:solidFill>
-                  <a:srgbClr val="A31515"/>
-                </a:solidFill>
-                <a:latin typeface="+mn-ea"/>
-              </a:rPr>
-              <a:t>最小値</a:t>
-            </a:r>
-            <a:r>
-              <a:rPr lang="en-US" altLang="ja-JP" sz="2000" dirty="0">
-                <a:solidFill>
-                  <a:srgbClr val="A31515"/>
-                </a:solidFill>
-                <a:latin typeface="+mn-ea"/>
-              </a:rPr>
-              <a:t>:</a:t>
-            </a:r>
-            <a:r>
-              <a:rPr lang="en-US" altLang="ja-JP" sz="2000" dirty="0">
-                <a:solidFill>
-                  <a:srgbClr val="A31515"/>
-                </a:solidFill>
-                <a:ea typeface="ＭＳ ゴシック" panose="020B0609070205080204" pitchFamily="49" charset="-128"/>
-              </a:rPr>
-              <a:t>"</a:t>
-            </a:r>
-            <a:r>
-              <a:rPr lang="ja-JP" altLang="en-US" sz="2000" dirty="0">
-                <a:solidFill>
-                  <a:srgbClr val="000000"/>
-                </a:solidFill>
-                <a:ea typeface="ＭＳ ゴシック" panose="020B0609070205080204" pitchFamily="49" charset="-128"/>
-              </a:rPr>
-              <a:t> </a:t>
-            </a:r>
-            <a:r>
-              <a:rPr lang="en-US" altLang="ja-JP" sz="2000" dirty="0">
-                <a:solidFill>
-                  <a:srgbClr val="008080"/>
-                </a:solidFill>
-                <a:ea typeface="ＭＳ ゴシック" panose="020B0609070205080204" pitchFamily="49" charset="-128"/>
-              </a:rPr>
-              <a:t>&lt;&lt;</a:t>
-            </a:r>
-            <a:r>
-              <a:rPr lang="ja-JP" altLang="en-US" sz="2000" dirty="0">
-                <a:solidFill>
-                  <a:srgbClr val="000000"/>
-                </a:solidFill>
-                <a:ea typeface="ＭＳ ゴシック" panose="020B0609070205080204" pitchFamily="49" charset="-128"/>
-              </a:rPr>
-              <a:t> </a:t>
-            </a:r>
-            <a:r>
-              <a:rPr lang="en-US" altLang="ja-JP" sz="2000" dirty="0">
-                <a:solidFill>
-                  <a:srgbClr val="000000"/>
-                </a:solidFill>
-                <a:ea typeface="ＭＳ ゴシック" panose="020B0609070205080204" pitchFamily="49" charset="-128"/>
-              </a:rPr>
-              <a:t>min </a:t>
-            </a:r>
-            <a:r>
-              <a:rPr lang="en-US" altLang="ja-JP" sz="2000" dirty="0">
-                <a:solidFill>
-                  <a:srgbClr val="008080"/>
-                </a:solidFill>
-                <a:ea typeface="ＭＳ ゴシック" panose="020B0609070205080204" pitchFamily="49" charset="-128"/>
-              </a:rPr>
-              <a:t>&lt;&lt;</a:t>
-            </a:r>
-            <a:r>
-              <a:rPr lang="en-US" altLang="ja-JP" sz="2000" dirty="0">
-                <a:solidFill>
-                  <a:srgbClr val="000000"/>
-                </a:solidFill>
-                <a:ea typeface="ＭＳ ゴシック" panose="020B0609070205080204" pitchFamily="49" charset="-128"/>
-              </a:rPr>
-              <a:t> </a:t>
-            </a:r>
-            <a:r>
-              <a:rPr lang="en-US" altLang="ja-JP" sz="2000" dirty="0" err="1">
-                <a:solidFill>
-                  <a:srgbClr val="000000"/>
-                </a:solidFill>
-                <a:ea typeface="ＭＳ ゴシック" panose="020B0609070205080204" pitchFamily="49" charset="-128"/>
-              </a:rPr>
-              <a:t>endl</a:t>
-            </a:r>
-            <a:r>
-              <a:rPr lang="en-US" altLang="ja-JP" sz="2000" dirty="0">
-                <a:solidFill>
-                  <a:srgbClr val="000000"/>
-                </a:solidFill>
-                <a:ea typeface="ＭＳ ゴシック" panose="020B0609070205080204" pitchFamily="49" charset="-128"/>
-              </a:rPr>
-              <a:t>;</a:t>
-            </a:r>
-            <a:endParaRPr lang="en-US" altLang="ja-JP" sz="2000" dirty="0"/>
-          </a:p>
-        </p:txBody>
-      </p:sp>
-      <p:sp>
-        <p:nvSpPr>
-          <p:cNvPr id="4" name="テキスト ボックス 3">
-            <a:extLst>
-              <a:ext uri="{FF2B5EF4-FFF2-40B4-BE49-F238E27FC236}">
-                <a16:creationId xmlns:a16="http://schemas.microsoft.com/office/drawing/2014/main" id="{36167C58-0781-4BAB-BAA5-8E3EEFBCFF26}"/>
-              </a:ext>
-            </a:extLst>
-          </p:cNvPr>
-          <p:cNvSpPr txBox="1"/>
-          <p:nvPr/>
-        </p:nvSpPr>
-        <p:spPr>
-          <a:xfrm>
-            <a:off x="6712786" y="639756"/>
-            <a:ext cx="4641014" cy="523220"/>
-          </a:xfrm>
-          <a:prstGeom prst="rect">
-            <a:avLst/>
-          </a:prstGeom>
-          <a:noFill/>
-        </p:spPr>
-        <p:txBody>
-          <a:bodyPr wrap="none" rtlCol="0">
-            <a:spAutoFit/>
-          </a:bodyPr>
-          <a:lstStyle/>
-          <a:p>
-            <a:r>
-              <a:rPr kumimoji="1" lang="en-US" altLang="ja-JP" sz="2800" dirty="0" err="1"/>
-              <a:t>PracVector</a:t>
-            </a:r>
-            <a:r>
-              <a:rPr kumimoji="1" lang="en-US" altLang="ja-JP" sz="2800" dirty="0"/>
-              <a:t>(main.cpp)</a:t>
-            </a:r>
-            <a:endParaRPr kumimoji="1" lang="ja-JP" altLang="en-US" sz="2800" dirty="0"/>
-          </a:p>
-        </p:txBody>
-      </p:sp>
-      <p:sp>
-        <p:nvSpPr>
-          <p:cNvPr id="6" name="テキスト ボックス 5">
-            <a:extLst>
-              <a:ext uri="{FF2B5EF4-FFF2-40B4-BE49-F238E27FC236}">
-                <a16:creationId xmlns:a16="http://schemas.microsoft.com/office/drawing/2014/main" id="{F4A41511-A884-440D-BE67-22EF90698E24}"/>
-              </a:ext>
-            </a:extLst>
-          </p:cNvPr>
-          <p:cNvSpPr txBox="1"/>
-          <p:nvPr/>
-        </p:nvSpPr>
-        <p:spPr>
-          <a:xfrm>
-            <a:off x="7586727" y="1900518"/>
-            <a:ext cx="3651962" cy="2062103"/>
-          </a:xfrm>
-          <a:prstGeom prst="rect">
-            <a:avLst/>
-          </a:prstGeom>
-          <a:noFill/>
-        </p:spPr>
-        <p:txBody>
-          <a:bodyPr wrap="square" rtlCol="0">
-            <a:spAutoFit/>
-          </a:bodyPr>
-          <a:lstStyle/>
-          <a:p>
-            <a:r>
-              <a:rPr kumimoji="1" lang="ja-JP" altLang="en-US" sz="3200" dirty="0">
-                <a:solidFill>
-                  <a:srgbClr val="00B0F0"/>
-                </a:solidFill>
-              </a:rPr>
-              <a:t>ラムダ式を用いた</a:t>
-            </a:r>
-            <a:endParaRPr kumimoji="1" lang="en-US" altLang="ja-JP" sz="3200" dirty="0">
-              <a:solidFill>
-                <a:srgbClr val="00B0F0"/>
-              </a:solidFill>
-            </a:endParaRPr>
-          </a:p>
-          <a:p>
-            <a:r>
-              <a:rPr kumimoji="1" lang="ja-JP" altLang="en-US" sz="3200" dirty="0">
-                <a:solidFill>
-                  <a:srgbClr val="00B0F0"/>
-                </a:solidFill>
-              </a:rPr>
-              <a:t>関数記法</a:t>
-            </a:r>
-            <a:r>
-              <a:rPr kumimoji="1" lang="en-US" altLang="ja-JP" sz="3200" dirty="0">
-                <a:solidFill>
-                  <a:srgbClr val="00B0F0"/>
-                </a:solidFill>
-              </a:rPr>
-              <a:t>[](){}</a:t>
-            </a:r>
             <a:br>
-              <a:rPr kumimoji="1" lang="en-US" altLang="ja-JP" sz="3200" dirty="0">
-                <a:solidFill>
-                  <a:srgbClr val="00B0F0"/>
-                </a:solidFill>
-              </a:rPr>
+              <a:rPr lang="en-US" altLang="ja-JP" dirty="0"/>
             </a:br>
             <a:r>
-              <a:rPr kumimoji="1" lang="ja-JP" altLang="en-US" sz="3200" dirty="0">
-                <a:solidFill>
-                  <a:srgbClr val="00B0F0"/>
-                </a:solidFill>
-              </a:rPr>
-              <a:t>（関数の中に関数を</a:t>
+              <a:rPr lang="ja-JP" altLang="en-US" sz="3200" dirty="0"/>
+              <a:t>イテレータ</a:t>
+            </a:r>
+            <a:r>
+              <a:rPr lang="en-US" altLang="ja-JP" sz="3200" dirty="0"/>
+              <a:t>1</a:t>
+            </a:r>
+            <a:r>
+              <a:rPr lang="ja-JP" altLang="en-US" sz="3200" dirty="0"/>
+              <a:t>～イテレータ</a:t>
+            </a:r>
+            <a:r>
+              <a:rPr lang="en-US" altLang="ja-JP" sz="3200" dirty="0"/>
+              <a:t>2</a:t>
+            </a:r>
+            <a:r>
+              <a:rPr lang="ja-JP" altLang="en-US" sz="3200" dirty="0"/>
+              <a:t>までの範囲で最大値・最小値のあるイテレータを返す標準関数が</a:t>
+            </a:r>
+            <a:r>
+              <a:rPr lang="en-US" altLang="ja-JP" sz="3200" dirty="0"/>
+              <a:t>C++</a:t>
+            </a:r>
+            <a:r>
+              <a:rPr lang="ja-JP" altLang="en-US" sz="3200" dirty="0"/>
+              <a:t>では実装済み</a:t>
             </a:r>
             <a:br>
-              <a:rPr kumimoji="1" lang="en-US" altLang="ja-JP" sz="3200" dirty="0">
-                <a:solidFill>
-                  <a:srgbClr val="00B0F0"/>
-                </a:solidFill>
-              </a:rPr>
+              <a:rPr lang="en-US" altLang="ja-JP" sz="1600" dirty="0"/>
             </a:br>
-            <a:r>
-              <a:rPr kumimoji="1" lang="ja-JP" altLang="en-US" sz="3200" dirty="0">
-                <a:solidFill>
-                  <a:srgbClr val="00B0F0"/>
-                </a:solidFill>
-              </a:rPr>
-              <a:t>　実装可能）</a:t>
-            </a:r>
-            <a:endParaRPr kumimoji="1" lang="en-US" altLang="ja-JP" sz="3200" dirty="0">
-              <a:solidFill>
-                <a:srgbClr val="00B0F0"/>
-              </a:solidFill>
-            </a:endParaRPr>
+            <a:br>
+              <a:rPr lang="en-US" altLang="ja-JP" sz="1600" dirty="0"/>
+            </a:br>
+            <a:r>
+              <a:rPr lang="ja-JP" altLang="en-US" sz="3200" dirty="0"/>
+              <a:t>これらを使用するとループ処理がそもそも不要になる</a:t>
+            </a:r>
+            <a:endParaRPr lang="ja-JP" altLang="en-US" dirty="0"/>
           </a:p>
         </p:txBody>
       </p:sp>
     </p:spTree>
     <p:extLst>
       <p:ext uri="{BB962C8B-B14F-4D97-AF65-F5344CB8AC3E}">
-        <p14:creationId xmlns:p14="http://schemas.microsoft.com/office/powerpoint/2010/main" val="2935898688"/>
+        <p14:creationId xmlns:p14="http://schemas.microsoft.com/office/powerpoint/2010/main" val="3329301852"/>
       </p:ext>
     </p:extLst>
   </p:cSld>
